--- a/07_06_22_day2_dynamical_time_series/slides/day2_introduction.pptx
+++ b/07_06_22_day2_dynamical_time_series/slides/day2_introduction.pptx
@@ -3860,8 +3860,12 @@
           </a:p>
           <a:p>
             <a:r>
+              <a:rPr lang="en-US"/>
+              <a:t>July 6, </a:t>
+            </a:r>
+            <a:r>
               <a:rPr lang="en-US" dirty="0"/>
-              <a:t>July 7, 2022</a:t>
+              <a:t>2022</a:t>
             </a:r>
           </a:p>
         </p:txBody>

--- a/07_06_22_day2_dynamical_time_series/slides/day2_introduction.pptx
+++ b/07_06_22_day2_dynamical_time_series/slides/day2_introduction.pptx
@@ -5,7 +5,7 @@
     <p:sldMasterId id="2147483648" r:id="rId1"/>
   </p:sldMasterIdLst>
   <p:notesMasterIdLst>
-    <p:notesMasterId r:id="rId26"/>
+    <p:notesMasterId r:id="rId27"/>
   </p:notesMasterIdLst>
   <p:sldIdLst>
     <p:sldId id="256" r:id="rId2"/>
@@ -21,17 +21,18 @@
     <p:sldId id="258" r:id="rId12"/>
     <p:sldId id="270" r:id="rId13"/>
     <p:sldId id="272" r:id="rId14"/>
-    <p:sldId id="266" r:id="rId15"/>
-    <p:sldId id="271" r:id="rId16"/>
-    <p:sldId id="273" r:id="rId17"/>
-    <p:sldId id="276" r:id="rId18"/>
-    <p:sldId id="275" r:id="rId19"/>
-    <p:sldId id="277" r:id="rId20"/>
-    <p:sldId id="274" r:id="rId21"/>
-    <p:sldId id="278" r:id="rId22"/>
-    <p:sldId id="279" r:id="rId23"/>
-    <p:sldId id="280" r:id="rId24"/>
-    <p:sldId id="281" r:id="rId25"/>
+    <p:sldId id="282" r:id="rId15"/>
+    <p:sldId id="266" r:id="rId16"/>
+    <p:sldId id="271" r:id="rId17"/>
+    <p:sldId id="273" r:id="rId18"/>
+    <p:sldId id="276" r:id="rId19"/>
+    <p:sldId id="275" r:id="rId20"/>
+    <p:sldId id="277" r:id="rId21"/>
+    <p:sldId id="274" r:id="rId22"/>
+    <p:sldId id="278" r:id="rId23"/>
+    <p:sldId id="279" r:id="rId24"/>
+    <p:sldId id="280" r:id="rId25"/>
+    <p:sldId id="281" r:id="rId26"/>
   </p:sldIdLst>
   <p:sldSz cx="12192000" cy="6858000"/>
   <p:notesSz cx="6858000" cy="9144000"/>
@@ -560,7 +561,7 @@
           <a:p>
             <a:fld id="{589CCC7D-D5B9-4873-8AD0-0076A6B30CA2}" type="slidenum">
               <a:rPr lang="en-US" smtClean="0"/>
-              <a:t>21</a:t>
+              <a:t>22</a:t>
             </a:fld>
             <a:endParaRPr lang="en-US"/>
           </a:p>
@@ -3860,12 +3861,8 @@
           </a:p>
           <a:p>
             <a:r>
-              <a:rPr lang="en-US"/>
-              <a:t>July 6, </a:t>
-            </a:r>
-            <a:r>
               <a:rPr lang="en-US" dirty="0"/>
-              <a:t>2022</a:t>
+              <a:t>July 6, 2022</a:t>
             </a:r>
           </a:p>
         </p:txBody>
@@ -10435,6 +10432,161 @@
           <a:chExt cx="0" cy="0"/>
         </a:xfrm>
       </p:grpSpPr>
+      <p:sp>
+        <p:nvSpPr>
+          <p:cNvPr id="2" name="TextBox 1">
+            <a:extLst>
+              <a:ext uri="{FF2B5EF4-FFF2-40B4-BE49-F238E27FC236}">
+                <a16:creationId xmlns:a16="http://schemas.microsoft.com/office/drawing/2014/main" id="{A78BC80A-3ADB-2794-DBE0-36F038308F63}"/>
+              </a:ext>
+            </a:extLst>
+          </p:cNvPr>
+          <p:cNvSpPr txBox="1"/>
+          <p:nvPr/>
+        </p:nvSpPr>
+        <p:spPr>
+          <a:xfrm>
+            <a:off x="211973" y="332508"/>
+            <a:ext cx="11768051" cy="461665"/>
+          </a:xfrm>
+          <a:prstGeom prst="rect">
+            <a:avLst/>
+          </a:prstGeom>
+          <a:noFill/>
+        </p:spPr>
+        <p:txBody>
+          <a:bodyPr wrap="square" rtlCol="0">
+            <a:spAutoFit/>
+          </a:bodyPr>
+          <a:lstStyle/>
+          <a:p>
+            <a:r>
+              <a:rPr lang="en-US" sz="2400" dirty="0"/>
+              <a:t>What is my neuron doing and why?</a:t>
+            </a:r>
+          </a:p>
+        </p:txBody>
+      </p:sp>
+      <p:sp>
+        <p:nvSpPr>
+          <p:cNvPr id="5" name="TextBox 4">
+            <a:extLst>
+              <a:ext uri="{FF2B5EF4-FFF2-40B4-BE49-F238E27FC236}">
+                <a16:creationId xmlns:a16="http://schemas.microsoft.com/office/drawing/2014/main" id="{87ABEBDB-9A4C-E670-584F-CDAEECEA226B}"/>
+              </a:ext>
+            </a:extLst>
+          </p:cNvPr>
+          <p:cNvSpPr txBox="1"/>
+          <p:nvPr/>
+        </p:nvSpPr>
+        <p:spPr>
+          <a:xfrm>
+            <a:off x="478945" y="1467852"/>
+            <a:ext cx="4848726" cy="2308324"/>
+          </a:xfrm>
+          <a:prstGeom prst="rect">
+            <a:avLst/>
+          </a:prstGeom>
+          <a:noFill/>
+        </p:spPr>
+        <p:txBody>
+          <a:bodyPr wrap="square" rtlCol="0">
+            <a:spAutoFit/>
+          </a:bodyPr>
+          <a:lstStyle/>
+          <a:p>
+            <a:r>
+              <a:rPr lang="en-US" dirty="0"/>
+              <a:t>We won’t get into this today (unless you insist), but there are some excellent methods in dynamical systems for visualizing these models and understanding their behavior.</a:t>
+            </a:r>
+          </a:p>
+          <a:p>
+            <a:endParaRPr lang="en-US" dirty="0"/>
+          </a:p>
+          <a:p>
+            <a:r>
+              <a:rPr lang="en-US" dirty="0"/>
+              <a:t>If you’re interested, check out the bonus notebook “</a:t>
+            </a:r>
+            <a:r>
+              <a:rPr lang="en-US" dirty="0" err="1"/>
+              <a:t>neural_model_simulation</a:t>
+            </a:r>
+            <a:r>
+              <a:rPr lang="en-US" dirty="0"/>
+              <a:t>” on the Morris-</a:t>
+            </a:r>
+            <a:r>
+              <a:rPr lang="en-US" dirty="0" err="1"/>
+              <a:t>Lecar</a:t>
+            </a:r>
+            <a:r>
+              <a:rPr lang="en-US" dirty="0"/>
+              <a:t> model! </a:t>
+            </a:r>
+          </a:p>
+        </p:txBody>
+      </p:sp>
+      <p:pic>
+        <p:nvPicPr>
+          <p:cNvPr id="7" name="Picture 6">
+            <a:extLst>
+              <a:ext uri="{FF2B5EF4-FFF2-40B4-BE49-F238E27FC236}">
+                <a16:creationId xmlns:a16="http://schemas.microsoft.com/office/drawing/2014/main" id="{D3146858-AF53-24DF-5958-AA75F33029E2}"/>
+              </a:ext>
+            </a:extLst>
+          </p:cNvPr>
+          <p:cNvPicPr>
+            <a:picLocks noChangeAspect="1"/>
+          </p:cNvPicPr>
+          <p:nvPr/>
+        </p:nvPicPr>
+        <p:blipFill>
+          <a:blip r:embed="rId2"/>
+          <a:stretch>
+            <a:fillRect/>
+          </a:stretch>
+        </p:blipFill>
+        <p:spPr>
+          <a:xfrm>
+            <a:off x="6268452" y="611589"/>
+            <a:ext cx="5058736" cy="5913903"/>
+          </a:xfrm>
+          <a:prstGeom prst="rect">
+            <a:avLst/>
+          </a:prstGeom>
+        </p:spPr>
+      </p:pic>
+    </p:spTree>
+    <p:extLst>
+      <p:ext uri="{BB962C8B-B14F-4D97-AF65-F5344CB8AC3E}">
+        <p14:creationId xmlns:p14="http://schemas.microsoft.com/office/powerpoint/2010/main" val="1682500369"/>
+      </p:ext>
+    </p:extLst>
+  </p:cSld>
+  <p:clrMapOvr>
+    <a:masterClrMapping/>
+  </p:clrMapOvr>
+</p:sld>
+</file>
+
+<file path=ppt/slides/slide15.xml><?xml version="1.0" encoding="utf-8"?>
+<p:sld xmlns:a="http://schemas.openxmlformats.org/drawingml/2006/main" xmlns:r="http://schemas.openxmlformats.org/officeDocument/2006/relationships" xmlns:p="http://schemas.openxmlformats.org/presentationml/2006/main">
+  <p:cSld>
+    <p:spTree>
+      <p:nvGrpSpPr>
+        <p:cNvPr id="1" name=""/>
+        <p:cNvGrpSpPr/>
+        <p:nvPr/>
+      </p:nvGrpSpPr>
+      <p:grpSpPr>
+        <a:xfrm>
+          <a:off x="0" y="0"/>
+          <a:ext cx="0" cy="0"/>
+          <a:chOff x="0" y="0"/>
+          <a:chExt cx="0" cy="0"/>
+        </a:xfrm>
+      </p:grpSpPr>
       <p:grpSp>
         <p:nvGrpSpPr>
           <p:cNvPr id="2" name="Group 1">
@@ -11088,7 +11240,7 @@
 </p:sld>
 </file>
 
-<file path=ppt/slides/slide15.xml><?xml version="1.0" encoding="utf-8"?>
+<file path=ppt/slides/slide16.xml><?xml version="1.0" encoding="utf-8"?>
 <p:sld xmlns:a="http://schemas.openxmlformats.org/drawingml/2006/main" xmlns:r="http://schemas.openxmlformats.org/officeDocument/2006/relationships" xmlns:p="http://schemas.openxmlformats.org/presentationml/2006/main">
   <p:cSld>
     <p:spTree>
@@ -13230,7 +13382,7 @@
 </p:sld>
 </file>
 
-<file path=ppt/slides/slide16.xml><?xml version="1.0" encoding="utf-8"?>
+<file path=ppt/slides/slide17.xml><?xml version="1.0" encoding="utf-8"?>
 <p:sld xmlns:a="http://schemas.openxmlformats.org/drawingml/2006/main" xmlns:r="http://schemas.openxmlformats.org/officeDocument/2006/relationships" xmlns:p="http://schemas.openxmlformats.org/presentationml/2006/main">
   <p:cSld>
     <p:spTree>
@@ -14229,7 +14381,7 @@
 </p:sld>
 </file>
 
-<file path=ppt/slides/slide17.xml><?xml version="1.0" encoding="utf-8"?>
+<file path=ppt/slides/slide18.xml><?xml version="1.0" encoding="utf-8"?>
 <p:sld xmlns:a="http://schemas.openxmlformats.org/drawingml/2006/main" xmlns:r="http://schemas.openxmlformats.org/officeDocument/2006/relationships" xmlns:p="http://schemas.openxmlformats.org/presentationml/2006/main">
   <p:cSld>
     <p:spTree>
@@ -14503,7 +14655,7 @@
 </p:sld>
 </file>
 
-<file path=ppt/slides/slide18.xml><?xml version="1.0" encoding="utf-8"?>
+<file path=ppt/slides/slide19.xml><?xml version="1.0" encoding="utf-8"?>
 <p:sld xmlns:a="http://schemas.openxmlformats.org/drawingml/2006/main" xmlns:r="http://schemas.openxmlformats.org/officeDocument/2006/relationships" xmlns:p="http://schemas.openxmlformats.org/presentationml/2006/main">
   <p:cSld>
     <p:spTree>
@@ -15382,1018 +15534,6 @@
     </p:tnLst>
     <p:bldLst>
       <p:bldP spid="5" grpId="0"/>
-    </p:bldLst>
-  </p:timing>
-</p:sld>
-</file>
-
-<file path=ppt/slides/slide19.xml><?xml version="1.0" encoding="utf-8"?>
-<p:sld xmlns:a="http://schemas.openxmlformats.org/drawingml/2006/main" xmlns:r="http://schemas.openxmlformats.org/officeDocument/2006/relationships" xmlns:p="http://schemas.openxmlformats.org/presentationml/2006/main">
-  <p:cSld>
-    <p:spTree>
-      <p:nvGrpSpPr>
-        <p:cNvPr id="1" name=""/>
-        <p:cNvGrpSpPr/>
-        <p:nvPr/>
-      </p:nvGrpSpPr>
-      <p:grpSpPr>
-        <a:xfrm>
-          <a:off x="0" y="0"/>
-          <a:ext cx="0" cy="0"/>
-          <a:chOff x="0" y="0"/>
-          <a:chExt cx="0" cy="0"/>
-        </a:xfrm>
-      </p:grpSpPr>
-      <p:sp>
-        <p:nvSpPr>
-          <p:cNvPr id="2" name="TextBox 1">
-            <a:extLst>
-              <a:ext uri="{FF2B5EF4-FFF2-40B4-BE49-F238E27FC236}">
-                <a16:creationId xmlns:a16="http://schemas.microsoft.com/office/drawing/2014/main" id="{1D404F9D-E56C-A2E2-F0D4-262A3602E94A}"/>
-              </a:ext>
-            </a:extLst>
-          </p:cNvPr>
-          <p:cNvSpPr txBox="1"/>
-          <p:nvPr/>
-        </p:nvSpPr>
-        <p:spPr>
-          <a:xfrm>
-            <a:off x="211973" y="332508"/>
-            <a:ext cx="11768051" cy="1200329"/>
-          </a:xfrm>
-          <a:prstGeom prst="rect">
-            <a:avLst/>
-          </a:prstGeom>
-          <a:noFill/>
-        </p:spPr>
-        <p:txBody>
-          <a:bodyPr wrap="square" rtlCol="0">
-            <a:spAutoFit/>
-          </a:bodyPr>
-          <a:lstStyle/>
-          <a:p>
-            <a:r>
-              <a:rPr lang="en-US" sz="2400" dirty="0"/>
-              <a:t>Actually, just keep the filtering, and give me an approximate spike rate</a:t>
-            </a:r>
-          </a:p>
-          <a:p>
-            <a:endParaRPr lang="en-US" sz="2400" dirty="0"/>
-          </a:p>
-          <a:p>
-            <a:r>
-              <a:rPr lang="en-US" sz="2400" dirty="0"/>
-              <a:t>	=&gt; rate models</a:t>
-            </a:r>
-          </a:p>
-        </p:txBody>
-      </p:sp>
-      <p:sp>
-        <p:nvSpPr>
-          <p:cNvPr id="4" name="TextBox 3">
-            <a:extLst>
-              <a:ext uri="{FF2B5EF4-FFF2-40B4-BE49-F238E27FC236}">
-                <a16:creationId xmlns:a16="http://schemas.microsoft.com/office/drawing/2014/main" id="{1C0E9784-3D67-4880-7751-A7F1F552E340}"/>
-              </a:ext>
-            </a:extLst>
-          </p:cNvPr>
-          <p:cNvSpPr txBox="1"/>
-          <p:nvPr/>
-        </p:nvSpPr>
-        <p:spPr>
-          <a:xfrm>
-            <a:off x="0" y="2362654"/>
-            <a:ext cx="5671065" cy="584775"/>
-          </a:xfrm>
-          <a:custGeom>
-            <a:avLst/>
-            <a:gdLst>
-              <a:gd name="connsiteX0" fmla="*/ 0 w 5671065"/>
-              <a:gd name="connsiteY0" fmla="*/ 0 h 584775"/>
-              <a:gd name="connsiteX1" fmla="*/ 573408 w 5671065"/>
-              <a:gd name="connsiteY1" fmla="*/ 0 h 584775"/>
-              <a:gd name="connsiteX2" fmla="*/ 1090105 w 5671065"/>
-              <a:gd name="connsiteY2" fmla="*/ 0 h 584775"/>
-              <a:gd name="connsiteX3" fmla="*/ 1550091 w 5671065"/>
-              <a:gd name="connsiteY3" fmla="*/ 0 h 584775"/>
-              <a:gd name="connsiteX4" fmla="*/ 2180209 w 5671065"/>
-              <a:gd name="connsiteY4" fmla="*/ 0 h 584775"/>
-              <a:gd name="connsiteX5" fmla="*/ 2923749 w 5671065"/>
-              <a:gd name="connsiteY5" fmla="*/ 0 h 584775"/>
-              <a:gd name="connsiteX6" fmla="*/ 3553867 w 5671065"/>
-              <a:gd name="connsiteY6" fmla="*/ 0 h 584775"/>
-              <a:gd name="connsiteX7" fmla="*/ 4127275 w 5671065"/>
-              <a:gd name="connsiteY7" fmla="*/ 0 h 584775"/>
-              <a:gd name="connsiteX8" fmla="*/ 4870815 w 5671065"/>
-              <a:gd name="connsiteY8" fmla="*/ 0 h 584775"/>
-              <a:gd name="connsiteX9" fmla="*/ 5671065 w 5671065"/>
-              <a:gd name="connsiteY9" fmla="*/ 0 h 584775"/>
-              <a:gd name="connsiteX10" fmla="*/ 5671065 w 5671065"/>
-              <a:gd name="connsiteY10" fmla="*/ 584775 h 584775"/>
-              <a:gd name="connsiteX11" fmla="*/ 5211079 w 5671065"/>
-              <a:gd name="connsiteY11" fmla="*/ 584775 h 584775"/>
-              <a:gd name="connsiteX12" fmla="*/ 4637671 w 5671065"/>
-              <a:gd name="connsiteY12" fmla="*/ 584775 h 584775"/>
-              <a:gd name="connsiteX13" fmla="*/ 3894131 w 5671065"/>
-              <a:gd name="connsiteY13" fmla="*/ 584775 h 584775"/>
-              <a:gd name="connsiteX14" fmla="*/ 3264013 w 5671065"/>
-              <a:gd name="connsiteY14" fmla="*/ 584775 h 584775"/>
-              <a:gd name="connsiteX15" fmla="*/ 2747316 w 5671065"/>
-              <a:gd name="connsiteY15" fmla="*/ 584775 h 584775"/>
-              <a:gd name="connsiteX16" fmla="*/ 2060487 w 5671065"/>
-              <a:gd name="connsiteY16" fmla="*/ 584775 h 584775"/>
-              <a:gd name="connsiteX17" fmla="*/ 1543790 w 5671065"/>
-              <a:gd name="connsiteY17" fmla="*/ 584775 h 584775"/>
-              <a:gd name="connsiteX18" fmla="*/ 856961 w 5671065"/>
-              <a:gd name="connsiteY18" fmla="*/ 584775 h 584775"/>
-              <a:gd name="connsiteX19" fmla="*/ 0 w 5671065"/>
-              <a:gd name="connsiteY19" fmla="*/ 584775 h 584775"/>
-              <a:gd name="connsiteX20" fmla="*/ 0 w 5671065"/>
-              <a:gd name="connsiteY20" fmla="*/ 0 h 584775"/>
-            </a:gdLst>
-            <a:ahLst/>
-            <a:cxnLst>
-              <a:cxn ang="0">
-                <a:pos x="connsiteX0" y="connsiteY0"/>
-              </a:cxn>
-              <a:cxn ang="0">
-                <a:pos x="connsiteX1" y="connsiteY1"/>
-              </a:cxn>
-              <a:cxn ang="0">
-                <a:pos x="connsiteX2" y="connsiteY2"/>
-              </a:cxn>
-              <a:cxn ang="0">
-                <a:pos x="connsiteX3" y="connsiteY3"/>
-              </a:cxn>
-              <a:cxn ang="0">
-                <a:pos x="connsiteX4" y="connsiteY4"/>
-              </a:cxn>
-              <a:cxn ang="0">
-                <a:pos x="connsiteX5" y="connsiteY5"/>
-              </a:cxn>
-              <a:cxn ang="0">
-                <a:pos x="connsiteX6" y="connsiteY6"/>
-              </a:cxn>
-              <a:cxn ang="0">
-                <a:pos x="connsiteX7" y="connsiteY7"/>
-              </a:cxn>
-              <a:cxn ang="0">
-                <a:pos x="connsiteX8" y="connsiteY8"/>
-              </a:cxn>
-              <a:cxn ang="0">
-                <a:pos x="connsiteX9" y="connsiteY9"/>
-              </a:cxn>
-              <a:cxn ang="0">
-                <a:pos x="connsiteX10" y="connsiteY10"/>
-              </a:cxn>
-              <a:cxn ang="0">
-                <a:pos x="connsiteX11" y="connsiteY11"/>
-              </a:cxn>
-              <a:cxn ang="0">
-                <a:pos x="connsiteX12" y="connsiteY12"/>
-              </a:cxn>
-              <a:cxn ang="0">
-                <a:pos x="connsiteX13" y="connsiteY13"/>
-              </a:cxn>
-              <a:cxn ang="0">
-                <a:pos x="connsiteX14" y="connsiteY14"/>
-              </a:cxn>
-              <a:cxn ang="0">
-                <a:pos x="connsiteX15" y="connsiteY15"/>
-              </a:cxn>
-              <a:cxn ang="0">
-                <a:pos x="connsiteX16" y="connsiteY16"/>
-              </a:cxn>
-              <a:cxn ang="0">
-                <a:pos x="connsiteX17" y="connsiteY17"/>
-              </a:cxn>
-              <a:cxn ang="0">
-                <a:pos x="connsiteX18" y="connsiteY18"/>
-              </a:cxn>
-              <a:cxn ang="0">
-                <a:pos x="connsiteX19" y="connsiteY19"/>
-              </a:cxn>
-              <a:cxn ang="0">
-                <a:pos x="connsiteX20" y="connsiteY20"/>
-              </a:cxn>
-            </a:cxnLst>
-            <a:rect l="l" t="t" r="r" b="b"/>
-            <a:pathLst>
-              <a:path w="5671065" h="584775" extrusionOk="0">
-                <a:moveTo>
-                  <a:pt x="0" y="0"/>
-                </a:moveTo>
-                <a:cubicBezTo>
-                  <a:pt x="172188" y="18840"/>
-                  <a:pt x="446932" y="-17548"/>
-                  <a:pt x="573408" y="0"/>
-                </a:cubicBezTo>
-                <a:cubicBezTo>
-                  <a:pt x="699884" y="17548"/>
-                  <a:pt x="927333" y="14355"/>
-                  <a:pt x="1090105" y="0"/>
-                </a:cubicBezTo>
-                <a:cubicBezTo>
-                  <a:pt x="1252877" y="-14355"/>
-                  <a:pt x="1429293" y="13700"/>
-                  <a:pt x="1550091" y="0"/>
-                </a:cubicBezTo>
-                <a:cubicBezTo>
-                  <a:pt x="1670889" y="-13700"/>
-                  <a:pt x="1961431" y="23378"/>
-                  <a:pt x="2180209" y="0"/>
-                </a:cubicBezTo>
-                <a:cubicBezTo>
-                  <a:pt x="2398987" y="-23378"/>
-                  <a:pt x="2759703" y="-9896"/>
-                  <a:pt x="2923749" y="0"/>
-                </a:cubicBezTo>
-                <a:cubicBezTo>
-                  <a:pt x="3087795" y="9896"/>
-                  <a:pt x="3302537" y="-8488"/>
-                  <a:pt x="3553867" y="0"/>
-                </a:cubicBezTo>
-                <a:cubicBezTo>
-                  <a:pt x="3805197" y="8488"/>
-                  <a:pt x="3901079" y="-27579"/>
-                  <a:pt x="4127275" y="0"/>
-                </a:cubicBezTo>
-                <a:cubicBezTo>
-                  <a:pt x="4353471" y="27579"/>
-                  <a:pt x="4499386" y="-34171"/>
-                  <a:pt x="4870815" y="0"/>
-                </a:cubicBezTo>
-                <a:cubicBezTo>
-                  <a:pt x="5242244" y="34171"/>
-                  <a:pt x="5362002" y="-28493"/>
-                  <a:pt x="5671065" y="0"/>
-                </a:cubicBezTo>
-                <a:cubicBezTo>
-                  <a:pt x="5673970" y="242329"/>
-                  <a:pt x="5666756" y="396724"/>
-                  <a:pt x="5671065" y="584775"/>
-                </a:cubicBezTo>
-                <a:cubicBezTo>
-                  <a:pt x="5569933" y="569095"/>
-                  <a:pt x="5354033" y="604519"/>
-                  <a:pt x="5211079" y="584775"/>
-                </a:cubicBezTo>
-                <a:cubicBezTo>
-                  <a:pt x="5068125" y="565031"/>
-                  <a:pt x="4863397" y="558310"/>
-                  <a:pt x="4637671" y="584775"/>
-                </a:cubicBezTo>
-                <a:cubicBezTo>
-                  <a:pt x="4411945" y="611240"/>
-                  <a:pt x="4049973" y="576015"/>
-                  <a:pt x="3894131" y="584775"/>
-                </a:cubicBezTo>
-                <a:cubicBezTo>
-                  <a:pt x="3738289" y="593535"/>
-                  <a:pt x="3480653" y="578061"/>
-                  <a:pt x="3264013" y="584775"/>
-                </a:cubicBezTo>
-                <a:cubicBezTo>
-                  <a:pt x="3047373" y="591489"/>
-                  <a:pt x="2878818" y="559767"/>
-                  <a:pt x="2747316" y="584775"/>
-                </a:cubicBezTo>
-                <a:cubicBezTo>
-                  <a:pt x="2615814" y="609783"/>
-                  <a:pt x="2348530" y="569098"/>
-                  <a:pt x="2060487" y="584775"/>
-                </a:cubicBezTo>
-                <a:cubicBezTo>
-                  <a:pt x="1772444" y="600452"/>
-                  <a:pt x="1671847" y="595230"/>
-                  <a:pt x="1543790" y="584775"/>
-                </a:cubicBezTo>
-                <a:cubicBezTo>
-                  <a:pt x="1415733" y="574320"/>
-                  <a:pt x="1168933" y="557195"/>
-                  <a:pt x="856961" y="584775"/>
-                </a:cubicBezTo>
-                <a:cubicBezTo>
-                  <a:pt x="544989" y="612355"/>
-                  <a:pt x="247224" y="622591"/>
-                  <a:pt x="0" y="584775"/>
-                </a:cubicBezTo>
-                <a:cubicBezTo>
-                  <a:pt x="20094" y="465216"/>
-                  <a:pt x="11161" y="265012"/>
-                  <a:pt x="0" y="0"/>
-                </a:cubicBezTo>
-                <a:close/>
-              </a:path>
-            </a:pathLst>
-          </a:custGeom>
-          <a:noFill/>
-          <a:ln>
-            <a:noFill/>
-            <a:extLst>
-              <a:ext uri="{C807C97D-BFC1-408E-A445-0C87EB9F89A2}">
-                <ask:lineSketchStyleProps xmlns:ask="http://schemas.microsoft.com/office/drawing/2018/sketchyshapes" sd="2835737594">
-                  <a:prstGeom prst="rect">
-                    <a:avLst/>
-                  </a:prstGeom>
-                  <ask:type>
-                    <ask:lineSketchFreehand/>
-                  </ask:type>
-                </ask:lineSketchStyleProps>
-              </a:ext>
-            </a:extLst>
-          </a:ln>
-        </p:spPr>
-        <p:txBody>
-          <a:bodyPr wrap="square" rtlCol="0">
-            <a:spAutoFit/>
-          </a:bodyPr>
-          <a:lstStyle/>
-          <a:p>
-            <a:pPr algn="ctr"/>
-            <a:r>
-              <a:rPr lang="el-GR" sz="3200" b="1" dirty="0">
-                <a:solidFill>
-                  <a:srgbClr val="FDB879"/>
-                </a:solidFill>
-              </a:rPr>
-              <a:t>τ</a:t>
-            </a:r>
-            <a:r>
-              <a:rPr lang="en-US" sz="3200" b="1" dirty="0"/>
-              <a:t> </a:t>
-            </a:r>
-            <a:r>
-              <a:rPr lang="en-US" sz="3200" b="1" dirty="0" err="1"/>
-              <a:t>dV</a:t>
-            </a:r>
-            <a:r>
-              <a:rPr lang="en-US" sz="3200" b="1" dirty="0"/>
-              <a:t>/dt  =  </a:t>
-            </a:r>
-            <a:r>
-              <a:rPr lang="en-US" sz="3200" b="1" dirty="0">
-                <a:solidFill>
-                  <a:srgbClr val="84C777"/>
-                </a:solidFill>
-              </a:rPr>
-              <a:t>– V </a:t>
-            </a:r>
-            <a:r>
-              <a:rPr lang="en-US" sz="3200" b="1" dirty="0"/>
-              <a:t>+ </a:t>
-            </a:r>
-            <a:r>
-              <a:rPr lang="en-US" sz="3200" b="1" dirty="0" err="1"/>
-              <a:t>I</a:t>
-            </a:r>
-            <a:r>
-              <a:rPr lang="en-US" sz="3200" b="1" baseline="-25000" dirty="0" err="1"/>
-              <a:t>external</a:t>
-            </a:r>
-            <a:endParaRPr lang="en-US" sz="3200" b="1" baseline="-25000" dirty="0"/>
-          </a:p>
-        </p:txBody>
-      </p:sp>
-      <p:sp>
-        <p:nvSpPr>
-          <p:cNvPr id="3" name="TextBox 2">
-            <a:extLst>
-              <a:ext uri="{FF2B5EF4-FFF2-40B4-BE49-F238E27FC236}">
-                <a16:creationId xmlns:a16="http://schemas.microsoft.com/office/drawing/2014/main" id="{0E4B8B5A-D537-E7AD-1EBD-8CFAA89AAA16}"/>
-              </a:ext>
-            </a:extLst>
-          </p:cNvPr>
-          <p:cNvSpPr txBox="1"/>
-          <p:nvPr/>
-        </p:nvSpPr>
-        <p:spPr>
-          <a:xfrm>
-            <a:off x="1281669" y="3106964"/>
-            <a:ext cx="3008870" cy="584775"/>
-          </a:xfrm>
-          <a:prstGeom prst="rect">
-            <a:avLst/>
-          </a:prstGeom>
-          <a:noFill/>
-        </p:spPr>
-        <p:txBody>
-          <a:bodyPr wrap="square" rtlCol="0">
-            <a:spAutoFit/>
-          </a:bodyPr>
-          <a:lstStyle/>
-          <a:p>
-            <a:pPr algn="ctr"/>
-            <a:r>
-              <a:rPr lang="en-US" sz="3200" b="1" dirty="0"/>
-              <a:t>r(t)  =  </a:t>
-            </a:r>
-            <a:r>
-              <a:rPr lang="el-GR" sz="3200" b="1" dirty="0"/>
-              <a:t>φ</a:t>
-            </a:r>
-            <a:r>
-              <a:rPr lang="en-US" sz="3200" b="1" dirty="0"/>
-              <a:t>(V(t))</a:t>
-            </a:r>
-            <a:endParaRPr lang="en-US" sz="3200" b="1" baseline="-25000" dirty="0"/>
-          </a:p>
-        </p:txBody>
-      </p:sp>
-      <p:grpSp>
-        <p:nvGrpSpPr>
-          <p:cNvPr id="21" name="Group 20">
-            <a:extLst>
-              <a:ext uri="{FF2B5EF4-FFF2-40B4-BE49-F238E27FC236}">
-                <a16:creationId xmlns:a16="http://schemas.microsoft.com/office/drawing/2014/main" id="{70BA3FAE-ADA4-EB12-2ADF-7B6A637AAE8E}"/>
-              </a:ext>
-            </a:extLst>
-          </p:cNvPr>
-          <p:cNvGrpSpPr/>
-          <p:nvPr/>
-        </p:nvGrpSpPr>
-        <p:grpSpPr>
-          <a:xfrm>
-            <a:off x="0" y="4064570"/>
-            <a:ext cx="4349025" cy="1783673"/>
-            <a:chOff x="0" y="3777246"/>
-            <a:chExt cx="4349025" cy="1783673"/>
-          </a:xfrm>
-        </p:grpSpPr>
-        <p:sp>
-          <p:nvSpPr>
-            <p:cNvPr id="16" name="TextBox 15">
-              <a:extLst>
-                <a:ext uri="{FF2B5EF4-FFF2-40B4-BE49-F238E27FC236}">
-                  <a16:creationId xmlns:a16="http://schemas.microsoft.com/office/drawing/2014/main" id="{4A0DBA8F-1E9F-8EE5-0A82-7D0DD5DA6558}"/>
-                </a:ext>
-              </a:extLst>
-            </p:cNvPr>
-            <p:cNvSpPr txBox="1"/>
-            <p:nvPr/>
-          </p:nvSpPr>
-          <p:spPr>
-            <a:xfrm>
-              <a:off x="0" y="4187748"/>
-              <a:ext cx="3008870" cy="584775"/>
-            </a:xfrm>
-            <a:prstGeom prst="rect">
-              <a:avLst/>
-            </a:prstGeom>
-            <a:noFill/>
-          </p:spPr>
-          <p:txBody>
-            <a:bodyPr wrap="square" rtlCol="0">
-              <a:spAutoFit/>
-            </a:bodyPr>
-            <a:lstStyle/>
-            <a:p>
-              <a:pPr algn="ctr"/>
-              <a:r>
-                <a:rPr lang="en-US" sz="3200" dirty="0"/>
-                <a:t>where </a:t>
-              </a:r>
-              <a:r>
-                <a:rPr lang="el-GR" sz="3200" b="1" dirty="0"/>
-                <a:t>φ</a:t>
-              </a:r>
-              <a:r>
-                <a:rPr lang="en-US" sz="3200" b="1" dirty="0"/>
-                <a:t>(x) = </a:t>
-              </a:r>
-              <a:endParaRPr lang="en-US" sz="3200" baseline="-25000" dirty="0"/>
-            </a:p>
-          </p:txBody>
-        </p:sp>
-        <p:grpSp>
-          <p:nvGrpSpPr>
-            <p:cNvPr id="19" name="Group 18">
-              <a:extLst>
-                <a:ext uri="{FF2B5EF4-FFF2-40B4-BE49-F238E27FC236}">
-                  <a16:creationId xmlns:a16="http://schemas.microsoft.com/office/drawing/2014/main" id="{67C4DF32-0F99-6470-BA01-39A68A754B46}"/>
-                </a:ext>
-              </a:extLst>
-            </p:cNvPr>
-            <p:cNvGrpSpPr/>
-            <p:nvPr/>
-          </p:nvGrpSpPr>
-          <p:grpSpPr>
-            <a:xfrm>
-              <a:off x="2539606" y="3777246"/>
-              <a:ext cx="1809419" cy="1070255"/>
-              <a:chOff x="2539606" y="3777246"/>
-              <a:chExt cx="1809419" cy="1070255"/>
-            </a:xfrm>
-          </p:grpSpPr>
-          <p:sp>
-            <p:nvSpPr>
-              <p:cNvPr id="6" name="TextBox 5">
-                <a:extLst>
-                  <a:ext uri="{FF2B5EF4-FFF2-40B4-BE49-F238E27FC236}">
-                    <a16:creationId xmlns:a16="http://schemas.microsoft.com/office/drawing/2014/main" id="{8DAE340E-1A14-A46D-CC4A-09E037D51FB1}"/>
-                  </a:ext>
-                </a:extLst>
-              </p:cNvPr>
-              <p:cNvSpPr txBox="1"/>
-              <p:nvPr/>
-            </p:nvSpPr>
-            <p:spPr>
-              <a:xfrm>
-                <a:off x="2979192" y="3777246"/>
-                <a:ext cx="914400" cy="584775"/>
-              </a:xfrm>
-              <a:prstGeom prst="rect">
-                <a:avLst/>
-              </a:prstGeom>
-              <a:noFill/>
-            </p:spPr>
-            <p:txBody>
-              <a:bodyPr wrap="square" rtlCol="0">
-                <a:spAutoFit/>
-              </a:bodyPr>
-              <a:lstStyle/>
-              <a:p>
-                <a:pPr algn="ctr"/>
-                <a:r>
-                  <a:rPr lang="en-US" sz="3200" b="1" dirty="0"/>
-                  <a:t>1</a:t>
-                </a:r>
-              </a:p>
-            </p:txBody>
-          </p:sp>
-          <p:cxnSp>
-            <p:nvCxnSpPr>
-              <p:cNvPr id="7" name="Straight Arrow Connector 6">
-                <a:extLst>
-                  <a:ext uri="{FF2B5EF4-FFF2-40B4-BE49-F238E27FC236}">
-                    <a16:creationId xmlns:a16="http://schemas.microsoft.com/office/drawing/2014/main" id="{AF703557-18A5-6152-C415-6E14D6F027B8}"/>
-                  </a:ext>
-                </a:extLst>
-              </p:cNvPr>
-              <p:cNvCxnSpPr>
-                <a:cxnSpLocks/>
-              </p:cNvCxnSpPr>
-              <p:nvPr/>
-            </p:nvCxnSpPr>
-            <p:spPr>
-              <a:xfrm>
-                <a:off x="2883169" y="4275902"/>
-                <a:ext cx="1131160" cy="0"/>
-              </a:xfrm>
-              <a:prstGeom prst="straightConnector1">
-                <a:avLst/>
-              </a:prstGeom>
-              <a:ln w="19050"/>
-            </p:spPr>
-            <p:style>
-              <a:lnRef idx="1">
-                <a:schemeClr val="dk1"/>
-              </a:lnRef>
-              <a:fillRef idx="0">
-                <a:schemeClr val="dk1"/>
-              </a:fillRef>
-              <a:effectRef idx="0">
-                <a:schemeClr val="dk1"/>
-              </a:effectRef>
-              <a:fontRef idx="minor">
-                <a:schemeClr val="tx1"/>
-              </a:fontRef>
-            </p:style>
-          </p:cxnSp>
-          <p:sp>
-            <p:nvSpPr>
-              <p:cNvPr id="18" name="TextBox 17">
-                <a:extLst>
-                  <a:ext uri="{FF2B5EF4-FFF2-40B4-BE49-F238E27FC236}">
-                    <a16:creationId xmlns:a16="http://schemas.microsoft.com/office/drawing/2014/main" id="{DBFAB36F-0A68-164E-EA31-8F8CDBAB4C2F}"/>
-                  </a:ext>
-                </a:extLst>
-              </p:cNvPr>
-              <p:cNvSpPr txBox="1"/>
-              <p:nvPr/>
-            </p:nvSpPr>
-            <p:spPr>
-              <a:xfrm>
-                <a:off x="2539606" y="4262726"/>
-                <a:ext cx="1809419" cy="584775"/>
-              </a:xfrm>
-              <a:prstGeom prst="rect">
-                <a:avLst/>
-              </a:prstGeom>
-              <a:noFill/>
-            </p:spPr>
-            <p:txBody>
-              <a:bodyPr wrap="square" rtlCol="0">
-                <a:spAutoFit/>
-              </a:bodyPr>
-              <a:lstStyle/>
-              <a:p>
-                <a:pPr algn="ctr"/>
-                <a:r>
-                  <a:rPr lang="en-US" sz="3200" b="1" dirty="0"/>
-                  <a:t>1 + e</a:t>
-                </a:r>
-                <a:r>
-                  <a:rPr lang="en-US" sz="3200" b="1" baseline="30000" dirty="0"/>
-                  <a:t>-x</a:t>
-                </a:r>
-                <a:endParaRPr lang="en-US" sz="3200" b="1" dirty="0"/>
-              </a:p>
-            </p:txBody>
-          </p:sp>
-        </p:grpSp>
-        <p:sp>
-          <p:nvSpPr>
-            <p:cNvPr id="20" name="TextBox 19">
-              <a:extLst>
-                <a:ext uri="{FF2B5EF4-FFF2-40B4-BE49-F238E27FC236}">
-                  <a16:creationId xmlns:a16="http://schemas.microsoft.com/office/drawing/2014/main" id="{C5FC41BB-889E-6D6B-A5C9-3D3C2C83D2A3}"/>
-                </a:ext>
-              </a:extLst>
-            </p:cNvPr>
-            <p:cNvSpPr txBox="1"/>
-            <p:nvPr/>
-          </p:nvSpPr>
-          <p:spPr>
-            <a:xfrm>
-              <a:off x="2553410" y="4976144"/>
-              <a:ext cx="1795615" cy="584775"/>
-            </a:xfrm>
-            <a:prstGeom prst="rect">
-              <a:avLst/>
-            </a:prstGeom>
-            <a:noFill/>
-          </p:spPr>
-          <p:txBody>
-            <a:bodyPr wrap="square" rtlCol="0">
-              <a:spAutoFit/>
-            </a:bodyPr>
-            <a:lstStyle/>
-            <a:p>
-              <a:pPr algn="ctr"/>
-              <a:r>
-                <a:rPr lang="en-US" sz="3200" b="1" dirty="0"/>
-                <a:t>tanh(x)</a:t>
-              </a:r>
-            </a:p>
-          </p:txBody>
-        </p:sp>
-      </p:grpSp>
-      <p:grpSp>
-        <p:nvGrpSpPr>
-          <p:cNvPr id="23" name="Group 22">
-            <a:extLst>
-              <a:ext uri="{FF2B5EF4-FFF2-40B4-BE49-F238E27FC236}">
-                <a16:creationId xmlns:a16="http://schemas.microsoft.com/office/drawing/2014/main" id="{20A4C050-7D3F-D7BE-AB0E-FEE8B191FD2A}"/>
-              </a:ext>
-            </a:extLst>
-          </p:cNvPr>
-          <p:cNvGrpSpPr/>
-          <p:nvPr/>
-        </p:nvGrpSpPr>
-        <p:grpSpPr>
-          <a:xfrm>
-            <a:off x="6038215" y="1050943"/>
-            <a:ext cx="6037832" cy="5474549"/>
-            <a:chOff x="6038215" y="450638"/>
-            <a:chExt cx="6037832" cy="5474549"/>
-          </a:xfrm>
-        </p:grpSpPr>
-        <p:pic>
-          <p:nvPicPr>
-            <p:cNvPr id="2050" name="Picture 2" descr="Figure 1. Examples of network activity as a function of s and g. Each inset shows x(t) for 6 out of 400 network units as a function of time, with its location indicating the values g and s used: for insets 1-12 (in order): (g, s) = (0.5,2.5), (1.3,2.5), (2.5,2.5), (0.6,1.5), (1.5,1.5), (2.5,1.5), (0.4,0.4), (1.5,0.5), (2.5,0.5), (0.4,-0.4), (1.2, -0.3), (2.5,-0.5). The long-dashed line is the boundary between activity that decays to 0 (inserts 7, 10 &amp; 11) and persistent chaotic activity (inserts 8, 9 &amp; 12). The solid curve is the boundary between persistent chaos and what we will show to be transient chaotic activity that ultimately converges to one of many nonzero fixed points (inserts 1-6). For inserts 3-6, there is a break in the time axis, reflecting the long time required for convergence to a fixed point. The short-dashed line simply indicates s=1.">
-              <a:extLst>
-                <a:ext uri="{FF2B5EF4-FFF2-40B4-BE49-F238E27FC236}">
-                  <a16:creationId xmlns:a16="http://schemas.microsoft.com/office/drawing/2014/main" id="{16D8960A-C2ED-35A6-753E-98CBECE9EEA1}"/>
-                </a:ext>
-              </a:extLst>
-            </p:cNvPr>
-            <p:cNvPicPr>
-              <a:picLocks noChangeAspect="1" noChangeArrowheads="1"/>
-            </p:cNvPicPr>
-            <p:nvPr/>
-          </p:nvPicPr>
-          <p:blipFill rotWithShape="1">
-            <a:blip r:embed="rId2">
-              <a:extLst>
-                <a:ext uri="{28A0092B-C50C-407E-A947-70E740481C1C}">
-                  <a14:useLocalDpi xmlns:a14="http://schemas.microsoft.com/office/drawing/2010/main" val="0"/>
-                </a:ext>
-              </a:extLst>
-            </a:blip>
-            <a:srcRect b="2724"/>
-            <a:stretch/>
-          </p:blipFill>
-          <p:spPr bwMode="auto">
-            <a:xfrm>
-              <a:off x="6038215" y="966811"/>
-              <a:ext cx="6037832" cy="4519589"/>
-            </a:xfrm>
-            <a:prstGeom prst="rect">
-              <a:avLst/>
-            </a:prstGeom>
-            <a:noFill/>
-            <a:extLst>
-              <a:ext uri="{909E8E84-426E-40DD-AFC4-6F175D3DCCD1}">
-                <a14:hiddenFill xmlns:a14="http://schemas.microsoft.com/office/drawing/2010/main">
-                  <a:solidFill>
-                    <a:srgbClr val="FFFFFF"/>
-                  </a:solidFill>
-                </a14:hiddenFill>
-              </a:ext>
-            </a:extLst>
-          </p:spPr>
-        </p:pic>
-        <p:sp>
-          <p:nvSpPr>
-            <p:cNvPr id="22" name="TextBox 21">
-              <a:extLst>
-                <a:ext uri="{FF2B5EF4-FFF2-40B4-BE49-F238E27FC236}">
-                  <a16:creationId xmlns:a16="http://schemas.microsoft.com/office/drawing/2014/main" id="{BA4EB256-3DD7-32E8-0613-919D13FD5A96}"/>
-                </a:ext>
-              </a:extLst>
-            </p:cNvPr>
-            <p:cNvSpPr txBox="1"/>
-            <p:nvPr/>
-          </p:nvSpPr>
-          <p:spPr>
-            <a:xfrm>
-              <a:off x="6512160" y="5555855"/>
-              <a:ext cx="5467864" cy="369332"/>
-            </a:xfrm>
-            <a:prstGeom prst="rect">
-              <a:avLst/>
-            </a:prstGeom>
-            <a:noFill/>
-          </p:spPr>
-          <p:txBody>
-            <a:bodyPr wrap="square" rtlCol="0">
-              <a:spAutoFit/>
-            </a:bodyPr>
-            <a:lstStyle/>
-            <a:p>
-              <a:pPr algn="r"/>
-              <a:r>
-                <a:rPr lang="en-US" dirty="0"/>
-                <a:t>Stern, </a:t>
-              </a:r>
-              <a:r>
-                <a:rPr lang="en-US" dirty="0" err="1"/>
-                <a:t>Sompolinsky</a:t>
-              </a:r>
-              <a:r>
-                <a:rPr lang="en-US" dirty="0"/>
-                <a:t>, and Abbott (2014) PRE</a:t>
-              </a:r>
-            </a:p>
-          </p:txBody>
-        </p:sp>
-        <p:pic>
-          <p:nvPicPr>
-            <p:cNvPr id="2052" name="Picture 4" descr="It's like sigma summation notation, except instead of summing the argument over all values of i, you 2 the argument over all values of 2.">
-              <a:extLst>
-                <a:ext uri="{FF2B5EF4-FFF2-40B4-BE49-F238E27FC236}">
-                  <a16:creationId xmlns:a16="http://schemas.microsoft.com/office/drawing/2014/main" id="{6B18AB50-A0CB-D68E-0292-377B1667D170}"/>
-                </a:ext>
-              </a:extLst>
-            </p:cNvPr>
-            <p:cNvPicPr>
-              <a:picLocks noChangeAspect="1" noChangeArrowheads="1"/>
-            </p:cNvPicPr>
-            <p:nvPr/>
-          </p:nvPicPr>
-          <p:blipFill rotWithShape="1">
-            <a:blip r:embed="rId3">
-              <a:extLst>
-                <a:ext uri="{28A0092B-C50C-407E-A947-70E740481C1C}">
-                  <a14:useLocalDpi xmlns:a14="http://schemas.microsoft.com/office/drawing/2010/main" val="0"/>
-                </a:ext>
-              </a:extLst>
-            </a:blip>
-            <a:srcRect l="33565" t="82544" r="35620" b="3610"/>
-            <a:stretch/>
-          </p:blipFill>
-          <p:spPr bwMode="auto">
-            <a:xfrm>
-              <a:off x="8628254" y="450638"/>
-              <a:ext cx="1235676" cy="425988"/>
-            </a:xfrm>
-            <a:prstGeom prst="rect">
-              <a:avLst/>
-            </a:prstGeom>
-            <a:noFill/>
-            <a:extLst>
-              <a:ext uri="{909E8E84-426E-40DD-AFC4-6F175D3DCCD1}">
-                <a14:hiddenFill xmlns:a14="http://schemas.microsoft.com/office/drawing/2010/main">
-                  <a:solidFill>
-                    <a:srgbClr val="FFFFFF"/>
-                  </a:solidFill>
-                </a14:hiddenFill>
-              </a:ext>
-            </a:extLst>
-          </p:spPr>
-        </p:pic>
-      </p:grpSp>
-    </p:spTree>
-    <p:extLst>
-      <p:ext uri="{BB962C8B-B14F-4D97-AF65-F5344CB8AC3E}">
-        <p14:creationId xmlns:p14="http://schemas.microsoft.com/office/powerpoint/2010/main" val="3108576389"/>
-      </p:ext>
-    </p:extLst>
-  </p:cSld>
-  <p:clrMapOvr>
-    <a:masterClrMapping/>
-  </p:clrMapOvr>
-  <p:timing>
-    <p:tnLst>
-      <p:par>
-        <p:cTn id="1" dur="indefinite" restart="never" nodeType="tmRoot">
-          <p:childTnLst>
-            <p:seq concurrent="1" nextAc="seek">
-              <p:cTn id="2" dur="indefinite" nodeType="mainSeq">
-                <p:childTnLst>
-                  <p:par>
-                    <p:cTn id="3" fill="hold">
-                      <p:stCondLst>
-                        <p:cond delay="indefinite"/>
-                      </p:stCondLst>
-                      <p:childTnLst>
-                        <p:par>
-                          <p:cTn id="4" fill="hold">
-                            <p:stCondLst>
-                              <p:cond delay="0"/>
-                            </p:stCondLst>
-                            <p:childTnLst>
-                              <p:par>
-                                <p:cTn id="5" presetID="10" presetClass="entr" presetSubtype="0" fill="hold" grpId="0" nodeType="clickEffect">
-                                  <p:stCondLst>
-                                    <p:cond delay="0"/>
-                                  </p:stCondLst>
-                                  <p:childTnLst>
-                                    <p:set>
-                                      <p:cBhvr>
-                                        <p:cTn id="6" dur="1" fill="hold">
-                                          <p:stCondLst>
-                                            <p:cond delay="0"/>
-                                          </p:stCondLst>
-                                        </p:cTn>
-                                        <p:tgtEl>
-                                          <p:spTgt spid="3"/>
-                                        </p:tgtEl>
-                                        <p:attrNameLst>
-                                          <p:attrName>style.visibility</p:attrName>
-                                        </p:attrNameLst>
-                                      </p:cBhvr>
-                                      <p:to>
-                                        <p:strVal val="visible"/>
-                                      </p:to>
-                                    </p:set>
-                                    <p:animEffect transition="in" filter="fade">
-                                      <p:cBhvr>
-                                        <p:cTn id="7" dur="100"/>
-                                        <p:tgtEl>
-                                          <p:spTgt spid="3"/>
-                                        </p:tgtEl>
-                                      </p:cBhvr>
-                                    </p:animEffect>
-                                  </p:childTnLst>
-                                </p:cTn>
-                              </p:par>
-                            </p:childTnLst>
-                          </p:cTn>
-                        </p:par>
-                      </p:childTnLst>
-                    </p:cTn>
-                  </p:par>
-                  <p:par>
-                    <p:cTn id="8" fill="hold">
-                      <p:stCondLst>
-                        <p:cond delay="indefinite"/>
-                      </p:stCondLst>
-                      <p:childTnLst>
-                        <p:par>
-                          <p:cTn id="9" fill="hold">
-                            <p:stCondLst>
-                              <p:cond delay="0"/>
-                            </p:stCondLst>
-                            <p:childTnLst>
-                              <p:par>
-                                <p:cTn id="10" presetID="10" presetClass="entr" presetSubtype="0" fill="hold" nodeType="clickEffect">
-                                  <p:stCondLst>
-                                    <p:cond delay="0"/>
-                                  </p:stCondLst>
-                                  <p:childTnLst>
-                                    <p:set>
-                                      <p:cBhvr>
-                                        <p:cTn id="11" dur="1" fill="hold">
-                                          <p:stCondLst>
-                                            <p:cond delay="0"/>
-                                          </p:stCondLst>
-                                        </p:cTn>
-                                        <p:tgtEl>
-                                          <p:spTgt spid="21"/>
-                                        </p:tgtEl>
-                                        <p:attrNameLst>
-                                          <p:attrName>style.visibility</p:attrName>
-                                        </p:attrNameLst>
-                                      </p:cBhvr>
-                                      <p:to>
-                                        <p:strVal val="visible"/>
-                                      </p:to>
-                                    </p:set>
-                                    <p:animEffect transition="in" filter="fade">
-                                      <p:cBhvr>
-                                        <p:cTn id="12" dur="100"/>
-                                        <p:tgtEl>
-                                          <p:spTgt spid="21"/>
-                                        </p:tgtEl>
-                                      </p:cBhvr>
-                                    </p:animEffect>
-                                  </p:childTnLst>
-                                </p:cTn>
-                              </p:par>
-                            </p:childTnLst>
-                          </p:cTn>
-                        </p:par>
-                      </p:childTnLst>
-                    </p:cTn>
-                  </p:par>
-                  <p:par>
-                    <p:cTn id="13" fill="hold">
-                      <p:stCondLst>
-                        <p:cond delay="indefinite"/>
-                      </p:stCondLst>
-                      <p:childTnLst>
-                        <p:par>
-                          <p:cTn id="14" fill="hold">
-                            <p:stCondLst>
-                              <p:cond delay="0"/>
-                            </p:stCondLst>
-                            <p:childTnLst>
-                              <p:par>
-                                <p:cTn id="15" presetID="10" presetClass="entr" presetSubtype="0" fill="hold" nodeType="clickEffect">
-                                  <p:stCondLst>
-                                    <p:cond delay="0"/>
-                                  </p:stCondLst>
-                                  <p:childTnLst>
-                                    <p:set>
-                                      <p:cBhvr>
-                                        <p:cTn id="16" dur="1" fill="hold">
-                                          <p:stCondLst>
-                                            <p:cond delay="0"/>
-                                          </p:stCondLst>
-                                        </p:cTn>
-                                        <p:tgtEl>
-                                          <p:spTgt spid="23"/>
-                                        </p:tgtEl>
-                                        <p:attrNameLst>
-                                          <p:attrName>style.visibility</p:attrName>
-                                        </p:attrNameLst>
-                                      </p:cBhvr>
-                                      <p:to>
-                                        <p:strVal val="visible"/>
-                                      </p:to>
-                                    </p:set>
-                                    <p:animEffect transition="in" filter="fade">
-                                      <p:cBhvr>
-                                        <p:cTn id="17" dur="100"/>
-                                        <p:tgtEl>
-                                          <p:spTgt spid="23"/>
-                                        </p:tgtEl>
-                                      </p:cBhvr>
-                                    </p:animEffect>
-                                  </p:childTnLst>
-                                </p:cTn>
-                              </p:par>
-                            </p:childTnLst>
-                          </p:cTn>
-                        </p:par>
-                      </p:childTnLst>
-                    </p:cTn>
-                  </p:par>
-                </p:childTnLst>
-              </p:cTn>
-              <p:prevCondLst>
-                <p:cond evt="onPrev" delay="0">
-                  <p:tgtEl>
-                    <p:sldTgt/>
-                  </p:tgtEl>
-                </p:cond>
-              </p:prevCondLst>
-              <p:nextCondLst>
-                <p:cond evt="onNext" delay="0">
-                  <p:tgtEl>
-                    <p:sldTgt/>
-                  </p:tgtEl>
-                </p:cond>
-              </p:nextCondLst>
-            </p:seq>
-          </p:childTnLst>
-        </p:cTn>
-      </p:par>
-    </p:tnLst>
-    <p:bldLst>
-      <p:bldP spid="3" grpId="0"/>
     </p:bldLst>
   </p:timing>
 </p:sld>
@@ -18372,6 +17512,1018 @@
       </p:grpSpPr>
       <p:sp>
         <p:nvSpPr>
+          <p:cNvPr id="2" name="TextBox 1">
+            <a:extLst>
+              <a:ext uri="{FF2B5EF4-FFF2-40B4-BE49-F238E27FC236}">
+                <a16:creationId xmlns:a16="http://schemas.microsoft.com/office/drawing/2014/main" id="{1D404F9D-E56C-A2E2-F0D4-262A3602E94A}"/>
+              </a:ext>
+            </a:extLst>
+          </p:cNvPr>
+          <p:cNvSpPr txBox="1"/>
+          <p:nvPr/>
+        </p:nvSpPr>
+        <p:spPr>
+          <a:xfrm>
+            <a:off x="211973" y="332508"/>
+            <a:ext cx="11768051" cy="1200329"/>
+          </a:xfrm>
+          <a:prstGeom prst="rect">
+            <a:avLst/>
+          </a:prstGeom>
+          <a:noFill/>
+        </p:spPr>
+        <p:txBody>
+          <a:bodyPr wrap="square" rtlCol="0">
+            <a:spAutoFit/>
+          </a:bodyPr>
+          <a:lstStyle/>
+          <a:p>
+            <a:r>
+              <a:rPr lang="en-US" sz="2400" dirty="0"/>
+              <a:t>Actually, just keep the filtering, and give me an approximate spike rate</a:t>
+            </a:r>
+          </a:p>
+          <a:p>
+            <a:endParaRPr lang="en-US" sz="2400" dirty="0"/>
+          </a:p>
+          <a:p>
+            <a:r>
+              <a:rPr lang="en-US" sz="2400" dirty="0"/>
+              <a:t>	=&gt; rate models</a:t>
+            </a:r>
+          </a:p>
+        </p:txBody>
+      </p:sp>
+      <p:sp>
+        <p:nvSpPr>
+          <p:cNvPr id="4" name="TextBox 3">
+            <a:extLst>
+              <a:ext uri="{FF2B5EF4-FFF2-40B4-BE49-F238E27FC236}">
+                <a16:creationId xmlns:a16="http://schemas.microsoft.com/office/drawing/2014/main" id="{1C0E9784-3D67-4880-7751-A7F1F552E340}"/>
+              </a:ext>
+            </a:extLst>
+          </p:cNvPr>
+          <p:cNvSpPr txBox="1"/>
+          <p:nvPr/>
+        </p:nvSpPr>
+        <p:spPr>
+          <a:xfrm>
+            <a:off x="0" y="2362654"/>
+            <a:ext cx="5671065" cy="584775"/>
+          </a:xfrm>
+          <a:custGeom>
+            <a:avLst/>
+            <a:gdLst>
+              <a:gd name="connsiteX0" fmla="*/ 0 w 5671065"/>
+              <a:gd name="connsiteY0" fmla="*/ 0 h 584775"/>
+              <a:gd name="connsiteX1" fmla="*/ 573408 w 5671065"/>
+              <a:gd name="connsiteY1" fmla="*/ 0 h 584775"/>
+              <a:gd name="connsiteX2" fmla="*/ 1090105 w 5671065"/>
+              <a:gd name="connsiteY2" fmla="*/ 0 h 584775"/>
+              <a:gd name="connsiteX3" fmla="*/ 1550091 w 5671065"/>
+              <a:gd name="connsiteY3" fmla="*/ 0 h 584775"/>
+              <a:gd name="connsiteX4" fmla="*/ 2180209 w 5671065"/>
+              <a:gd name="connsiteY4" fmla="*/ 0 h 584775"/>
+              <a:gd name="connsiteX5" fmla="*/ 2923749 w 5671065"/>
+              <a:gd name="connsiteY5" fmla="*/ 0 h 584775"/>
+              <a:gd name="connsiteX6" fmla="*/ 3553867 w 5671065"/>
+              <a:gd name="connsiteY6" fmla="*/ 0 h 584775"/>
+              <a:gd name="connsiteX7" fmla="*/ 4127275 w 5671065"/>
+              <a:gd name="connsiteY7" fmla="*/ 0 h 584775"/>
+              <a:gd name="connsiteX8" fmla="*/ 4870815 w 5671065"/>
+              <a:gd name="connsiteY8" fmla="*/ 0 h 584775"/>
+              <a:gd name="connsiteX9" fmla="*/ 5671065 w 5671065"/>
+              <a:gd name="connsiteY9" fmla="*/ 0 h 584775"/>
+              <a:gd name="connsiteX10" fmla="*/ 5671065 w 5671065"/>
+              <a:gd name="connsiteY10" fmla="*/ 584775 h 584775"/>
+              <a:gd name="connsiteX11" fmla="*/ 5211079 w 5671065"/>
+              <a:gd name="connsiteY11" fmla="*/ 584775 h 584775"/>
+              <a:gd name="connsiteX12" fmla="*/ 4637671 w 5671065"/>
+              <a:gd name="connsiteY12" fmla="*/ 584775 h 584775"/>
+              <a:gd name="connsiteX13" fmla="*/ 3894131 w 5671065"/>
+              <a:gd name="connsiteY13" fmla="*/ 584775 h 584775"/>
+              <a:gd name="connsiteX14" fmla="*/ 3264013 w 5671065"/>
+              <a:gd name="connsiteY14" fmla="*/ 584775 h 584775"/>
+              <a:gd name="connsiteX15" fmla="*/ 2747316 w 5671065"/>
+              <a:gd name="connsiteY15" fmla="*/ 584775 h 584775"/>
+              <a:gd name="connsiteX16" fmla="*/ 2060487 w 5671065"/>
+              <a:gd name="connsiteY16" fmla="*/ 584775 h 584775"/>
+              <a:gd name="connsiteX17" fmla="*/ 1543790 w 5671065"/>
+              <a:gd name="connsiteY17" fmla="*/ 584775 h 584775"/>
+              <a:gd name="connsiteX18" fmla="*/ 856961 w 5671065"/>
+              <a:gd name="connsiteY18" fmla="*/ 584775 h 584775"/>
+              <a:gd name="connsiteX19" fmla="*/ 0 w 5671065"/>
+              <a:gd name="connsiteY19" fmla="*/ 584775 h 584775"/>
+              <a:gd name="connsiteX20" fmla="*/ 0 w 5671065"/>
+              <a:gd name="connsiteY20" fmla="*/ 0 h 584775"/>
+            </a:gdLst>
+            <a:ahLst/>
+            <a:cxnLst>
+              <a:cxn ang="0">
+                <a:pos x="connsiteX0" y="connsiteY0"/>
+              </a:cxn>
+              <a:cxn ang="0">
+                <a:pos x="connsiteX1" y="connsiteY1"/>
+              </a:cxn>
+              <a:cxn ang="0">
+                <a:pos x="connsiteX2" y="connsiteY2"/>
+              </a:cxn>
+              <a:cxn ang="0">
+                <a:pos x="connsiteX3" y="connsiteY3"/>
+              </a:cxn>
+              <a:cxn ang="0">
+                <a:pos x="connsiteX4" y="connsiteY4"/>
+              </a:cxn>
+              <a:cxn ang="0">
+                <a:pos x="connsiteX5" y="connsiteY5"/>
+              </a:cxn>
+              <a:cxn ang="0">
+                <a:pos x="connsiteX6" y="connsiteY6"/>
+              </a:cxn>
+              <a:cxn ang="0">
+                <a:pos x="connsiteX7" y="connsiteY7"/>
+              </a:cxn>
+              <a:cxn ang="0">
+                <a:pos x="connsiteX8" y="connsiteY8"/>
+              </a:cxn>
+              <a:cxn ang="0">
+                <a:pos x="connsiteX9" y="connsiteY9"/>
+              </a:cxn>
+              <a:cxn ang="0">
+                <a:pos x="connsiteX10" y="connsiteY10"/>
+              </a:cxn>
+              <a:cxn ang="0">
+                <a:pos x="connsiteX11" y="connsiteY11"/>
+              </a:cxn>
+              <a:cxn ang="0">
+                <a:pos x="connsiteX12" y="connsiteY12"/>
+              </a:cxn>
+              <a:cxn ang="0">
+                <a:pos x="connsiteX13" y="connsiteY13"/>
+              </a:cxn>
+              <a:cxn ang="0">
+                <a:pos x="connsiteX14" y="connsiteY14"/>
+              </a:cxn>
+              <a:cxn ang="0">
+                <a:pos x="connsiteX15" y="connsiteY15"/>
+              </a:cxn>
+              <a:cxn ang="0">
+                <a:pos x="connsiteX16" y="connsiteY16"/>
+              </a:cxn>
+              <a:cxn ang="0">
+                <a:pos x="connsiteX17" y="connsiteY17"/>
+              </a:cxn>
+              <a:cxn ang="0">
+                <a:pos x="connsiteX18" y="connsiteY18"/>
+              </a:cxn>
+              <a:cxn ang="0">
+                <a:pos x="connsiteX19" y="connsiteY19"/>
+              </a:cxn>
+              <a:cxn ang="0">
+                <a:pos x="connsiteX20" y="connsiteY20"/>
+              </a:cxn>
+            </a:cxnLst>
+            <a:rect l="l" t="t" r="r" b="b"/>
+            <a:pathLst>
+              <a:path w="5671065" h="584775" extrusionOk="0">
+                <a:moveTo>
+                  <a:pt x="0" y="0"/>
+                </a:moveTo>
+                <a:cubicBezTo>
+                  <a:pt x="172188" y="18840"/>
+                  <a:pt x="446932" y="-17548"/>
+                  <a:pt x="573408" y="0"/>
+                </a:cubicBezTo>
+                <a:cubicBezTo>
+                  <a:pt x="699884" y="17548"/>
+                  <a:pt x="927333" y="14355"/>
+                  <a:pt x="1090105" y="0"/>
+                </a:cubicBezTo>
+                <a:cubicBezTo>
+                  <a:pt x="1252877" y="-14355"/>
+                  <a:pt x="1429293" y="13700"/>
+                  <a:pt x="1550091" y="0"/>
+                </a:cubicBezTo>
+                <a:cubicBezTo>
+                  <a:pt x="1670889" y="-13700"/>
+                  <a:pt x="1961431" y="23378"/>
+                  <a:pt x="2180209" y="0"/>
+                </a:cubicBezTo>
+                <a:cubicBezTo>
+                  <a:pt x="2398987" y="-23378"/>
+                  <a:pt x="2759703" y="-9896"/>
+                  <a:pt x="2923749" y="0"/>
+                </a:cubicBezTo>
+                <a:cubicBezTo>
+                  <a:pt x="3087795" y="9896"/>
+                  <a:pt x="3302537" y="-8488"/>
+                  <a:pt x="3553867" y="0"/>
+                </a:cubicBezTo>
+                <a:cubicBezTo>
+                  <a:pt x="3805197" y="8488"/>
+                  <a:pt x="3901079" y="-27579"/>
+                  <a:pt x="4127275" y="0"/>
+                </a:cubicBezTo>
+                <a:cubicBezTo>
+                  <a:pt x="4353471" y="27579"/>
+                  <a:pt x="4499386" y="-34171"/>
+                  <a:pt x="4870815" y="0"/>
+                </a:cubicBezTo>
+                <a:cubicBezTo>
+                  <a:pt x="5242244" y="34171"/>
+                  <a:pt x="5362002" y="-28493"/>
+                  <a:pt x="5671065" y="0"/>
+                </a:cubicBezTo>
+                <a:cubicBezTo>
+                  <a:pt x="5673970" y="242329"/>
+                  <a:pt x="5666756" y="396724"/>
+                  <a:pt x="5671065" y="584775"/>
+                </a:cubicBezTo>
+                <a:cubicBezTo>
+                  <a:pt x="5569933" y="569095"/>
+                  <a:pt x="5354033" y="604519"/>
+                  <a:pt x="5211079" y="584775"/>
+                </a:cubicBezTo>
+                <a:cubicBezTo>
+                  <a:pt x="5068125" y="565031"/>
+                  <a:pt x="4863397" y="558310"/>
+                  <a:pt x="4637671" y="584775"/>
+                </a:cubicBezTo>
+                <a:cubicBezTo>
+                  <a:pt x="4411945" y="611240"/>
+                  <a:pt x="4049973" y="576015"/>
+                  <a:pt x="3894131" y="584775"/>
+                </a:cubicBezTo>
+                <a:cubicBezTo>
+                  <a:pt x="3738289" y="593535"/>
+                  <a:pt x="3480653" y="578061"/>
+                  <a:pt x="3264013" y="584775"/>
+                </a:cubicBezTo>
+                <a:cubicBezTo>
+                  <a:pt x="3047373" y="591489"/>
+                  <a:pt x="2878818" y="559767"/>
+                  <a:pt x="2747316" y="584775"/>
+                </a:cubicBezTo>
+                <a:cubicBezTo>
+                  <a:pt x="2615814" y="609783"/>
+                  <a:pt x="2348530" y="569098"/>
+                  <a:pt x="2060487" y="584775"/>
+                </a:cubicBezTo>
+                <a:cubicBezTo>
+                  <a:pt x="1772444" y="600452"/>
+                  <a:pt x="1671847" y="595230"/>
+                  <a:pt x="1543790" y="584775"/>
+                </a:cubicBezTo>
+                <a:cubicBezTo>
+                  <a:pt x="1415733" y="574320"/>
+                  <a:pt x="1168933" y="557195"/>
+                  <a:pt x="856961" y="584775"/>
+                </a:cubicBezTo>
+                <a:cubicBezTo>
+                  <a:pt x="544989" y="612355"/>
+                  <a:pt x="247224" y="622591"/>
+                  <a:pt x="0" y="584775"/>
+                </a:cubicBezTo>
+                <a:cubicBezTo>
+                  <a:pt x="20094" y="465216"/>
+                  <a:pt x="11161" y="265012"/>
+                  <a:pt x="0" y="0"/>
+                </a:cubicBezTo>
+                <a:close/>
+              </a:path>
+            </a:pathLst>
+          </a:custGeom>
+          <a:noFill/>
+          <a:ln>
+            <a:noFill/>
+            <a:extLst>
+              <a:ext uri="{C807C97D-BFC1-408E-A445-0C87EB9F89A2}">
+                <ask:lineSketchStyleProps xmlns:ask="http://schemas.microsoft.com/office/drawing/2018/sketchyshapes" sd="2835737594">
+                  <a:prstGeom prst="rect">
+                    <a:avLst/>
+                  </a:prstGeom>
+                  <ask:type>
+                    <ask:lineSketchFreehand/>
+                  </ask:type>
+                </ask:lineSketchStyleProps>
+              </a:ext>
+            </a:extLst>
+          </a:ln>
+        </p:spPr>
+        <p:txBody>
+          <a:bodyPr wrap="square" rtlCol="0">
+            <a:spAutoFit/>
+          </a:bodyPr>
+          <a:lstStyle/>
+          <a:p>
+            <a:pPr algn="ctr"/>
+            <a:r>
+              <a:rPr lang="el-GR" sz="3200" b="1" dirty="0">
+                <a:solidFill>
+                  <a:srgbClr val="FDB879"/>
+                </a:solidFill>
+              </a:rPr>
+              <a:t>τ</a:t>
+            </a:r>
+            <a:r>
+              <a:rPr lang="en-US" sz="3200" b="1" dirty="0"/>
+              <a:t> </a:t>
+            </a:r>
+            <a:r>
+              <a:rPr lang="en-US" sz="3200" b="1" dirty="0" err="1"/>
+              <a:t>dV</a:t>
+            </a:r>
+            <a:r>
+              <a:rPr lang="en-US" sz="3200" b="1" dirty="0"/>
+              <a:t>/dt  =  </a:t>
+            </a:r>
+            <a:r>
+              <a:rPr lang="en-US" sz="3200" b="1" dirty="0">
+                <a:solidFill>
+                  <a:srgbClr val="84C777"/>
+                </a:solidFill>
+              </a:rPr>
+              <a:t>– V </a:t>
+            </a:r>
+            <a:r>
+              <a:rPr lang="en-US" sz="3200" b="1" dirty="0"/>
+              <a:t>+ </a:t>
+            </a:r>
+            <a:r>
+              <a:rPr lang="en-US" sz="3200" b="1" dirty="0" err="1"/>
+              <a:t>I</a:t>
+            </a:r>
+            <a:r>
+              <a:rPr lang="en-US" sz="3200" b="1" baseline="-25000" dirty="0" err="1"/>
+              <a:t>external</a:t>
+            </a:r>
+            <a:endParaRPr lang="en-US" sz="3200" b="1" baseline="-25000" dirty="0"/>
+          </a:p>
+        </p:txBody>
+      </p:sp>
+      <p:sp>
+        <p:nvSpPr>
+          <p:cNvPr id="3" name="TextBox 2">
+            <a:extLst>
+              <a:ext uri="{FF2B5EF4-FFF2-40B4-BE49-F238E27FC236}">
+                <a16:creationId xmlns:a16="http://schemas.microsoft.com/office/drawing/2014/main" id="{0E4B8B5A-D537-E7AD-1EBD-8CFAA89AAA16}"/>
+              </a:ext>
+            </a:extLst>
+          </p:cNvPr>
+          <p:cNvSpPr txBox="1"/>
+          <p:nvPr/>
+        </p:nvSpPr>
+        <p:spPr>
+          <a:xfrm>
+            <a:off x="1281669" y="3106964"/>
+            <a:ext cx="3008870" cy="584775"/>
+          </a:xfrm>
+          <a:prstGeom prst="rect">
+            <a:avLst/>
+          </a:prstGeom>
+          <a:noFill/>
+        </p:spPr>
+        <p:txBody>
+          <a:bodyPr wrap="square" rtlCol="0">
+            <a:spAutoFit/>
+          </a:bodyPr>
+          <a:lstStyle/>
+          <a:p>
+            <a:pPr algn="ctr"/>
+            <a:r>
+              <a:rPr lang="en-US" sz="3200" b="1" dirty="0"/>
+              <a:t>r(t)  =  </a:t>
+            </a:r>
+            <a:r>
+              <a:rPr lang="el-GR" sz="3200" b="1" dirty="0"/>
+              <a:t>φ</a:t>
+            </a:r>
+            <a:r>
+              <a:rPr lang="en-US" sz="3200" b="1" dirty="0"/>
+              <a:t>(V(t))</a:t>
+            </a:r>
+            <a:endParaRPr lang="en-US" sz="3200" b="1" baseline="-25000" dirty="0"/>
+          </a:p>
+        </p:txBody>
+      </p:sp>
+      <p:grpSp>
+        <p:nvGrpSpPr>
+          <p:cNvPr id="21" name="Group 20">
+            <a:extLst>
+              <a:ext uri="{FF2B5EF4-FFF2-40B4-BE49-F238E27FC236}">
+                <a16:creationId xmlns:a16="http://schemas.microsoft.com/office/drawing/2014/main" id="{70BA3FAE-ADA4-EB12-2ADF-7B6A637AAE8E}"/>
+              </a:ext>
+            </a:extLst>
+          </p:cNvPr>
+          <p:cNvGrpSpPr/>
+          <p:nvPr/>
+        </p:nvGrpSpPr>
+        <p:grpSpPr>
+          <a:xfrm>
+            <a:off x="0" y="4064570"/>
+            <a:ext cx="4349025" cy="1783673"/>
+            <a:chOff x="0" y="3777246"/>
+            <a:chExt cx="4349025" cy="1783673"/>
+          </a:xfrm>
+        </p:grpSpPr>
+        <p:sp>
+          <p:nvSpPr>
+            <p:cNvPr id="16" name="TextBox 15">
+              <a:extLst>
+                <a:ext uri="{FF2B5EF4-FFF2-40B4-BE49-F238E27FC236}">
+                  <a16:creationId xmlns:a16="http://schemas.microsoft.com/office/drawing/2014/main" id="{4A0DBA8F-1E9F-8EE5-0A82-7D0DD5DA6558}"/>
+                </a:ext>
+              </a:extLst>
+            </p:cNvPr>
+            <p:cNvSpPr txBox="1"/>
+            <p:nvPr/>
+          </p:nvSpPr>
+          <p:spPr>
+            <a:xfrm>
+              <a:off x="0" y="4187748"/>
+              <a:ext cx="3008870" cy="584775"/>
+            </a:xfrm>
+            <a:prstGeom prst="rect">
+              <a:avLst/>
+            </a:prstGeom>
+            <a:noFill/>
+          </p:spPr>
+          <p:txBody>
+            <a:bodyPr wrap="square" rtlCol="0">
+              <a:spAutoFit/>
+            </a:bodyPr>
+            <a:lstStyle/>
+            <a:p>
+              <a:pPr algn="ctr"/>
+              <a:r>
+                <a:rPr lang="en-US" sz="3200" dirty="0"/>
+                <a:t>where </a:t>
+              </a:r>
+              <a:r>
+                <a:rPr lang="el-GR" sz="3200" b="1" dirty="0"/>
+                <a:t>φ</a:t>
+              </a:r>
+              <a:r>
+                <a:rPr lang="en-US" sz="3200" b="1" dirty="0"/>
+                <a:t>(x) = </a:t>
+              </a:r>
+              <a:endParaRPr lang="en-US" sz="3200" baseline="-25000" dirty="0"/>
+            </a:p>
+          </p:txBody>
+        </p:sp>
+        <p:grpSp>
+          <p:nvGrpSpPr>
+            <p:cNvPr id="19" name="Group 18">
+              <a:extLst>
+                <a:ext uri="{FF2B5EF4-FFF2-40B4-BE49-F238E27FC236}">
+                  <a16:creationId xmlns:a16="http://schemas.microsoft.com/office/drawing/2014/main" id="{67C4DF32-0F99-6470-BA01-39A68A754B46}"/>
+                </a:ext>
+              </a:extLst>
+            </p:cNvPr>
+            <p:cNvGrpSpPr/>
+            <p:nvPr/>
+          </p:nvGrpSpPr>
+          <p:grpSpPr>
+            <a:xfrm>
+              <a:off x="2539606" y="3777246"/>
+              <a:ext cx="1809419" cy="1070255"/>
+              <a:chOff x="2539606" y="3777246"/>
+              <a:chExt cx="1809419" cy="1070255"/>
+            </a:xfrm>
+          </p:grpSpPr>
+          <p:sp>
+            <p:nvSpPr>
+              <p:cNvPr id="6" name="TextBox 5">
+                <a:extLst>
+                  <a:ext uri="{FF2B5EF4-FFF2-40B4-BE49-F238E27FC236}">
+                    <a16:creationId xmlns:a16="http://schemas.microsoft.com/office/drawing/2014/main" id="{8DAE340E-1A14-A46D-CC4A-09E037D51FB1}"/>
+                  </a:ext>
+                </a:extLst>
+              </p:cNvPr>
+              <p:cNvSpPr txBox="1"/>
+              <p:nvPr/>
+            </p:nvSpPr>
+            <p:spPr>
+              <a:xfrm>
+                <a:off x="2979192" y="3777246"/>
+                <a:ext cx="914400" cy="584775"/>
+              </a:xfrm>
+              <a:prstGeom prst="rect">
+                <a:avLst/>
+              </a:prstGeom>
+              <a:noFill/>
+            </p:spPr>
+            <p:txBody>
+              <a:bodyPr wrap="square" rtlCol="0">
+                <a:spAutoFit/>
+              </a:bodyPr>
+              <a:lstStyle/>
+              <a:p>
+                <a:pPr algn="ctr"/>
+                <a:r>
+                  <a:rPr lang="en-US" sz="3200" b="1" dirty="0"/>
+                  <a:t>1</a:t>
+                </a:r>
+              </a:p>
+            </p:txBody>
+          </p:sp>
+          <p:cxnSp>
+            <p:nvCxnSpPr>
+              <p:cNvPr id="7" name="Straight Arrow Connector 6">
+                <a:extLst>
+                  <a:ext uri="{FF2B5EF4-FFF2-40B4-BE49-F238E27FC236}">
+                    <a16:creationId xmlns:a16="http://schemas.microsoft.com/office/drawing/2014/main" id="{AF703557-18A5-6152-C415-6E14D6F027B8}"/>
+                  </a:ext>
+                </a:extLst>
+              </p:cNvPr>
+              <p:cNvCxnSpPr>
+                <a:cxnSpLocks/>
+              </p:cNvCxnSpPr>
+              <p:nvPr/>
+            </p:nvCxnSpPr>
+            <p:spPr>
+              <a:xfrm>
+                <a:off x="2883169" y="4275902"/>
+                <a:ext cx="1131160" cy="0"/>
+              </a:xfrm>
+              <a:prstGeom prst="straightConnector1">
+                <a:avLst/>
+              </a:prstGeom>
+              <a:ln w="19050"/>
+            </p:spPr>
+            <p:style>
+              <a:lnRef idx="1">
+                <a:schemeClr val="dk1"/>
+              </a:lnRef>
+              <a:fillRef idx="0">
+                <a:schemeClr val="dk1"/>
+              </a:fillRef>
+              <a:effectRef idx="0">
+                <a:schemeClr val="dk1"/>
+              </a:effectRef>
+              <a:fontRef idx="minor">
+                <a:schemeClr val="tx1"/>
+              </a:fontRef>
+            </p:style>
+          </p:cxnSp>
+          <p:sp>
+            <p:nvSpPr>
+              <p:cNvPr id="18" name="TextBox 17">
+                <a:extLst>
+                  <a:ext uri="{FF2B5EF4-FFF2-40B4-BE49-F238E27FC236}">
+                    <a16:creationId xmlns:a16="http://schemas.microsoft.com/office/drawing/2014/main" id="{DBFAB36F-0A68-164E-EA31-8F8CDBAB4C2F}"/>
+                  </a:ext>
+                </a:extLst>
+              </p:cNvPr>
+              <p:cNvSpPr txBox="1"/>
+              <p:nvPr/>
+            </p:nvSpPr>
+            <p:spPr>
+              <a:xfrm>
+                <a:off x="2539606" y="4262726"/>
+                <a:ext cx="1809419" cy="584775"/>
+              </a:xfrm>
+              <a:prstGeom prst="rect">
+                <a:avLst/>
+              </a:prstGeom>
+              <a:noFill/>
+            </p:spPr>
+            <p:txBody>
+              <a:bodyPr wrap="square" rtlCol="0">
+                <a:spAutoFit/>
+              </a:bodyPr>
+              <a:lstStyle/>
+              <a:p>
+                <a:pPr algn="ctr"/>
+                <a:r>
+                  <a:rPr lang="en-US" sz="3200" b="1" dirty="0"/>
+                  <a:t>1 + e</a:t>
+                </a:r>
+                <a:r>
+                  <a:rPr lang="en-US" sz="3200" b="1" baseline="30000" dirty="0"/>
+                  <a:t>-x</a:t>
+                </a:r>
+                <a:endParaRPr lang="en-US" sz="3200" b="1" dirty="0"/>
+              </a:p>
+            </p:txBody>
+          </p:sp>
+        </p:grpSp>
+        <p:sp>
+          <p:nvSpPr>
+            <p:cNvPr id="20" name="TextBox 19">
+              <a:extLst>
+                <a:ext uri="{FF2B5EF4-FFF2-40B4-BE49-F238E27FC236}">
+                  <a16:creationId xmlns:a16="http://schemas.microsoft.com/office/drawing/2014/main" id="{C5FC41BB-889E-6D6B-A5C9-3D3C2C83D2A3}"/>
+                </a:ext>
+              </a:extLst>
+            </p:cNvPr>
+            <p:cNvSpPr txBox="1"/>
+            <p:nvPr/>
+          </p:nvSpPr>
+          <p:spPr>
+            <a:xfrm>
+              <a:off x="2553410" y="4976144"/>
+              <a:ext cx="1795615" cy="584775"/>
+            </a:xfrm>
+            <a:prstGeom prst="rect">
+              <a:avLst/>
+            </a:prstGeom>
+            <a:noFill/>
+          </p:spPr>
+          <p:txBody>
+            <a:bodyPr wrap="square" rtlCol="0">
+              <a:spAutoFit/>
+            </a:bodyPr>
+            <a:lstStyle/>
+            <a:p>
+              <a:pPr algn="ctr"/>
+              <a:r>
+                <a:rPr lang="en-US" sz="3200" b="1" dirty="0"/>
+                <a:t>tanh(x)</a:t>
+              </a:r>
+            </a:p>
+          </p:txBody>
+        </p:sp>
+      </p:grpSp>
+      <p:grpSp>
+        <p:nvGrpSpPr>
+          <p:cNvPr id="23" name="Group 22">
+            <a:extLst>
+              <a:ext uri="{FF2B5EF4-FFF2-40B4-BE49-F238E27FC236}">
+                <a16:creationId xmlns:a16="http://schemas.microsoft.com/office/drawing/2014/main" id="{20A4C050-7D3F-D7BE-AB0E-FEE8B191FD2A}"/>
+              </a:ext>
+            </a:extLst>
+          </p:cNvPr>
+          <p:cNvGrpSpPr/>
+          <p:nvPr/>
+        </p:nvGrpSpPr>
+        <p:grpSpPr>
+          <a:xfrm>
+            <a:off x="6038215" y="1050943"/>
+            <a:ext cx="6037832" cy="5474549"/>
+            <a:chOff x="6038215" y="450638"/>
+            <a:chExt cx="6037832" cy="5474549"/>
+          </a:xfrm>
+        </p:grpSpPr>
+        <p:pic>
+          <p:nvPicPr>
+            <p:cNvPr id="2050" name="Picture 2" descr="Figure 1. Examples of network activity as a function of s and g. Each inset shows x(t) for 6 out of 400 network units as a function of time, with its location indicating the values g and s used: for insets 1-12 (in order): (g, s) = (0.5,2.5), (1.3,2.5), (2.5,2.5), (0.6,1.5), (1.5,1.5), (2.5,1.5), (0.4,0.4), (1.5,0.5), (2.5,0.5), (0.4,-0.4), (1.2, -0.3), (2.5,-0.5). The long-dashed line is the boundary between activity that decays to 0 (inserts 7, 10 &amp; 11) and persistent chaotic activity (inserts 8, 9 &amp; 12). The solid curve is the boundary between persistent chaos and what we will show to be transient chaotic activity that ultimately converges to one of many nonzero fixed points (inserts 1-6). For inserts 3-6, there is a break in the time axis, reflecting the long time required for convergence to a fixed point. The short-dashed line simply indicates s=1.">
+              <a:extLst>
+                <a:ext uri="{FF2B5EF4-FFF2-40B4-BE49-F238E27FC236}">
+                  <a16:creationId xmlns:a16="http://schemas.microsoft.com/office/drawing/2014/main" id="{16D8960A-C2ED-35A6-753E-98CBECE9EEA1}"/>
+                </a:ext>
+              </a:extLst>
+            </p:cNvPr>
+            <p:cNvPicPr>
+              <a:picLocks noChangeAspect="1" noChangeArrowheads="1"/>
+            </p:cNvPicPr>
+            <p:nvPr/>
+          </p:nvPicPr>
+          <p:blipFill rotWithShape="1">
+            <a:blip r:embed="rId2">
+              <a:extLst>
+                <a:ext uri="{28A0092B-C50C-407E-A947-70E740481C1C}">
+                  <a14:useLocalDpi xmlns:a14="http://schemas.microsoft.com/office/drawing/2010/main" val="0"/>
+                </a:ext>
+              </a:extLst>
+            </a:blip>
+            <a:srcRect b="2724"/>
+            <a:stretch/>
+          </p:blipFill>
+          <p:spPr bwMode="auto">
+            <a:xfrm>
+              <a:off x="6038215" y="966811"/>
+              <a:ext cx="6037832" cy="4519589"/>
+            </a:xfrm>
+            <a:prstGeom prst="rect">
+              <a:avLst/>
+            </a:prstGeom>
+            <a:noFill/>
+            <a:extLst>
+              <a:ext uri="{909E8E84-426E-40DD-AFC4-6F175D3DCCD1}">
+                <a14:hiddenFill xmlns:a14="http://schemas.microsoft.com/office/drawing/2010/main">
+                  <a:solidFill>
+                    <a:srgbClr val="FFFFFF"/>
+                  </a:solidFill>
+                </a14:hiddenFill>
+              </a:ext>
+            </a:extLst>
+          </p:spPr>
+        </p:pic>
+        <p:sp>
+          <p:nvSpPr>
+            <p:cNvPr id="22" name="TextBox 21">
+              <a:extLst>
+                <a:ext uri="{FF2B5EF4-FFF2-40B4-BE49-F238E27FC236}">
+                  <a16:creationId xmlns:a16="http://schemas.microsoft.com/office/drawing/2014/main" id="{BA4EB256-3DD7-32E8-0613-919D13FD5A96}"/>
+                </a:ext>
+              </a:extLst>
+            </p:cNvPr>
+            <p:cNvSpPr txBox="1"/>
+            <p:nvPr/>
+          </p:nvSpPr>
+          <p:spPr>
+            <a:xfrm>
+              <a:off x="6512160" y="5555855"/>
+              <a:ext cx="5467864" cy="369332"/>
+            </a:xfrm>
+            <a:prstGeom prst="rect">
+              <a:avLst/>
+            </a:prstGeom>
+            <a:noFill/>
+          </p:spPr>
+          <p:txBody>
+            <a:bodyPr wrap="square" rtlCol="0">
+              <a:spAutoFit/>
+            </a:bodyPr>
+            <a:lstStyle/>
+            <a:p>
+              <a:pPr algn="r"/>
+              <a:r>
+                <a:rPr lang="en-US" dirty="0"/>
+                <a:t>Stern, </a:t>
+              </a:r>
+              <a:r>
+                <a:rPr lang="en-US" dirty="0" err="1"/>
+                <a:t>Sompolinsky</a:t>
+              </a:r>
+              <a:r>
+                <a:rPr lang="en-US" dirty="0"/>
+                <a:t>, and Abbott (2014) PRE</a:t>
+              </a:r>
+            </a:p>
+          </p:txBody>
+        </p:sp>
+        <p:pic>
+          <p:nvPicPr>
+            <p:cNvPr id="2052" name="Picture 4" descr="It's like sigma summation notation, except instead of summing the argument over all values of i, you 2 the argument over all values of 2.">
+              <a:extLst>
+                <a:ext uri="{FF2B5EF4-FFF2-40B4-BE49-F238E27FC236}">
+                  <a16:creationId xmlns:a16="http://schemas.microsoft.com/office/drawing/2014/main" id="{6B18AB50-A0CB-D68E-0292-377B1667D170}"/>
+                </a:ext>
+              </a:extLst>
+            </p:cNvPr>
+            <p:cNvPicPr>
+              <a:picLocks noChangeAspect="1" noChangeArrowheads="1"/>
+            </p:cNvPicPr>
+            <p:nvPr/>
+          </p:nvPicPr>
+          <p:blipFill rotWithShape="1">
+            <a:blip r:embed="rId3">
+              <a:extLst>
+                <a:ext uri="{28A0092B-C50C-407E-A947-70E740481C1C}">
+                  <a14:useLocalDpi xmlns:a14="http://schemas.microsoft.com/office/drawing/2010/main" val="0"/>
+                </a:ext>
+              </a:extLst>
+            </a:blip>
+            <a:srcRect l="33565" t="82544" r="35620" b="3610"/>
+            <a:stretch/>
+          </p:blipFill>
+          <p:spPr bwMode="auto">
+            <a:xfrm>
+              <a:off x="8628254" y="450638"/>
+              <a:ext cx="1235676" cy="425988"/>
+            </a:xfrm>
+            <a:prstGeom prst="rect">
+              <a:avLst/>
+            </a:prstGeom>
+            <a:noFill/>
+            <a:extLst>
+              <a:ext uri="{909E8E84-426E-40DD-AFC4-6F175D3DCCD1}">
+                <a14:hiddenFill xmlns:a14="http://schemas.microsoft.com/office/drawing/2010/main">
+                  <a:solidFill>
+                    <a:srgbClr val="FFFFFF"/>
+                  </a:solidFill>
+                </a14:hiddenFill>
+              </a:ext>
+            </a:extLst>
+          </p:spPr>
+        </p:pic>
+      </p:grpSp>
+    </p:spTree>
+    <p:extLst>
+      <p:ext uri="{BB962C8B-B14F-4D97-AF65-F5344CB8AC3E}">
+        <p14:creationId xmlns:p14="http://schemas.microsoft.com/office/powerpoint/2010/main" val="3108576389"/>
+      </p:ext>
+    </p:extLst>
+  </p:cSld>
+  <p:clrMapOvr>
+    <a:masterClrMapping/>
+  </p:clrMapOvr>
+  <p:timing>
+    <p:tnLst>
+      <p:par>
+        <p:cTn id="1" dur="indefinite" restart="never" nodeType="tmRoot">
+          <p:childTnLst>
+            <p:seq concurrent="1" nextAc="seek">
+              <p:cTn id="2" dur="indefinite" nodeType="mainSeq">
+                <p:childTnLst>
+                  <p:par>
+                    <p:cTn id="3" fill="hold">
+                      <p:stCondLst>
+                        <p:cond delay="indefinite"/>
+                      </p:stCondLst>
+                      <p:childTnLst>
+                        <p:par>
+                          <p:cTn id="4" fill="hold">
+                            <p:stCondLst>
+                              <p:cond delay="0"/>
+                            </p:stCondLst>
+                            <p:childTnLst>
+                              <p:par>
+                                <p:cTn id="5" presetID="10" presetClass="entr" presetSubtype="0" fill="hold" grpId="0" nodeType="clickEffect">
+                                  <p:stCondLst>
+                                    <p:cond delay="0"/>
+                                  </p:stCondLst>
+                                  <p:childTnLst>
+                                    <p:set>
+                                      <p:cBhvr>
+                                        <p:cTn id="6" dur="1" fill="hold">
+                                          <p:stCondLst>
+                                            <p:cond delay="0"/>
+                                          </p:stCondLst>
+                                        </p:cTn>
+                                        <p:tgtEl>
+                                          <p:spTgt spid="3"/>
+                                        </p:tgtEl>
+                                        <p:attrNameLst>
+                                          <p:attrName>style.visibility</p:attrName>
+                                        </p:attrNameLst>
+                                      </p:cBhvr>
+                                      <p:to>
+                                        <p:strVal val="visible"/>
+                                      </p:to>
+                                    </p:set>
+                                    <p:animEffect transition="in" filter="fade">
+                                      <p:cBhvr>
+                                        <p:cTn id="7" dur="100"/>
+                                        <p:tgtEl>
+                                          <p:spTgt spid="3"/>
+                                        </p:tgtEl>
+                                      </p:cBhvr>
+                                    </p:animEffect>
+                                  </p:childTnLst>
+                                </p:cTn>
+                              </p:par>
+                            </p:childTnLst>
+                          </p:cTn>
+                        </p:par>
+                      </p:childTnLst>
+                    </p:cTn>
+                  </p:par>
+                  <p:par>
+                    <p:cTn id="8" fill="hold">
+                      <p:stCondLst>
+                        <p:cond delay="indefinite"/>
+                      </p:stCondLst>
+                      <p:childTnLst>
+                        <p:par>
+                          <p:cTn id="9" fill="hold">
+                            <p:stCondLst>
+                              <p:cond delay="0"/>
+                            </p:stCondLst>
+                            <p:childTnLst>
+                              <p:par>
+                                <p:cTn id="10" presetID="10" presetClass="entr" presetSubtype="0" fill="hold" nodeType="clickEffect">
+                                  <p:stCondLst>
+                                    <p:cond delay="0"/>
+                                  </p:stCondLst>
+                                  <p:childTnLst>
+                                    <p:set>
+                                      <p:cBhvr>
+                                        <p:cTn id="11" dur="1" fill="hold">
+                                          <p:stCondLst>
+                                            <p:cond delay="0"/>
+                                          </p:stCondLst>
+                                        </p:cTn>
+                                        <p:tgtEl>
+                                          <p:spTgt spid="21"/>
+                                        </p:tgtEl>
+                                        <p:attrNameLst>
+                                          <p:attrName>style.visibility</p:attrName>
+                                        </p:attrNameLst>
+                                      </p:cBhvr>
+                                      <p:to>
+                                        <p:strVal val="visible"/>
+                                      </p:to>
+                                    </p:set>
+                                    <p:animEffect transition="in" filter="fade">
+                                      <p:cBhvr>
+                                        <p:cTn id="12" dur="100"/>
+                                        <p:tgtEl>
+                                          <p:spTgt spid="21"/>
+                                        </p:tgtEl>
+                                      </p:cBhvr>
+                                    </p:animEffect>
+                                  </p:childTnLst>
+                                </p:cTn>
+                              </p:par>
+                            </p:childTnLst>
+                          </p:cTn>
+                        </p:par>
+                      </p:childTnLst>
+                    </p:cTn>
+                  </p:par>
+                  <p:par>
+                    <p:cTn id="13" fill="hold">
+                      <p:stCondLst>
+                        <p:cond delay="indefinite"/>
+                      </p:stCondLst>
+                      <p:childTnLst>
+                        <p:par>
+                          <p:cTn id="14" fill="hold">
+                            <p:stCondLst>
+                              <p:cond delay="0"/>
+                            </p:stCondLst>
+                            <p:childTnLst>
+                              <p:par>
+                                <p:cTn id="15" presetID="10" presetClass="entr" presetSubtype="0" fill="hold" nodeType="clickEffect">
+                                  <p:stCondLst>
+                                    <p:cond delay="0"/>
+                                  </p:stCondLst>
+                                  <p:childTnLst>
+                                    <p:set>
+                                      <p:cBhvr>
+                                        <p:cTn id="16" dur="1" fill="hold">
+                                          <p:stCondLst>
+                                            <p:cond delay="0"/>
+                                          </p:stCondLst>
+                                        </p:cTn>
+                                        <p:tgtEl>
+                                          <p:spTgt spid="23"/>
+                                        </p:tgtEl>
+                                        <p:attrNameLst>
+                                          <p:attrName>style.visibility</p:attrName>
+                                        </p:attrNameLst>
+                                      </p:cBhvr>
+                                      <p:to>
+                                        <p:strVal val="visible"/>
+                                      </p:to>
+                                    </p:set>
+                                    <p:animEffect transition="in" filter="fade">
+                                      <p:cBhvr>
+                                        <p:cTn id="17" dur="100"/>
+                                        <p:tgtEl>
+                                          <p:spTgt spid="23"/>
+                                        </p:tgtEl>
+                                      </p:cBhvr>
+                                    </p:animEffect>
+                                  </p:childTnLst>
+                                </p:cTn>
+                              </p:par>
+                            </p:childTnLst>
+                          </p:cTn>
+                        </p:par>
+                      </p:childTnLst>
+                    </p:cTn>
+                  </p:par>
+                </p:childTnLst>
+              </p:cTn>
+              <p:prevCondLst>
+                <p:cond evt="onPrev" delay="0">
+                  <p:tgtEl>
+                    <p:sldTgt/>
+                  </p:tgtEl>
+                </p:cond>
+              </p:prevCondLst>
+              <p:nextCondLst>
+                <p:cond evt="onNext" delay="0">
+                  <p:tgtEl>
+                    <p:sldTgt/>
+                  </p:tgtEl>
+                </p:cond>
+              </p:nextCondLst>
+            </p:seq>
+          </p:childTnLst>
+        </p:cTn>
+      </p:par>
+    </p:tnLst>
+    <p:bldLst>
+      <p:bldP spid="3" grpId="0"/>
+    </p:bldLst>
+  </p:timing>
+</p:sld>
+</file>
+
+<file path=ppt/slides/slide21.xml><?xml version="1.0" encoding="utf-8"?>
+<p:sld xmlns:a="http://schemas.openxmlformats.org/drawingml/2006/main" xmlns:r="http://schemas.openxmlformats.org/officeDocument/2006/relationships" xmlns:p="http://schemas.openxmlformats.org/presentationml/2006/main">
+  <p:cSld>
+    <p:spTree>
+      <p:nvGrpSpPr>
+        <p:cNvPr id="1" name=""/>
+        <p:cNvGrpSpPr/>
+        <p:nvPr/>
+      </p:nvGrpSpPr>
+      <p:grpSpPr>
+        <a:xfrm>
+          <a:off x="0" y="0"/>
+          <a:ext cx="0" cy="0"/>
+          <a:chOff x="0" y="0"/>
+          <a:chExt cx="0" cy="0"/>
+        </a:xfrm>
+      </p:grpSpPr>
+      <p:sp>
+        <p:nvSpPr>
           <p:cNvPr id="25" name="TextBox 24">
             <a:extLst>
               <a:ext uri="{FF2B5EF4-FFF2-40B4-BE49-F238E27FC236}">
@@ -19360,7 +19512,7 @@
 </p:sld>
 </file>
 
-<file path=ppt/slides/slide21.xml><?xml version="1.0" encoding="utf-8"?>
+<file path=ppt/slides/slide22.xml><?xml version="1.0" encoding="utf-8"?>
 <p:sld xmlns:a="http://schemas.openxmlformats.org/drawingml/2006/main" xmlns:r="http://schemas.openxmlformats.org/officeDocument/2006/relationships" xmlns:p="http://schemas.openxmlformats.org/presentationml/2006/main">
   <p:cSld>
     <p:spTree>
@@ -21621,7 +21773,7 @@
 </p:sld>
 </file>
 
-<file path=ppt/slides/slide22.xml><?xml version="1.0" encoding="utf-8"?>
+<file path=ppt/slides/slide23.xml><?xml version="1.0" encoding="utf-8"?>
 <p:sld xmlns:a="http://schemas.openxmlformats.org/drawingml/2006/main" xmlns:r="http://schemas.openxmlformats.org/officeDocument/2006/relationships" xmlns:p="http://schemas.openxmlformats.org/presentationml/2006/main">
   <p:cSld>
     <p:spTree>
@@ -22411,7 +22563,7 @@
 </p:sld>
 </file>
 
-<file path=ppt/slides/slide23.xml><?xml version="1.0" encoding="utf-8"?>
+<file path=ppt/slides/slide24.xml><?xml version="1.0" encoding="utf-8"?>
 <p:sld xmlns:a="http://schemas.openxmlformats.org/drawingml/2006/main" xmlns:r="http://schemas.openxmlformats.org/officeDocument/2006/relationships" xmlns:p="http://schemas.openxmlformats.org/presentationml/2006/main">
   <p:cSld>
     <p:spTree>
@@ -23211,7 +23363,7 @@
 </p:sld>
 </file>
 
-<file path=ppt/slides/slide24.xml><?xml version="1.0" encoding="utf-8"?>
+<file path=ppt/slides/slide25.xml><?xml version="1.0" encoding="utf-8"?>
 <p:sld xmlns:a="http://schemas.openxmlformats.org/drawingml/2006/main" xmlns:r="http://schemas.openxmlformats.org/officeDocument/2006/relationships" xmlns:p="http://schemas.openxmlformats.org/presentationml/2006/main">
   <p:cSld>
     <p:spTree>

--- a/07_06_22_day2_dynamical_time_series/slides/day2_introduction.pptx
+++ b/07_06_22_day2_dynamical_time_series/slides/day2_introduction.pptx
@@ -25776,7 +25776,7 @@
                               <p:par>
                                 <p:cTn id="5" presetID="10" presetClass="entr" presetSubtype="0" fill="hold" nodeType="afterEffect">
                                   <p:stCondLst>
-                                    <p:cond delay="5000"/>
+                                    <p:cond delay="3000"/>
                                   </p:stCondLst>
                                   <p:childTnLst>
                                     <p:set>
@@ -25799,7 +25799,7 @@
                                     </p:set>
                                     <p:animEffect transition="in" filter="fade">
                                       <p:cBhvr>
-                                        <p:cTn id="7" dur="1500"/>
+                                        <p:cTn id="7" dur="1000"/>
                                         <p:tgtEl>
                                           <p:spTgt spid="39"/>
                                         </p:tgtEl>
@@ -25814,7 +25814,7 @@
                         <p:par>
                           <p:cTn id="8" fill="hold">
                             <p:stCondLst>
-                              <p:cond delay="6500"/>
+                              <p:cond delay="4000"/>
                             </p:stCondLst>
                             <p:childTnLst>
                               <p:par>

--- a/07_06_22_day2_dynamical_time_series/slides/day2_introduction.pptx
+++ b/07_06_22_day2_dynamical_time_series/slides/day2_introduction.pptx
@@ -5,7 +5,7 @@
     <p:sldMasterId id="2147483648" r:id="rId1"/>
   </p:sldMasterIdLst>
   <p:notesMasterIdLst>
-    <p:notesMasterId r:id="rId27"/>
+    <p:notesMasterId r:id="rId28"/>
   </p:notesMasterIdLst>
   <p:sldIdLst>
     <p:sldId id="256" r:id="rId2"/>
@@ -24,15 +24,16 @@
     <p:sldId id="282" r:id="rId15"/>
     <p:sldId id="266" r:id="rId16"/>
     <p:sldId id="271" r:id="rId17"/>
-    <p:sldId id="273" r:id="rId18"/>
-    <p:sldId id="276" r:id="rId19"/>
-    <p:sldId id="275" r:id="rId20"/>
-    <p:sldId id="277" r:id="rId21"/>
-    <p:sldId id="274" r:id="rId22"/>
-    <p:sldId id="278" r:id="rId23"/>
-    <p:sldId id="279" r:id="rId24"/>
-    <p:sldId id="280" r:id="rId25"/>
-    <p:sldId id="281" r:id="rId26"/>
+    <p:sldId id="283" r:id="rId18"/>
+    <p:sldId id="273" r:id="rId19"/>
+    <p:sldId id="276" r:id="rId20"/>
+    <p:sldId id="275" r:id="rId21"/>
+    <p:sldId id="277" r:id="rId22"/>
+    <p:sldId id="274" r:id="rId23"/>
+    <p:sldId id="278" r:id="rId24"/>
+    <p:sldId id="279" r:id="rId25"/>
+    <p:sldId id="280" r:id="rId26"/>
+    <p:sldId id="281" r:id="rId27"/>
   </p:sldIdLst>
   <p:sldSz cx="12192000" cy="6858000"/>
   <p:notesSz cx="6858000" cy="9144000"/>
@@ -561,7 +562,7 @@
           <a:p>
             <a:fld id="{589CCC7D-D5B9-4873-8AD0-0076A6B30CA2}" type="slidenum">
               <a:rPr lang="en-US" smtClean="0"/>
-              <a:t>22</a:t>
+              <a:t>23</a:t>
             </a:fld>
             <a:endParaRPr lang="en-US"/>
           </a:p>
@@ -10529,10 +10530,183 @@
       </p:sp>
       <p:pic>
         <p:nvPicPr>
-          <p:cNvPr id="7" name="Picture 6">
+          <p:cNvPr id="9" name="Picture 8">
             <a:extLst>
               <a:ext uri="{FF2B5EF4-FFF2-40B4-BE49-F238E27FC236}">
-                <a16:creationId xmlns:a16="http://schemas.microsoft.com/office/drawing/2014/main" id="{D3146858-AF53-24DF-5958-AA75F33029E2}"/>
+                <a16:creationId xmlns:a16="http://schemas.microsoft.com/office/drawing/2014/main" id="{A0F28D71-1E1C-AC16-3D71-839EB439DB99}"/>
+              </a:ext>
+            </a:extLst>
+          </p:cNvPr>
+          <p:cNvPicPr>
+            <a:picLocks noChangeAspect="1"/>
+          </p:cNvPicPr>
+          <p:nvPr/>
+        </p:nvPicPr>
+        <p:blipFill rotWithShape="1">
+          <a:blip r:embed="rId2"/>
+          <a:srcRect b="68348"/>
+          <a:stretch/>
+        </p:blipFill>
+        <p:spPr>
+          <a:xfrm>
+            <a:off x="6533147" y="332508"/>
+            <a:ext cx="5058736" cy="1871877"/>
+          </a:xfrm>
+          <a:prstGeom prst="rect">
+            <a:avLst/>
+          </a:prstGeom>
+        </p:spPr>
+      </p:pic>
+      <p:sp>
+        <p:nvSpPr>
+          <p:cNvPr id="8" name="TextBox 7">
+            <a:extLst>
+              <a:ext uri="{FF2B5EF4-FFF2-40B4-BE49-F238E27FC236}">
+                <a16:creationId xmlns:a16="http://schemas.microsoft.com/office/drawing/2014/main" id="{9BAABA2F-88A9-B008-0DA0-68C1463F02A0}"/>
+              </a:ext>
+            </a:extLst>
+          </p:cNvPr>
+          <p:cNvSpPr txBox="1"/>
+          <p:nvPr/>
+        </p:nvSpPr>
+        <p:spPr>
+          <a:xfrm>
+            <a:off x="5450995" y="867130"/>
+            <a:ext cx="1223523" cy="646331"/>
+          </a:xfrm>
+          <a:prstGeom prst="rect">
+            <a:avLst/>
+          </a:prstGeom>
+          <a:noFill/>
+        </p:spPr>
+        <p:txBody>
+          <a:bodyPr wrap="square" rtlCol="0">
+            <a:spAutoFit/>
+          </a:bodyPr>
+          <a:lstStyle/>
+          <a:p>
+            <a:pPr algn="ctr"/>
+            <a:r>
+              <a:rPr lang="en-US" dirty="0"/>
+              <a:t>membrane potential</a:t>
+            </a:r>
+          </a:p>
+        </p:txBody>
+      </p:sp>
+      <p:sp>
+        <p:nvSpPr>
+          <p:cNvPr id="10" name="TextBox 9">
+            <a:extLst>
+              <a:ext uri="{FF2B5EF4-FFF2-40B4-BE49-F238E27FC236}">
+                <a16:creationId xmlns:a16="http://schemas.microsoft.com/office/drawing/2014/main" id="{B336FDB4-2EBE-4DF1-1F1B-75794AB6223F}"/>
+              </a:ext>
+            </a:extLst>
+          </p:cNvPr>
+          <p:cNvSpPr txBox="1"/>
+          <p:nvPr/>
+        </p:nvSpPr>
+        <p:spPr>
+          <a:xfrm>
+            <a:off x="8037096" y="2133089"/>
+            <a:ext cx="2592804" cy="369332"/>
+          </a:xfrm>
+          <a:prstGeom prst="rect">
+            <a:avLst/>
+          </a:prstGeom>
+          <a:noFill/>
+        </p:spPr>
+        <p:txBody>
+          <a:bodyPr wrap="square" rtlCol="0">
+            <a:spAutoFit/>
+          </a:bodyPr>
+          <a:lstStyle/>
+          <a:p>
+            <a:pPr algn="ctr"/>
+            <a:r>
+              <a:rPr lang="en-US" dirty="0"/>
+              <a:t>time (seconds)</a:t>
+            </a:r>
+          </a:p>
+        </p:txBody>
+      </p:sp>
+      <p:sp>
+        <p:nvSpPr>
+          <p:cNvPr id="11" name="TextBox 10">
+            <a:extLst>
+              <a:ext uri="{FF2B5EF4-FFF2-40B4-BE49-F238E27FC236}">
+                <a16:creationId xmlns:a16="http://schemas.microsoft.com/office/drawing/2014/main" id="{C73BFD29-A2E4-EC07-E337-7EDCF5C68915}"/>
+              </a:ext>
+            </a:extLst>
+          </p:cNvPr>
+          <p:cNvSpPr txBox="1"/>
+          <p:nvPr/>
+        </p:nvSpPr>
+        <p:spPr>
+          <a:xfrm>
+            <a:off x="8282656" y="6413552"/>
+            <a:ext cx="2497639" cy="369332"/>
+          </a:xfrm>
+          <a:prstGeom prst="rect">
+            <a:avLst/>
+          </a:prstGeom>
+          <a:noFill/>
+        </p:spPr>
+        <p:txBody>
+          <a:bodyPr wrap="square" rtlCol="0">
+            <a:spAutoFit/>
+          </a:bodyPr>
+          <a:lstStyle/>
+          <a:p>
+            <a:pPr algn="ctr"/>
+            <a:r>
+              <a:rPr lang="en-US" dirty="0"/>
+              <a:t>membrane potential</a:t>
+            </a:r>
+          </a:p>
+        </p:txBody>
+      </p:sp>
+      <p:sp>
+        <p:nvSpPr>
+          <p:cNvPr id="12" name="TextBox 11">
+            <a:extLst>
+              <a:ext uri="{FF2B5EF4-FFF2-40B4-BE49-F238E27FC236}">
+                <a16:creationId xmlns:a16="http://schemas.microsoft.com/office/drawing/2014/main" id="{3FB58AA6-47EF-7E0C-4A8E-F99717830D18}"/>
+              </a:ext>
+            </a:extLst>
+          </p:cNvPr>
+          <p:cNvSpPr txBox="1"/>
+          <p:nvPr/>
+        </p:nvSpPr>
+        <p:spPr>
+          <a:xfrm>
+            <a:off x="5445291" y="3975931"/>
+            <a:ext cx="1346847" cy="923330"/>
+          </a:xfrm>
+          <a:prstGeom prst="rect">
+            <a:avLst/>
+          </a:prstGeom>
+          <a:noFill/>
+        </p:spPr>
+        <p:txBody>
+          <a:bodyPr wrap="square" rtlCol="0">
+            <a:spAutoFit/>
+          </a:bodyPr>
+          <a:lstStyle/>
+          <a:p>
+            <a:pPr algn="ctr"/>
+            <a:r>
+              <a:rPr lang="en-US" dirty="0"/>
+              <a:t>potassium channel activation</a:t>
+            </a:r>
+          </a:p>
+        </p:txBody>
+      </p:sp>
+      <p:pic>
+        <p:nvPicPr>
+          <p:cNvPr id="14" name="Picture 13">
+            <a:extLst>
+              <a:ext uri="{FF2B5EF4-FFF2-40B4-BE49-F238E27FC236}">
+                <a16:creationId xmlns:a16="http://schemas.microsoft.com/office/drawing/2014/main" id="{5E5CCC27-086F-816A-3CE0-F77C40804C65}"/>
               </a:ext>
             </a:extLst>
           </p:cNvPr>
@@ -10542,15 +10716,15 @@
           <p:nvPr/>
         </p:nvPicPr>
         <p:blipFill>
-          <a:blip r:embed="rId2"/>
+          <a:blip r:embed="rId3"/>
           <a:stretch>
             <a:fillRect/>
           </a:stretch>
         </p:blipFill>
         <p:spPr>
           <a:xfrm>
-            <a:off x="6268452" y="611589"/>
-            <a:ext cx="5058736" cy="5913903"/>
+            <a:off x="6746710" y="2549509"/>
+            <a:ext cx="4797045" cy="3776175"/>
           </a:xfrm>
           <a:prstGeom prst="rect">
             <a:avLst/>
@@ -13399,6 +13573,116 @@
           <a:chExt cx="0" cy="0"/>
         </a:xfrm>
       </p:grpSpPr>
+      <p:pic>
+        <p:nvPicPr>
+          <p:cNvPr id="3074" name="Picture 2" descr="An Introduction to Filters - Technical Articles">
+            <a:extLst>
+              <a:ext uri="{FF2B5EF4-FFF2-40B4-BE49-F238E27FC236}">
+                <a16:creationId xmlns:a16="http://schemas.microsoft.com/office/drawing/2014/main" id="{EF35EE0B-9EEA-4160-424D-8887F4A3780A}"/>
+              </a:ext>
+            </a:extLst>
+          </p:cNvPr>
+          <p:cNvPicPr>
+            <a:picLocks noChangeAspect="1" noChangeArrowheads="1"/>
+          </p:cNvPicPr>
+          <p:nvPr/>
+        </p:nvPicPr>
+        <p:blipFill rotWithShape="1">
+          <a:blip r:embed="rId2">
+            <a:extLst>
+              <a:ext uri="{28A0092B-C50C-407E-A947-70E740481C1C}">
+                <a14:useLocalDpi xmlns:a14="http://schemas.microsoft.com/office/drawing/2010/main" val="0"/>
+              </a:ext>
+            </a:extLst>
+          </a:blip>
+          <a:srcRect l="889" t="1791" r="1414" b="2944"/>
+          <a:stretch/>
+        </p:blipFill>
+        <p:spPr bwMode="auto">
+          <a:xfrm>
+            <a:off x="601579" y="1246958"/>
+            <a:ext cx="10238873" cy="5129779"/>
+          </a:xfrm>
+          <a:prstGeom prst="rect">
+            <a:avLst/>
+          </a:prstGeom>
+          <a:noFill/>
+          <a:extLst>
+            <a:ext uri="{909E8E84-426E-40DD-AFC4-6F175D3DCCD1}">
+              <a14:hiddenFill xmlns:a14="http://schemas.microsoft.com/office/drawing/2010/main">
+                <a:solidFill>
+                  <a:srgbClr val="FFFFFF"/>
+                </a:solidFill>
+              </a14:hiddenFill>
+            </a:ext>
+          </a:extLst>
+        </p:spPr>
+      </p:pic>
+      <p:sp>
+        <p:nvSpPr>
+          <p:cNvPr id="3" name="TextBox 2">
+            <a:extLst>
+              <a:ext uri="{FF2B5EF4-FFF2-40B4-BE49-F238E27FC236}">
+                <a16:creationId xmlns:a16="http://schemas.microsoft.com/office/drawing/2014/main" id="{3180FB88-6520-590F-0CF6-342568737944}"/>
+              </a:ext>
+            </a:extLst>
+          </p:cNvPr>
+          <p:cNvSpPr txBox="1"/>
+          <p:nvPr/>
+        </p:nvSpPr>
+        <p:spPr>
+          <a:xfrm>
+            <a:off x="211973" y="332508"/>
+            <a:ext cx="11768051" cy="461665"/>
+          </a:xfrm>
+          <a:prstGeom prst="rect">
+            <a:avLst/>
+          </a:prstGeom>
+          <a:noFill/>
+        </p:spPr>
+        <p:txBody>
+          <a:bodyPr wrap="square" rtlCol="0">
+            <a:spAutoFit/>
+          </a:bodyPr>
+          <a:lstStyle/>
+          <a:p>
+            <a:r>
+              <a:rPr lang="en-US" sz="2400" dirty="0"/>
+              <a:t>(what do we mean by filtering?)</a:t>
+            </a:r>
+          </a:p>
+        </p:txBody>
+      </p:sp>
+    </p:spTree>
+    <p:extLst>
+      <p:ext uri="{BB962C8B-B14F-4D97-AF65-F5344CB8AC3E}">
+        <p14:creationId xmlns:p14="http://schemas.microsoft.com/office/powerpoint/2010/main" val="2553344406"/>
+      </p:ext>
+    </p:extLst>
+  </p:cSld>
+  <p:clrMapOvr>
+    <a:masterClrMapping/>
+  </p:clrMapOvr>
+</p:sld>
+</file>
+
+<file path=ppt/slides/slide18.xml><?xml version="1.0" encoding="utf-8"?>
+<p:sld xmlns:a="http://schemas.openxmlformats.org/drawingml/2006/main" xmlns:r="http://schemas.openxmlformats.org/officeDocument/2006/relationships" xmlns:p="http://schemas.openxmlformats.org/presentationml/2006/main">
+  <p:cSld>
+    <p:spTree>
+      <p:nvGrpSpPr>
+        <p:cNvPr id="1" name=""/>
+        <p:cNvGrpSpPr/>
+        <p:nvPr/>
+      </p:nvGrpSpPr>
+      <p:grpSpPr>
+        <a:xfrm>
+          <a:off x="0" y="0"/>
+          <a:ext cx="0" cy="0"/>
+          <a:chOff x="0" y="0"/>
+          <a:chExt cx="0" cy="0"/>
+        </a:xfrm>
+      </p:grpSpPr>
       <p:sp>
         <p:nvSpPr>
           <p:cNvPr id="23" name="Oval 22">
@@ -14381,7 +14665,7 @@
 </p:sld>
 </file>
 
-<file path=ppt/slides/slide18.xml><?xml version="1.0" encoding="utf-8"?>
+<file path=ppt/slides/slide19.xml><?xml version="1.0" encoding="utf-8"?>
 <p:sld xmlns:a="http://schemas.openxmlformats.org/drawingml/2006/main" xmlns:r="http://schemas.openxmlformats.org/officeDocument/2006/relationships" xmlns:p="http://schemas.openxmlformats.org/presentationml/2006/main">
   <p:cSld>
     <p:spTree>
@@ -14651,890 +14935,6 @@
         </p:cTn>
       </p:par>
     </p:tnLst>
-  </p:timing>
-</p:sld>
-</file>
-
-<file path=ppt/slides/slide19.xml><?xml version="1.0" encoding="utf-8"?>
-<p:sld xmlns:a="http://schemas.openxmlformats.org/drawingml/2006/main" xmlns:r="http://schemas.openxmlformats.org/officeDocument/2006/relationships" xmlns:p="http://schemas.openxmlformats.org/presentationml/2006/main">
-  <p:cSld>
-    <p:spTree>
-      <p:nvGrpSpPr>
-        <p:cNvPr id="1" name=""/>
-        <p:cNvGrpSpPr/>
-        <p:nvPr/>
-      </p:nvGrpSpPr>
-      <p:grpSpPr>
-        <a:xfrm>
-          <a:off x="0" y="0"/>
-          <a:ext cx="0" cy="0"/>
-          <a:chOff x="0" y="0"/>
-          <a:chExt cx="0" cy="0"/>
-        </a:xfrm>
-      </p:grpSpPr>
-      <p:sp>
-        <p:nvSpPr>
-          <p:cNvPr id="2" name="TextBox 1">
-            <a:extLst>
-              <a:ext uri="{FF2B5EF4-FFF2-40B4-BE49-F238E27FC236}">
-                <a16:creationId xmlns:a16="http://schemas.microsoft.com/office/drawing/2014/main" id="{1D404F9D-E56C-A2E2-F0D4-262A3602E94A}"/>
-              </a:ext>
-            </a:extLst>
-          </p:cNvPr>
-          <p:cNvSpPr txBox="1"/>
-          <p:nvPr/>
-        </p:nvSpPr>
-        <p:spPr>
-          <a:xfrm>
-            <a:off x="211973" y="332508"/>
-            <a:ext cx="11768051" cy="1200329"/>
-          </a:xfrm>
-          <a:prstGeom prst="rect">
-            <a:avLst/>
-          </a:prstGeom>
-          <a:noFill/>
-        </p:spPr>
-        <p:txBody>
-          <a:bodyPr wrap="square" rtlCol="0">
-            <a:spAutoFit/>
-          </a:bodyPr>
-          <a:lstStyle/>
-          <a:p>
-            <a:r>
-              <a:rPr lang="en-US" sz="2400" dirty="0"/>
-              <a:t>Keep the filter and the spiking, but throw out all those ion channel parameters:</a:t>
-            </a:r>
-          </a:p>
-          <a:p>
-            <a:endParaRPr lang="en-US" sz="2400" dirty="0"/>
-          </a:p>
-          <a:p>
-            <a:r>
-              <a:rPr lang="en-US" sz="2400" dirty="0"/>
-              <a:t>	=&gt; leaky integrate-and-fire neurons</a:t>
-            </a:r>
-          </a:p>
-        </p:txBody>
-      </p:sp>
-      <p:sp>
-        <p:nvSpPr>
-          <p:cNvPr id="4" name="TextBox 3">
-            <a:extLst>
-              <a:ext uri="{FF2B5EF4-FFF2-40B4-BE49-F238E27FC236}">
-                <a16:creationId xmlns:a16="http://schemas.microsoft.com/office/drawing/2014/main" id="{1C0E9784-3D67-4880-7751-A7F1F552E340}"/>
-              </a:ext>
-            </a:extLst>
-          </p:cNvPr>
-          <p:cNvSpPr txBox="1"/>
-          <p:nvPr/>
-        </p:nvSpPr>
-        <p:spPr>
-          <a:xfrm>
-            <a:off x="0" y="2362654"/>
-            <a:ext cx="5671065" cy="584775"/>
-          </a:xfrm>
-          <a:custGeom>
-            <a:avLst/>
-            <a:gdLst>
-              <a:gd name="connsiteX0" fmla="*/ 0 w 5671065"/>
-              <a:gd name="connsiteY0" fmla="*/ 0 h 584775"/>
-              <a:gd name="connsiteX1" fmla="*/ 573408 w 5671065"/>
-              <a:gd name="connsiteY1" fmla="*/ 0 h 584775"/>
-              <a:gd name="connsiteX2" fmla="*/ 1090105 w 5671065"/>
-              <a:gd name="connsiteY2" fmla="*/ 0 h 584775"/>
-              <a:gd name="connsiteX3" fmla="*/ 1550091 w 5671065"/>
-              <a:gd name="connsiteY3" fmla="*/ 0 h 584775"/>
-              <a:gd name="connsiteX4" fmla="*/ 2180209 w 5671065"/>
-              <a:gd name="connsiteY4" fmla="*/ 0 h 584775"/>
-              <a:gd name="connsiteX5" fmla="*/ 2923749 w 5671065"/>
-              <a:gd name="connsiteY5" fmla="*/ 0 h 584775"/>
-              <a:gd name="connsiteX6" fmla="*/ 3553867 w 5671065"/>
-              <a:gd name="connsiteY6" fmla="*/ 0 h 584775"/>
-              <a:gd name="connsiteX7" fmla="*/ 4127275 w 5671065"/>
-              <a:gd name="connsiteY7" fmla="*/ 0 h 584775"/>
-              <a:gd name="connsiteX8" fmla="*/ 4870815 w 5671065"/>
-              <a:gd name="connsiteY8" fmla="*/ 0 h 584775"/>
-              <a:gd name="connsiteX9" fmla="*/ 5671065 w 5671065"/>
-              <a:gd name="connsiteY9" fmla="*/ 0 h 584775"/>
-              <a:gd name="connsiteX10" fmla="*/ 5671065 w 5671065"/>
-              <a:gd name="connsiteY10" fmla="*/ 584775 h 584775"/>
-              <a:gd name="connsiteX11" fmla="*/ 5211079 w 5671065"/>
-              <a:gd name="connsiteY11" fmla="*/ 584775 h 584775"/>
-              <a:gd name="connsiteX12" fmla="*/ 4637671 w 5671065"/>
-              <a:gd name="connsiteY12" fmla="*/ 584775 h 584775"/>
-              <a:gd name="connsiteX13" fmla="*/ 3894131 w 5671065"/>
-              <a:gd name="connsiteY13" fmla="*/ 584775 h 584775"/>
-              <a:gd name="connsiteX14" fmla="*/ 3264013 w 5671065"/>
-              <a:gd name="connsiteY14" fmla="*/ 584775 h 584775"/>
-              <a:gd name="connsiteX15" fmla="*/ 2747316 w 5671065"/>
-              <a:gd name="connsiteY15" fmla="*/ 584775 h 584775"/>
-              <a:gd name="connsiteX16" fmla="*/ 2060487 w 5671065"/>
-              <a:gd name="connsiteY16" fmla="*/ 584775 h 584775"/>
-              <a:gd name="connsiteX17" fmla="*/ 1543790 w 5671065"/>
-              <a:gd name="connsiteY17" fmla="*/ 584775 h 584775"/>
-              <a:gd name="connsiteX18" fmla="*/ 856961 w 5671065"/>
-              <a:gd name="connsiteY18" fmla="*/ 584775 h 584775"/>
-              <a:gd name="connsiteX19" fmla="*/ 0 w 5671065"/>
-              <a:gd name="connsiteY19" fmla="*/ 584775 h 584775"/>
-              <a:gd name="connsiteX20" fmla="*/ 0 w 5671065"/>
-              <a:gd name="connsiteY20" fmla="*/ 0 h 584775"/>
-            </a:gdLst>
-            <a:ahLst/>
-            <a:cxnLst>
-              <a:cxn ang="0">
-                <a:pos x="connsiteX0" y="connsiteY0"/>
-              </a:cxn>
-              <a:cxn ang="0">
-                <a:pos x="connsiteX1" y="connsiteY1"/>
-              </a:cxn>
-              <a:cxn ang="0">
-                <a:pos x="connsiteX2" y="connsiteY2"/>
-              </a:cxn>
-              <a:cxn ang="0">
-                <a:pos x="connsiteX3" y="connsiteY3"/>
-              </a:cxn>
-              <a:cxn ang="0">
-                <a:pos x="connsiteX4" y="connsiteY4"/>
-              </a:cxn>
-              <a:cxn ang="0">
-                <a:pos x="connsiteX5" y="connsiteY5"/>
-              </a:cxn>
-              <a:cxn ang="0">
-                <a:pos x="connsiteX6" y="connsiteY6"/>
-              </a:cxn>
-              <a:cxn ang="0">
-                <a:pos x="connsiteX7" y="connsiteY7"/>
-              </a:cxn>
-              <a:cxn ang="0">
-                <a:pos x="connsiteX8" y="connsiteY8"/>
-              </a:cxn>
-              <a:cxn ang="0">
-                <a:pos x="connsiteX9" y="connsiteY9"/>
-              </a:cxn>
-              <a:cxn ang="0">
-                <a:pos x="connsiteX10" y="connsiteY10"/>
-              </a:cxn>
-              <a:cxn ang="0">
-                <a:pos x="connsiteX11" y="connsiteY11"/>
-              </a:cxn>
-              <a:cxn ang="0">
-                <a:pos x="connsiteX12" y="connsiteY12"/>
-              </a:cxn>
-              <a:cxn ang="0">
-                <a:pos x="connsiteX13" y="connsiteY13"/>
-              </a:cxn>
-              <a:cxn ang="0">
-                <a:pos x="connsiteX14" y="connsiteY14"/>
-              </a:cxn>
-              <a:cxn ang="0">
-                <a:pos x="connsiteX15" y="connsiteY15"/>
-              </a:cxn>
-              <a:cxn ang="0">
-                <a:pos x="connsiteX16" y="connsiteY16"/>
-              </a:cxn>
-              <a:cxn ang="0">
-                <a:pos x="connsiteX17" y="connsiteY17"/>
-              </a:cxn>
-              <a:cxn ang="0">
-                <a:pos x="connsiteX18" y="connsiteY18"/>
-              </a:cxn>
-              <a:cxn ang="0">
-                <a:pos x="connsiteX19" y="connsiteY19"/>
-              </a:cxn>
-              <a:cxn ang="0">
-                <a:pos x="connsiteX20" y="connsiteY20"/>
-              </a:cxn>
-            </a:cxnLst>
-            <a:rect l="l" t="t" r="r" b="b"/>
-            <a:pathLst>
-              <a:path w="5671065" h="584775" extrusionOk="0">
-                <a:moveTo>
-                  <a:pt x="0" y="0"/>
-                </a:moveTo>
-                <a:cubicBezTo>
-                  <a:pt x="172188" y="18840"/>
-                  <a:pt x="446932" y="-17548"/>
-                  <a:pt x="573408" y="0"/>
-                </a:cubicBezTo>
-                <a:cubicBezTo>
-                  <a:pt x="699884" y="17548"/>
-                  <a:pt x="927333" y="14355"/>
-                  <a:pt x="1090105" y="0"/>
-                </a:cubicBezTo>
-                <a:cubicBezTo>
-                  <a:pt x="1252877" y="-14355"/>
-                  <a:pt x="1429293" y="13700"/>
-                  <a:pt x="1550091" y="0"/>
-                </a:cubicBezTo>
-                <a:cubicBezTo>
-                  <a:pt x="1670889" y="-13700"/>
-                  <a:pt x="1961431" y="23378"/>
-                  <a:pt x="2180209" y="0"/>
-                </a:cubicBezTo>
-                <a:cubicBezTo>
-                  <a:pt x="2398987" y="-23378"/>
-                  <a:pt x="2759703" y="-9896"/>
-                  <a:pt x="2923749" y="0"/>
-                </a:cubicBezTo>
-                <a:cubicBezTo>
-                  <a:pt x="3087795" y="9896"/>
-                  <a:pt x="3302537" y="-8488"/>
-                  <a:pt x="3553867" y="0"/>
-                </a:cubicBezTo>
-                <a:cubicBezTo>
-                  <a:pt x="3805197" y="8488"/>
-                  <a:pt x="3901079" y="-27579"/>
-                  <a:pt x="4127275" y="0"/>
-                </a:cubicBezTo>
-                <a:cubicBezTo>
-                  <a:pt x="4353471" y="27579"/>
-                  <a:pt x="4499386" y="-34171"/>
-                  <a:pt x="4870815" y="0"/>
-                </a:cubicBezTo>
-                <a:cubicBezTo>
-                  <a:pt x="5242244" y="34171"/>
-                  <a:pt x="5362002" y="-28493"/>
-                  <a:pt x="5671065" y="0"/>
-                </a:cubicBezTo>
-                <a:cubicBezTo>
-                  <a:pt x="5673970" y="242329"/>
-                  <a:pt x="5666756" y="396724"/>
-                  <a:pt x="5671065" y="584775"/>
-                </a:cubicBezTo>
-                <a:cubicBezTo>
-                  <a:pt x="5569933" y="569095"/>
-                  <a:pt x="5354033" y="604519"/>
-                  <a:pt x="5211079" y="584775"/>
-                </a:cubicBezTo>
-                <a:cubicBezTo>
-                  <a:pt x="5068125" y="565031"/>
-                  <a:pt x="4863397" y="558310"/>
-                  <a:pt x="4637671" y="584775"/>
-                </a:cubicBezTo>
-                <a:cubicBezTo>
-                  <a:pt x="4411945" y="611240"/>
-                  <a:pt x="4049973" y="576015"/>
-                  <a:pt x="3894131" y="584775"/>
-                </a:cubicBezTo>
-                <a:cubicBezTo>
-                  <a:pt x="3738289" y="593535"/>
-                  <a:pt x="3480653" y="578061"/>
-                  <a:pt x="3264013" y="584775"/>
-                </a:cubicBezTo>
-                <a:cubicBezTo>
-                  <a:pt x="3047373" y="591489"/>
-                  <a:pt x="2878818" y="559767"/>
-                  <a:pt x="2747316" y="584775"/>
-                </a:cubicBezTo>
-                <a:cubicBezTo>
-                  <a:pt x="2615814" y="609783"/>
-                  <a:pt x="2348530" y="569098"/>
-                  <a:pt x="2060487" y="584775"/>
-                </a:cubicBezTo>
-                <a:cubicBezTo>
-                  <a:pt x="1772444" y="600452"/>
-                  <a:pt x="1671847" y="595230"/>
-                  <a:pt x="1543790" y="584775"/>
-                </a:cubicBezTo>
-                <a:cubicBezTo>
-                  <a:pt x="1415733" y="574320"/>
-                  <a:pt x="1168933" y="557195"/>
-                  <a:pt x="856961" y="584775"/>
-                </a:cubicBezTo>
-                <a:cubicBezTo>
-                  <a:pt x="544989" y="612355"/>
-                  <a:pt x="247224" y="622591"/>
-                  <a:pt x="0" y="584775"/>
-                </a:cubicBezTo>
-                <a:cubicBezTo>
-                  <a:pt x="20094" y="465216"/>
-                  <a:pt x="11161" y="265012"/>
-                  <a:pt x="0" y="0"/>
-                </a:cubicBezTo>
-                <a:close/>
-              </a:path>
-            </a:pathLst>
-          </a:custGeom>
-          <a:noFill/>
-          <a:ln>
-            <a:noFill/>
-            <a:extLst>
-              <a:ext uri="{C807C97D-BFC1-408E-A445-0C87EB9F89A2}">
-                <ask:lineSketchStyleProps xmlns:ask="http://schemas.microsoft.com/office/drawing/2018/sketchyshapes" sd="2835737594">
-                  <a:prstGeom prst="rect">
-                    <a:avLst/>
-                  </a:prstGeom>
-                  <ask:type>
-                    <ask:lineSketchFreehand/>
-                  </ask:type>
-                </ask:lineSketchStyleProps>
-              </a:ext>
-            </a:extLst>
-          </a:ln>
-        </p:spPr>
-        <p:txBody>
-          <a:bodyPr wrap="square" rtlCol="0">
-            <a:spAutoFit/>
-          </a:bodyPr>
-          <a:lstStyle/>
-          <a:p>
-            <a:pPr algn="ctr"/>
-            <a:r>
-              <a:rPr lang="el-GR" sz="3200" b="1" dirty="0">
-                <a:solidFill>
-                  <a:srgbClr val="FDB879"/>
-                </a:solidFill>
-              </a:rPr>
-              <a:t>τ</a:t>
-            </a:r>
-            <a:r>
-              <a:rPr lang="en-US" sz="3200" b="1" dirty="0"/>
-              <a:t> </a:t>
-            </a:r>
-            <a:r>
-              <a:rPr lang="en-US" sz="3200" b="1" dirty="0" err="1"/>
-              <a:t>dV</a:t>
-            </a:r>
-            <a:r>
-              <a:rPr lang="en-US" sz="3200" b="1" dirty="0"/>
-              <a:t>/dt  =  </a:t>
-            </a:r>
-            <a:r>
-              <a:rPr lang="en-US" sz="3200" b="1" dirty="0">
-                <a:solidFill>
-                  <a:srgbClr val="84C777"/>
-                </a:solidFill>
-              </a:rPr>
-              <a:t>– V </a:t>
-            </a:r>
-            <a:r>
-              <a:rPr lang="en-US" sz="3200" b="1" dirty="0"/>
-              <a:t>+ </a:t>
-            </a:r>
-            <a:r>
-              <a:rPr lang="en-US" sz="3200" b="1" dirty="0" err="1"/>
-              <a:t>I</a:t>
-            </a:r>
-            <a:r>
-              <a:rPr lang="en-US" sz="3200" b="1" baseline="-25000" dirty="0" err="1"/>
-              <a:t>external</a:t>
-            </a:r>
-            <a:endParaRPr lang="en-US" sz="3200" b="1" baseline="-25000" dirty="0"/>
-          </a:p>
-        </p:txBody>
-      </p:sp>
-      <p:sp>
-        <p:nvSpPr>
-          <p:cNvPr id="5" name="TextBox 4">
-            <a:extLst>
-              <a:ext uri="{FF2B5EF4-FFF2-40B4-BE49-F238E27FC236}">
-                <a16:creationId xmlns:a16="http://schemas.microsoft.com/office/drawing/2014/main" id="{21E34611-8EE1-74CD-5AC1-8CE2443430C8}"/>
-              </a:ext>
-            </a:extLst>
-          </p:cNvPr>
-          <p:cNvSpPr txBox="1"/>
-          <p:nvPr/>
-        </p:nvSpPr>
-        <p:spPr>
-          <a:xfrm>
-            <a:off x="873894" y="3295017"/>
-            <a:ext cx="3725563" cy="1200329"/>
-          </a:xfrm>
-          <a:prstGeom prst="rect">
-            <a:avLst/>
-          </a:prstGeom>
-          <a:noFill/>
-        </p:spPr>
-        <p:txBody>
-          <a:bodyPr wrap="square" rtlCol="0">
-            <a:spAutoFit/>
-          </a:bodyPr>
-          <a:lstStyle/>
-          <a:p>
-            <a:r>
-              <a:rPr lang="en-US" sz="2400" dirty="0">
-                <a:latin typeface="Consolas" panose="020B0609020204030204" pitchFamily="49" charset="0"/>
-              </a:rPr>
-              <a:t>if (V &gt; </a:t>
-            </a:r>
-            <a:r>
-              <a:rPr lang="en-US" sz="2400" dirty="0" err="1">
-                <a:latin typeface="Consolas" panose="020B0609020204030204" pitchFamily="49" charset="0"/>
-              </a:rPr>
-              <a:t>V_threshold</a:t>
-            </a:r>
-            <a:r>
-              <a:rPr lang="en-US" sz="2400" dirty="0">
-                <a:latin typeface="Consolas" panose="020B0609020204030204" pitchFamily="49" charset="0"/>
-              </a:rPr>
-              <a:t>):</a:t>
-            </a:r>
-          </a:p>
-          <a:p>
-            <a:r>
-              <a:rPr lang="en-US" sz="2400" dirty="0">
-                <a:latin typeface="Consolas" panose="020B0609020204030204" pitchFamily="49" charset="0"/>
-              </a:rPr>
-              <a:t>	emit a spike</a:t>
-            </a:r>
-          </a:p>
-          <a:p>
-            <a:r>
-              <a:rPr lang="en-US" sz="2400" dirty="0">
-                <a:latin typeface="Consolas" panose="020B0609020204030204" pitchFamily="49" charset="0"/>
-              </a:rPr>
-              <a:t>	V = </a:t>
-            </a:r>
-            <a:r>
-              <a:rPr lang="en-US" sz="2400" dirty="0" err="1">
-                <a:latin typeface="Consolas" panose="020B0609020204030204" pitchFamily="49" charset="0"/>
-              </a:rPr>
-              <a:t>V_reset</a:t>
-            </a:r>
-            <a:endParaRPr lang="en-US" sz="2400" dirty="0">
-              <a:latin typeface="Consolas" panose="020B0609020204030204" pitchFamily="49" charset="0"/>
-            </a:endParaRPr>
-          </a:p>
-        </p:txBody>
-      </p:sp>
-      <p:grpSp>
-        <p:nvGrpSpPr>
-          <p:cNvPr id="8" name="Group 7">
-            <a:extLst>
-              <a:ext uri="{FF2B5EF4-FFF2-40B4-BE49-F238E27FC236}">
-                <a16:creationId xmlns:a16="http://schemas.microsoft.com/office/drawing/2014/main" id="{92AEF641-DC5A-F239-1A72-CADDBF8E8152}"/>
-              </a:ext>
-            </a:extLst>
-          </p:cNvPr>
-          <p:cNvGrpSpPr/>
-          <p:nvPr/>
-        </p:nvGrpSpPr>
-        <p:grpSpPr>
-          <a:xfrm>
-            <a:off x="5750683" y="2001394"/>
-            <a:ext cx="5567423" cy="3398910"/>
-            <a:chOff x="3014875" y="2183888"/>
-            <a:chExt cx="5567423" cy="3413363"/>
-          </a:xfrm>
-        </p:grpSpPr>
-        <p:sp>
-          <p:nvSpPr>
-            <p:cNvPr id="9" name="TextBox 8">
-              <a:extLst>
-                <a:ext uri="{FF2B5EF4-FFF2-40B4-BE49-F238E27FC236}">
-                  <a16:creationId xmlns:a16="http://schemas.microsoft.com/office/drawing/2014/main" id="{C08AD031-7821-F34C-C5A3-A675261E3394}"/>
-                </a:ext>
-              </a:extLst>
-            </p:cNvPr>
-            <p:cNvSpPr txBox="1"/>
-            <p:nvPr/>
-          </p:nvSpPr>
-          <p:spPr>
-            <a:xfrm>
-              <a:off x="3014875" y="2572146"/>
-              <a:ext cx="1283710" cy="646331"/>
-            </a:xfrm>
-            <a:prstGeom prst="rect">
-              <a:avLst/>
-            </a:prstGeom>
-            <a:noFill/>
-          </p:spPr>
-          <p:txBody>
-            <a:bodyPr wrap="square" rtlCol="0">
-              <a:spAutoFit/>
-            </a:bodyPr>
-            <a:lstStyle/>
-            <a:p>
-              <a:pPr algn="r"/>
-              <a:r>
-                <a:rPr lang="en-US" dirty="0"/>
-                <a:t>external current</a:t>
-              </a:r>
-            </a:p>
-          </p:txBody>
-        </p:sp>
-        <p:sp>
-          <p:nvSpPr>
-            <p:cNvPr id="10" name="TextBox 9">
-              <a:extLst>
-                <a:ext uri="{FF2B5EF4-FFF2-40B4-BE49-F238E27FC236}">
-                  <a16:creationId xmlns:a16="http://schemas.microsoft.com/office/drawing/2014/main" id="{34939C4A-8542-500B-2010-B59CEFE17AC7}"/>
-                </a:ext>
-              </a:extLst>
-            </p:cNvPr>
-            <p:cNvSpPr txBox="1"/>
-            <p:nvPr/>
-          </p:nvSpPr>
-          <p:spPr>
-            <a:xfrm>
-              <a:off x="3052230" y="4107674"/>
-              <a:ext cx="1283710" cy="646331"/>
-            </a:xfrm>
-            <a:prstGeom prst="rect">
-              <a:avLst/>
-            </a:prstGeom>
-            <a:noFill/>
-          </p:spPr>
-          <p:txBody>
-            <a:bodyPr wrap="square" rtlCol="0">
-              <a:spAutoFit/>
-            </a:bodyPr>
-            <a:lstStyle/>
-            <a:p>
-              <a:pPr algn="r"/>
-              <a:r>
-                <a:rPr lang="en-US" dirty="0"/>
-                <a:t>membrane</a:t>
-              </a:r>
-            </a:p>
-            <a:p>
-              <a:pPr algn="r"/>
-              <a:r>
-                <a:rPr lang="en-US" dirty="0"/>
-                <a:t>potential</a:t>
-              </a:r>
-            </a:p>
-          </p:txBody>
-        </p:sp>
-        <p:sp>
-          <p:nvSpPr>
-            <p:cNvPr id="11" name="TextBox 10">
-              <a:extLst>
-                <a:ext uri="{FF2B5EF4-FFF2-40B4-BE49-F238E27FC236}">
-                  <a16:creationId xmlns:a16="http://schemas.microsoft.com/office/drawing/2014/main" id="{2FF2EAC3-4D6B-314D-06FF-D9E60040A20D}"/>
-                </a:ext>
-              </a:extLst>
-            </p:cNvPr>
-            <p:cNvSpPr txBox="1"/>
-            <p:nvPr/>
-          </p:nvSpPr>
-          <p:spPr>
-            <a:xfrm>
-              <a:off x="6050446" y="5227919"/>
-              <a:ext cx="914400" cy="369332"/>
-            </a:xfrm>
-            <a:prstGeom prst="rect">
-              <a:avLst/>
-            </a:prstGeom>
-            <a:noFill/>
-          </p:spPr>
-          <p:txBody>
-            <a:bodyPr wrap="square" rtlCol="0">
-              <a:spAutoFit/>
-            </a:bodyPr>
-            <a:lstStyle/>
-            <a:p>
-              <a:pPr algn="ctr"/>
-              <a:r>
-                <a:rPr lang="en-US" dirty="0"/>
-                <a:t>time</a:t>
-              </a:r>
-            </a:p>
-          </p:txBody>
-        </p:sp>
-        <p:sp>
-          <p:nvSpPr>
-            <p:cNvPr id="12" name="TextBox 11">
-              <a:extLst>
-                <a:ext uri="{FF2B5EF4-FFF2-40B4-BE49-F238E27FC236}">
-                  <a16:creationId xmlns:a16="http://schemas.microsoft.com/office/drawing/2014/main" id="{0B4531FD-1AB9-4F7B-15AB-280DBE24D07F}"/>
-                </a:ext>
-              </a:extLst>
-            </p:cNvPr>
-            <p:cNvSpPr txBox="1"/>
-            <p:nvPr/>
-          </p:nvSpPr>
-          <p:spPr>
-            <a:xfrm>
-              <a:off x="4335940" y="2284155"/>
-              <a:ext cx="326372" cy="374467"/>
-            </a:xfrm>
-            <a:prstGeom prst="rect">
-              <a:avLst/>
-            </a:prstGeom>
-            <a:noFill/>
-          </p:spPr>
-          <p:txBody>
-            <a:bodyPr wrap="square" rtlCol="0">
-              <a:spAutoFit/>
-            </a:bodyPr>
-            <a:lstStyle/>
-            <a:p>
-              <a:pPr algn="r"/>
-              <a:r>
-                <a:rPr lang="en-US" dirty="0"/>
-                <a:t>0</a:t>
-              </a:r>
-            </a:p>
-          </p:txBody>
-        </p:sp>
-        <p:sp>
-          <p:nvSpPr>
-            <p:cNvPr id="13" name="TextBox 12">
-              <a:extLst>
-                <a:ext uri="{FF2B5EF4-FFF2-40B4-BE49-F238E27FC236}">
-                  <a16:creationId xmlns:a16="http://schemas.microsoft.com/office/drawing/2014/main" id="{221049B9-13E5-7171-607A-CD25027B1877}"/>
-                </a:ext>
-              </a:extLst>
-            </p:cNvPr>
-            <p:cNvSpPr txBox="1"/>
-            <p:nvPr/>
-          </p:nvSpPr>
-          <p:spPr>
-            <a:xfrm>
-              <a:off x="4003719" y="4782135"/>
-              <a:ext cx="664441" cy="369332"/>
-            </a:xfrm>
-            <a:prstGeom prst="rect">
-              <a:avLst/>
-            </a:prstGeom>
-            <a:noFill/>
-          </p:spPr>
-          <p:txBody>
-            <a:bodyPr wrap="square" rtlCol="0">
-              <a:spAutoFit/>
-            </a:bodyPr>
-            <a:lstStyle/>
-            <a:p>
-              <a:pPr algn="r"/>
-              <a:r>
-                <a:rPr lang="en-US" dirty="0" err="1"/>
-                <a:t>E</a:t>
-              </a:r>
-              <a:r>
-                <a:rPr lang="en-US" baseline="-25000" dirty="0" err="1"/>
-                <a:t>ion</a:t>
-              </a:r>
-              <a:endParaRPr lang="en-US" dirty="0"/>
-            </a:p>
-          </p:txBody>
-        </p:sp>
-        <p:sp>
-          <p:nvSpPr>
-            <p:cNvPr id="14" name="TextBox 13">
-              <a:extLst>
-                <a:ext uri="{FF2B5EF4-FFF2-40B4-BE49-F238E27FC236}">
-                  <a16:creationId xmlns:a16="http://schemas.microsoft.com/office/drawing/2014/main" id="{838D54F6-3AB4-0317-B7E7-7074BC1F2466}"/>
-                </a:ext>
-              </a:extLst>
-            </p:cNvPr>
-            <p:cNvSpPr txBox="1"/>
-            <p:nvPr/>
-          </p:nvSpPr>
-          <p:spPr>
-            <a:xfrm>
-              <a:off x="3838330" y="3109493"/>
-              <a:ext cx="810993" cy="369332"/>
-            </a:xfrm>
-            <a:prstGeom prst="rect">
-              <a:avLst/>
-            </a:prstGeom>
-            <a:noFill/>
-          </p:spPr>
-          <p:txBody>
-            <a:bodyPr wrap="square" rtlCol="0">
-              <a:spAutoFit/>
-            </a:bodyPr>
-            <a:lstStyle/>
-            <a:p>
-              <a:pPr algn="r"/>
-              <a:r>
-                <a:rPr lang="en-US" dirty="0" err="1"/>
-                <a:t>I</a:t>
-              </a:r>
-              <a:r>
-                <a:rPr lang="en-US" baseline="-25000" dirty="0" err="1"/>
-                <a:t>ext</a:t>
-              </a:r>
-              <a:endParaRPr lang="en-US" dirty="0"/>
-            </a:p>
-          </p:txBody>
-        </p:sp>
-        <p:pic>
-          <p:nvPicPr>
-            <p:cNvPr id="15" name="Graphic 14">
-              <a:extLst>
-                <a:ext uri="{FF2B5EF4-FFF2-40B4-BE49-F238E27FC236}">
-                  <a16:creationId xmlns:a16="http://schemas.microsoft.com/office/drawing/2014/main" id="{BBBFBD5F-68AE-7DB0-5B7C-D06A466D93D8}"/>
-                </a:ext>
-              </a:extLst>
-            </p:cNvPr>
-            <p:cNvPicPr>
-              <a:picLocks noChangeAspect="1"/>
-            </p:cNvPicPr>
-            <p:nvPr/>
-          </p:nvPicPr>
-          <p:blipFill>
-            <a:blip r:embed="rId2">
-              <a:extLst>
-                <a:ext uri="{96DAC541-7B7A-43D3-8B79-37D633B846F1}">
-                  <asvg:svgBlip xmlns:asvg="http://schemas.microsoft.com/office/drawing/2016/SVG/main" r:embed="rId3"/>
-                </a:ext>
-              </a:extLst>
-            </a:blip>
-            <a:stretch>
-              <a:fillRect/>
-            </a:stretch>
-          </p:blipFill>
-          <p:spPr>
-            <a:xfrm>
-              <a:off x="4625169" y="2183888"/>
-              <a:ext cx="3957129" cy="3048935"/>
-            </a:xfrm>
-            <a:prstGeom prst="rect">
-              <a:avLst/>
-            </a:prstGeom>
-          </p:spPr>
-        </p:pic>
-      </p:grpSp>
-    </p:spTree>
-    <p:extLst>
-      <p:ext uri="{BB962C8B-B14F-4D97-AF65-F5344CB8AC3E}">
-        <p14:creationId xmlns:p14="http://schemas.microsoft.com/office/powerpoint/2010/main" val="1497619036"/>
-      </p:ext>
-    </p:extLst>
-  </p:cSld>
-  <p:clrMapOvr>
-    <a:masterClrMapping/>
-  </p:clrMapOvr>
-  <p:timing>
-    <p:tnLst>
-      <p:par>
-        <p:cTn id="1" dur="indefinite" restart="never" nodeType="tmRoot">
-          <p:childTnLst>
-            <p:seq concurrent="1" nextAc="seek">
-              <p:cTn id="2" dur="indefinite" nodeType="mainSeq">
-                <p:childTnLst>
-                  <p:par>
-                    <p:cTn id="3" fill="hold">
-                      <p:stCondLst>
-                        <p:cond delay="indefinite"/>
-                      </p:stCondLst>
-                      <p:childTnLst>
-                        <p:par>
-                          <p:cTn id="4" fill="hold">
-                            <p:stCondLst>
-                              <p:cond delay="0"/>
-                            </p:stCondLst>
-                            <p:childTnLst>
-                              <p:par>
-                                <p:cTn id="5" presetID="10" presetClass="entr" presetSubtype="0" fill="hold" grpId="0" nodeType="clickEffect">
-                                  <p:stCondLst>
-                                    <p:cond delay="0"/>
-                                  </p:stCondLst>
-                                  <p:childTnLst>
-                                    <p:set>
-                                      <p:cBhvr>
-                                        <p:cTn id="6" dur="1" fill="hold">
-                                          <p:stCondLst>
-                                            <p:cond delay="0"/>
-                                          </p:stCondLst>
-                                        </p:cTn>
-                                        <p:tgtEl>
-                                          <p:spTgt spid="5"/>
-                                        </p:tgtEl>
-                                        <p:attrNameLst>
-                                          <p:attrName>style.visibility</p:attrName>
-                                        </p:attrNameLst>
-                                      </p:cBhvr>
-                                      <p:to>
-                                        <p:strVal val="visible"/>
-                                      </p:to>
-                                    </p:set>
-                                    <p:animEffect transition="in" filter="fade">
-                                      <p:cBhvr>
-                                        <p:cTn id="7" dur="100"/>
-                                        <p:tgtEl>
-                                          <p:spTgt spid="5"/>
-                                        </p:tgtEl>
-                                      </p:cBhvr>
-                                    </p:animEffect>
-                                  </p:childTnLst>
-                                </p:cTn>
-                              </p:par>
-                            </p:childTnLst>
-                          </p:cTn>
-                        </p:par>
-                      </p:childTnLst>
-                    </p:cTn>
-                  </p:par>
-                  <p:par>
-                    <p:cTn id="8" fill="hold">
-                      <p:stCondLst>
-                        <p:cond delay="indefinite"/>
-                      </p:stCondLst>
-                      <p:childTnLst>
-                        <p:par>
-                          <p:cTn id="9" fill="hold">
-                            <p:stCondLst>
-                              <p:cond delay="0"/>
-                            </p:stCondLst>
-                            <p:childTnLst>
-                              <p:par>
-                                <p:cTn id="10" presetID="10" presetClass="entr" presetSubtype="0" fill="hold" nodeType="clickEffect">
-                                  <p:stCondLst>
-                                    <p:cond delay="0"/>
-                                  </p:stCondLst>
-                                  <p:childTnLst>
-                                    <p:set>
-                                      <p:cBhvr>
-                                        <p:cTn id="11" dur="1" fill="hold">
-                                          <p:stCondLst>
-                                            <p:cond delay="0"/>
-                                          </p:stCondLst>
-                                        </p:cTn>
-                                        <p:tgtEl>
-                                          <p:spTgt spid="8"/>
-                                        </p:tgtEl>
-                                        <p:attrNameLst>
-                                          <p:attrName>style.visibility</p:attrName>
-                                        </p:attrNameLst>
-                                      </p:cBhvr>
-                                      <p:to>
-                                        <p:strVal val="visible"/>
-                                      </p:to>
-                                    </p:set>
-                                    <p:animEffect transition="in" filter="fade">
-                                      <p:cBhvr>
-                                        <p:cTn id="12" dur="100"/>
-                                        <p:tgtEl>
-                                          <p:spTgt spid="8"/>
-                                        </p:tgtEl>
-                                      </p:cBhvr>
-                                    </p:animEffect>
-                                  </p:childTnLst>
-                                </p:cTn>
-                              </p:par>
-                            </p:childTnLst>
-                          </p:cTn>
-                        </p:par>
-                      </p:childTnLst>
-                    </p:cTn>
-                  </p:par>
-                </p:childTnLst>
-              </p:cTn>
-              <p:prevCondLst>
-                <p:cond evt="onPrev" delay="0">
-                  <p:tgtEl>
-                    <p:sldTgt/>
-                  </p:tgtEl>
-                </p:cond>
-              </p:prevCondLst>
-              <p:nextCondLst>
-                <p:cond evt="onNext" delay="0">
-                  <p:tgtEl>
-                    <p:sldTgt/>
-                  </p:tgtEl>
-                </p:cond>
-              </p:nextCondLst>
-            </p:seq>
-          </p:childTnLst>
-        </p:cTn>
-      </p:par>
-    </p:tnLst>
-    <p:bldLst>
-      <p:bldP spid="5" grpId="0"/>
-    </p:bldLst>
   </p:timing>
 </p:sld>
 </file>
@@ -17540,6 +16940,890 @@
           <a:p>
             <a:r>
               <a:rPr lang="en-US" sz="2400" dirty="0"/>
+              <a:t>Keep the filter and the spiking, but throw out all those ion channel parameters:</a:t>
+            </a:r>
+          </a:p>
+          <a:p>
+            <a:endParaRPr lang="en-US" sz="2400" dirty="0"/>
+          </a:p>
+          <a:p>
+            <a:r>
+              <a:rPr lang="en-US" sz="2400" dirty="0"/>
+              <a:t>	=&gt; leaky integrate-and-fire neurons</a:t>
+            </a:r>
+          </a:p>
+        </p:txBody>
+      </p:sp>
+      <p:sp>
+        <p:nvSpPr>
+          <p:cNvPr id="4" name="TextBox 3">
+            <a:extLst>
+              <a:ext uri="{FF2B5EF4-FFF2-40B4-BE49-F238E27FC236}">
+                <a16:creationId xmlns:a16="http://schemas.microsoft.com/office/drawing/2014/main" id="{1C0E9784-3D67-4880-7751-A7F1F552E340}"/>
+              </a:ext>
+            </a:extLst>
+          </p:cNvPr>
+          <p:cNvSpPr txBox="1"/>
+          <p:nvPr/>
+        </p:nvSpPr>
+        <p:spPr>
+          <a:xfrm>
+            <a:off x="0" y="2362654"/>
+            <a:ext cx="5671065" cy="584775"/>
+          </a:xfrm>
+          <a:custGeom>
+            <a:avLst/>
+            <a:gdLst>
+              <a:gd name="connsiteX0" fmla="*/ 0 w 5671065"/>
+              <a:gd name="connsiteY0" fmla="*/ 0 h 584775"/>
+              <a:gd name="connsiteX1" fmla="*/ 573408 w 5671065"/>
+              <a:gd name="connsiteY1" fmla="*/ 0 h 584775"/>
+              <a:gd name="connsiteX2" fmla="*/ 1090105 w 5671065"/>
+              <a:gd name="connsiteY2" fmla="*/ 0 h 584775"/>
+              <a:gd name="connsiteX3" fmla="*/ 1550091 w 5671065"/>
+              <a:gd name="connsiteY3" fmla="*/ 0 h 584775"/>
+              <a:gd name="connsiteX4" fmla="*/ 2180209 w 5671065"/>
+              <a:gd name="connsiteY4" fmla="*/ 0 h 584775"/>
+              <a:gd name="connsiteX5" fmla="*/ 2923749 w 5671065"/>
+              <a:gd name="connsiteY5" fmla="*/ 0 h 584775"/>
+              <a:gd name="connsiteX6" fmla="*/ 3553867 w 5671065"/>
+              <a:gd name="connsiteY6" fmla="*/ 0 h 584775"/>
+              <a:gd name="connsiteX7" fmla="*/ 4127275 w 5671065"/>
+              <a:gd name="connsiteY7" fmla="*/ 0 h 584775"/>
+              <a:gd name="connsiteX8" fmla="*/ 4870815 w 5671065"/>
+              <a:gd name="connsiteY8" fmla="*/ 0 h 584775"/>
+              <a:gd name="connsiteX9" fmla="*/ 5671065 w 5671065"/>
+              <a:gd name="connsiteY9" fmla="*/ 0 h 584775"/>
+              <a:gd name="connsiteX10" fmla="*/ 5671065 w 5671065"/>
+              <a:gd name="connsiteY10" fmla="*/ 584775 h 584775"/>
+              <a:gd name="connsiteX11" fmla="*/ 5211079 w 5671065"/>
+              <a:gd name="connsiteY11" fmla="*/ 584775 h 584775"/>
+              <a:gd name="connsiteX12" fmla="*/ 4637671 w 5671065"/>
+              <a:gd name="connsiteY12" fmla="*/ 584775 h 584775"/>
+              <a:gd name="connsiteX13" fmla="*/ 3894131 w 5671065"/>
+              <a:gd name="connsiteY13" fmla="*/ 584775 h 584775"/>
+              <a:gd name="connsiteX14" fmla="*/ 3264013 w 5671065"/>
+              <a:gd name="connsiteY14" fmla="*/ 584775 h 584775"/>
+              <a:gd name="connsiteX15" fmla="*/ 2747316 w 5671065"/>
+              <a:gd name="connsiteY15" fmla="*/ 584775 h 584775"/>
+              <a:gd name="connsiteX16" fmla="*/ 2060487 w 5671065"/>
+              <a:gd name="connsiteY16" fmla="*/ 584775 h 584775"/>
+              <a:gd name="connsiteX17" fmla="*/ 1543790 w 5671065"/>
+              <a:gd name="connsiteY17" fmla="*/ 584775 h 584775"/>
+              <a:gd name="connsiteX18" fmla="*/ 856961 w 5671065"/>
+              <a:gd name="connsiteY18" fmla="*/ 584775 h 584775"/>
+              <a:gd name="connsiteX19" fmla="*/ 0 w 5671065"/>
+              <a:gd name="connsiteY19" fmla="*/ 584775 h 584775"/>
+              <a:gd name="connsiteX20" fmla="*/ 0 w 5671065"/>
+              <a:gd name="connsiteY20" fmla="*/ 0 h 584775"/>
+            </a:gdLst>
+            <a:ahLst/>
+            <a:cxnLst>
+              <a:cxn ang="0">
+                <a:pos x="connsiteX0" y="connsiteY0"/>
+              </a:cxn>
+              <a:cxn ang="0">
+                <a:pos x="connsiteX1" y="connsiteY1"/>
+              </a:cxn>
+              <a:cxn ang="0">
+                <a:pos x="connsiteX2" y="connsiteY2"/>
+              </a:cxn>
+              <a:cxn ang="0">
+                <a:pos x="connsiteX3" y="connsiteY3"/>
+              </a:cxn>
+              <a:cxn ang="0">
+                <a:pos x="connsiteX4" y="connsiteY4"/>
+              </a:cxn>
+              <a:cxn ang="0">
+                <a:pos x="connsiteX5" y="connsiteY5"/>
+              </a:cxn>
+              <a:cxn ang="0">
+                <a:pos x="connsiteX6" y="connsiteY6"/>
+              </a:cxn>
+              <a:cxn ang="0">
+                <a:pos x="connsiteX7" y="connsiteY7"/>
+              </a:cxn>
+              <a:cxn ang="0">
+                <a:pos x="connsiteX8" y="connsiteY8"/>
+              </a:cxn>
+              <a:cxn ang="0">
+                <a:pos x="connsiteX9" y="connsiteY9"/>
+              </a:cxn>
+              <a:cxn ang="0">
+                <a:pos x="connsiteX10" y="connsiteY10"/>
+              </a:cxn>
+              <a:cxn ang="0">
+                <a:pos x="connsiteX11" y="connsiteY11"/>
+              </a:cxn>
+              <a:cxn ang="0">
+                <a:pos x="connsiteX12" y="connsiteY12"/>
+              </a:cxn>
+              <a:cxn ang="0">
+                <a:pos x="connsiteX13" y="connsiteY13"/>
+              </a:cxn>
+              <a:cxn ang="0">
+                <a:pos x="connsiteX14" y="connsiteY14"/>
+              </a:cxn>
+              <a:cxn ang="0">
+                <a:pos x="connsiteX15" y="connsiteY15"/>
+              </a:cxn>
+              <a:cxn ang="0">
+                <a:pos x="connsiteX16" y="connsiteY16"/>
+              </a:cxn>
+              <a:cxn ang="0">
+                <a:pos x="connsiteX17" y="connsiteY17"/>
+              </a:cxn>
+              <a:cxn ang="0">
+                <a:pos x="connsiteX18" y="connsiteY18"/>
+              </a:cxn>
+              <a:cxn ang="0">
+                <a:pos x="connsiteX19" y="connsiteY19"/>
+              </a:cxn>
+              <a:cxn ang="0">
+                <a:pos x="connsiteX20" y="connsiteY20"/>
+              </a:cxn>
+            </a:cxnLst>
+            <a:rect l="l" t="t" r="r" b="b"/>
+            <a:pathLst>
+              <a:path w="5671065" h="584775" extrusionOk="0">
+                <a:moveTo>
+                  <a:pt x="0" y="0"/>
+                </a:moveTo>
+                <a:cubicBezTo>
+                  <a:pt x="172188" y="18840"/>
+                  <a:pt x="446932" y="-17548"/>
+                  <a:pt x="573408" y="0"/>
+                </a:cubicBezTo>
+                <a:cubicBezTo>
+                  <a:pt x="699884" y="17548"/>
+                  <a:pt x="927333" y="14355"/>
+                  <a:pt x="1090105" y="0"/>
+                </a:cubicBezTo>
+                <a:cubicBezTo>
+                  <a:pt x="1252877" y="-14355"/>
+                  <a:pt x="1429293" y="13700"/>
+                  <a:pt x="1550091" y="0"/>
+                </a:cubicBezTo>
+                <a:cubicBezTo>
+                  <a:pt x="1670889" y="-13700"/>
+                  <a:pt x="1961431" y="23378"/>
+                  <a:pt x="2180209" y="0"/>
+                </a:cubicBezTo>
+                <a:cubicBezTo>
+                  <a:pt x="2398987" y="-23378"/>
+                  <a:pt x="2759703" y="-9896"/>
+                  <a:pt x="2923749" y="0"/>
+                </a:cubicBezTo>
+                <a:cubicBezTo>
+                  <a:pt x="3087795" y="9896"/>
+                  <a:pt x="3302537" y="-8488"/>
+                  <a:pt x="3553867" y="0"/>
+                </a:cubicBezTo>
+                <a:cubicBezTo>
+                  <a:pt x="3805197" y="8488"/>
+                  <a:pt x="3901079" y="-27579"/>
+                  <a:pt x="4127275" y="0"/>
+                </a:cubicBezTo>
+                <a:cubicBezTo>
+                  <a:pt x="4353471" y="27579"/>
+                  <a:pt x="4499386" y="-34171"/>
+                  <a:pt x="4870815" y="0"/>
+                </a:cubicBezTo>
+                <a:cubicBezTo>
+                  <a:pt x="5242244" y="34171"/>
+                  <a:pt x="5362002" y="-28493"/>
+                  <a:pt x="5671065" y="0"/>
+                </a:cubicBezTo>
+                <a:cubicBezTo>
+                  <a:pt x="5673970" y="242329"/>
+                  <a:pt x="5666756" y="396724"/>
+                  <a:pt x="5671065" y="584775"/>
+                </a:cubicBezTo>
+                <a:cubicBezTo>
+                  <a:pt x="5569933" y="569095"/>
+                  <a:pt x="5354033" y="604519"/>
+                  <a:pt x="5211079" y="584775"/>
+                </a:cubicBezTo>
+                <a:cubicBezTo>
+                  <a:pt x="5068125" y="565031"/>
+                  <a:pt x="4863397" y="558310"/>
+                  <a:pt x="4637671" y="584775"/>
+                </a:cubicBezTo>
+                <a:cubicBezTo>
+                  <a:pt x="4411945" y="611240"/>
+                  <a:pt x="4049973" y="576015"/>
+                  <a:pt x="3894131" y="584775"/>
+                </a:cubicBezTo>
+                <a:cubicBezTo>
+                  <a:pt x="3738289" y="593535"/>
+                  <a:pt x="3480653" y="578061"/>
+                  <a:pt x="3264013" y="584775"/>
+                </a:cubicBezTo>
+                <a:cubicBezTo>
+                  <a:pt x="3047373" y="591489"/>
+                  <a:pt x="2878818" y="559767"/>
+                  <a:pt x="2747316" y="584775"/>
+                </a:cubicBezTo>
+                <a:cubicBezTo>
+                  <a:pt x="2615814" y="609783"/>
+                  <a:pt x="2348530" y="569098"/>
+                  <a:pt x="2060487" y="584775"/>
+                </a:cubicBezTo>
+                <a:cubicBezTo>
+                  <a:pt x="1772444" y="600452"/>
+                  <a:pt x="1671847" y="595230"/>
+                  <a:pt x="1543790" y="584775"/>
+                </a:cubicBezTo>
+                <a:cubicBezTo>
+                  <a:pt x="1415733" y="574320"/>
+                  <a:pt x="1168933" y="557195"/>
+                  <a:pt x="856961" y="584775"/>
+                </a:cubicBezTo>
+                <a:cubicBezTo>
+                  <a:pt x="544989" y="612355"/>
+                  <a:pt x="247224" y="622591"/>
+                  <a:pt x="0" y="584775"/>
+                </a:cubicBezTo>
+                <a:cubicBezTo>
+                  <a:pt x="20094" y="465216"/>
+                  <a:pt x="11161" y="265012"/>
+                  <a:pt x="0" y="0"/>
+                </a:cubicBezTo>
+                <a:close/>
+              </a:path>
+            </a:pathLst>
+          </a:custGeom>
+          <a:noFill/>
+          <a:ln>
+            <a:noFill/>
+            <a:extLst>
+              <a:ext uri="{C807C97D-BFC1-408E-A445-0C87EB9F89A2}">
+                <ask:lineSketchStyleProps xmlns:ask="http://schemas.microsoft.com/office/drawing/2018/sketchyshapes" sd="2835737594">
+                  <a:prstGeom prst="rect">
+                    <a:avLst/>
+                  </a:prstGeom>
+                  <ask:type>
+                    <ask:lineSketchFreehand/>
+                  </ask:type>
+                </ask:lineSketchStyleProps>
+              </a:ext>
+            </a:extLst>
+          </a:ln>
+        </p:spPr>
+        <p:txBody>
+          <a:bodyPr wrap="square" rtlCol="0">
+            <a:spAutoFit/>
+          </a:bodyPr>
+          <a:lstStyle/>
+          <a:p>
+            <a:pPr algn="ctr"/>
+            <a:r>
+              <a:rPr lang="el-GR" sz="3200" b="1" dirty="0">
+                <a:solidFill>
+                  <a:srgbClr val="FDB879"/>
+                </a:solidFill>
+              </a:rPr>
+              <a:t>τ</a:t>
+            </a:r>
+            <a:r>
+              <a:rPr lang="en-US" sz="3200" b="1" dirty="0"/>
+              <a:t> </a:t>
+            </a:r>
+            <a:r>
+              <a:rPr lang="en-US" sz="3200" b="1" dirty="0" err="1"/>
+              <a:t>dV</a:t>
+            </a:r>
+            <a:r>
+              <a:rPr lang="en-US" sz="3200" b="1" dirty="0"/>
+              <a:t>/dt  =  </a:t>
+            </a:r>
+            <a:r>
+              <a:rPr lang="en-US" sz="3200" b="1" dirty="0">
+                <a:solidFill>
+                  <a:srgbClr val="84C777"/>
+                </a:solidFill>
+              </a:rPr>
+              <a:t>– V </a:t>
+            </a:r>
+            <a:r>
+              <a:rPr lang="en-US" sz="3200" b="1" dirty="0"/>
+              <a:t>+ </a:t>
+            </a:r>
+            <a:r>
+              <a:rPr lang="en-US" sz="3200" b="1" dirty="0" err="1"/>
+              <a:t>I</a:t>
+            </a:r>
+            <a:r>
+              <a:rPr lang="en-US" sz="3200" b="1" baseline="-25000" dirty="0" err="1"/>
+              <a:t>external</a:t>
+            </a:r>
+            <a:endParaRPr lang="en-US" sz="3200" b="1" baseline="-25000" dirty="0"/>
+          </a:p>
+        </p:txBody>
+      </p:sp>
+      <p:sp>
+        <p:nvSpPr>
+          <p:cNvPr id="5" name="TextBox 4">
+            <a:extLst>
+              <a:ext uri="{FF2B5EF4-FFF2-40B4-BE49-F238E27FC236}">
+                <a16:creationId xmlns:a16="http://schemas.microsoft.com/office/drawing/2014/main" id="{21E34611-8EE1-74CD-5AC1-8CE2443430C8}"/>
+              </a:ext>
+            </a:extLst>
+          </p:cNvPr>
+          <p:cNvSpPr txBox="1"/>
+          <p:nvPr/>
+        </p:nvSpPr>
+        <p:spPr>
+          <a:xfrm>
+            <a:off x="873894" y="3295017"/>
+            <a:ext cx="3725563" cy="1200329"/>
+          </a:xfrm>
+          <a:prstGeom prst="rect">
+            <a:avLst/>
+          </a:prstGeom>
+          <a:noFill/>
+        </p:spPr>
+        <p:txBody>
+          <a:bodyPr wrap="square" rtlCol="0">
+            <a:spAutoFit/>
+          </a:bodyPr>
+          <a:lstStyle/>
+          <a:p>
+            <a:r>
+              <a:rPr lang="en-US" sz="2400" dirty="0">
+                <a:latin typeface="Consolas" panose="020B0609020204030204" pitchFamily="49" charset="0"/>
+              </a:rPr>
+              <a:t>if (V &gt; </a:t>
+            </a:r>
+            <a:r>
+              <a:rPr lang="en-US" sz="2400" dirty="0" err="1">
+                <a:latin typeface="Consolas" panose="020B0609020204030204" pitchFamily="49" charset="0"/>
+              </a:rPr>
+              <a:t>V_threshold</a:t>
+            </a:r>
+            <a:r>
+              <a:rPr lang="en-US" sz="2400" dirty="0">
+                <a:latin typeface="Consolas" panose="020B0609020204030204" pitchFamily="49" charset="0"/>
+              </a:rPr>
+              <a:t>):</a:t>
+            </a:r>
+          </a:p>
+          <a:p>
+            <a:r>
+              <a:rPr lang="en-US" sz="2400" dirty="0">
+                <a:latin typeface="Consolas" panose="020B0609020204030204" pitchFamily="49" charset="0"/>
+              </a:rPr>
+              <a:t>	emit a spike</a:t>
+            </a:r>
+          </a:p>
+          <a:p>
+            <a:r>
+              <a:rPr lang="en-US" sz="2400" dirty="0">
+                <a:latin typeface="Consolas" panose="020B0609020204030204" pitchFamily="49" charset="0"/>
+              </a:rPr>
+              <a:t>	V = </a:t>
+            </a:r>
+            <a:r>
+              <a:rPr lang="en-US" sz="2400" dirty="0" err="1">
+                <a:latin typeface="Consolas" panose="020B0609020204030204" pitchFamily="49" charset="0"/>
+              </a:rPr>
+              <a:t>V_reset</a:t>
+            </a:r>
+            <a:endParaRPr lang="en-US" sz="2400" dirty="0">
+              <a:latin typeface="Consolas" panose="020B0609020204030204" pitchFamily="49" charset="0"/>
+            </a:endParaRPr>
+          </a:p>
+        </p:txBody>
+      </p:sp>
+      <p:grpSp>
+        <p:nvGrpSpPr>
+          <p:cNvPr id="8" name="Group 7">
+            <a:extLst>
+              <a:ext uri="{FF2B5EF4-FFF2-40B4-BE49-F238E27FC236}">
+                <a16:creationId xmlns:a16="http://schemas.microsoft.com/office/drawing/2014/main" id="{92AEF641-DC5A-F239-1A72-CADDBF8E8152}"/>
+              </a:ext>
+            </a:extLst>
+          </p:cNvPr>
+          <p:cNvGrpSpPr/>
+          <p:nvPr/>
+        </p:nvGrpSpPr>
+        <p:grpSpPr>
+          <a:xfrm>
+            <a:off x="5750683" y="2001394"/>
+            <a:ext cx="5567423" cy="3398910"/>
+            <a:chOff x="3014875" y="2183888"/>
+            <a:chExt cx="5567423" cy="3413363"/>
+          </a:xfrm>
+        </p:grpSpPr>
+        <p:sp>
+          <p:nvSpPr>
+            <p:cNvPr id="9" name="TextBox 8">
+              <a:extLst>
+                <a:ext uri="{FF2B5EF4-FFF2-40B4-BE49-F238E27FC236}">
+                  <a16:creationId xmlns:a16="http://schemas.microsoft.com/office/drawing/2014/main" id="{C08AD031-7821-F34C-C5A3-A675261E3394}"/>
+                </a:ext>
+              </a:extLst>
+            </p:cNvPr>
+            <p:cNvSpPr txBox="1"/>
+            <p:nvPr/>
+          </p:nvSpPr>
+          <p:spPr>
+            <a:xfrm>
+              <a:off x="3014875" y="2572146"/>
+              <a:ext cx="1283710" cy="646331"/>
+            </a:xfrm>
+            <a:prstGeom prst="rect">
+              <a:avLst/>
+            </a:prstGeom>
+            <a:noFill/>
+          </p:spPr>
+          <p:txBody>
+            <a:bodyPr wrap="square" rtlCol="0">
+              <a:spAutoFit/>
+            </a:bodyPr>
+            <a:lstStyle/>
+            <a:p>
+              <a:pPr algn="r"/>
+              <a:r>
+                <a:rPr lang="en-US" dirty="0"/>
+                <a:t>external current</a:t>
+              </a:r>
+            </a:p>
+          </p:txBody>
+        </p:sp>
+        <p:sp>
+          <p:nvSpPr>
+            <p:cNvPr id="10" name="TextBox 9">
+              <a:extLst>
+                <a:ext uri="{FF2B5EF4-FFF2-40B4-BE49-F238E27FC236}">
+                  <a16:creationId xmlns:a16="http://schemas.microsoft.com/office/drawing/2014/main" id="{34939C4A-8542-500B-2010-B59CEFE17AC7}"/>
+                </a:ext>
+              </a:extLst>
+            </p:cNvPr>
+            <p:cNvSpPr txBox="1"/>
+            <p:nvPr/>
+          </p:nvSpPr>
+          <p:spPr>
+            <a:xfrm>
+              <a:off x="3052230" y="4107674"/>
+              <a:ext cx="1283710" cy="646331"/>
+            </a:xfrm>
+            <a:prstGeom prst="rect">
+              <a:avLst/>
+            </a:prstGeom>
+            <a:noFill/>
+          </p:spPr>
+          <p:txBody>
+            <a:bodyPr wrap="square" rtlCol="0">
+              <a:spAutoFit/>
+            </a:bodyPr>
+            <a:lstStyle/>
+            <a:p>
+              <a:pPr algn="r"/>
+              <a:r>
+                <a:rPr lang="en-US" dirty="0"/>
+                <a:t>membrane</a:t>
+              </a:r>
+            </a:p>
+            <a:p>
+              <a:pPr algn="r"/>
+              <a:r>
+                <a:rPr lang="en-US" dirty="0"/>
+                <a:t>potential</a:t>
+              </a:r>
+            </a:p>
+          </p:txBody>
+        </p:sp>
+        <p:sp>
+          <p:nvSpPr>
+            <p:cNvPr id="11" name="TextBox 10">
+              <a:extLst>
+                <a:ext uri="{FF2B5EF4-FFF2-40B4-BE49-F238E27FC236}">
+                  <a16:creationId xmlns:a16="http://schemas.microsoft.com/office/drawing/2014/main" id="{2FF2EAC3-4D6B-314D-06FF-D9E60040A20D}"/>
+                </a:ext>
+              </a:extLst>
+            </p:cNvPr>
+            <p:cNvSpPr txBox="1"/>
+            <p:nvPr/>
+          </p:nvSpPr>
+          <p:spPr>
+            <a:xfrm>
+              <a:off x="6050446" y="5227919"/>
+              <a:ext cx="914400" cy="369332"/>
+            </a:xfrm>
+            <a:prstGeom prst="rect">
+              <a:avLst/>
+            </a:prstGeom>
+            <a:noFill/>
+          </p:spPr>
+          <p:txBody>
+            <a:bodyPr wrap="square" rtlCol="0">
+              <a:spAutoFit/>
+            </a:bodyPr>
+            <a:lstStyle/>
+            <a:p>
+              <a:pPr algn="ctr"/>
+              <a:r>
+                <a:rPr lang="en-US" dirty="0"/>
+                <a:t>time</a:t>
+              </a:r>
+            </a:p>
+          </p:txBody>
+        </p:sp>
+        <p:sp>
+          <p:nvSpPr>
+            <p:cNvPr id="12" name="TextBox 11">
+              <a:extLst>
+                <a:ext uri="{FF2B5EF4-FFF2-40B4-BE49-F238E27FC236}">
+                  <a16:creationId xmlns:a16="http://schemas.microsoft.com/office/drawing/2014/main" id="{0B4531FD-1AB9-4F7B-15AB-280DBE24D07F}"/>
+                </a:ext>
+              </a:extLst>
+            </p:cNvPr>
+            <p:cNvSpPr txBox="1"/>
+            <p:nvPr/>
+          </p:nvSpPr>
+          <p:spPr>
+            <a:xfrm>
+              <a:off x="4335940" y="2284155"/>
+              <a:ext cx="326372" cy="374467"/>
+            </a:xfrm>
+            <a:prstGeom prst="rect">
+              <a:avLst/>
+            </a:prstGeom>
+            <a:noFill/>
+          </p:spPr>
+          <p:txBody>
+            <a:bodyPr wrap="square" rtlCol="0">
+              <a:spAutoFit/>
+            </a:bodyPr>
+            <a:lstStyle/>
+            <a:p>
+              <a:pPr algn="r"/>
+              <a:r>
+                <a:rPr lang="en-US" dirty="0"/>
+                <a:t>0</a:t>
+              </a:r>
+            </a:p>
+          </p:txBody>
+        </p:sp>
+        <p:sp>
+          <p:nvSpPr>
+            <p:cNvPr id="13" name="TextBox 12">
+              <a:extLst>
+                <a:ext uri="{FF2B5EF4-FFF2-40B4-BE49-F238E27FC236}">
+                  <a16:creationId xmlns:a16="http://schemas.microsoft.com/office/drawing/2014/main" id="{221049B9-13E5-7171-607A-CD25027B1877}"/>
+                </a:ext>
+              </a:extLst>
+            </p:cNvPr>
+            <p:cNvSpPr txBox="1"/>
+            <p:nvPr/>
+          </p:nvSpPr>
+          <p:spPr>
+            <a:xfrm>
+              <a:off x="4003719" y="4782135"/>
+              <a:ext cx="664441" cy="369332"/>
+            </a:xfrm>
+            <a:prstGeom prst="rect">
+              <a:avLst/>
+            </a:prstGeom>
+            <a:noFill/>
+          </p:spPr>
+          <p:txBody>
+            <a:bodyPr wrap="square" rtlCol="0">
+              <a:spAutoFit/>
+            </a:bodyPr>
+            <a:lstStyle/>
+            <a:p>
+              <a:pPr algn="r"/>
+              <a:r>
+                <a:rPr lang="en-US" dirty="0" err="1"/>
+                <a:t>E</a:t>
+              </a:r>
+              <a:r>
+                <a:rPr lang="en-US" baseline="-25000" dirty="0" err="1"/>
+                <a:t>ion</a:t>
+              </a:r>
+              <a:endParaRPr lang="en-US" dirty="0"/>
+            </a:p>
+          </p:txBody>
+        </p:sp>
+        <p:sp>
+          <p:nvSpPr>
+            <p:cNvPr id="14" name="TextBox 13">
+              <a:extLst>
+                <a:ext uri="{FF2B5EF4-FFF2-40B4-BE49-F238E27FC236}">
+                  <a16:creationId xmlns:a16="http://schemas.microsoft.com/office/drawing/2014/main" id="{838D54F6-3AB4-0317-B7E7-7074BC1F2466}"/>
+                </a:ext>
+              </a:extLst>
+            </p:cNvPr>
+            <p:cNvSpPr txBox="1"/>
+            <p:nvPr/>
+          </p:nvSpPr>
+          <p:spPr>
+            <a:xfrm>
+              <a:off x="3838330" y="3109493"/>
+              <a:ext cx="810993" cy="369332"/>
+            </a:xfrm>
+            <a:prstGeom prst="rect">
+              <a:avLst/>
+            </a:prstGeom>
+            <a:noFill/>
+          </p:spPr>
+          <p:txBody>
+            <a:bodyPr wrap="square" rtlCol="0">
+              <a:spAutoFit/>
+            </a:bodyPr>
+            <a:lstStyle/>
+            <a:p>
+              <a:pPr algn="r"/>
+              <a:r>
+                <a:rPr lang="en-US" dirty="0" err="1"/>
+                <a:t>I</a:t>
+              </a:r>
+              <a:r>
+                <a:rPr lang="en-US" baseline="-25000" dirty="0" err="1"/>
+                <a:t>ext</a:t>
+              </a:r>
+              <a:endParaRPr lang="en-US" dirty="0"/>
+            </a:p>
+          </p:txBody>
+        </p:sp>
+        <p:pic>
+          <p:nvPicPr>
+            <p:cNvPr id="15" name="Graphic 14">
+              <a:extLst>
+                <a:ext uri="{FF2B5EF4-FFF2-40B4-BE49-F238E27FC236}">
+                  <a16:creationId xmlns:a16="http://schemas.microsoft.com/office/drawing/2014/main" id="{BBBFBD5F-68AE-7DB0-5B7C-D06A466D93D8}"/>
+                </a:ext>
+              </a:extLst>
+            </p:cNvPr>
+            <p:cNvPicPr>
+              <a:picLocks noChangeAspect="1"/>
+            </p:cNvPicPr>
+            <p:nvPr/>
+          </p:nvPicPr>
+          <p:blipFill>
+            <a:blip r:embed="rId2">
+              <a:extLst>
+                <a:ext uri="{96DAC541-7B7A-43D3-8B79-37D633B846F1}">
+                  <asvg:svgBlip xmlns:asvg="http://schemas.microsoft.com/office/drawing/2016/SVG/main" r:embed="rId3"/>
+                </a:ext>
+              </a:extLst>
+            </a:blip>
+            <a:stretch>
+              <a:fillRect/>
+            </a:stretch>
+          </p:blipFill>
+          <p:spPr>
+            <a:xfrm>
+              <a:off x="4625169" y="2183888"/>
+              <a:ext cx="3957129" cy="3048935"/>
+            </a:xfrm>
+            <a:prstGeom prst="rect">
+              <a:avLst/>
+            </a:prstGeom>
+          </p:spPr>
+        </p:pic>
+      </p:grpSp>
+    </p:spTree>
+    <p:extLst>
+      <p:ext uri="{BB962C8B-B14F-4D97-AF65-F5344CB8AC3E}">
+        <p14:creationId xmlns:p14="http://schemas.microsoft.com/office/powerpoint/2010/main" val="1497619036"/>
+      </p:ext>
+    </p:extLst>
+  </p:cSld>
+  <p:clrMapOvr>
+    <a:masterClrMapping/>
+  </p:clrMapOvr>
+  <p:timing>
+    <p:tnLst>
+      <p:par>
+        <p:cTn id="1" dur="indefinite" restart="never" nodeType="tmRoot">
+          <p:childTnLst>
+            <p:seq concurrent="1" nextAc="seek">
+              <p:cTn id="2" dur="indefinite" nodeType="mainSeq">
+                <p:childTnLst>
+                  <p:par>
+                    <p:cTn id="3" fill="hold">
+                      <p:stCondLst>
+                        <p:cond delay="indefinite"/>
+                      </p:stCondLst>
+                      <p:childTnLst>
+                        <p:par>
+                          <p:cTn id="4" fill="hold">
+                            <p:stCondLst>
+                              <p:cond delay="0"/>
+                            </p:stCondLst>
+                            <p:childTnLst>
+                              <p:par>
+                                <p:cTn id="5" presetID="10" presetClass="entr" presetSubtype="0" fill="hold" grpId="0" nodeType="clickEffect">
+                                  <p:stCondLst>
+                                    <p:cond delay="0"/>
+                                  </p:stCondLst>
+                                  <p:childTnLst>
+                                    <p:set>
+                                      <p:cBhvr>
+                                        <p:cTn id="6" dur="1" fill="hold">
+                                          <p:stCondLst>
+                                            <p:cond delay="0"/>
+                                          </p:stCondLst>
+                                        </p:cTn>
+                                        <p:tgtEl>
+                                          <p:spTgt spid="5"/>
+                                        </p:tgtEl>
+                                        <p:attrNameLst>
+                                          <p:attrName>style.visibility</p:attrName>
+                                        </p:attrNameLst>
+                                      </p:cBhvr>
+                                      <p:to>
+                                        <p:strVal val="visible"/>
+                                      </p:to>
+                                    </p:set>
+                                    <p:animEffect transition="in" filter="fade">
+                                      <p:cBhvr>
+                                        <p:cTn id="7" dur="100"/>
+                                        <p:tgtEl>
+                                          <p:spTgt spid="5"/>
+                                        </p:tgtEl>
+                                      </p:cBhvr>
+                                    </p:animEffect>
+                                  </p:childTnLst>
+                                </p:cTn>
+                              </p:par>
+                            </p:childTnLst>
+                          </p:cTn>
+                        </p:par>
+                      </p:childTnLst>
+                    </p:cTn>
+                  </p:par>
+                  <p:par>
+                    <p:cTn id="8" fill="hold">
+                      <p:stCondLst>
+                        <p:cond delay="indefinite"/>
+                      </p:stCondLst>
+                      <p:childTnLst>
+                        <p:par>
+                          <p:cTn id="9" fill="hold">
+                            <p:stCondLst>
+                              <p:cond delay="0"/>
+                            </p:stCondLst>
+                            <p:childTnLst>
+                              <p:par>
+                                <p:cTn id="10" presetID="10" presetClass="entr" presetSubtype="0" fill="hold" nodeType="clickEffect">
+                                  <p:stCondLst>
+                                    <p:cond delay="0"/>
+                                  </p:stCondLst>
+                                  <p:childTnLst>
+                                    <p:set>
+                                      <p:cBhvr>
+                                        <p:cTn id="11" dur="1" fill="hold">
+                                          <p:stCondLst>
+                                            <p:cond delay="0"/>
+                                          </p:stCondLst>
+                                        </p:cTn>
+                                        <p:tgtEl>
+                                          <p:spTgt spid="8"/>
+                                        </p:tgtEl>
+                                        <p:attrNameLst>
+                                          <p:attrName>style.visibility</p:attrName>
+                                        </p:attrNameLst>
+                                      </p:cBhvr>
+                                      <p:to>
+                                        <p:strVal val="visible"/>
+                                      </p:to>
+                                    </p:set>
+                                    <p:animEffect transition="in" filter="fade">
+                                      <p:cBhvr>
+                                        <p:cTn id="12" dur="100"/>
+                                        <p:tgtEl>
+                                          <p:spTgt spid="8"/>
+                                        </p:tgtEl>
+                                      </p:cBhvr>
+                                    </p:animEffect>
+                                  </p:childTnLst>
+                                </p:cTn>
+                              </p:par>
+                            </p:childTnLst>
+                          </p:cTn>
+                        </p:par>
+                      </p:childTnLst>
+                    </p:cTn>
+                  </p:par>
+                </p:childTnLst>
+              </p:cTn>
+              <p:prevCondLst>
+                <p:cond evt="onPrev" delay="0">
+                  <p:tgtEl>
+                    <p:sldTgt/>
+                  </p:tgtEl>
+                </p:cond>
+              </p:prevCondLst>
+              <p:nextCondLst>
+                <p:cond evt="onNext" delay="0">
+                  <p:tgtEl>
+                    <p:sldTgt/>
+                  </p:tgtEl>
+                </p:cond>
+              </p:nextCondLst>
+            </p:seq>
+          </p:childTnLst>
+        </p:cTn>
+      </p:par>
+    </p:tnLst>
+    <p:bldLst>
+      <p:bldP spid="5" grpId="0"/>
+    </p:bldLst>
+  </p:timing>
+</p:sld>
+</file>
+
+<file path=ppt/slides/slide21.xml><?xml version="1.0" encoding="utf-8"?>
+<p:sld xmlns:a="http://schemas.openxmlformats.org/drawingml/2006/main" xmlns:r="http://schemas.openxmlformats.org/officeDocument/2006/relationships" xmlns:p="http://schemas.openxmlformats.org/presentationml/2006/main">
+  <p:cSld>
+    <p:spTree>
+      <p:nvGrpSpPr>
+        <p:cNvPr id="1" name=""/>
+        <p:cNvGrpSpPr/>
+        <p:nvPr/>
+      </p:nvGrpSpPr>
+      <p:grpSpPr>
+        <a:xfrm>
+          <a:off x="0" y="0"/>
+          <a:ext cx="0" cy="0"/>
+          <a:chOff x="0" y="0"/>
+          <a:chExt cx="0" cy="0"/>
+        </a:xfrm>
+      </p:grpSpPr>
+      <p:sp>
+        <p:nvSpPr>
+          <p:cNvPr id="2" name="TextBox 1">
+            <a:extLst>
+              <a:ext uri="{FF2B5EF4-FFF2-40B4-BE49-F238E27FC236}">
+                <a16:creationId xmlns:a16="http://schemas.microsoft.com/office/drawing/2014/main" id="{1D404F9D-E56C-A2E2-F0D4-262A3602E94A}"/>
+              </a:ext>
+            </a:extLst>
+          </p:cNvPr>
+          <p:cNvSpPr txBox="1"/>
+          <p:nvPr/>
+        </p:nvSpPr>
+        <p:spPr>
+          <a:xfrm>
+            <a:off x="211973" y="332508"/>
+            <a:ext cx="11768051" cy="1200329"/>
+          </a:xfrm>
+          <a:prstGeom prst="rect">
+            <a:avLst/>
+          </a:prstGeom>
+          <a:noFill/>
+        </p:spPr>
+        <p:txBody>
+          <a:bodyPr wrap="square" rtlCol="0">
+            <a:spAutoFit/>
+          </a:bodyPr>
+          <a:lstStyle/>
+          <a:p>
+            <a:r>
+              <a:rPr lang="en-US" sz="2400" dirty="0"/>
               <a:t>Actually, just keep the filtering, and give me an approximate spike rate</a:t>
             </a:r>
           </a:p>
@@ -18505,7 +18789,7 @@
 </p:sld>
 </file>
 
-<file path=ppt/slides/slide21.xml><?xml version="1.0" encoding="utf-8"?>
+<file path=ppt/slides/slide22.xml><?xml version="1.0" encoding="utf-8"?>
 <p:sld xmlns:a="http://schemas.openxmlformats.org/drawingml/2006/main" xmlns:r="http://schemas.openxmlformats.org/officeDocument/2006/relationships" xmlns:p="http://schemas.openxmlformats.org/presentationml/2006/main">
   <p:cSld>
     <p:spTree>
@@ -19512,7 +19796,7 @@
 </p:sld>
 </file>
 
-<file path=ppt/slides/slide22.xml><?xml version="1.0" encoding="utf-8"?>
+<file path=ppt/slides/slide23.xml><?xml version="1.0" encoding="utf-8"?>
 <p:sld xmlns:a="http://schemas.openxmlformats.org/drawingml/2006/main" xmlns:r="http://schemas.openxmlformats.org/officeDocument/2006/relationships" xmlns:p="http://schemas.openxmlformats.org/presentationml/2006/main">
   <p:cSld>
     <p:spTree>
@@ -21773,7 +22057,7 @@
 </p:sld>
 </file>
 
-<file path=ppt/slides/slide23.xml><?xml version="1.0" encoding="utf-8"?>
+<file path=ppt/slides/slide24.xml><?xml version="1.0" encoding="utf-8"?>
 <p:sld xmlns:a="http://schemas.openxmlformats.org/drawingml/2006/main" xmlns:r="http://schemas.openxmlformats.org/officeDocument/2006/relationships" xmlns:p="http://schemas.openxmlformats.org/presentationml/2006/main">
   <p:cSld>
     <p:spTree>
@@ -22563,7 +22847,7 @@
 </p:sld>
 </file>
 
-<file path=ppt/slides/slide24.xml><?xml version="1.0" encoding="utf-8"?>
+<file path=ppt/slides/slide25.xml><?xml version="1.0" encoding="utf-8"?>
 <p:sld xmlns:a="http://schemas.openxmlformats.org/drawingml/2006/main" xmlns:r="http://schemas.openxmlformats.org/officeDocument/2006/relationships" xmlns:p="http://schemas.openxmlformats.org/presentationml/2006/main">
   <p:cSld>
     <p:spTree>
@@ -23363,7 +23647,7 @@
 </p:sld>
 </file>
 
-<file path=ppt/slides/slide25.xml><?xml version="1.0" encoding="utf-8"?>
+<file path=ppt/slides/slide26.xml><?xml version="1.0" encoding="utf-8"?>
 <p:sld xmlns:a="http://schemas.openxmlformats.org/drawingml/2006/main" xmlns:r="http://schemas.openxmlformats.org/officeDocument/2006/relationships" xmlns:p="http://schemas.openxmlformats.org/presentationml/2006/main">
   <p:cSld>
     <p:spTree>

--- a/07_06_22_day2_dynamical_time_series/slides/day2_introduction.pptx
+++ b/07_06_22_day2_dynamical_time_series/slides/day2_introduction.pptx
@@ -5,35 +5,36 @@
     <p:sldMasterId id="2147483648" r:id="rId1"/>
   </p:sldMasterIdLst>
   <p:notesMasterIdLst>
-    <p:notesMasterId r:id="rId28"/>
+    <p:notesMasterId r:id="rId29"/>
   </p:notesMasterIdLst>
   <p:sldIdLst>
     <p:sldId id="256" r:id="rId2"/>
-    <p:sldId id="259" r:id="rId3"/>
-    <p:sldId id="260" r:id="rId4"/>
-    <p:sldId id="261" r:id="rId5"/>
-    <p:sldId id="257" r:id="rId6"/>
-    <p:sldId id="262" r:id="rId7"/>
-    <p:sldId id="268" r:id="rId8"/>
-    <p:sldId id="267" r:id="rId9"/>
-    <p:sldId id="269" r:id="rId10"/>
-    <p:sldId id="264" r:id="rId11"/>
-    <p:sldId id="258" r:id="rId12"/>
-    <p:sldId id="270" r:id="rId13"/>
-    <p:sldId id="272" r:id="rId14"/>
-    <p:sldId id="282" r:id="rId15"/>
-    <p:sldId id="266" r:id="rId16"/>
-    <p:sldId id="271" r:id="rId17"/>
-    <p:sldId id="283" r:id="rId18"/>
-    <p:sldId id="273" r:id="rId19"/>
-    <p:sldId id="276" r:id="rId20"/>
-    <p:sldId id="275" r:id="rId21"/>
-    <p:sldId id="277" r:id="rId22"/>
-    <p:sldId id="274" r:id="rId23"/>
-    <p:sldId id="278" r:id="rId24"/>
-    <p:sldId id="279" r:id="rId25"/>
-    <p:sldId id="280" r:id="rId26"/>
-    <p:sldId id="281" r:id="rId27"/>
+    <p:sldId id="284" r:id="rId3"/>
+    <p:sldId id="259" r:id="rId4"/>
+    <p:sldId id="260" r:id="rId5"/>
+    <p:sldId id="261" r:id="rId6"/>
+    <p:sldId id="257" r:id="rId7"/>
+    <p:sldId id="262" r:id="rId8"/>
+    <p:sldId id="268" r:id="rId9"/>
+    <p:sldId id="267" r:id="rId10"/>
+    <p:sldId id="269" r:id="rId11"/>
+    <p:sldId id="264" r:id="rId12"/>
+    <p:sldId id="258" r:id="rId13"/>
+    <p:sldId id="270" r:id="rId14"/>
+    <p:sldId id="272" r:id="rId15"/>
+    <p:sldId id="282" r:id="rId16"/>
+    <p:sldId id="266" r:id="rId17"/>
+    <p:sldId id="271" r:id="rId18"/>
+    <p:sldId id="283" r:id="rId19"/>
+    <p:sldId id="273" r:id="rId20"/>
+    <p:sldId id="276" r:id="rId21"/>
+    <p:sldId id="275" r:id="rId22"/>
+    <p:sldId id="277" r:id="rId23"/>
+    <p:sldId id="274" r:id="rId24"/>
+    <p:sldId id="278" r:id="rId25"/>
+    <p:sldId id="279" r:id="rId26"/>
+    <p:sldId id="280" r:id="rId27"/>
+    <p:sldId id="281" r:id="rId28"/>
   </p:sldIdLst>
   <p:sldSz cx="12192000" cy="6858000"/>
   <p:notesSz cx="6858000" cy="9144000"/>
@@ -562,7 +563,7 @@
           <a:p>
             <a:fld id="{589CCC7D-D5B9-4873-8AD0-0076A6B30CA2}" type="slidenum">
               <a:rPr lang="en-US" smtClean="0"/>
-              <a:t>23</a:t>
+              <a:t>24</a:t>
             </a:fld>
             <a:endParaRPr lang="en-US"/>
           </a:p>
@@ -3898,6 +3899,2426 @@
           <a:chExt cx="0" cy="0"/>
         </a:xfrm>
       </p:grpSpPr>
+      <p:sp>
+        <p:nvSpPr>
+          <p:cNvPr id="18" name="TextBox 17">
+            <a:extLst>
+              <a:ext uri="{FF2B5EF4-FFF2-40B4-BE49-F238E27FC236}">
+                <a16:creationId xmlns:a16="http://schemas.microsoft.com/office/drawing/2014/main" id="{8B4BA8A8-6D61-48A1-4C2C-3B54F98C7F5A}"/>
+              </a:ext>
+            </a:extLst>
+          </p:cNvPr>
+          <p:cNvSpPr txBox="1"/>
+          <p:nvPr/>
+        </p:nvSpPr>
+        <p:spPr>
+          <a:xfrm>
+            <a:off x="211973" y="332508"/>
+            <a:ext cx="11768051" cy="461665"/>
+          </a:xfrm>
+          <a:prstGeom prst="rect">
+            <a:avLst/>
+          </a:prstGeom>
+          <a:noFill/>
+        </p:spPr>
+        <p:txBody>
+          <a:bodyPr wrap="square" rtlCol="0">
+            <a:spAutoFit/>
+          </a:bodyPr>
+          <a:lstStyle/>
+          <a:p>
+            <a:r>
+              <a:rPr lang="en-US" sz="2400" dirty="0"/>
+              <a:t>Neurons store energy in the form of charge + concentration gradients across their membrane</a:t>
+            </a:r>
+          </a:p>
+        </p:txBody>
+      </p:sp>
+      <p:grpSp>
+        <p:nvGrpSpPr>
+          <p:cNvPr id="73" name="Group 72">
+            <a:extLst>
+              <a:ext uri="{FF2B5EF4-FFF2-40B4-BE49-F238E27FC236}">
+                <a16:creationId xmlns:a16="http://schemas.microsoft.com/office/drawing/2014/main" id="{0C0FC421-B075-5285-BF39-5E5072FFEC3D}"/>
+              </a:ext>
+            </a:extLst>
+          </p:cNvPr>
+          <p:cNvGrpSpPr/>
+          <p:nvPr/>
+        </p:nvGrpSpPr>
+        <p:grpSpPr>
+          <a:xfrm>
+            <a:off x="7627683" y="1351679"/>
+            <a:ext cx="4055102" cy="3799562"/>
+            <a:chOff x="7627683" y="1351679"/>
+            <a:chExt cx="4055102" cy="3799562"/>
+          </a:xfrm>
+        </p:grpSpPr>
+        <p:grpSp>
+          <p:nvGrpSpPr>
+            <p:cNvPr id="74" name="Group 73">
+              <a:extLst>
+                <a:ext uri="{FF2B5EF4-FFF2-40B4-BE49-F238E27FC236}">
+                  <a16:creationId xmlns:a16="http://schemas.microsoft.com/office/drawing/2014/main" id="{70198ECA-9031-934A-E53C-286CB2F2A2BE}"/>
+                </a:ext>
+              </a:extLst>
+            </p:cNvPr>
+            <p:cNvGrpSpPr/>
+            <p:nvPr/>
+          </p:nvGrpSpPr>
+          <p:grpSpPr>
+            <a:xfrm>
+              <a:off x="7627683" y="2408935"/>
+              <a:ext cx="1601639" cy="1721365"/>
+              <a:chOff x="7136295" y="2356735"/>
+              <a:chExt cx="1601639" cy="1721365"/>
+            </a:xfrm>
+          </p:grpSpPr>
+          <p:cxnSp>
+            <p:nvCxnSpPr>
+              <p:cNvPr id="134" name="Straight Connector 133">
+                <a:extLst>
+                  <a:ext uri="{FF2B5EF4-FFF2-40B4-BE49-F238E27FC236}">
+                    <a16:creationId xmlns:a16="http://schemas.microsoft.com/office/drawing/2014/main" id="{5E2445FB-6C2E-0D56-C1B0-8A3E34B4DB4E}"/>
+                  </a:ext>
+                </a:extLst>
+              </p:cNvPr>
+              <p:cNvCxnSpPr>
+                <a:cxnSpLocks/>
+              </p:cNvCxnSpPr>
+              <p:nvPr/>
+            </p:nvCxnSpPr>
+            <p:spPr>
+              <a:xfrm>
+                <a:off x="7136295" y="3104472"/>
+                <a:ext cx="735496" cy="0"/>
+              </a:xfrm>
+              <a:prstGeom prst="line">
+                <a:avLst/>
+              </a:prstGeom>
+              <a:ln w="38100">
+                <a:solidFill>
+                  <a:srgbClr val="FDB879"/>
+                </a:solidFill>
+              </a:ln>
+            </p:spPr>
+            <p:style>
+              <a:lnRef idx="1">
+                <a:schemeClr val="dk1"/>
+              </a:lnRef>
+              <a:fillRef idx="0">
+                <a:schemeClr val="dk1"/>
+              </a:fillRef>
+              <a:effectRef idx="0">
+                <a:schemeClr val="dk1"/>
+              </a:effectRef>
+              <a:fontRef idx="minor">
+                <a:schemeClr val="tx1"/>
+              </a:fontRef>
+            </p:style>
+          </p:cxnSp>
+          <p:cxnSp>
+            <p:nvCxnSpPr>
+              <p:cNvPr id="135" name="Straight Connector 134">
+                <a:extLst>
+                  <a:ext uri="{FF2B5EF4-FFF2-40B4-BE49-F238E27FC236}">
+                    <a16:creationId xmlns:a16="http://schemas.microsoft.com/office/drawing/2014/main" id="{8EBE7AB4-5EC0-CDE2-4F15-777A8D3B36D2}"/>
+                  </a:ext>
+                </a:extLst>
+              </p:cNvPr>
+              <p:cNvCxnSpPr>
+                <a:cxnSpLocks/>
+              </p:cNvCxnSpPr>
+              <p:nvPr/>
+            </p:nvCxnSpPr>
+            <p:spPr>
+              <a:xfrm>
+                <a:off x="7136295" y="3339548"/>
+                <a:ext cx="735496" cy="0"/>
+              </a:xfrm>
+              <a:prstGeom prst="line">
+                <a:avLst/>
+              </a:prstGeom>
+              <a:ln w="38100">
+                <a:solidFill>
+                  <a:srgbClr val="FDB879"/>
+                </a:solidFill>
+              </a:ln>
+            </p:spPr>
+            <p:style>
+              <a:lnRef idx="1">
+                <a:schemeClr val="dk1"/>
+              </a:lnRef>
+              <a:fillRef idx="0">
+                <a:schemeClr val="dk1"/>
+              </a:fillRef>
+              <a:effectRef idx="0">
+                <a:schemeClr val="dk1"/>
+              </a:effectRef>
+              <a:fontRef idx="minor">
+                <a:schemeClr val="tx1"/>
+              </a:fontRef>
+            </p:style>
+          </p:cxnSp>
+          <p:cxnSp>
+            <p:nvCxnSpPr>
+              <p:cNvPr id="136" name="Straight Connector 135">
+                <a:extLst>
+                  <a:ext uri="{FF2B5EF4-FFF2-40B4-BE49-F238E27FC236}">
+                    <a16:creationId xmlns:a16="http://schemas.microsoft.com/office/drawing/2014/main" id="{63B49F20-F27A-3B24-ACCE-713EC12794C2}"/>
+                  </a:ext>
+                </a:extLst>
+              </p:cNvPr>
+              <p:cNvCxnSpPr>
+                <a:cxnSpLocks/>
+              </p:cNvCxnSpPr>
+              <p:nvPr/>
+            </p:nvCxnSpPr>
+            <p:spPr>
+              <a:xfrm rot="5400000">
+                <a:off x="7129669" y="2724483"/>
+                <a:ext cx="735496" cy="0"/>
+              </a:xfrm>
+              <a:prstGeom prst="line">
+                <a:avLst/>
+              </a:prstGeom>
+              <a:ln w="38100">
+                <a:solidFill>
+                  <a:srgbClr val="FDB879"/>
+                </a:solidFill>
+              </a:ln>
+            </p:spPr>
+            <p:style>
+              <a:lnRef idx="1">
+                <a:schemeClr val="dk1"/>
+              </a:lnRef>
+              <a:fillRef idx="0">
+                <a:schemeClr val="dk1"/>
+              </a:fillRef>
+              <a:effectRef idx="0">
+                <a:schemeClr val="dk1"/>
+              </a:effectRef>
+              <a:fontRef idx="minor">
+                <a:schemeClr val="tx1"/>
+              </a:fontRef>
+            </p:style>
+          </p:cxnSp>
+          <p:cxnSp>
+            <p:nvCxnSpPr>
+              <p:cNvPr id="137" name="Straight Connector 136">
+                <a:extLst>
+                  <a:ext uri="{FF2B5EF4-FFF2-40B4-BE49-F238E27FC236}">
+                    <a16:creationId xmlns:a16="http://schemas.microsoft.com/office/drawing/2014/main" id="{5D5ADC5C-F33D-2FF1-EF06-15BE73DFD9EF}"/>
+                  </a:ext>
+                </a:extLst>
+              </p:cNvPr>
+              <p:cNvCxnSpPr>
+                <a:cxnSpLocks/>
+              </p:cNvCxnSpPr>
+              <p:nvPr/>
+            </p:nvCxnSpPr>
+            <p:spPr>
+              <a:xfrm rot="5400000">
+                <a:off x="7129669" y="3710352"/>
+                <a:ext cx="735496" cy="0"/>
+              </a:xfrm>
+              <a:prstGeom prst="line">
+                <a:avLst/>
+              </a:prstGeom>
+              <a:ln w="38100">
+                <a:solidFill>
+                  <a:srgbClr val="FDB879"/>
+                </a:solidFill>
+              </a:ln>
+            </p:spPr>
+            <p:style>
+              <a:lnRef idx="1">
+                <a:schemeClr val="dk1"/>
+              </a:lnRef>
+              <a:fillRef idx="0">
+                <a:schemeClr val="dk1"/>
+              </a:fillRef>
+              <a:effectRef idx="0">
+                <a:schemeClr val="dk1"/>
+              </a:effectRef>
+              <a:fontRef idx="minor">
+                <a:schemeClr val="tx1"/>
+              </a:fontRef>
+            </p:style>
+          </p:cxnSp>
+          <p:sp>
+            <p:nvSpPr>
+              <p:cNvPr id="138" name="TextBox 137">
+                <a:extLst>
+                  <a:ext uri="{FF2B5EF4-FFF2-40B4-BE49-F238E27FC236}">
+                    <a16:creationId xmlns:a16="http://schemas.microsoft.com/office/drawing/2014/main" id="{E43F19FC-DFCD-60BF-4DD8-0C3337DB6C04}"/>
+                  </a:ext>
+                </a:extLst>
+              </p:cNvPr>
+              <p:cNvSpPr txBox="1"/>
+              <p:nvPr/>
+            </p:nvSpPr>
+            <p:spPr>
+              <a:xfrm>
+                <a:off x="7616469" y="3376800"/>
+                <a:ext cx="1121465" cy="369332"/>
+              </a:xfrm>
+              <a:prstGeom prst="rect">
+                <a:avLst/>
+              </a:prstGeom>
+              <a:noFill/>
+            </p:spPr>
+            <p:txBody>
+              <a:bodyPr wrap="square" rtlCol="0">
+                <a:spAutoFit/>
+              </a:bodyPr>
+              <a:lstStyle/>
+              <a:p>
+                <a:r>
+                  <a:rPr lang="en-US" dirty="0"/>
+                  <a:t>capacitor</a:t>
+                </a:r>
+              </a:p>
+            </p:txBody>
+          </p:sp>
+        </p:grpSp>
+        <p:grpSp>
+          <p:nvGrpSpPr>
+            <p:cNvPr id="75" name="Group 74">
+              <a:extLst>
+                <a:ext uri="{FF2B5EF4-FFF2-40B4-BE49-F238E27FC236}">
+                  <a16:creationId xmlns:a16="http://schemas.microsoft.com/office/drawing/2014/main" id="{2E640F52-D2F5-07FF-EDEB-D53927BDC902}"/>
+                </a:ext>
+              </a:extLst>
+            </p:cNvPr>
+            <p:cNvGrpSpPr/>
+            <p:nvPr/>
+          </p:nvGrpSpPr>
+          <p:grpSpPr>
+            <a:xfrm>
+              <a:off x="7995431" y="1351679"/>
+              <a:ext cx="1910769" cy="3799562"/>
+              <a:chOff x="7206199" y="1351679"/>
+              <a:chExt cx="1910769" cy="3799562"/>
+            </a:xfrm>
+          </p:grpSpPr>
+          <p:cxnSp>
+            <p:nvCxnSpPr>
+              <p:cNvPr id="128" name="Straight Connector 127">
+                <a:extLst>
+                  <a:ext uri="{FF2B5EF4-FFF2-40B4-BE49-F238E27FC236}">
+                    <a16:creationId xmlns:a16="http://schemas.microsoft.com/office/drawing/2014/main" id="{C44CC8C6-4350-9075-0BD3-751346D8FF88}"/>
+                  </a:ext>
+                </a:extLst>
+              </p:cNvPr>
+              <p:cNvCxnSpPr>
+                <a:cxnSpLocks/>
+              </p:cNvCxnSpPr>
+              <p:nvPr/>
+            </p:nvCxnSpPr>
+            <p:spPr>
+              <a:xfrm>
+                <a:off x="8179103" y="4130300"/>
+                <a:ext cx="0" cy="651609"/>
+              </a:xfrm>
+              <a:prstGeom prst="line">
+                <a:avLst/>
+              </a:prstGeom>
+              <a:ln w="38100">
+                <a:solidFill>
+                  <a:schemeClr val="tx1"/>
+                </a:solidFill>
+              </a:ln>
+            </p:spPr>
+            <p:style>
+              <a:lnRef idx="1">
+                <a:schemeClr val="dk1"/>
+              </a:lnRef>
+              <a:fillRef idx="0">
+                <a:schemeClr val="dk1"/>
+              </a:fillRef>
+              <a:effectRef idx="0">
+                <a:schemeClr val="dk1"/>
+              </a:effectRef>
+              <a:fontRef idx="minor">
+                <a:schemeClr val="tx1"/>
+              </a:fontRef>
+            </p:style>
+          </p:cxnSp>
+          <p:cxnSp>
+            <p:nvCxnSpPr>
+              <p:cNvPr id="129" name="Straight Connector 128">
+                <a:extLst>
+                  <a:ext uri="{FF2B5EF4-FFF2-40B4-BE49-F238E27FC236}">
+                    <a16:creationId xmlns:a16="http://schemas.microsoft.com/office/drawing/2014/main" id="{B33EA658-A65A-509E-5133-4FAF21DB9071}"/>
+                  </a:ext>
+                </a:extLst>
+              </p:cNvPr>
+              <p:cNvCxnSpPr>
+                <a:cxnSpLocks/>
+              </p:cNvCxnSpPr>
+              <p:nvPr/>
+            </p:nvCxnSpPr>
+            <p:spPr>
+              <a:xfrm>
+                <a:off x="8159969" y="1757326"/>
+                <a:ext cx="0" cy="651609"/>
+              </a:xfrm>
+              <a:prstGeom prst="line">
+                <a:avLst/>
+              </a:prstGeom>
+              <a:ln w="38100">
+                <a:solidFill>
+                  <a:schemeClr val="tx1"/>
+                </a:solidFill>
+              </a:ln>
+            </p:spPr>
+            <p:style>
+              <a:lnRef idx="1">
+                <a:schemeClr val="dk1"/>
+              </a:lnRef>
+              <a:fillRef idx="0">
+                <a:schemeClr val="dk1"/>
+              </a:fillRef>
+              <a:effectRef idx="0">
+                <a:schemeClr val="dk1"/>
+              </a:effectRef>
+              <a:fontRef idx="minor">
+                <a:schemeClr val="tx1"/>
+              </a:fontRef>
+            </p:style>
+          </p:cxnSp>
+          <p:cxnSp>
+            <p:nvCxnSpPr>
+              <p:cNvPr id="130" name="Straight Connector 129">
+                <a:extLst>
+                  <a:ext uri="{FF2B5EF4-FFF2-40B4-BE49-F238E27FC236}">
+                    <a16:creationId xmlns:a16="http://schemas.microsoft.com/office/drawing/2014/main" id="{07737502-F753-BB8A-9B6D-631BA0A6C2C7}"/>
+                  </a:ext>
+                </a:extLst>
+              </p:cNvPr>
+              <p:cNvCxnSpPr>
+                <a:cxnSpLocks/>
+              </p:cNvCxnSpPr>
+              <p:nvPr/>
+            </p:nvCxnSpPr>
+            <p:spPr>
+              <a:xfrm>
+                <a:off x="7206199" y="2408935"/>
+                <a:ext cx="1910769" cy="0"/>
+              </a:xfrm>
+              <a:prstGeom prst="line">
+                <a:avLst/>
+              </a:prstGeom>
+              <a:ln w="38100">
+                <a:solidFill>
+                  <a:schemeClr val="tx1"/>
+                </a:solidFill>
+              </a:ln>
+            </p:spPr>
+            <p:style>
+              <a:lnRef idx="1">
+                <a:schemeClr val="dk1"/>
+              </a:lnRef>
+              <a:fillRef idx="0">
+                <a:schemeClr val="dk1"/>
+              </a:fillRef>
+              <a:effectRef idx="0">
+                <a:schemeClr val="dk1"/>
+              </a:effectRef>
+              <a:fontRef idx="minor">
+                <a:schemeClr val="tx1"/>
+              </a:fontRef>
+            </p:style>
+          </p:cxnSp>
+          <p:cxnSp>
+            <p:nvCxnSpPr>
+              <p:cNvPr id="131" name="Straight Connector 130">
+                <a:extLst>
+                  <a:ext uri="{FF2B5EF4-FFF2-40B4-BE49-F238E27FC236}">
+                    <a16:creationId xmlns:a16="http://schemas.microsoft.com/office/drawing/2014/main" id="{720C993D-8CA7-EF92-BEA5-EF725DE74CC1}"/>
+                  </a:ext>
+                </a:extLst>
+              </p:cNvPr>
+              <p:cNvCxnSpPr>
+                <a:cxnSpLocks/>
+              </p:cNvCxnSpPr>
+              <p:nvPr/>
+            </p:nvCxnSpPr>
+            <p:spPr>
+              <a:xfrm>
+                <a:off x="7206199" y="4130300"/>
+                <a:ext cx="1910769" cy="0"/>
+              </a:xfrm>
+              <a:prstGeom prst="line">
+                <a:avLst/>
+              </a:prstGeom>
+              <a:ln w="38100">
+                <a:solidFill>
+                  <a:schemeClr val="tx1"/>
+                </a:solidFill>
+              </a:ln>
+            </p:spPr>
+            <p:style>
+              <a:lnRef idx="1">
+                <a:schemeClr val="dk1"/>
+              </a:lnRef>
+              <a:fillRef idx="0">
+                <a:schemeClr val="dk1"/>
+              </a:fillRef>
+              <a:effectRef idx="0">
+                <a:schemeClr val="dk1"/>
+              </a:effectRef>
+              <a:fontRef idx="minor">
+                <a:schemeClr val="tx1"/>
+              </a:fontRef>
+            </p:style>
+          </p:cxnSp>
+          <p:sp>
+            <p:nvSpPr>
+              <p:cNvPr id="132" name="TextBox 131">
+                <a:extLst>
+                  <a:ext uri="{FF2B5EF4-FFF2-40B4-BE49-F238E27FC236}">
+                    <a16:creationId xmlns:a16="http://schemas.microsoft.com/office/drawing/2014/main" id="{3F8A2B9C-4231-D980-6760-A16775F6150F}"/>
+                  </a:ext>
+                </a:extLst>
+              </p:cNvPr>
+              <p:cNvSpPr txBox="1"/>
+              <p:nvPr/>
+            </p:nvSpPr>
+            <p:spPr>
+              <a:xfrm>
+                <a:off x="7721903" y="1351679"/>
+                <a:ext cx="914400" cy="369332"/>
+              </a:xfrm>
+              <a:prstGeom prst="rect">
+                <a:avLst/>
+              </a:prstGeom>
+              <a:noFill/>
+            </p:spPr>
+            <p:txBody>
+              <a:bodyPr wrap="square" rtlCol="0">
+                <a:spAutoFit/>
+              </a:bodyPr>
+              <a:lstStyle/>
+              <a:p>
+                <a:pPr algn="ctr"/>
+                <a:r>
+                  <a:rPr lang="en-US" dirty="0"/>
+                  <a:t>outside</a:t>
+                </a:r>
+              </a:p>
+            </p:txBody>
+          </p:sp>
+          <p:sp>
+            <p:nvSpPr>
+              <p:cNvPr id="133" name="TextBox 132">
+                <a:extLst>
+                  <a:ext uri="{FF2B5EF4-FFF2-40B4-BE49-F238E27FC236}">
+                    <a16:creationId xmlns:a16="http://schemas.microsoft.com/office/drawing/2014/main" id="{3BABA535-E369-DBC2-3DDD-3205D0FF428D}"/>
+                  </a:ext>
+                </a:extLst>
+              </p:cNvPr>
+              <p:cNvSpPr txBox="1"/>
+              <p:nvPr/>
+            </p:nvSpPr>
+            <p:spPr>
+              <a:xfrm>
+                <a:off x="7721903" y="4781909"/>
+                <a:ext cx="914400" cy="369332"/>
+              </a:xfrm>
+              <a:prstGeom prst="rect">
+                <a:avLst/>
+              </a:prstGeom>
+              <a:noFill/>
+            </p:spPr>
+            <p:txBody>
+              <a:bodyPr wrap="square" rtlCol="0">
+                <a:spAutoFit/>
+              </a:bodyPr>
+              <a:lstStyle/>
+              <a:p>
+                <a:pPr algn="ctr"/>
+                <a:r>
+                  <a:rPr lang="en-US" dirty="0"/>
+                  <a:t>inside</a:t>
+                </a:r>
+              </a:p>
+            </p:txBody>
+          </p:sp>
+        </p:grpSp>
+        <p:grpSp>
+          <p:nvGrpSpPr>
+            <p:cNvPr id="77" name="Group 76">
+              <a:extLst>
+                <a:ext uri="{FF2B5EF4-FFF2-40B4-BE49-F238E27FC236}">
+                  <a16:creationId xmlns:a16="http://schemas.microsoft.com/office/drawing/2014/main" id="{792BEC2B-D515-1A75-7709-5098BA13BAF9}"/>
+                </a:ext>
+              </a:extLst>
+            </p:cNvPr>
+            <p:cNvGrpSpPr/>
+            <p:nvPr/>
+          </p:nvGrpSpPr>
+          <p:grpSpPr>
+            <a:xfrm>
+              <a:off x="9720551" y="2405372"/>
+              <a:ext cx="1535797" cy="1179653"/>
+              <a:chOff x="8931319" y="2408935"/>
+              <a:chExt cx="1535797" cy="1704112"/>
+            </a:xfrm>
+          </p:grpSpPr>
+          <p:grpSp>
+            <p:nvGrpSpPr>
+              <p:cNvPr id="88" name="Group 87">
+                <a:extLst>
+                  <a:ext uri="{FF2B5EF4-FFF2-40B4-BE49-F238E27FC236}">
+                    <a16:creationId xmlns:a16="http://schemas.microsoft.com/office/drawing/2014/main" id="{245DB0CE-F2B3-D542-1C90-9B4FC1B225F8}"/>
+                  </a:ext>
+                </a:extLst>
+              </p:cNvPr>
+              <p:cNvGrpSpPr/>
+              <p:nvPr/>
+            </p:nvGrpSpPr>
+            <p:grpSpPr>
+              <a:xfrm>
+                <a:off x="8931319" y="2408935"/>
+                <a:ext cx="363716" cy="1704112"/>
+                <a:chOff x="8931319" y="2402885"/>
+                <a:chExt cx="363716" cy="1693023"/>
+              </a:xfrm>
+            </p:grpSpPr>
+            <p:cxnSp>
+              <p:nvCxnSpPr>
+                <p:cNvPr id="113" name="Straight Connector 112">
+                  <a:extLst>
+                    <a:ext uri="{FF2B5EF4-FFF2-40B4-BE49-F238E27FC236}">
+                      <a16:creationId xmlns:a16="http://schemas.microsoft.com/office/drawing/2014/main" id="{4CE60F37-A8FE-16ED-E13F-501F835C5B4F}"/>
+                    </a:ext>
+                  </a:extLst>
+                </p:cNvPr>
+                <p:cNvCxnSpPr>
+                  <a:cxnSpLocks/>
+                </p:cNvCxnSpPr>
+                <p:nvPr/>
+              </p:nvCxnSpPr>
+              <p:spPr>
+                <a:xfrm flipH="1">
+                  <a:off x="8931319" y="2882461"/>
+                  <a:ext cx="356134" cy="154890"/>
+                </a:xfrm>
+                <a:prstGeom prst="line">
+                  <a:avLst/>
+                </a:prstGeom>
+                <a:ln w="38100">
+                  <a:solidFill>
+                    <a:srgbClr val="89BBE2"/>
+                  </a:solidFill>
+                </a:ln>
+              </p:spPr>
+              <p:style>
+                <a:lnRef idx="1">
+                  <a:schemeClr val="dk1"/>
+                </a:lnRef>
+                <a:fillRef idx="0">
+                  <a:schemeClr val="dk1"/>
+                </a:fillRef>
+                <a:effectRef idx="0">
+                  <a:schemeClr val="dk1"/>
+                </a:effectRef>
+                <a:fontRef idx="minor">
+                  <a:schemeClr val="tx1"/>
+                </a:fontRef>
+              </p:style>
+            </p:cxnSp>
+            <p:cxnSp>
+              <p:nvCxnSpPr>
+                <p:cNvPr id="120" name="Straight Connector 119">
+                  <a:extLst>
+                    <a:ext uri="{FF2B5EF4-FFF2-40B4-BE49-F238E27FC236}">
+                      <a16:creationId xmlns:a16="http://schemas.microsoft.com/office/drawing/2014/main" id="{68D6E149-DD21-C496-5374-8144D3B0C12C}"/>
+                    </a:ext>
+                  </a:extLst>
+                </p:cNvPr>
+                <p:cNvCxnSpPr>
+                  <a:cxnSpLocks/>
+                </p:cNvCxnSpPr>
+                <p:nvPr/>
+              </p:nvCxnSpPr>
+              <p:spPr>
+                <a:xfrm>
+                  <a:off x="8931319" y="3037351"/>
+                  <a:ext cx="356134" cy="154890"/>
+                </a:xfrm>
+                <a:prstGeom prst="line">
+                  <a:avLst/>
+                </a:prstGeom>
+                <a:ln w="38100">
+                  <a:solidFill>
+                    <a:srgbClr val="89BBE2"/>
+                  </a:solidFill>
+                </a:ln>
+              </p:spPr>
+              <p:style>
+                <a:lnRef idx="1">
+                  <a:schemeClr val="dk1"/>
+                </a:lnRef>
+                <a:fillRef idx="0">
+                  <a:schemeClr val="dk1"/>
+                </a:fillRef>
+                <a:effectRef idx="0">
+                  <a:schemeClr val="dk1"/>
+                </a:effectRef>
+                <a:fontRef idx="minor">
+                  <a:schemeClr val="tx1"/>
+                </a:fontRef>
+              </p:style>
+            </p:cxnSp>
+            <p:cxnSp>
+              <p:nvCxnSpPr>
+                <p:cNvPr id="121" name="Straight Connector 120">
+                  <a:extLst>
+                    <a:ext uri="{FF2B5EF4-FFF2-40B4-BE49-F238E27FC236}">
+                      <a16:creationId xmlns:a16="http://schemas.microsoft.com/office/drawing/2014/main" id="{8CA15498-5973-7A28-36DF-57BB7FCA1067}"/>
+                    </a:ext>
+                  </a:extLst>
+                </p:cNvPr>
+                <p:cNvCxnSpPr>
+                  <a:cxnSpLocks/>
+                </p:cNvCxnSpPr>
+                <p:nvPr/>
+              </p:nvCxnSpPr>
+              <p:spPr>
+                <a:xfrm flipH="1">
+                  <a:off x="8931319" y="3189400"/>
+                  <a:ext cx="356134" cy="154890"/>
+                </a:xfrm>
+                <a:prstGeom prst="line">
+                  <a:avLst/>
+                </a:prstGeom>
+                <a:ln w="38100">
+                  <a:solidFill>
+                    <a:srgbClr val="89BBE2"/>
+                  </a:solidFill>
+                </a:ln>
+              </p:spPr>
+              <p:style>
+                <a:lnRef idx="1">
+                  <a:schemeClr val="dk1"/>
+                </a:lnRef>
+                <a:fillRef idx="0">
+                  <a:schemeClr val="dk1"/>
+                </a:fillRef>
+                <a:effectRef idx="0">
+                  <a:schemeClr val="dk1"/>
+                </a:effectRef>
+                <a:fontRef idx="minor">
+                  <a:schemeClr val="tx1"/>
+                </a:fontRef>
+              </p:style>
+            </p:cxnSp>
+            <p:cxnSp>
+              <p:nvCxnSpPr>
+                <p:cNvPr id="122" name="Straight Connector 121">
+                  <a:extLst>
+                    <a:ext uri="{FF2B5EF4-FFF2-40B4-BE49-F238E27FC236}">
+                      <a16:creationId xmlns:a16="http://schemas.microsoft.com/office/drawing/2014/main" id="{69C6EA65-D170-90D4-29DB-1F9206FD2172}"/>
+                    </a:ext>
+                  </a:extLst>
+                </p:cNvPr>
+                <p:cNvCxnSpPr>
+                  <a:cxnSpLocks/>
+                </p:cNvCxnSpPr>
+                <p:nvPr/>
+              </p:nvCxnSpPr>
+              <p:spPr>
+                <a:xfrm>
+                  <a:off x="8938901" y="3350373"/>
+                  <a:ext cx="356134" cy="154890"/>
+                </a:xfrm>
+                <a:prstGeom prst="line">
+                  <a:avLst/>
+                </a:prstGeom>
+                <a:ln w="38100">
+                  <a:solidFill>
+                    <a:srgbClr val="89BBE2"/>
+                  </a:solidFill>
+                </a:ln>
+              </p:spPr>
+              <p:style>
+                <a:lnRef idx="1">
+                  <a:schemeClr val="dk1"/>
+                </a:lnRef>
+                <a:fillRef idx="0">
+                  <a:schemeClr val="dk1"/>
+                </a:fillRef>
+                <a:effectRef idx="0">
+                  <a:schemeClr val="dk1"/>
+                </a:effectRef>
+                <a:fontRef idx="minor">
+                  <a:schemeClr val="tx1"/>
+                </a:fontRef>
+              </p:style>
+            </p:cxnSp>
+            <p:cxnSp>
+              <p:nvCxnSpPr>
+                <p:cNvPr id="123" name="Straight Connector 122">
+                  <a:extLst>
+                    <a:ext uri="{FF2B5EF4-FFF2-40B4-BE49-F238E27FC236}">
+                      <a16:creationId xmlns:a16="http://schemas.microsoft.com/office/drawing/2014/main" id="{69A51489-E597-2FD7-A650-5CA88653DC13}"/>
+                    </a:ext>
+                  </a:extLst>
+                </p:cNvPr>
+                <p:cNvCxnSpPr>
+                  <a:cxnSpLocks/>
+                </p:cNvCxnSpPr>
+                <p:nvPr/>
+              </p:nvCxnSpPr>
+              <p:spPr>
+                <a:xfrm flipH="1">
+                  <a:off x="8938901" y="3502422"/>
+                  <a:ext cx="356134" cy="154890"/>
+                </a:xfrm>
+                <a:prstGeom prst="line">
+                  <a:avLst/>
+                </a:prstGeom>
+                <a:ln w="38100">
+                  <a:solidFill>
+                    <a:srgbClr val="89BBE2"/>
+                  </a:solidFill>
+                </a:ln>
+              </p:spPr>
+              <p:style>
+                <a:lnRef idx="1">
+                  <a:schemeClr val="dk1"/>
+                </a:lnRef>
+                <a:fillRef idx="0">
+                  <a:schemeClr val="dk1"/>
+                </a:fillRef>
+                <a:effectRef idx="0">
+                  <a:schemeClr val="dk1"/>
+                </a:effectRef>
+                <a:fontRef idx="minor">
+                  <a:schemeClr val="tx1"/>
+                </a:fontRef>
+              </p:style>
+            </p:cxnSp>
+            <p:cxnSp>
+              <p:nvCxnSpPr>
+                <p:cNvPr id="124" name="Straight Connector 123">
+                  <a:extLst>
+                    <a:ext uri="{FF2B5EF4-FFF2-40B4-BE49-F238E27FC236}">
+                      <a16:creationId xmlns:a16="http://schemas.microsoft.com/office/drawing/2014/main" id="{B3FF364E-E78D-AE7A-6ACC-D460C6B41792}"/>
+                    </a:ext>
+                  </a:extLst>
+                </p:cNvPr>
+                <p:cNvCxnSpPr>
+                  <a:cxnSpLocks/>
+                </p:cNvCxnSpPr>
+                <p:nvPr/>
+              </p:nvCxnSpPr>
+              <p:spPr>
+                <a:xfrm>
+                  <a:off x="9112637" y="2402885"/>
+                  <a:ext cx="0" cy="379003"/>
+                </a:xfrm>
+                <a:prstGeom prst="line">
+                  <a:avLst/>
+                </a:prstGeom>
+                <a:ln w="38100">
+                  <a:solidFill>
+                    <a:srgbClr val="89BBE2"/>
+                  </a:solidFill>
+                </a:ln>
+              </p:spPr>
+              <p:style>
+                <a:lnRef idx="1">
+                  <a:schemeClr val="dk1"/>
+                </a:lnRef>
+                <a:fillRef idx="0">
+                  <a:schemeClr val="dk1"/>
+                </a:fillRef>
+                <a:effectRef idx="0">
+                  <a:schemeClr val="dk1"/>
+                </a:effectRef>
+                <a:fontRef idx="minor">
+                  <a:schemeClr val="tx1"/>
+                </a:fontRef>
+              </p:style>
+            </p:cxnSp>
+            <p:cxnSp>
+              <p:nvCxnSpPr>
+                <p:cNvPr id="125" name="Straight Connector 124">
+                  <a:extLst>
+                    <a:ext uri="{FF2B5EF4-FFF2-40B4-BE49-F238E27FC236}">
+                      <a16:creationId xmlns:a16="http://schemas.microsoft.com/office/drawing/2014/main" id="{4B85E689-CAC6-D045-80FD-CC9ABBDBE927}"/>
+                    </a:ext>
+                  </a:extLst>
+                </p:cNvPr>
+                <p:cNvCxnSpPr>
+                  <a:cxnSpLocks/>
+                </p:cNvCxnSpPr>
+                <p:nvPr/>
+              </p:nvCxnSpPr>
+              <p:spPr>
+                <a:xfrm>
+                  <a:off x="9112637" y="2767410"/>
+                  <a:ext cx="182398" cy="115048"/>
+                </a:xfrm>
+                <a:prstGeom prst="line">
+                  <a:avLst/>
+                </a:prstGeom>
+                <a:ln w="38100">
+                  <a:solidFill>
+                    <a:srgbClr val="89BBE2"/>
+                  </a:solidFill>
+                </a:ln>
+              </p:spPr>
+              <p:style>
+                <a:lnRef idx="1">
+                  <a:schemeClr val="dk1"/>
+                </a:lnRef>
+                <a:fillRef idx="0">
+                  <a:schemeClr val="dk1"/>
+                </a:fillRef>
+                <a:effectRef idx="0">
+                  <a:schemeClr val="dk1"/>
+                </a:effectRef>
+                <a:fontRef idx="minor">
+                  <a:schemeClr val="tx1"/>
+                </a:fontRef>
+              </p:style>
+            </p:cxnSp>
+            <p:cxnSp>
+              <p:nvCxnSpPr>
+                <p:cNvPr id="126" name="Straight Connector 125">
+                  <a:extLst>
+                    <a:ext uri="{FF2B5EF4-FFF2-40B4-BE49-F238E27FC236}">
+                      <a16:creationId xmlns:a16="http://schemas.microsoft.com/office/drawing/2014/main" id="{520CC6C6-F120-B4EC-3786-46888156A777}"/>
+                    </a:ext>
+                  </a:extLst>
+                </p:cNvPr>
+                <p:cNvCxnSpPr>
+                  <a:cxnSpLocks/>
+                </p:cNvCxnSpPr>
+                <p:nvPr/>
+              </p:nvCxnSpPr>
+              <p:spPr>
+                <a:xfrm rot="10800000">
+                  <a:off x="9098228" y="3722111"/>
+                  <a:ext cx="0" cy="373797"/>
+                </a:xfrm>
+                <a:prstGeom prst="line">
+                  <a:avLst/>
+                </a:prstGeom>
+                <a:ln w="38100">
+                  <a:solidFill>
+                    <a:srgbClr val="89BBE2"/>
+                  </a:solidFill>
+                </a:ln>
+              </p:spPr>
+              <p:style>
+                <a:lnRef idx="1">
+                  <a:schemeClr val="dk1"/>
+                </a:lnRef>
+                <a:fillRef idx="0">
+                  <a:schemeClr val="dk1"/>
+                </a:fillRef>
+                <a:effectRef idx="0">
+                  <a:schemeClr val="dk1"/>
+                </a:effectRef>
+                <a:fontRef idx="minor">
+                  <a:schemeClr val="tx1"/>
+                </a:fontRef>
+              </p:style>
+            </p:cxnSp>
+            <p:cxnSp>
+              <p:nvCxnSpPr>
+                <p:cNvPr id="127" name="Straight Connector 126">
+                  <a:extLst>
+                    <a:ext uri="{FF2B5EF4-FFF2-40B4-BE49-F238E27FC236}">
+                      <a16:creationId xmlns:a16="http://schemas.microsoft.com/office/drawing/2014/main" id="{BB8E04DB-789D-0EEA-E938-81CC84D23E98}"/>
+                    </a:ext>
+                  </a:extLst>
+                </p:cNvPr>
+                <p:cNvCxnSpPr>
+                  <a:cxnSpLocks/>
+                </p:cNvCxnSpPr>
+                <p:nvPr/>
+              </p:nvCxnSpPr>
+              <p:spPr>
+                <a:xfrm flipH="1" flipV="1">
+                  <a:off x="8956244" y="3657314"/>
+                  <a:ext cx="141983" cy="73970"/>
+                </a:xfrm>
+                <a:prstGeom prst="line">
+                  <a:avLst/>
+                </a:prstGeom>
+                <a:ln w="38100">
+                  <a:solidFill>
+                    <a:srgbClr val="89BBE2"/>
+                  </a:solidFill>
+                </a:ln>
+              </p:spPr>
+              <p:style>
+                <a:lnRef idx="1">
+                  <a:schemeClr val="dk1"/>
+                </a:lnRef>
+                <a:fillRef idx="0">
+                  <a:schemeClr val="dk1"/>
+                </a:fillRef>
+                <a:effectRef idx="0">
+                  <a:schemeClr val="dk1"/>
+                </a:effectRef>
+                <a:fontRef idx="minor">
+                  <a:schemeClr val="tx1"/>
+                </a:fontRef>
+              </p:style>
+            </p:cxnSp>
+          </p:grpSp>
+          <p:sp>
+            <p:nvSpPr>
+              <p:cNvPr id="91" name="TextBox 90">
+                <a:extLst>
+                  <a:ext uri="{FF2B5EF4-FFF2-40B4-BE49-F238E27FC236}">
+                    <a16:creationId xmlns:a16="http://schemas.microsoft.com/office/drawing/2014/main" id="{63D0F367-77A6-EF2D-4C3D-9872D4F223A0}"/>
+                  </a:ext>
+                </a:extLst>
+              </p:cNvPr>
+              <p:cNvSpPr txBox="1"/>
+              <p:nvPr/>
+            </p:nvSpPr>
+            <p:spPr>
+              <a:xfrm>
+                <a:off x="9345651" y="2611551"/>
+                <a:ext cx="1121465" cy="369332"/>
+              </a:xfrm>
+              <a:prstGeom prst="rect">
+                <a:avLst/>
+              </a:prstGeom>
+              <a:noFill/>
+            </p:spPr>
+            <p:txBody>
+              <a:bodyPr wrap="square" rtlCol="0">
+                <a:spAutoFit/>
+              </a:bodyPr>
+              <a:lstStyle/>
+              <a:p>
+                <a:r>
+                  <a:rPr lang="en-US" dirty="0"/>
+                  <a:t>resistor</a:t>
+                </a:r>
+              </a:p>
+            </p:txBody>
+          </p:sp>
+        </p:grpSp>
+        <p:grpSp>
+          <p:nvGrpSpPr>
+            <p:cNvPr id="78" name="Group 77">
+              <a:extLst>
+                <a:ext uri="{FF2B5EF4-FFF2-40B4-BE49-F238E27FC236}">
+                  <a16:creationId xmlns:a16="http://schemas.microsoft.com/office/drawing/2014/main" id="{E2F67A04-BA84-50C9-76AD-B4824CDD8920}"/>
+                </a:ext>
+              </a:extLst>
+            </p:cNvPr>
+            <p:cNvGrpSpPr/>
+            <p:nvPr/>
+          </p:nvGrpSpPr>
+          <p:grpSpPr>
+            <a:xfrm>
+              <a:off x="9536722" y="3588086"/>
+              <a:ext cx="2146063" cy="558964"/>
+              <a:chOff x="8735899" y="3588588"/>
+              <a:chExt cx="2146063" cy="558964"/>
+            </a:xfrm>
+          </p:grpSpPr>
+          <p:cxnSp>
+            <p:nvCxnSpPr>
+              <p:cNvPr id="81" name="Straight Connector 80">
+                <a:extLst>
+                  <a:ext uri="{FF2B5EF4-FFF2-40B4-BE49-F238E27FC236}">
+                    <a16:creationId xmlns:a16="http://schemas.microsoft.com/office/drawing/2014/main" id="{0F8943DB-0E19-18AB-1DF6-B0D5CFAF8B1A}"/>
+                  </a:ext>
+                </a:extLst>
+              </p:cNvPr>
+              <p:cNvCxnSpPr>
+                <a:cxnSpLocks/>
+              </p:cNvCxnSpPr>
+              <p:nvPr/>
+            </p:nvCxnSpPr>
+            <p:spPr>
+              <a:xfrm flipH="1">
+                <a:off x="8735899" y="3588588"/>
+                <a:ext cx="724656" cy="0"/>
+              </a:xfrm>
+              <a:prstGeom prst="line">
+                <a:avLst/>
+              </a:prstGeom>
+              <a:ln w="38100">
+                <a:solidFill>
+                  <a:srgbClr val="84C777"/>
+                </a:solidFill>
+              </a:ln>
+            </p:spPr>
+            <p:style>
+              <a:lnRef idx="1">
+                <a:schemeClr val="dk1"/>
+              </a:lnRef>
+              <a:fillRef idx="0">
+                <a:schemeClr val="dk1"/>
+              </a:fillRef>
+              <a:effectRef idx="0">
+                <a:schemeClr val="dk1"/>
+              </a:effectRef>
+              <a:fontRef idx="minor">
+                <a:schemeClr val="tx1"/>
+              </a:fontRef>
+            </p:style>
+          </p:cxnSp>
+          <p:cxnSp>
+            <p:nvCxnSpPr>
+              <p:cNvPr id="83" name="Straight Connector 82">
+                <a:extLst>
+                  <a:ext uri="{FF2B5EF4-FFF2-40B4-BE49-F238E27FC236}">
+                    <a16:creationId xmlns:a16="http://schemas.microsoft.com/office/drawing/2014/main" id="{E14EB021-56BD-296C-4667-4D89A0B2E5A2}"/>
+                  </a:ext>
+                </a:extLst>
+              </p:cNvPr>
+              <p:cNvCxnSpPr>
+                <a:cxnSpLocks/>
+              </p:cNvCxnSpPr>
+              <p:nvPr/>
+            </p:nvCxnSpPr>
+            <p:spPr>
+              <a:xfrm flipH="1" flipV="1">
+                <a:off x="8925125" y="3754287"/>
+                <a:ext cx="362328" cy="10588"/>
+              </a:xfrm>
+              <a:prstGeom prst="line">
+                <a:avLst/>
+              </a:prstGeom>
+              <a:ln w="38100">
+                <a:solidFill>
+                  <a:srgbClr val="84C777"/>
+                </a:solidFill>
+              </a:ln>
+            </p:spPr>
+            <p:style>
+              <a:lnRef idx="1">
+                <a:schemeClr val="dk1"/>
+              </a:lnRef>
+              <a:fillRef idx="0">
+                <a:schemeClr val="dk1"/>
+              </a:fillRef>
+              <a:effectRef idx="0">
+                <a:schemeClr val="dk1"/>
+              </a:effectRef>
+              <a:fontRef idx="minor">
+                <a:schemeClr val="tx1"/>
+              </a:fontRef>
+            </p:style>
+          </p:cxnSp>
+          <p:cxnSp>
+            <p:nvCxnSpPr>
+              <p:cNvPr id="84" name="Straight Connector 83">
+                <a:extLst>
+                  <a:ext uri="{FF2B5EF4-FFF2-40B4-BE49-F238E27FC236}">
+                    <a16:creationId xmlns:a16="http://schemas.microsoft.com/office/drawing/2014/main" id="{3D4F5B18-E1B3-2FD8-4330-7D79A16352C1}"/>
+                  </a:ext>
+                </a:extLst>
+              </p:cNvPr>
+              <p:cNvCxnSpPr>
+                <a:cxnSpLocks/>
+              </p:cNvCxnSpPr>
+              <p:nvPr/>
+            </p:nvCxnSpPr>
+            <p:spPr>
+              <a:xfrm flipV="1">
+                <a:off x="9119504" y="3748536"/>
+                <a:ext cx="0" cy="399016"/>
+              </a:xfrm>
+              <a:prstGeom prst="line">
+                <a:avLst/>
+              </a:prstGeom>
+              <a:ln w="38100">
+                <a:solidFill>
+                  <a:srgbClr val="84C777"/>
+                </a:solidFill>
+              </a:ln>
+            </p:spPr>
+            <p:style>
+              <a:lnRef idx="1">
+                <a:schemeClr val="dk1"/>
+              </a:lnRef>
+              <a:fillRef idx="0">
+                <a:schemeClr val="dk1"/>
+              </a:fillRef>
+              <a:effectRef idx="0">
+                <a:schemeClr val="dk1"/>
+              </a:effectRef>
+              <a:fontRef idx="minor">
+                <a:schemeClr val="tx1"/>
+              </a:fontRef>
+            </p:style>
+          </p:cxnSp>
+          <p:sp>
+            <p:nvSpPr>
+              <p:cNvPr id="87" name="TextBox 86">
+                <a:extLst>
+                  <a:ext uri="{FF2B5EF4-FFF2-40B4-BE49-F238E27FC236}">
+                    <a16:creationId xmlns:a16="http://schemas.microsoft.com/office/drawing/2014/main" id="{52CAF5B3-F001-0A66-26A7-B320FC82DC99}"/>
+                  </a:ext>
+                </a:extLst>
+              </p:cNvPr>
+              <p:cNvSpPr txBox="1"/>
+              <p:nvPr/>
+            </p:nvSpPr>
+            <p:spPr>
+              <a:xfrm>
+                <a:off x="9345651" y="3712329"/>
+                <a:ext cx="1536311" cy="369332"/>
+              </a:xfrm>
+              <a:prstGeom prst="rect">
+                <a:avLst/>
+              </a:prstGeom>
+              <a:noFill/>
+            </p:spPr>
+            <p:txBody>
+              <a:bodyPr wrap="square" rtlCol="0">
+                <a:spAutoFit/>
+              </a:bodyPr>
+              <a:lstStyle/>
+              <a:p>
+                <a:r>
+                  <a:rPr lang="en-US" dirty="0"/>
+                  <a:t>power source</a:t>
+                </a:r>
+              </a:p>
+            </p:txBody>
+          </p:sp>
+        </p:grpSp>
+      </p:grpSp>
+      <p:sp>
+        <p:nvSpPr>
+          <p:cNvPr id="139" name="TextBox 138">
+            <a:extLst>
+              <a:ext uri="{FF2B5EF4-FFF2-40B4-BE49-F238E27FC236}">
+                <a16:creationId xmlns:a16="http://schemas.microsoft.com/office/drawing/2014/main" id="{554CB1DD-B319-826C-EED3-4D005B60A84E}"/>
+              </a:ext>
+            </a:extLst>
+          </p:cNvPr>
+          <p:cNvSpPr txBox="1"/>
+          <p:nvPr/>
+        </p:nvSpPr>
+        <p:spPr>
+          <a:xfrm>
+            <a:off x="6599500" y="2875872"/>
+            <a:ext cx="914400" cy="646331"/>
+          </a:xfrm>
+          <a:prstGeom prst="rect">
+            <a:avLst/>
+          </a:prstGeom>
+          <a:noFill/>
+        </p:spPr>
+        <p:txBody>
+          <a:bodyPr wrap="square" rtlCol="0">
+            <a:spAutoFit/>
+          </a:bodyPr>
+          <a:lstStyle/>
+          <a:p>
+            <a:r>
+              <a:rPr lang="en-US" sz="3600" dirty="0"/>
+              <a:t>=</a:t>
+            </a:r>
+          </a:p>
+        </p:txBody>
+      </p:sp>
+      <p:sp>
+        <p:nvSpPr>
+          <p:cNvPr id="44" name="TextBox 43">
+            <a:extLst>
+              <a:ext uri="{FF2B5EF4-FFF2-40B4-BE49-F238E27FC236}">
+                <a16:creationId xmlns:a16="http://schemas.microsoft.com/office/drawing/2014/main" id="{8882804A-0758-7F6B-22B6-9BB1251E76F6}"/>
+              </a:ext>
+            </a:extLst>
+          </p:cNvPr>
+          <p:cNvSpPr txBox="1"/>
+          <p:nvPr/>
+        </p:nvSpPr>
+        <p:spPr>
+          <a:xfrm>
+            <a:off x="928435" y="1141992"/>
+            <a:ext cx="5671065" cy="584775"/>
+          </a:xfrm>
+          <a:custGeom>
+            <a:avLst/>
+            <a:gdLst>
+              <a:gd name="connsiteX0" fmla="*/ 0 w 5671065"/>
+              <a:gd name="connsiteY0" fmla="*/ 0 h 584775"/>
+              <a:gd name="connsiteX1" fmla="*/ 573408 w 5671065"/>
+              <a:gd name="connsiteY1" fmla="*/ 0 h 584775"/>
+              <a:gd name="connsiteX2" fmla="*/ 1090105 w 5671065"/>
+              <a:gd name="connsiteY2" fmla="*/ 0 h 584775"/>
+              <a:gd name="connsiteX3" fmla="*/ 1550091 w 5671065"/>
+              <a:gd name="connsiteY3" fmla="*/ 0 h 584775"/>
+              <a:gd name="connsiteX4" fmla="*/ 2180209 w 5671065"/>
+              <a:gd name="connsiteY4" fmla="*/ 0 h 584775"/>
+              <a:gd name="connsiteX5" fmla="*/ 2923749 w 5671065"/>
+              <a:gd name="connsiteY5" fmla="*/ 0 h 584775"/>
+              <a:gd name="connsiteX6" fmla="*/ 3553867 w 5671065"/>
+              <a:gd name="connsiteY6" fmla="*/ 0 h 584775"/>
+              <a:gd name="connsiteX7" fmla="*/ 4127275 w 5671065"/>
+              <a:gd name="connsiteY7" fmla="*/ 0 h 584775"/>
+              <a:gd name="connsiteX8" fmla="*/ 4870815 w 5671065"/>
+              <a:gd name="connsiteY8" fmla="*/ 0 h 584775"/>
+              <a:gd name="connsiteX9" fmla="*/ 5671065 w 5671065"/>
+              <a:gd name="connsiteY9" fmla="*/ 0 h 584775"/>
+              <a:gd name="connsiteX10" fmla="*/ 5671065 w 5671065"/>
+              <a:gd name="connsiteY10" fmla="*/ 584775 h 584775"/>
+              <a:gd name="connsiteX11" fmla="*/ 5211079 w 5671065"/>
+              <a:gd name="connsiteY11" fmla="*/ 584775 h 584775"/>
+              <a:gd name="connsiteX12" fmla="*/ 4637671 w 5671065"/>
+              <a:gd name="connsiteY12" fmla="*/ 584775 h 584775"/>
+              <a:gd name="connsiteX13" fmla="*/ 3894131 w 5671065"/>
+              <a:gd name="connsiteY13" fmla="*/ 584775 h 584775"/>
+              <a:gd name="connsiteX14" fmla="*/ 3264013 w 5671065"/>
+              <a:gd name="connsiteY14" fmla="*/ 584775 h 584775"/>
+              <a:gd name="connsiteX15" fmla="*/ 2747316 w 5671065"/>
+              <a:gd name="connsiteY15" fmla="*/ 584775 h 584775"/>
+              <a:gd name="connsiteX16" fmla="*/ 2060487 w 5671065"/>
+              <a:gd name="connsiteY16" fmla="*/ 584775 h 584775"/>
+              <a:gd name="connsiteX17" fmla="*/ 1543790 w 5671065"/>
+              <a:gd name="connsiteY17" fmla="*/ 584775 h 584775"/>
+              <a:gd name="connsiteX18" fmla="*/ 856961 w 5671065"/>
+              <a:gd name="connsiteY18" fmla="*/ 584775 h 584775"/>
+              <a:gd name="connsiteX19" fmla="*/ 0 w 5671065"/>
+              <a:gd name="connsiteY19" fmla="*/ 584775 h 584775"/>
+              <a:gd name="connsiteX20" fmla="*/ 0 w 5671065"/>
+              <a:gd name="connsiteY20" fmla="*/ 0 h 584775"/>
+            </a:gdLst>
+            <a:ahLst/>
+            <a:cxnLst>
+              <a:cxn ang="0">
+                <a:pos x="connsiteX0" y="connsiteY0"/>
+              </a:cxn>
+              <a:cxn ang="0">
+                <a:pos x="connsiteX1" y="connsiteY1"/>
+              </a:cxn>
+              <a:cxn ang="0">
+                <a:pos x="connsiteX2" y="connsiteY2"/>
+              </a:cxn>
+              <a:cxn ang="0">
+                <a:pos x="connsiteX3" y="connsiteY3"/>
+              </a:cxn>
+              <a:cxn ang="0">
+                <a:pos x="connsiteX4" y="connsiteY4"/>
+              </a:cxn>
+              <a:cxn ang="0">
+                <a:pos x="connsiteX5" y="connsiteY5"/>
+              </a:cxn>
+              <a:cxn ang="0">
+                <a:pos x="connsiteX6" y="connsiteY6"/>
+              </a:cxn>
+              <a:cxn ang="0">
+                <a:pos x="connsiteX7" y="connsiteY7"/>
+              </a:cxn>
+              <a:cxn ang="0">
+                <a:pos x="connsiteX8" y="connsiteY8"/>
+              </a:cxn>
+              <a:cxn ang="0">
+                <a:pos x="connsiteX9" y="connsiteY9"/>
+              </a:cxn>
+              <a:cxn ang="0">
+                <a:pos x="connsiteX10" y="connsiteY10"/>
+              </a:cxn>
+              <a:cxn ang="0">
+                <a:pos x="connsiteX11" y="connsiteY11"/>
+              </a:cxn>
+              <a:cxn ang="0">
+                <a:pos x="connsiteX12" y="connsiteY12"/>
+              </a:cxn>
+              <a:cxn ang="0">
+                <a:pos x="connsiteX13" y="connsiteY13"/>
+              </a:cxn>
+              <a:cxn ang="0">
+                <a:pos x="connsiteX14" y="connsiteY14"/>
+              </a:cxn>
+              <a:cxn ang="0">
+                <a:pos x="connsiteX15" y="connsiteY15"/>
+              </a:cxn>
+              <a:cxn ang="0">
+                <a:pos x="connsiteX16" y="connsiteY16"/>
+              </a:cxn>
+              <a:cxn ang="0">
+                <a:pos x="connsiteX17" y="connsiteY17"/>
+              </a:cxn>
+              <a:cxn ang="0">
+                <a:pos x="connsiteX18" y="connsiteY18"/>
+              </a:cxn>
+              <a:cxn ang="0">
+                <a:pos x="connsiteX19" y="connsiteY19"/>
+              </a:cxn>
+              <a:cxn ang="0">
+                <a:pos x="connsiteX20" y="connsiteY20"/>
+              </a:cxn>
+            </a:cxnLst>
+            <a:rect l="l" t="t" r="r" b="b"/>
+            <a:pathLst>
+              <a:path w="5671065" h="584775" extrusionOk="0">
+                <a:moveTo>
+                  <a:pt x="0" y="0"/>
+                </a:moveTo>
+                <a:cubicBezTo>
+                  <a:pt x="172188" y="18840"/>
+                  <a:pt x="446932" y="-17548"/>
+                  <a:pt x="573408" y="0"/>
+                </a:cubicBezTo>
+                <a:cubicBezTo>
+                  <a:pt x="699884" y="17548"/>
+                  <a:pt x="927333" y="14355"/>
+                  <a:pt x="1090105" y="0"/>
+                </a:cubicBezTo>
+                <a:cubicBezTo>
+                  <a:pt x="1252877" y="-14355"/>
+                  <a:pt x="1429293" y="13700"/>
+                  <a:pt x="1550091" y="0"/>
+                </a:cubicBezTo>
+                <a:cubicBezTo>
+                  <a:pt x="1670889" y="-13700"/>
+                  <a:pt x="1961431" y="23378"/>
+                  <a:pt x="2180209" y="0"/>
+                </a:cubicBezTo>
+                <a:cubicBezTo>
+                  <a:pt x="2398987" y="-23378"/>
+                  <a:pt x="2759703" y="-9896"/>
+                  <a:pt x="2923749" y="0"/>
+                </a:cubicBezTo>
+                <a:cubicBezTo>
+                  <a:pt x="3087795" y="9896"/>
+                  <a:pt x="3302537" y="-8488"/>
+                  <a:pt x="3553867" y="0"/>
+                </a:cubicBezTo>
+                <a:cubicBezTo>
+                  <a:pt x="3805197" y="8488"/>
+                  <a:pt x="3901079" y="-27579"/>
+                  <a:pt x="4127275" y="0"/>
+                </a:cubicBezTo>
+                <a:cubicBezTo>
+                  <a:pt x="4353471" y="27579"/>
+                  <a:pt x="4499386" y="-34171"/>
+                  <a:pt x="4870815" y="0"/>
+                </a:cubicBezTo>
+                <a:cubicBezTo>
+                  <a:pt x="5242244" y="34171"/>
+                  <a:pt x="5362002" y="-28493"/>
+                  <a:pt x="5671065" y="0"/>
+                </a:cubicBezTo>
+                <a:cubicBezTo>
+                  <a:pt x="5673970" y="242329"/>
+                  <a:pt x="5666756" y="396724"/>
+                  <a:pt x="5671065" y="584775"/>
+                </a:cubicBezTo>
+                <a:cubicBezTo>
+                  <a:pt x="5569933" y="569095"/>
+                  <a:pt x="5354033" y="604519"/>
+                  <a:pt x="5211079" y="584775"/>
+                </a:cubicBezTo>
+                <a:cubicBezTo>
+                  <a:pt x="5068125" y="565031"/>
+                  <a:pt x="4863397" y="558310"/>
+                  <a:pt x="4637671" y="584775"/>
+                </a:cubicBezTo>
+                <a:cubicBezTo>
+                  <a:pt x="4411945" y="611240"/>
+                  <a:pt x="4049973" y="576015"/>
+                  <a:pt x="3894131" y="584775"/>
+                </a:cubicBezTo>
+                <a:cubicBezTo>
+                  <a:pt x="3738289" y="593535"/>
+                  <a:pt x="3480653" y="578061"/>
+                  <a:pt x="3264013" y="584775"/>
+                </a:cubicBezTo>
+                <a:cubicBezTo>
+                  <a:pt x="3047373" y="591489"/>
+                  <a:pt x="2878818" y="559767"/>
+                  <a:pt x="2747316" y="584775"/>
+                </a:cubicBezTo>
+                <a:cubicBezTo>
+                  <a:pt x="2615814" y="609783"/>
+                  <a:pt x="2348530" y="569098"/>
+                  <a:pt x="2060487" y="584775"/>
+                </a:cubicBezTo>
+                <a:cubicBezTo>
+                  <a:pt x="1772444" y="600452"/>
+                  <a:pt x="1671847" y="595230"/>
+                  <a:pt x="1543790" y="584775"/>
+                </a:cubicBezTo>
+                <a:cubicBezTo>
+                  <a:pt x="1415733" y="574320"/>
+                  <a:pt x="1168933" y="557195"/>
+                  <a:pt x="856961" y="584775"/>
+                </a:cubicBezTo>
+                <a:cubicBezTo>
+                  <a:pt x="544989" y="612355"/>
+                  <a:pt x="247224" y="622591"/>
+                  <a:pt x="0" y="584775"/>
+                </a:cubicBezTo>
+                <a:cubicBezTo>
+                  <a:pt x="20094" y="465216"/>
+                  <a:pt x="11161" y="265012"/>
+                  <a:pt x="0" y="0"/>
+                </a:cubicBezTo>
+                <a:close/>
+              </a:path>
+            </a:pathLst>
+          </a:custGeom>
+          <a:noFill/>
+          <a:ln>
+            <a:noFill/>
+            <a:extLst>
+              <a:ext uri="{C807C97D-BFC1-408E-A445-0C87EB9F89A2}">
+                <ask:lineSketchStyleProps xmlns:ask="http://schemas.microsoft.com/office/drawing/2018/sketchyshapes" sd="2835737594">
+                  <a:prstGeom prst="rect">
+                    <a:avLst/>
+                  </a:prstGeom>
+                  <ask:type>
+                    <ask:lineSketchFreehand/>
+                  </ask:type>
+                </ask:lineSketchStyleProps>
+              </a:ext>
+            </a:extLst>
+          </a:ln>
+        </p:spPr>
+        <p:txBody>
+          <a:bodyPr wrap="square" rtlCol="0">
+            <a:spAutoFit/>
+          </a:bodyPr>
+          <a:lstStyle/>
+          <a:p>
+            <a:pPr algn="ctr"/>
+            <a:r>
+              <a:rPr lang="en-US" sz="3200" b="1" dirty="0">
+                <a:solidFill>
+                  <a:srgbClr val="FDB879"/>
+                </a:solidFill>
+              </a:rPr>
+              <a:t>C</a:t>
+            </a:r>
+            <a:r>
+              <a:rPr lang="en-US" sz="3200" b="1" dirty="0"/>
+              <a:t> </a:t>
+            </a:r>
+            <a:r>
+              <a:rPr lang="en-US" sz="3200" b="1" dirty="0" err="1"/>
+              <a:t>dV</a:t>
+            </a:r>
+            <a:r>
+              <a:rPr lang="en-US" sz="3200" b="1" dirty="0"/>
+              <a:t>/dt  =  </a:t>
+            </a:r>
+            <a:r>
+              <a:rPr lang="en-US" sz="3200" b="1" dirty="0">
+                <a:solidFill>
+                  <a:srgbClr val="89BBE2"/>
+                </a:solidFill>
+              </a:rPr>
+              <a:t>R </a:t>
+            </a:r>
+            <a:r>
+              <a:rPr lang="en-US" sz="3200" b="1" dirty="0">
+                <a:solidFill>
+                  <a:srgbClr val="84C777"/>
+                </a:solidFill>
+              </a:rPr>
+              <a:t>(</a:t>
+            </a:r>
+            <a:r>
+              <a:rPr lang="en-US" sz="3200" b="1" dirty="0" err="1">
+                <a:solidFill>
+                  <a:srgbClr val="84C777"/>
+                </a:solidFill>
+              </a:rPr>
+              <a:t>E</a:t>
+            </a:r>
+            <a:r>
+              <a:rPr lang="en-US" sz="3200" b="1" baseline="-25000" dirty="0" err="1">
+                <a:solidFill>
+                  <a:srgbClr val="84C777"/>
+                </a:solidFill>
+              </a:rPr>
+              <a:t>ion</a:t>
+            </a:r>
+            <a:r>
+              <a:rPr lang="en-US" sz="3200" b="1" dirty="0">
+                <a:solidFill>
+                  <a:srgbClr val="84C777"/>
+                </a:solidFill>
+              </a:rPr>
+              <a:t> – V) </a:t>
+            </a:r>
+            <a:r>
+              <a:rPr lang="en-US" sz="3200" b="1" dirty="0"/>
+              <a:t>+ </a:t>
+            </a:r>
+            <a:r>
+              <a:rPr lang="en-US" sz="3200" b="1" dirty="0" err="1"/>
+              <a:t>I</a:t>
+            </a:r>
+            <a:r>
+              <a:rPr lang="en-US" sz="3200" b="1" baseline="-25000" dirty="0" err="1"/>
+              <a:t>external</a:t>
+            </a:r>
+            <a:endParaRPr lang="en-US" sz="3200" b="1" dirty="0"/>
+          </a:p>
+        </p:txBody>
+      </p:sp>
+      <p:sp>
+        <p:nvSpPr>
+          <p:cNvPr id="2" name="TextBox 1">
+            <a:extLst>
+              <a:ext uri="{FF2B5EF4-FFF2-40B4-BE49-F238E27FC236}">
+                <a16:creationId xmlns:a16="http://schemas.microsoft.com/office/drawing/2014/main" id="{3CFD1667-067A-F82A-AB32-A0D17BB62DC6}"/>
+              </a:ext>
+            </a:extLst>
+          </p:cNvPr>
+          <p:cNvSpPr txBox="1"/>
+          <p:nvPr/>
+        </p:nvSpPr>
+        <p:spPr>
+          <a:xfrm>
+            <a:off x="2513091" y="4551302"/>
+            <a:ext cx="1145965" cy="461665"/>
+          </a:xfrm>
+          <a:prstGeom prst="rect">
+            <a:avLst/>
+          </a:prstGeom>
+          <a:noFill/>
+        </p:spPr>
+        <p:txBody>
+          <a:bodyPr wrap="square" rtlCol="0">
+            <a:spAutoFit/>
+          </a:bodyPr>
+          <a:lstStyle/>
+          <a:p>
+            <a:r>
+              <a:rPr lang="el-GR" sz="2400" dirty="0"/>
+              <a:t>τ</a:t>
+            </a:r>
+            <a:r>
+              <a:rPr lang="en-US" sz="2400" dirty="0"/>
+              <a:t> = </a:t>
+            </a:r>
+            <a:r>
+              <a:rPr lang="en-US" sz="2400" b="1" dirty="0">
+                <a:solidFill>
+                  <a:srgbClr val="89BBE2"/>
+                </a:solidFill>
+              </a:rPr>
+              <a:t>R</a:t>
+            </a:r>
+            <a:r>
+              <a:rPr lang="en-US" sz="2400" b="1" dirty="0"/>
+              <a:t> ·</a:t>
+            </a:r>
+            <a:r>
+              <a:rPr lang="en-US" sz="2400" b="1" dirty="0">
+                <a:solidFill>
+                  <a:srgbClr val="89BBE2"/>
+                </a:solidFill>
+              </a:rPr>
+              <a:t> </a:t>
+            </a:r>
+            <a:r>
+              <a:rPr lang="en-US" sz="2400" b="1" dirty="0">
+                <a:solidFill>
+                  <a:srgbClr val="FDB879"/>
+                </a:solidFill>
+              </a:rPr>
+              <a:t>C</a:t>
+            </a:r>
+            <a:r>
+              <a:rPr lang="en-US" sz="2400" b="1" dirty="0"/>
+              <a:t> </a:t>
+            </a:r>
+            <a:endParaRPr lang="en-US" sz="2400" dirty="0"/>
+          </a:p>
+        </p:txBody>
+      </p:sp>
+      <p:grpSp>
+        <p:nvGrpSpPr>
+          <p:cNvPr id="14" name="Group 13">
+            <a:extLst>
+              <a:ext uri="{FF2B5EF4-FFF2-40B4-BE49-F238E27FC236}">
+                <a16:creationId xmlns:a16="http://schemas.microsoft.com/office/drawing/2014/main" id="{11809D1E-57D5-55F9-B8AB-E6D394CD60A6}"/>
+              </a:ext>
+            </a:extLst>
+          </p:cNvPr>
+          <p:cNvGrpSpPr/>
+          <p:nvPr/>
+        </p:nvGrpSpPr>
+        <p:grpSpPr>
+          <a:xfrm>
+            <a:off x="2091640" y="3826680"/>
+            <a:ext cx="5372569" cy="686908"/>
+            <a:chOff x="2091640" y="3826680"/>
+            <a:chExt cx="5372569" cy="686908"/>
+          </a:xfrm>
+        </p:grpSpPr>
+        <p:cxnSp>
+          <p:nvCxnSpPr>
+            <p:cNvPr id="4" name="Straight Connector 3">
+              <a:extLst>
+                <a:ext uri="{FF2B5EF4-FFF2-40B4-BE49-F238E27FC236}">
+                  <a16:creationId xmlns:a16="http://schemas.microsoft.com/office/drawing/2014/main" id="{FD1F5B5D-B52F-666C-FA7D-CD46CA3CB01F}"/>
+                </a:ext>
+              </a:extLst>
+            </p:cNvPr>
+            <p:cNvCxnSpPr>
+              <a:cxnSpLocks/>
+            </p:cNvCxnSpPr>
+            <p:nvPr/>
+          </p:nvCxnSpPr>
+          <p:spPr>
+            <a:xfrm flipH="1">
+              <a:off x="2091640" y="4192439"/>
+              <a:ext cx="3748443" cy="0"/>
+            </a:xfrm>
+            <a:prstGeom prst="line">
+              <a:avLst/>
+            </a:prstGeom>
+            <a:ln w="19050">
+              <a:prstDash val="dash"/>
+            </a:ln>
+          </p:spPr>
+          <p:style>
+            <a:lnRef idx="1">
+              <a:schemeClr val="dk1"/>
+            </a:lnRef>
+            <a:fillRef idx="0">
+              <a:schemeClr val="dk1"/>
+            </a:fillRef>
+            <a:effectRef idx="0">
+              <a:schemeClr val="dk1"/>
+            </a:effectRef>
+            <a:fontRef idx="minor">
+              <a:schemeClr val="tx1"/>
+            </a:fontRef>
+          </p:style>
+        </p:cxnSp>
+        <p:grpSp>
+          <p:nvGrpSpPr>
+            <p:cNvPr id="12" name="Group 11">
+              <a:extLst>
+                <a:ext uri="{FF2B5EF4-FFF2-40B4-BE49-F238E27FC236}">
+                  <a16:creationId xmlns:a16="http://schemas.microsoft.com/office/drawing/2014/main" id="{B52F42B4-B880-8A78-BD85-30F944CF4EA5}"/>
+                </a:ext>
+              </a:extLst>
+            </p:cNvPr>
+            <p:cNvGrpSpPr/>
+            <p:nvPr/>
+          </p:nvGrpSpPr>
+          <p:grpSpPr>
+            <a:xfrm>
+              <a:off x="5911513" y="3826680"/>
+              <a:ext cx="1552696" cy="686908"/>
+              <a:chOff x="5517736" y="3771799"/>
+              <a:chExt cx="1552696" cy="686908"/>
+            </a:xfrm>
+          </p:grpSpPr>
+          <p:sp>
+            <p:nvSpPr>
+              <p:cNvPr id="46" name="TextBox 45">
+                <a:extLst>
+                  <a:ext uri="{FF2B5EF4-FFF2-40B4-BE49-F238E27FC236}">
+                    <a16:creationId xmlns:a16="http://schemas.microsoft.com/office/drawing/2014/main" id="{8F33AF13-40CD-ACD5-DDF0-A1DD5569F21A}"/>
+                  </a:ext>
+                </a:extLst>
+              </p:cNvPr>
+              <p:cNvSpPr txBox="1"/>
+              <p:nvPr/>
+            </p:nvSpPr>
+            <p:spPr>
+              <a:xfrm>
+                <a:off x="5517736" y="3936000"/>
+                <a:ext cx="869862" cy="369332"/>
+              </a:xfrm>
+              <a:prstGeom prst="rect">
+                <a:avLst/>
+              </a:prstGeom>
+              <a:noFill/>
+            </p:spPr>
+            <p:txBody>
+              <a:bodyPr wrap="square" rtlCol="0">
+                <a:spAutoFit/>
+              </a:bodyPr>
+              <a:lstStyle/>
+              <a:p>
+                <a:r>
+                  <a:rPr lang="en-US" dirty="0" err="1"/>
+                  <a:t>E</a:t>
+                </a:r>
+                <a:r>
+                  <a:rPr lang="en-US" baseline="-25000" dirty="0" err="1"/>
+                  <a:t>ion</a:t>
+                </a:r>
+                <a:r>
+                  <a:rPr lang="en-US" dirty="0"/>
+                  <a:t> +</a:t>
+                </a:r>
+                <a:endParaRPr lang="en-US" dirty="0">
+                  <a:latin typeface="Candara" panose="020E0502030303020204" pitchFamily="34" charset="0"/>
+                </a:endParaRPr>
+              </a:p>
+            </p:txBody>
+          </p:sp>
+          <p:grpSp>
+            <p:nvGrpSpPr>
+              <p:cNvPr id="11" name="Group 10">
+                <a:extLst>
+                  <a:ext uri="{FF2B5EF4-FFF2-40B4-BE49-F238E27FC236}">
+                    <a16:creationId xmlns:a16="http://schemas.microsoft.com/office/drawing/2014/main" id="{F657B357-63CB-92E0-2A5E-05F3C3C972C4}"/>
+                  </a:ext>
+                </a:extLst>
+              </p:cNvPr>
+              <p:cNvGrpSpPr/>
+              <p:nvPr/>
+            </p:nvGrpSpPr>
+            <p:grpSpPr>
+              <a:xfrm>
+                <a:off x="6150424" y="3771799"/>
+                <a:ext cx="920008" cy="686908"/>
+                <a:chOff x="6011633" y="3520773"/>
+                <a:chExt cx="920008" cy="686908"/>
+              </a:xfrm>
+            </p:grpSpPr>
+            <p:sp>
+              <p:nvSpPr>
+                <p:cNvPr id="7" name="TextBox 6">
+                  <a:extLst>
+                    <a:ext uri="{FF2B5EF4-FFF2-40B4-BE49-F238E27FC236}">
+                      <a16:creationId xmlns:a16="http://schemas.microsoft.com/office/drawing/2014/main" id="{875EA830-20AC-F2AC-85D4-DD80F3E06B9F}"/>
+                    </a:ext>
+                  </a:extLst>
+                </p:cNvPr>
+                <p:cNvSpPr txBox="1"/>
+                <p:nvPr/>
+              </p:nvSpPr>
+              <p:spPr>
+                <a:xfrm>
+                  <a:off x="6017241" y="3520773"/>
+                  <a:ext cx="914400" cy="369332"/>
+                </a:xfrm>
+                <a:prstGeom prst="rect">
+                  <a:avLst/>
+                </a:prstGeom>
+                <a:noFill/>
+              </p:spPr>
+              <p:txBody>
+                <a:bodyPr wrap="square" rtlCol="0">
+                  <a:spAutoFit/>
+                </a:bodyPr>
+                <a:lstStyle/>
+                <a:p>
+                  <a:r>
+                    <a:rPr lang="en-US" dirty="0" err="1"/>
+                    <a:t>I</a:t>
+                  </a:r>
+                  <a:r>
+                    <a:rPr lang="en-US" baseline="-25000" dirty="0" err="1"/>
+                    <a:t>ext</a:t>
+                  </a:r>
+                  <a:endParaRPr lang="en-US" dirty="0"/>
+                </a:p>
+              </p:txBody>
+            </p:sp>
+            <p:sp>
+              <p:nvSpPr>
+                <p:cNvPr id="52" name="TextBox 51">
+                  <a:extLst>
+                    <a:ext uri="{FF2B5EF4-FFF2-40B4-BE49-F238E27FC236}">
+                      <a16:creationId xmlns:a16="http://schemas.microsoft.com/office/drawing/2014/main" id="{CC33D50B-9B8E-4CC6-F443-1A208525AD86}"/>
+                    </a:ext>
+                  </a:extLst>
+                </p:cNvPr>
+                <p:cNvSpPr txBox="1"/>
+                <p:nvPr/>
+              </p:nvSpPr>
+              <p:spPr>
+                <a:xfrm>
+                  <a:off x="6048139" y="3838349"/>
+                  <a:ext cx="689931" cy="369332"/>
+                </a:xfrm>
+                <a:prstGeom prst="rect">
+                  <a:avLst/>
+                </a:prstGeom>
+                <a:noFill/>
+              </p:spPr>
+              <p:txBody>
+                <a:bodyPr wrap="square" rtlCol="0">
+                  <a:spAutoFit/>
+                </a:bodyPr>
+                <a:lstStyle/>
+                <a:p>
+                  <a:r>
+                    <a:rPr lang="en-US" dirty="0"/>
+                    <a:t>R</a:t>
+                  </a:r>
+                </a:p>
+              </p:txBody>
+            </p:sp>
+            <p:cxnSp>
+              <p:nvCxnSpPr>
+                <p:cNvPr id="9" name="Straight Connector 8">
+                  <a:extLst>
+                    <a:ext uri="{FF2B5EF4-FFF2-40B4-BE49-F238E27FC236}">
+                      <a16:creationId xmlns:a16="http://schemas.microsoft.com/office/drawing/2014/main" id="{EA7825A5-BC50-710C-9DC3-3DCC51C8C79C}"/>
+                    </a:ext>
+                  </a:extLst>
+                </p:cNvPr>
+                <p:cNvCxnSpPr>
+                  <a:cxnSpLocks/>
+                </p:cNvCxnSpPr>
+                <p:nvPr/>
+              </p:nvCxnSpPr>
+              <p:spPr>
+                <a:xfrm>
+                  <a:off x="6011633" y="3896493"/>
+                  <a:ext cx="462808" cy="0"/>
+                </a:xfrm>
+                <a:prstGeom prst="line">
+                  <a:avLst/>
+                </a:prstGeom>
+                <a:ln w="19050"/>
+              </p:spPr>
+              <p:style>
+                <a:lnRef idx="1">
+                  <a:schemeClr val="dk1"/>
+                </a:lnRef>
+                <a:fillRef idx="0">
+                  <a:schemeClr val="dk1"/>
+                </a:fillRef>
+                <a:effectRef idx="0">
+                  <a:schemeClr val="dk1"/>
+                </a:effectRef>
+                <a:fontRef idx="minor">
+                  <a:schemeClr val="tx1"/>
+                </a:fontRef>
+              </p:style>
+            </p:cxnSp>
+          </p:grpSp>
+        </p:grpSp>
+      </p:grpSp>
+      <p:grpSp>
+        <p:nvGrpSpPr>
+          <p:cNvPr id="16" name="Group 15">
+            <a:extLst>
+              <a:ext uri="{FF2B5EF4-FFF2-40B4-BE49-F238E27FC236}">
+                <a16:creationId xmlns:a16="http://schemas.microsoft.com/office/drawing/2014/main" id="{D79FA310-EC61-06E8-3F56-68C039E8FF58}"/>
+              </a:ext>
+            </a:extLst>
+          </p:cNvPr>
+          <p:cNvGrpSpPr/>
+          <p:nvPr/>
+        </p:nvGrpSpPr>
+        <p:grpSpPr>
+          <a:xfrm>
+            <a:off x="444203" y="2195734"/>
+            <a:ext cx="5567430" cy="3401517"/>
+            <a:chOff x="444203" y="2195734"/>
+            <a:chExt cx="5567430" cy="3401517"/>
+          </a:xfrm>
+        </p:grpSpPr>
+        <p:sp>
+          <p:nvSpPr>
+            <p:cNvPr id="26" name="TextBox 25">
+              <a:extLst>
+                <a:ext uri="{FF2B5EF4-FFF2-40B4-BE49-F238E27FC236}">
+                  <a16:creationId xmlns:a16="http://schemas.microsoft.com/office/drawing/2014/main" id="{9A16567D-CB1C-CF3F-A4BD-DD89C5E69BAE}"/>
+                </a:ext>
+              </a:extLst>
+            </p:cNvPr>
+            <p:cNvSpPr txBox="1"/>
+            <p:nvPr/>
+          </p:nvSpPr>
+          <p:spPr>
+            <a:xfrm>
+              <a:off x="444203" y="2572146"/>
+              <a:ext cx="1283710" cy="646331"/>
+            </a:xfrm>
+            <a:prstGeom prst="rect">
+              <a:avLst/>
+            </a:prstGeom>
+            <a:noFill/>
+          </p:spPr>
+          <p:txBody>
+            <a:bodyPr wrap="square" rtlCol="0">
+              <a:spAutoFit/>
+            </a:bodyPr>
+            <a:lstStyle/>
+            <a:p>
+              <a:pPr algn="r"/>
+              <a:r>
+                <a:rPr lang="en-US" dirty="0"/>
+                <a:t>external current</a:t>
+              </a:r>
+            </a:p>
+          </p:txBody>
+        </p:sp>
+        <p:sp>
+          <p:nvSpPr>
+            <p:cNvPr id="69" name="TextBox 68">
+              <a:extLst>
+                <a:ext uri="{FF2B5EF4-FFF2-40B4-BE49-F238E27FC236}">
+                  <a16:creationId xmlns:a16="http://schemas.microsoft.com/office/drawing/2014/main" id="{5C30B684-FEC1-5AC4-F351-1D519F59CF50}"/>
+                </a:ext>
+              </a:extLst>
+            </p:cNvPr>
+            <p:cNvSpPr txBox="1"/>
+            <p:nvPr/>
+          </p:nvSpPr>
+          <p:spPr>
+            <a:xfrm>
+              <a:off x="481558" y="4107674"/>
+              <a:ext cx="1283710" cy="646331"/>
+            </a:xfrm>
+            <a:prstGeom prst="rect">
+              <a:avLst/>
+            </a:prstGeom>
+            <a:noFill/>
+          </p:spPr>
+          <p:txBody>
+            <a:bodyPr wrap="square" rtlCol="0">
+              <a:spAutoFit/>
+            </a:bodyPr>
+            <a:lstStyle/>
+            <a:p>
+              <a:pPr algn="r"/>
+              <a:r>
+                <a:rPr lang="en-US" dirty="0"/>
+                <a:t>membrane</a:t>
+              </a:r>
+            </a:p>
+            <a:p>
+              <a:pPr algn="r"/>
+              <a:r>
+                <a:rPr lang="en-US" dirty="0"/>
+                <a:t>potential</a:t>
+              </a:r>
+            </a:p>
+          </p:txBody>
+        </p:sp>
+        <p:pic>
+          <p:nvPicPr>
+            <p:cNvPr id="33" name="Graphic 32">
+              <a:extLst>
+                <a:ext uri="{FF2B5EF4-FFF2-40B4-BE49-F238E27FC236}">
+                  <a16:creationId xmlns:a16="http://schemas.microsoft.com/office/drawing/2014/main" id="{6C59428F-E571-F36F-5029-C3ECB0BB5E2F}"/>
+                </a:ext>
+              </a:extLst>
+            </p:cNvPr>
+            <p:cNvPicPr>
+              <a:picLocks noChangeAspect="1"/>
+            </p:cNvPicPr>
+            <p:nvPr/>
+          </p:nvPicPr>
+          <p:blipFill>
+            <a:blip r:embed="rId2">
+              <a:extLst>
+                <a:ext uri="{96DAC541-7B7A-43D3-8B79-37D633B846F1}">
+                  <asvg:svgBlip xmlns:asvg="http://schemas.microsoft.com/office/drawing/2016/SVG/main" r:embed="rId3"/>
+                </a:ext>
+              </a:extLst>
+            </a:blip>
+            <a:stretch>
+              <a:fillRect/>
+            </a:stretch>
+          </p:blipFill>
+          <p:spPr>
+            <a:xfrm>
+              <a:off x="2054504" y="2195734"/>
+              <a:ext cx="3957129" cy="2955733"/>
+            </a:xfrm>
+            <a:prstGeom prst="rect">
+              <a:avLst/>
+            </a:prstGeom>
+          </p:spPr>
+        </p:pic>
+        <p:sp>
+          <p:nvSpPr>
+            <p:cNvPr id="34" name="TextBox 33">
+              <a:extLst>
+                <a:ext uri="{FF2B5EF4-FFF2-40B4-BE49-F238E27FC236}">
+                  <a16:creationId xmlns:a16="http://schemas.microsoft.com/office/drawing/2014/main" id="{7A383209-25C8-32A3-5C50-7914D6B75A96}"/>
+                </a:ext>
+              </a:extLst>
+            </p:cNvPr>
+            <p:cNvSpPr txBox="1"/>
+            <p:nvPr/>
+          </p:nvSpPr>
+          <p:spPr>
+            <a:xfrm>
+              <a:off x="3479774" y="5227919"/>
+              <a:ext cx="914400" cy="369332"/>
+            </a:xfrm>
+            <a:prstGeom prst="rect">
+              <a:avLst/>
+            </a:prstGeom>
+            <a:noFill/>
+          </p:spPr>
+          <p:txBody>
+            <a:bodyPr wrap="square" rtlCol="0">
+              <a:spAutoFit/>
+            </a:bodyPr>
+            <a:lstStyle/>
+            <a:p>
+              <a:pPr algn="ctr"/>
+              <a:r>
+                <a:rPr lang="en-US" dirty="0"/>
+                <a:t>time</a:t>
+              </a:r>
+            </a:p>
+          </p:txBody>
+        </p:sp>
+        <p:sp>
+          <p:nvSpPr>
+            <p:cNvPr id="141" name="TextBox 140">
+              <a:extLst>
+                <a:ext uri="{FF2B5EF4-FFF2-40B4-BE49-F238E27FC236}">
+                  <a16:creationId xmlns:a16="http://schemas.microsoft.com/office/drawing/2014/main" id="{94B6D062-BB42-B138-D0EE-4C108CEA1537}"/>
+                </a:ext>
+              </a:extLst>
+            </p:cNvPr>
+            <p:cNvSpPr txBox="1"/>
+            <p:nvPr/>
+          </p:nvSpPr>
+          <p:spPr>
+            <a:xfrm>
+              <a:off x="1765268" y="2284155"/>
+              <a:ext cx="326372" cy="374467"/>
+            </a:xfrm>
+            <a:prstGeom prst="rect">
+              <a:avLst/>
+            </a:prstGeom>
+            <a:noFill/>
+          </p:spPr>
+          <p:txBody>
+            <a:bodyPr wrap="square" rtlCol="0">
+              <a:spAutoFit/>
+            </a:bodyPr>
+            <a:lstStyle/>
+            <a:p>
+              <a:pPr algn="r"/>
+              <a:r>
+                <a:rPr lang="en-US" dirty="0"/>
+                <a:t>0</a:t>
+              </a:r>
+            </a:p>
+          </p:txBody>
+        </p:sp>
+        <p:sp>
+          <p:nvSpPr>
+            <p:cNvPr id="142" name="TextBox 141">
+              <a:extLst>
+                <a:ext uri="{FF2B5EF4-FFF2-40B4-BE49-F238E27FC236}">
+                  <a16:creationId xmlns:a16="http://schemas.microsoft.com/office/drawing/2014/main" id="{D73C272D-17FB-F84F-5856-ACB4DB8E6F11}"/>
+                </a:ext>
+              </a:extLst>
+            </p:cNvPr>
+            <p:cNvSpPr txBox="1"/>
+            <p:nvPr/>
+          </p:nvSpPr>
+          <p:spPr>
+            <a:xfrm>
+              <a:off x="1433047" y="4782135"/>
+              <a:ext cx="664441" cy="369332"/>
+            </a:xfrm>
+            <a:prstGeom prst="rect">
+              <a:avLst/>
+            </a:prstGeom>
+            <a:noFill/>
+          </p:spPr>
+          <p:txBody>
+            <a:bodyPr wrap="square" rtlCol="0">
+              <a:spAutoFit/>
+            </a:bodyPr>
+            <a:lstStyle/>
+            <a:p>
+              <a:pPr algn="r"/>
+              <a:r>
+                <a:rPr lang="en-US" dirty="0" err="1"/>
+                <a:t>E</a:t>
+              </a:r>
+              <a:r>
+                <a:rPr lang="en-US" baseline="-25000" dirty="0" err="1"/>
+                <a:t>ion</a:t>
+              </a:r>
+              <a:endParaRPr lang="en-US" dirty="0"/>
+            </a:p>
+          </p:txBody>
+        </p:sp>
+        <p:sp>
+          <p:nvSpPr>
+            <p:cNvPr id="60" name="TextBox 59">
+              <a:extLst>
+                <a:ext uri="{FF2B5EF4-FFF2-40B4-BE49-F238E27FC236}">
+                  <a16:creationId xmlns:a16="http://schemas.microsoft.com/office/drawing/2014/main" id="{9CCE745F-5BC7-896B-7A0C-38BD193A1D52}"/>
+                </a:ext>
+              </a:extLst>
+            </p:cNvPr>
+            <p:cNvSpPr txBox="1"/>
+            <p:nvPr/>
+          </p:nvSpPr>
+          <p:spPr>
+            <a:xfrm>
+              <a:off x="1267658" y="3109493"/>
+              <a:ext cx="810993" cy="369332"/>
+            </a:xfrm>
+            <a:prstGeom prst="rect">
+              <a:avLst/>
+            </a:prstGeom>
+            <a:noFill/>
+          </p:spPr>
+          <p:txBody>
+            <a:bodyPr wrap="square" rtlCol="0">
+              <a:spAutoFit/>
+            </a:bodyPr>
+            <a:lstStyle/>
+            <a:p>
+              <a:pPr algn="r"/>
+              <a:r>
+                <a:rPr lang="en-US" dirty="0" err="1"/>
+                <a:t>I</a:t>
+              </a:r>
+              <a:r>
+                <a:rPr lang="en-US" baseline="-25000" dirty="0" err="1"/>
+                <a:t>ext</a:t>
+              </a:r>
+              <a:endParaRPr lang="en-US" dirty="0"/>
+            </a:p>
+          </p:txBody>
+        </p:sp>
+      </p:grpSp>
+    </p:spTree>
+    <p:extLst>
+      <p:ext uri="{BB962C8B-B14F-4D97-AF65-F5344CB8AC3E}">
+        <p14:creationId xmlns:p14="http://schemas.microsoft.com/office/powerpoint/2010/main" val="4264780355"/>
+      </p:ext>
+    </p:extLst>
+  </p:cSld>
+  <p:clrMapOvr>
+    <a:masterClrMapping/>
+  </p:clrMapOvr>
+  <p:timing>
+    <p:tnLst>
+      <p:par>
+        <p:cTn id="1" dur="indefinite" restart="never" nodeType="tmRoot">
+          <p:childTnLst>
+            <p:seq concurrent="1" nextAc="seek">
+              <p:cTn id="2" dur="indefinite" nodeType="mainSeq">
+                <p:childTnLst>
+                  <p:par>
+                    <p:cTn id="3" fill="hold">
+                      <p:stCondLst>
+                        <p:cond delay="indefinite"/>
+                      </p:stCondLst>
+                      <p:childTnLst>
+                        <p:par>
+                          <p:cTn id="4" fill="hold">
+                            <p:stCondLst>
+                              <p:cond delay="0"/>
+                            </p:stCondLst>
+                            <p:childTnLst>
+                              <p:par>
+                                <p:cTn id="5" presetID="10" presetClass="entr" presetSubtype="0" fill="hold" nodeType="clickEffect">
+                                  <p:stCondLst>
+                                    <p:cond delay="0"/>
+                                  </p:stCondLst>
+                                  <p:childTnLst>
+                                    <p:set>
+                                      <p:cBhvr>
+                                        <p:cTn id="6" dur="1" fill="hold">
+                                          <p:stCondLst>
+                                            <p:cond delay="0"/>
+                                          </p:stCondLst>
+                                        </p:cTn>
+                                        <p:tgtEl>
+                                          <p:spTgt spid="16"/>
+                                        </p:tgtEl>
+                                        <p:attrNameLst>
+                                          <p:attrName>style.visibility</p:attrName>
+                                        </p:attrNameLst>
+                                      </p:cBhvr>
+                                      <p:to>
+                                        <p:strVal val="visible"/>
+                                      </p:to>
+                                    </p:set>
+                                    <p:animEffect transition="in" filter="fade">
+                                      <p:cBhvr>
+                                        <p:cTn id="7" dur="100"/>
+                                        <p:tgtEl>
+                                          <p:spTgt spid="16"/>
+                                        </p:tgtEl>
+                                      </p:cBhvr>
+                                    </p:animEffect>
+                                  </p:childTnLst>
+                                </p:cTn>
+                              </p:par>
+                            </p:childTnLst>
+                          </p:cTn>
+                        </p:par>
+                      </p:childTnLst>
+                    </p:cTn>
+                  </p:par>
+                  <p:par>
+                    <p:cTn id="8" fill="hold">
+                      <p:stCondLst>
+                        <p:cond delay="indefinite"/>
+                      </p:stCondLst>
+                      <p:childTnLst>
+                        <p:par>
+                          <p:cTn id="9" fill="hold">
+                            <p:stCondLst>
+                              <p:cond delay="0"/>
+                            </p:stCondLst>
+                            <p:childTnLst>
+                              <p:par>
+                                <p:cTn id="10" presetID="10" presetClass="entr" presetSubtype="0" fill="hold" grpId="0" nodeType="clickEffect">
+                                  <p:stCondLst>
+                                    <p:cond delay="0"/>
+                                  </p:stCondLst>
+                                  <p:childTnLst>
+                                    <p:set>
+                                      <p:cBhvr>
+                                        <p:cTn id="11" dur="1" fill="hold">
+                                          <p:stCondLst>
+                                            <p:cond delay="0"/>
+                                          </p:stCondLst>
+                                        </p:cTn>
+                                        <p:tgtEl>
+                                          <p:spTgt spid="2"/>
+                                        </p:tgtEl>
+                                        <p:attrNameLst>
+                                          <p:attrName>style.visibility</p:attrName>
+                                        </p:attrNameLst>
+                                      </p:cBhvr>
+                                      <p:to>
+                                        <p:strVal val="visible"/>
+                                      </p:to>
+                                    </p:set>
+                                    <p:animEffect transition="in" filter="fade">
+                                      <p:cBhvr>
+                                        <p:cTn id="12" dur="100"/>
+                                        <p:tgtEl>
+                                          <p:spTgt spid="2"/>
+                                        </p:tgtEl>
+                                      </p:cBhvr>
+                                    </p:animEffect>
+                                  </p:childTnLst>
+                                </p:cTn>
+                              </p:par>
+                            </p:childTnLst>
+                          </p:cTn>
+                        </p:par>
+                      </p:childTnLst>
+                    </p:cTn>
+                  </p:par>
+                  <p:par>
+                    <p:cTn id="13" fill="hold">
+                      <p:stCondLst>
+                        <p:cond delay="indefinite"/>
+                      </p:stCondLst>
+                      <p:childTnLst>
+                        <p:par>
+                          <p:cTn id="14" fill="hold">
+                            <p:stCondLst>
+                              <p:cond delay="0"/>
+                            </p:stCondLst>
+                            <p:childTnLst>
+                              <p:par>
+                                <p:cTn id="15" presetID="10" presetClass="entr" presetSubtype="0" fill="hold" nodeType="clickEffect">
+                                  <p:stCondLst>
+                                    <p:cond delay="0"/>
+                                  </p:stCondLst>
+                                  <p:childTnLst>
+                                    <p:set>
+                                      <p:cBhvr>
+                                        <p:cTn id="16" dur="1" fill="hold">
+                                          <p:stCondLst>
+                                            <p:cond delay="0"/>
+                                          </p:stCondLst>
+                                        </p:cTn>
+                                        <p:tgtEl>
+                                          <p:spTgt spid="14"/>
+                                        </p:tgtEl>
+                                        <p:attrNameLst>
+                                          <p:attrName>style.visibility</p:attrName>
+                                        </p:attrNameLst>
+                                      </p:cBhvr>
+                                      <p:to>
+                                        <p:strVal val="visible"/>
+                                      </p:to>
+                                    </p:set>
+                                    <p:animEffect transition="in" filter="fade">
+                                      <p:cBhvr>
+                                        <p:cTn id="17" dur="500"/>
+                                        <p:tgtEl>
+                                          <p:spTgt spid="14"/>
+                                        </p:tgtEl>
+                                      </p:cBhvr>
+                                    </p:animEffect>
+                                  </p:childTnLst>
+                                </p:cTn>
+                              </p:par>
+                            </p:childTnLst>
+                          </p:cTn>
+                        </p:par>
+                      </p:childTnLst>
+                    </p:cTn>
+                  </p:par>
+                </p:childTnLst>
+              </p:cTn>
+              <p:prevCondLst>
+                <p:cond evt="onPrev" delay="0">
+                  <p:tgtEl>
+                    <p:sldTgt/>
+                  </p:tgtEl>
+                </p:cond>
+              </p:prevCondLst>
+              <p:nextCondLst>
+                <p:cond evt="onNext" delay="0">
+                  <p:tgtEl>
+                    <p:sldTgt/>
+                  </p:tgtEl>
+                </p:cond>
+              </p:nextCondLst>
+            </p:seq>
+          </p:childTnLst>
+        </p:cTn>
+      </p:par>
+    </p:tnLst>
+    <p:bldLst>
+      <p:bldP spid="2" grpId="0"/>
+    </p:bldLst>
+  </p:timing>
+</p:sld>
+</file>
+
+<file path=ppt/slides/slide11.xml><?xml version="1.0" encoding="utf-8"?>
+<p:sld xmlns:a="http://schemas.openxmlformats.org/drawingml/2006/main" xmlns:r="http://schemas.openxmlformats.org/officeDocument/2006/relationships" xmlns:p="http://schemas.openxmlformats.org/presentationml/2006/main">
+  <p:cSld>
+    <p:spTree>
+      <p:nvGrpSpPr>
+        <p:cNvPr id="1" name=""/>
+        <p:cNvGrpSpPr/>
+        <p:nvPr/>
+      </p:nvGrpSpPr>
+      <p:grpSpPr>
+        <a:xfrm>
+          <a:off x="0" y="0"/>
+          <a:ext cx="0" cy="0"/>
+          <a:chOff x="0" y="0"/>
+          <a:chExt cx="0" cy="0"/>
+        </a:xfrm>
+      </p:grpSpPr>
       <p:pic>
         <p:nvPicPr>
           <p:cNvPr id="2" name="Picture 10">
@@ -6569,7 +8990,7 @@
 </p:sld>
 </file>
 
-<file path=ppt/slides/slide11.xml><?xml version="1.0" encoding="utf-8"?>
+<file path=ppt/slides/slide12.xml><?xml version="1.0" encoding="utf-8"?>
 <p:sld xmlns:a="http://schemas.openxmlformats.org/drawingml/2006/main" xmlns:r="http://schemas.openxmlformats.org/officeDocument/2006/relationships" xmlns:p="http://schemas.openxmlformats.org/presentationml/2006/main">
   <p:cSld>
     <p:spTree>
@@ -6903,7 +9324,7 @@
 </p:sld>
 </file>
 
-<file path=ppt/slides/slide12.xml><?xml version="1.0" encoding="utf-8"?>
+<file path=ppt/slides/slide13.xml><?xml version="1.0" encoding="utf-8"?>
 <p:sld xmlns:a="http://schemas.openxmlformats.org/drawingml/2006/main" xmlns:r="http://schemas.openxmlformats.org/officeDocument/2006/relationships" xmlns:p="http://schemas.openxmlformats.org/presentationml/2006/main">
   <p:cSld>
     <p:spTree>
@@ -9792,7 +12213,7 @@
 </p:sld>
 </file>
 
-<file path=ppt/slides/slide13.xml><?xml version="1.0" encoding="utf-8"?>
+<file path=ppt/slides/slide14.xml><?xml version="1.0" encoding="utf-8"?>
 <p:sld xmlns:a="http://schemas.openxmlformats.org/drawingml/2006/main" xmlns:r="http://schemas.openxmlformats.org/officeDocument/2006/relationships" xmlns:p="http://schemas.openxmlformats.org/presentationml/2006/main">
   <p:cSld>
     <p:spTree>
@@ -10416,7 +12837,7 @@
 </p:sld>
 </file>
 
-<file path=ppt/slides/slide14.xml><?xml version="1.0" encoding="utf-8"?>
+<file path=ppt/slides/slide15.xml><?xml version="1.0" encoding="utf-8"?>
 <p:sld xmlns:a="http://schemas.openxmlformats.org/drawingml/2006/main" xmlns:r="http://schemas.openxmlformats.org/officeDocument/2006/relationships" xmlns:p="http://schemas.openxmlformats.org/presentationml/2006/main">
   <p:cSld>
     <p:spTree>
@@ -10744,7 +13165,7 @@
 </p:sld>
 </file>
 
-<file path=ppt/slides/slide15.xml><?xml version="1.0" encoding="utf-8"?>
+<file path=ppt/slides/slide16.xml><?xml version="1.0" encoding="utf-8"?>
 <p:sld xmlns:a="http://schemas.openxmlformats.org/drawingml/2006/main" xmlns:r="http://schemas.openxmlformats.org/officeDocument/2006/relationships" xmlns:p="http://schemas.openxmlformats.org/presentationml/2006/main">
   <p:cSld>
     <p:spTree>
@@ -11414,7 +13835,7 @@
 </p:sld>
 </file>
 
-<file path=ppt/slides/slide16.xml><?xml version="1.0" encoding="utf-8"?>
+<file path=ppt/slides/slide17.xml><?xml version="1.0" encoding="utf-8"?>
 <p:sld xmlns:a="http://schemas.openxmlformats.org/drawingml/2006/main" xmlns:r="http://schemas.openxmlformats.org/officeDocument/2006/relationships" xmlns:p="http://schemas.openxmlformats.org/presentationml/2006/main">
   <p:cSld>
     <p:spTree>
@@ -13556,7 +15977,7 @@
 </p:sld>
 </file>
 
-<file path=ppt/slides/slide17.xml><?xml version="1.0" encoding="utf-8"?>
+<file path=ppt/slides/slide18.xml><?xml version="1.0" encoding="utf-8"?>
 <p:sld xmlns:a="http://schemas.openxmlformats.org/drawingml/2006/main" xmlns:r="http://schemas.openxmlformats.org/officeDocument/2006/relationships" xmlns:p="http://schemas.openxmlformats.org/presentationml/2006/main">
   <p:cSld>
     <p:spTree>
@@ -13666,7 +16087,7 @@
 </p:sld>
 </file>
 
-<file path=ppt/slides/slide18.xml><?xml version="1.0" encoding="utf-8"?>
+<file path=ppt/slides/slide19.xml><?xml version="1.0" encoding="utf-8"?>
 <p:sld xmlns:a="http://schemas.openxmlformats.org/drawingml/2006/main" xmlns:r="http://schemas.openxmlformats.org/officeDocument/2006/relationships" xmlns:p="http://schemas.openxmlformats.org/presentationml/2006/main">
   <p:cSld>
     <p:spTree>
@@ -14665,7 +17086,194 @@
 </p:sld>
 </file>
 
-<file path=ppt/slides/slide19.xml><?xml version="1.0" encoding="utf-8"?>
+<file path=ppt/slides/slide2.xml><?xml version="1.0" encoding="utf-8"?>
+<p:sld xmlns:a="http://schemas.openxmlformats.org/drawingml/2006/main" xmlns:r="http://schemas.openxmlformats.org/officeDocument/2006/relationships" xmlns:p="http://schemas.openxmlformats.org/presentationml/2006/main">
+  <p:cSld>
+    <p:spTree>
+      <p:nvGrpSpPr>
+        <p:cNvPr id="1" name=""/>
+        <p:cNvGrpSpPr/>
+        <p:nvPr/>
+      </p:nvGrpSpPr>
+      <p:grpSpPr>
+        <a:xfrm>
+          <a:off x="0" y="0"/>
+          <a:ext cx="0" cy="0"/>
+          <a:chOff x="0" y="0"/>
+          <a:chExt cx="0" cy="0"/>
+        </a:xfrm>
+      </p:grpSpPr>
+      <p:sp>
+        <p:nvSpPr>
+          <p:cNvPr id="2" name="TextBox 1">
+            <a:extLst>
+              <a:ext uri="{FF2B5EF4-FFF2-40B4-BE49-F238E27FC236}">
+                <a16:creationId xmlns:a16="http://schemas.microsoft.com/office/drawing/2014/main" id="{DDE3B5BD-9316-E61D-34B4-8937A020CF0D}"/>
+              </a:ext>
+            </a:extLst>
+          </p:cNvPr>
+          <p:cNvSpPr txBox="1"/>
+          <p:nvPr/>
+        </p:nvSpPr>
+        <p:spPr>
+          <a:xfrm>
+            <a:off x="0" y="998621"/>
+            <a:ext cx="12192000" cy="2215991"/>
+          </a:xfrm>
+          <a:prstGeom prst="rect">
+            <a:avLst/>
+          </a:prstGeom>
+          <a:noFill/>
+        </p:spPr>
+        <p:txBody>
+          <a:bodyPr wrap="square" rtlCol="0">
+            <a:spAutoFit/>
+          </a:bodyPr>
+          <a:lstStyle/>
+          <a:p>
+            <a:pPr algn="ctr"/>
+            <a:r>
+              <a:rPr lang="en-US" sz="13800" b="1" dirty="0"/>
+              <a:t>WAINT</a:t>
+            </a:r>
+          </a:p>
+        </p:txBody>
+      </p:sp>
+      <p:sp>
+        <p:nvSpPr>
+          <p:cNvPr id="3" name="TextBox 2">
+            <a:extLst>
+              <a:ext uri="{FF2B5EF4-FFF2-40B4-BE49-F238E27FC236}">
+                <a16:creationId xmlns:a16="http://schemas.microsoft.com/office/drawing/2014/main" id="{40744CC1-6934-FCD0-C3C1-3E13FD15D264}"/>
+              </a:ext>
+            </a:extLst>
+          </p:cNvPr>
+          <p:cNvSpPr txBox="1"/>
+          <p:nvPr/>
+        </p:nvSpPr>
+        <p:spPr>
+          <a:xfrm>
+            <a:off x="4823661" y="3274057"/>
+            <a:ext cx="2544678" cy="369332"/>
+          </a:xfrm>
+          <a:prstGeom prst="rect">
+            <a:avLst/>
+          </a:prstGeom>
+          <a:noFill/>
+        </p:spPr>
+        <p:txBody>
+          <a:bodyPr wrap="square" rtlCol="0">
+            <a:spAutoFit/>
+          </a:bodyPr>
+          <a:lstStyle/>
+          <a:p>
+            <a:r>
+              <a:rPr lang="en-US" dirty="0"/>
+              <a:t>Why am I not talking?</a:t>
+            </a:r>
+          </a:p>
+        </p:txBody>
+      </p:sp>
+    </p:spTree>
+    <p:extLst>
+      <p:ext uri="{BB962C8B-B14F-4D97-AF65-F5344CB8AC3E}">
+        <p14:creationId xmlns:p14="http://schemas.microsoft.com/office/powerpoint/2010/main" val="1738925145"/>
+      </p:ext>
+    </p:extLst>
+  </p:cSld>
+  <p:clrMapOvr>
+    <a:masterClrMapping/>
+  </p:clrMapOvr>
+  <p:timing>
+    <p:tnLst>
+      <p:par>
+        <p:cTn id="1" dur="indefinite" restart="never" nodeType="tmRoot">
+          <p:childTnLst>
+            <p:seq concurrent="1" nextAc="seek">
+              <p:cTn id="2" dur="indefinite" nodeType="mainSeq">
+                <p:childTnLst>
+                  <p:par>
+                    <p:cTn id="3" fill="hold">
+                      <p:stCondLst>
+                        <p:cond delay="indefinite"/>
+                      </p:stCondLst>
+                      <p:childTnLst>
+                        <p:par>
+                          <p:cTn id="4" fill="hold">
+                            <p:stCondLst>
+                              <p:cond delay="0"/>
+                            </p:stCondLst>
+                            <p:childTnLst>
+                              <p:par>
+                                <p:cTn id="5" presetID="10" presetClass="entr" presetSubtype="0" fill="hold" grpId="0" nodeType="clickEffect">
+                                  <p:stCondLst>
+                                    <p:cond delay="0"/>
+                                  </p:stCondLst>
+                                  <p:childTnLst>
+                                    <p:set>
+                                      <p:cBhvr>
+                                        <p:cTn id="6" dur="1" fill="hold">
+                                          <p:stCondLst>
+                                            <p:cond delay="0"/>
+                                          </p:stCondLst>
+                                        </p:cTn>
+                                        <p:tgtEl>
+                                          <p:spTgt spid="3"/>
+                                        </p:tgtEl>
+                                        <p:attrNameLst>
+                                          <p:attrName>style.visibility</p:attrName>
+                                        </p:attrNameLst>
+                                      </p:cBhvr>
+                                      <p:to>
+                                        <p:strVal val="visible"/>
+                                      </p:to>
+                                    </p:set>
+                                    <p:animEffect transition="in" filter="fade">
+                                      <p:cBhvr>
+                                        <p:cTn id="7" dur="500"/>
+                                        <p:tgtEl>
+                                          <p:spTgt spid="3"/>
+                                        </p:tgtEl>
+                                      </p:cBhvr>
+                                    </p:animEffect>
+                                  </p:childTnLst>
+                                </p:cTn>
+                              </p:par>
+                            </p:childTnLst>
+                          </p:cTn>
+                        </p:par>
+                      </p:childTnLst>
+                    </p:cTn>
+                  </p:par>
+                </p:childTnLst>
+              </p:cTn>
+              <p:prevCondLst>
+                <p:cond evt="onPrev" delay="0">
+                  <p:tgtEl>
+                    <p:sldTgt/>
+                  </p:tgtEl>
+                </p:cond>
+              </p:prevCondLst>
+              <p:nextCondLst>
+                <p:cond evt="onNext" delay="0">
+                  <p:tgtEl>
+                    <p:sldTgt/>
+                  </p:tgtEl>
+                </p:cond>
+              </p:nextCondLst>
+            </p:seq>
+          </p:childTnLst>
+        </p:cTn>
+      </p:par>
+    </p:tnLst>
+    <p:bldLst>
+      <p:bldP spid="3" grpId="0"/>
+    </p:bldLst>
+  </p:timing>
+</p:sld>
+</file>
+
+<file path=ppt/slides/slide20.xml><?xml version="1.0" encoding="utf-8"?>
 <p:sld xmlns:a="http://schemas.openxmlformats.org/drawingml/2006/main" xmlns:r="http://schemas.openxmlformats.org/officeDocument/2006/relationships" xmlns:p="http://schemas.openxmlformats.org/presentationml/2006/main">
   <p:cSld>
     <p:spTree>
@@ -14939,1961 +17547,7 @@
 </p:sld>
 </file>
 
-<file path=ppt/slides/slide2.xml><?xml version="1.0" encoding="utf-8"?>
-<p:sld xmlns:a="http://schemas.openxmlformats.org/drawingml/2006/main" xmlns:r="http://schemas.openxmlformats.org/officeDocument/2006/relationships" xmlns:p="http://schemas.openxmlformats.org/presentationml/2006/main">
-  <p:cSld>
-    <p:spTree>
-      <p:nvGrpSpPr>
-        <p:cNvPr id="1" name=""/>
-        <p:cNvGrpSpPr/>
-        <p:nvPr/>
-      </p:nvGrpSpPr>
-      <p:grpSpPr>
-        <a:xfrm>
-          <a:off x="0" y="0"/>
-          <a:ext cx="0" cy="0"/>
-          <a:chOff x="0" y="0"/>
-          <a:chExt cx="0" cy="0"/>
-        </a:xfrm>
-      </p:grpSpPr>
-      <p:sp>
-        <p:nvSpPr>
-          <p:cNvPr id="4" name="TextBox 3">
-            <a:extLst>
-              <a:ext uri="{FF2B5EF4-FFF2-40B4-BE49-F238E27FC236}">
-                <a16:creationId xmlns:a16="http://schemas.microsoft.com/office/drawing/2014/main" id="{9EF2C184-D7EC-92CD-43ED-61CDC73A9A12}"/>
-              </a:ext>
-            </a:extLst>
-          </p:cNvPr>
-          <p:cNvSpPr txBox="1"/>
-          <p:nvPr/>
-        </p:nvSpPr>
-        <p:spPr>
-          <a:xfrm>
-            <a:off x="211973" y="332508"/>
-            <a:ext cx="11768051" cy="461665"/>
-          </a:xfrm>
-          <a:prstGeom prst="rect">
-            <a:avLst/>
-          </a:prstGeom>
-          <a:noFill/>
-        </p:spPr>
-        <p:txBody>
-          <a:bodyPr wrap="square" rtlCol="0">
-            <a:spAutoFit/>
-          </a:bodyPr>
-          <a:lstStyle/>
-          <a:p>
-            <a:r>
-              <a:rPr lang="en-US" sz="2400" dirty="0"/>
-              <a:t>Neuroscience data is time series data</a:t>
-            </a:r>
-          </a:p>
-        </p:txBody>
-      </p:sp>
-      <p:grpSp>
-        <p:nvGrpSpPr>
-          <p:cNvPr id="24" name="Group 23">
-            <a:extLst>
-              <a:ext uri="{FF2B5EF4-FFF2-40B4-BE49-F238E27FC236}">
-                <a16:creationId xmlns:a16="http://schemas.microsoft.com/office/drawing/2014/main" id="{C6DCF4B1-8A6F-921E-454F-ADAA294BB8D4}"/>
-              </a:ext>
-            </a:extLst>
-          </p:cNvPr>
-          <p:cNvGrpSpPr/>
-          <p:nvPr/>
-        </p:nvGrpSpPr>
-        <p:grpSpPr>
-          <a:xfrm>
-            <a:off x="1762524" y="2121957"/>
-            <a:ext cx="8666952" cy="2083332"/>
-            <a:chOff x="1208314" y="1622364"/>
-            <a:chExt cx="9906001" cy="2381169"/>
-          </a:xfrm>
-        </p:grpSpPr>
-        <p:sp>
-          <p:nvSpPr>
-            <p:cNvPr id="8" name="Freeform 2">
-              <a:extLst>
-                <a:ext uri="{FF2B5EF4-FFF2-40B4-BE49-F238E27FC236}">
-                  <a16:creationId xmlns:a16="http://schemas.microsoft.com/office/drawing/2014/main" id="{1200BEA1-F278-16CF-5453-22169EE01C3A}"/>
-                </a:ext>
-              </a:extLst>
-            </p:cNvPr>
-            <p:cNvSpPr/>
-            <p:nvPr/>
-          </p:nvSpPr>
-          <p:spPr>
-            <a:xfrm>
-              <a:off x="1208314" y="2188030"/>
-              <a:ext cx="3260953" cy="1012372"/>
-            </a:xfrm>
-            <a:custGeom>
-              <a:avLst/>
-              <a:gdLst>
-                <a:gd name="connsiteX0" fmla="*/ 0 w 5119345"/>
-                <a:gd name="connsiteY0" fmla="*/ 772886 h 1589315"/>
-                <a:gd name="connsiteX1" fmla="*/ 304800 w 5119345"/>
-                <a:gd name="connsiteY1" fmla="*/ 587829 h 1589315"/>
-                <a:gd name="connsiteX2" fmla="*/ 359228 w 5119345"/>
-                <a:gd name="connsiteY2" fmla="*/ 457200 h 1589315"/>
-                <a:gd name="connsiteX3" fmla="*/ 391885 w 5119345"/>
-                <a:gd name="connsiteY3" fmla="*/ 402772 h 1589315"/>
-                <a:gd name="connsiteX4" fmla="*/ 435428 w 5119345"/>
-                <a:gd name="connsiteY4" fmla="*/ 326572 h 1589315"/>
-                <a:gd name="connsiteX5" fmla="*/ 457200 w 5119345"/>
-                <a:gd name="connsiteY5" fmla="*/ 304800 h 1589315"/>
-                <a:gd name="connsiteX6" fmla="*/ 478971 w 5119345"/>
-                <a:gd name="connsiteY6" fmla="*/ 272143 h 1589315"/>
-                <a:gd name="connsiteX7" fmla="*/ 500743 w 5119345"/>
-                <a:gd name="connsiteY7" fmla="*/ 250372 h 1589315"/>
-                <a:gd name="connsiteX8" fmla="*/ 544285 w 5119345"/>
-                <a:gd name="connsiteY8" fmla="*/ 185058 h 1589315"/>
-                <a:gd name="connsiteX9" fmla="*/ 566057 w 5119345"/>
-                <a:gd name="connsiteY9" fmla="*/ 163286 h 1589315"/>
-                <a:gd name="connsiteX10" fmla="*/ 587828 w 5119345"/>
-                <a:gd name="connsiteY10" fmla="*/ 130629 h 1589315"/>
-                <a:gd name="connsiteX11" fmla="*/ 653143 w 5119345"/>
-                <a:gd name="connsiteY11" fmla="*/ 108858 h 1589315"/>
-                <a:gd name="connsiteX12" fmla="*/ 762000 w 5119345"/>
-                <a:gd name="connsiteY12" fmla="*/ 119743 h 1589315"/>
-                <a:gd name="connsiteX13" fmla="*/ 783771 w 5119345"/>
-                <a:gd name="connsiteY13" fmla="*/ 152400 h 1589315"/>
-                <a:gd name="connsiteX14" fmla="*/ 859971 w 5119345"/>
-                <a:gd name="connsiteY14" fmla="*/ 239486 h 1589315"/>
-                <a:gd name="connsiteX15" fmla="*/ 914400 w 5119345"/>
-                <a:gd name="connsiteY15" fmla="*/ 195943 h 1589315"/>
-                <a:gd name="connsiteX16" fmla="*/ 947057 w 5119345"/>
-                <a:gd name="connsiteY16" fmla="*/ 174172 h 1589315"/>
-                <a:gd name="connsiteX17" fmla="*/ 1012371 w 5119345"/>
-                <a:gd name="connsiteY17" fmla="*/ 185058 h 1589315"/>
-                <a:gd name="connsiteX18" fmla="*/ 1045028 w 5119345"/>
-                <a:gd name="connsiteY18" fmla="*/ 217715 h 1589315"/>
-                <a:gd name="connsiteX19" fmla="*/ 1066800 w 5119345"/>
-                <a:gd name="connsiteY19" fmla="*/ 261258 h 1589315"/>
-                <a:gd name="connsiteX20" fmla="*/ 1110343 w 5119345"/>
-                <a:gd name="connsiteY20" fmla="*/ 359229 h 1589315"/>
-                <a:gd name="connsiteX21" fmla="*/ 1208314 w 5119345"/>
-                <a:gd name="connsiteY21" fmla="*/ 468086 h 1589315"/>
-                <a:gd name="connsiteX22" fmla="*/ 1230085 w 5119345"/>
-                <a:gd name="connsiteY22" fmla="*/ 489858 h 1589315"/>
-                <a:gd name="connsiteX23" fmla="*/ 1262743 w 5119345"/>
-                <a:gd name="connsiteY23" fmla="*/ 511629 h 1589315"/>
-                <a:gd name="connsiteX24" fmla="*/ 1349828 w 5119345"/>
-                <a:gd name="connsiteY24" fmla="*/ 598715 h 1589315"/>
-                <a:gd name="connsiteX25" fmla="*/ 1371600 w 5119345"/>
-                <a:gd name="connsiteY25" fmla="*/ 620486 h 1589315"/>
-                <a:gd name="connsiteX26" fmla="*/ 1393371 w 5119345"/>
-                <a:gd name="connsiteY26" fmla="*/ 642258 h 1589315"/>
-                <a:gd name="connsiteX27" fmla="*/ 1426028 w 5119345"/>
-                <a:gd name="connsiteY27" fmla="*/ 664029 h 1589315"/>
-                <a:gd name="connsiteX28" fmla="*/ 1480457 w 5119345"/>
-                <a:gd name="connsiteY28" fmla="*/ 696686 h 1589315"/>
-                <a:gd name="connsiteX29" fmla="*/ 1502228 w 5119345"/>
-                <a:gd name="connsiteY29" fmla="*/ 664029 h 1589315"/>
-                <a:gd name="connsiteX30" fmla="*/ 1513114 w 5119345"/>
-                <a:gd name="connsiteY30" fmla="*/ 609600 h 1589315"/>
-                <a:gd name="connsiteX31" fmla="*/ 1524000 w 5119345"/>
-                <a:gd name="connsiteY31" fmla="*/ 566058 h 1589315"/>
-                <a:gd name="connsiteX32" fmla="*/ 1556657 w 5119345"/>
-                <a:gd name="connsiteY32" fmla="*/ 489858 h 1589315"/>
-                <a:gd name="connsiteX33" fmla="*/ 1567543 w 5119345"/>
-                <a:gd name="connsiteY33" fmla="*/ 446315 h 1589315"/>
-                <a:gd name="connsiteX34" fmla="*/ 1589314 w 5119345"/>
-                <a:gd name="connsiteY34" fmla="*/ 413658 h 1589315"/>
-                <a:gd name="connsiteX35" fmla="*/ 1600200 w 5119345"/>
-                <a:gd name="connsiteY35" fmla="*/ 337458 h 1589315"/>
-                <a:gd name="connsiteX36" fmla="*/ 1611085 w 5119345"/>
-                <a:gd name="connsiteY36" fmla="*/ 304800 h 1589315"/>
-                <a:gd name="connsiteX37" fmla="*/ 1632857 w 5119345"/>
-                <a:gd name="connsiteY37" fmla="*/ 228600 h 1589315"/>
-                <a:gd name="connsiteX38" fmla="*/ 1654628 w 5119345"/>
-                <a:gd name="connsiteY38" fmla="*/ 195943 h 1589315"/>
-                <a:gd name="connsiteX39" fmla="*/ 1676400 w 5119345"/>
-                <a:gd name="connsiteY39" fmla="*/ 174172 h 1589315"/>
-                <a:gd name="connsiteX40" fmla="*/ 1709057 w 5119345"/>
-                <a:gd name="connsiteY40" fmla="*/ 163286 h 1589315"/>
-                <a:gd name="connsiteX41" fmla="*/ 1741714 w 5119345"/>
-                <a:gd name="connsiteY41" fmla="*/ 174172 h 1589315"/>
-                <a:gd name="connsiteX42" fmla="*/ 1796143 w 5119345"/>
-                <a:gd name="connsiteY42" fmla="*/ 239486 h 1589315"/>
-                <a:gd name="connsiteX43" fmla="*/ 1817914 w 5119345"/>
-                <a:gd name="connsiteY43" fmla="*/ 261258 h 1589315"/>
-                <a:gd name="connsiteX44" fmla="*/ 1839685 w 5119345"/>
-                <a:gd name="connsiteY44" fmla="*/ 304800 h 1589315"/>
-                <a:gd name="connsiteX45" fmla="*/ 1883228 w 5119345"/>
-                <a:gd name="connsiteY45" fmla="*/ 326572 h 1589315"/>
-                <a:gd name="connsiteX46" fmla="*/ 1915885 w 5119345"/>
-                <a:gd name="connsiteY46" fmla="*/ 359229 h 1589315"/>
-                <a:gd name="connsiteX47" fmla="*/ 1981200 w 5119345"/>
-                <a:gd name="connsiteY47" fmla="*/ 381000 h 1589315"/>
-                <a:gd name="connsiteX48" fmla="*/ 2002971 w 5119345"/>
-                <a:gd name="connsiteY48" fmla="*/ 402772 h 1589315"/>
-                <a:gd name="connsiteX49" fmla="*/ 2068285 w 5119345"/>
-                <a:gd name="connsiteY49" fmla="*/ 424543 h 1589315"/>
-                <a:gd name="connsiteX50" fmla="*/ 2188028 w 5119345"/>
-                <a:gd name="connsiteY50" fmla="*/ 359229 h 1589315"/>
-                <a:gd name="connsiteX51" fmla="*/ 2264228 w 5119345"/>
-                <a:gd name="connsiteY51" fmla="*/ 337458 h 1589315"/>
-                <a:gd name="connsiteX52" fmla="*/ 2329543 w 5119345"/>
-                <a:gd name="connsiteY52" fmla="*/ 457200 h 1589315"/>
-                <a:gd name="connsiteX53" fmla="*/ 2373085 w 5119345"/>
-                <a:gd name="connsiteY53" fmla="*/ 533400 h 1589315"/>
-                <a:gd name="connsiteX54" fmla="*/ 2449285 w 5119345"/>
-                <a:gd name="connsiteY54" fmla="*/ 620486 h 1589315"/>
-                <a:gd name="connsiteX55" fmla="*/ 2460171 w 5119345"/>
-                <a:gd name="connsiteY55" fmla="*/ 653143 h 1589315"/>
-                <a:gd name="connsiteX56" fmla="*/ 2481943 w 5119345"/>
-                <a:gd name="connsiteY56" fmla="*/ 674915 h 1589315"/>
-                <a:gd name="connsiteX57" fmla="*/ 2525485 w 5119345"/>
-                <a:gd name="connsiteY57" fmla="*/ 740229 h 1589315"/>
-                <a:gd name="connsiteX58" fmla="*/ 2579914 w 5119345"/>
-                <a:gd name="connsiteY58" fmla="*/ 849086 h 1589315"/>
-                <a:gd name="connsiteX59" fmla="*/ 2667000 w 5119345"/>
-                <a:gd name="connsiteY59" fmla="*/ 925286 h 1589315"/>
-                <a:gd name="connsiteX60" fmla="*/ 2688771 w 5119345"/>
-                <a:gd name="connsiteY60" fmla="*/ 957943 h 1589315"/>
-                <a:gd name="connsiteX61" fmla="*/ 2721428 w 5119345"/>
-                <a:gd name="connsiteY61" fmla="*/ 903515 h 1589315"/>
-                <a:gd name="connsiteX62" fmla="*/ 2743200 w 5119345"/>
-                <a:gd name="connsiteY62" fmla="*/ 805543 h 1589315"/>
-                <a:gd name="connsiteX63" fmla="*/ 2775857 w 5119345"/>
-                <a:gd name="connsiteY63" fmla="*/ 772886 h 1589315"/>
-                <a:gd name="connsiteX64" fmla="*/ 2808514 w 5119345"/>
-                <a:gd name="connsiteY64" fmla="*/ 794658 h 1589315"/>
-                <a:gd name="connsiteX65" fmla="*/ 2852057 w 5119345"/>
-                <a:gd name="connsiteY65" fmla="*/ 903515 h 1589315"/>
-                <a:gd name="connsiteX66" fmla="*/ 2873828 w 5119345"/>
-                <a:gd name="connsiteY66" fmla="*/ 936172 h 1589315"/>
-                <a:gd name="connsiteX67" fmla="*/ 2906485 w 5119345"/>
-                <a:gd name="connsiteY67" fmla="*/ 1066800 h 1589315"/>
-                <a:gd name="connsiteX68" fmla="*/ 2928257 w 5119345"/>
-                <a:gd name="connsiteY68" fmla="*/ 1143000 h 1589315"/>
-                <a:gd name="connsiteX69" fmla="*/ 2971800 w 5119345"/>
-                <a:gd name="connsiteY69" fmla="*/ 1230086 h 1589315"/>
-                <a:gd name="connsiteX70" fmla="*/ 3004457 w 5119345"/>
-                <a:gd name="connsiteY70" fmla="*/ 1284515 h 1589315"/>
-                <a:gd name="connsiteX71" fmla="*/ 3026228 w 5119345"/>
-                <a:gd name="connsiteY71" fmla="*/ 1338943 h 1589315"/>
-                <a:gd name="connsiteX72" fmla="*/ 3048000 w 5119345"/>
-                <a:gd name="connsiteY72" fmla="*/ 1360715 h 1589315"/>
-                <a:gd name="connsiteX73" fmla="*/ 3124200 w 5119345"/>
-                <a:gd name="connsiteY73" fmla="*/ 1469572 h 1589315"/>
-                <a:gd name="connsiteX74" fmla="*/ 3200400 w 5119345"/>
-                <a:gd name="connsiteY74" fmla="*/ 1545772 h 1589315"/>
-                <a:gd name="connsiteX75" fmla="*/ 3276600 w 5119345"/>
-                <a:gd name="connsiteY75" fmla="*/ 1589315 h 1589315"/>
-                <a:gd name="connsiteX76" fmla="*/ 3320143 w 5119345"/>
-                <a:gd name="connsiteY76" fmla="*/ 1556658 h 1589315"/>
-                <a:gd name="connsiteX77" fmla="*/ 3341914 w 5119345"/>
-                <a:gd name="connsiteY77" fmla="*/ 1534886 h 1589315"/>
-                <a:gd name="connsiteX78" fmla="*/ 3429000 w 5119345"/>
-                <a:gd name="connsiteY78" fmla="*/ 1469572 h 1589315"/>
-                <a:gd name="connsiteX79" fmla="*/ 3439885 w 5119345"/>
-                <a:gd name="connsiteY79" fmla="*/ 1436915 h 1589315"/>
-                <a:gd name="connsiteX80" fmla="*/ 3472543 w 5119345"/>
-                <a:gd name="connsiteY80" fmla="*/ 1382486 h 1589315"/>
-                <a:gd name="connsiteX81" fmla="*/ 3483428 w 5119345"/>
-                <a:gd name="connsiteY81" fmla="*/ 1251858 h 1589315"/>
-                <a:gd name="connsiteX82" fmla="*/ 3505200 w 5119345"/>
-                <a:gd name="connsiteY82" fmla="*/ 1186543 h 1589315"/>
-                <a:gd name="connsiteX83" fmla="*/ 3516085 w 5119345"/>
-                <a:gd name="connsiteY83" fmla="*/ 1153886 h 1589315"/>
-                <a:gd name="connsiteX84" fmla="*/ 3537857 w 5119345"/>
-                <a:gd name="connsiteY84" fmla="*/ 1077686 h 1589315"/>
-                <a:gd name="connsiteX85" fmla="*/ 3570514 w 5119345"/>
-                <a:gd name="connsiteY85" fmla="*/ 990600 h 1589315"/>
-                <a:gd name="connsiteX86" fmla="*/ 3592285 w 5119345"/>
-                <a:gd name="connsiteY86" fmla="*/ 892629 h 1589315"/>
-                <a:gd name="connsiteX87" fmla="*/ 3624943 w 5119345"/>
-                <a:gd name="connsiteY87" fmla="*/ 859972 h 1589315"/>
-                <a:gd name="connsiteX88" fmla="*/ 3668485 w 5119345"/>
-                <a:gd name="connsiteY88" fmla="*/ 827315 h 1589315"/>
-                <a:gd name="connsiteX89" fmla="*/ 3733800 w 5119345"/>
-                <a:gd name="connsiteY89" fmla="*/ 805543 h 1589315"/>
-                <a:gd name="connsiteX90" fmla="*/ 3766457 w 5119345"/>
-                <a:gd name="connsiteY90" fmla="*/ 816429 h 1589315"/>
-                <a:gd name="connsiteX91" fmla="*/ 3799114 w 5119345"/>
-                <a:gd name="connsiteY91" fmla="*/ 696686 h 1589315"/>
-                <a:gd name="connsiteX92" fmla="*/ 3810000 w 5119345"/>
-                <a:gd name="connsiteY92" fmla="*/ 522515 h 1589315"/>
-                <a:gd name="connsiteX93" fmla="*/ 3842657 w 5119345"/>
-                <a:gd name="connsiteY93" fmla="*/ 381000 h 1589315"/>
-                <a:gd name="connsiteX94" fmla="*/ 3853543 w 5119345"/>
-                <a:gd name="connsiteY94" fmla="*/ 348343 h 1589315"/>
-                <a:gd name="connsiteX95" fmla="*/ 3875314 w 5119345"/>
-                <a:gd name="connsiteY95" fmla="*/ 315686 h 1589315"/>
-                <a:gd name="connsiteX96" fmla="*/ 3897085 w 5119345"/>
-                <a:gd name="connsiteY96" fmla="*/ 250372 h 1589315"/>
-                <a:gd name="connsiteX97" fmla="*/ 3918857 w 5119345"/>
-                <a:gd name="connsiteY97" fmla="*/ 185058 h 1589315"/>
-                <a:gd name="connsiteX98" fmla="*/ 3951514 w 5119345"/>
-                <a:gd name="connsiteY98" fmla="*/ 108858 h 1589315"/>
-                <a:gd name="connsiteX99" fmla="*/ 4038600 w 5119345"/>
-                <a:gd name="connsiteY99" fmla="*/ 10886 h 1589315"/>
-                <a:gd name="connsiteX100" fmla="*/ 4071257 w 5119345"/>
-                <a:gd name="connsiteY100" fmla="*/ 0 h 1589315"/>
-                <a:gd name="connsiteX101" fmla="*/ 4136571 w 5119345"/>
-                <a:gd name="connsiteY101" fmla="*/ 108858 h 1589315"/>
-                <a:gd name="connsiteX102" fmla="*/ 4169228 w 5119345"/>
-                <a:gd name="connsiteY102" fmla="*/ 152400 h 1589315"/>
-                <a:gd name="connsiteX103" fmla="*/ 4201885 w 5119345"/>
-                <a:gd name="connsiteY103" fmla="*/ 206829 h 1589315"/>
-                <a:gd name="connsiteX104" fmla="*/ 4223657 w 5119345"/>
-                <a:gd name="connsiteY104" fmla="*/ 228600 h 1589315"/>
-                <a:gd name="connsiteX105" fmla="*/ 4256314 w 5119345"/>
-                <a:gd name="connsiteY105" fmla="*/ 272143 h 1589315"/>
-                <a:gd name="connsiteX106" fmla="*/ 4299857 w 5119345"/>
-                <a:gd name="connsiteY106" fmla="*/ 326572 h 1589315"/>
-                <a:gd name="connsiteX107" fmla="*/ 4332514 w 5119345"/>
-                <a:gd name="connsiteY107" fmla="*/ 293915 h 1589315"/>
-                <a:gd name="connsiteX108" fmla="*/ 4354285 w 5119345"/>
-                <a:gd name="connsiteY108" fmla="*/ 261258 h 1589315"/>
-                <a:gd name="connsiteX109" fmla="*/ 4419600 w 5119345"/>
-                <a:gd name="connsiteY109" fmla="*/ 217715 h 1589315"/>
-                <a:gd name="connsiteX110" fmla="*/ 4484914 w 5119345"/>
-                <a:gd name="connsiteY110" fmla="*/ 228600 h 1589315"/>
-                <a:gd name="connsiteX111" fmla="*/ 4517571 w 5119345"/>
-                <a:gd name="connsiteY111" fmla="*/ 283029 h 1589315"/>
-                <a:gd name="connsiteX112" fmla="*/ 4539343 w 5119345"/>
-                <a:gd name="connsiteY112" fmla="*/ 337458 h 1589315"/>
-                <a:gd name="connsiteX113" fmla="*/ 4550228 w 5119345"/>
-                <a:gd name="connsiteY113" fmla="*/ 402772 h 1589315"/>
-                <a:gd name="connsiteX114" fmla="*/ 4561114 w 5119345"/>
-                <a:gd name="connsiteY114" fmla="*/ 435429 h 1589315"/>
-                <a:gd name="connsiteX115" fmla="*/ 4582885 w 5119345"/>
-                <a:gd name="connsiteY115" fmla="*/ 522515 h 1589315"/>
-                <a:gd name="connsiteX116" fmla="*/ 4626428 w 5119345"/>
-                <a:gd name="connsiteY116" fmla="*/ 609600 h 1589315"/>
-                <a:gd name="connsiteX117" fmla="*/ 4669971 w 5119345"/>
-                <a:gd name="connsiteY117" fmla="*/ 685800 h 1589315"/>
-                <a:gd name="connsiteX118" fmla="*/ 4691743 w 5119345"/>
-                <a:gd name="connsiteY118" fmla="*/ 707572 h 1589315"/>
-                <a:gd name="connsiteX119" fmla="*/ 4757057 w 5119345"/>
-                <a:gd name="connsiteY119" fmla="*/ 653143 h 1589315"/>
-                <a:gd name="connsiteX120" fmla="*/ 4822371 w 5119345"/>
-                <a:gd name="connsiteY120" fmla="*/ 566058 h 1589315"/>
-                <a:gd name="connsiteX121" fmla="*/ 4844143 w 5119345"/>
-                <a:gd name="connsiteY121" fmla="*/ 533400 h 1589315"/>
-                <a:gd name="connsiteX122" fmla="*/ 4909457 w 5119345"/>
-                <a:gd name="connsiteY122" fmla="*/ 478972 h 1589315"/>
-                <a:gd name="connsiteX123" fmla="*/ 5061857 w 5119345"/>
-                <a:gd name="connsiteY123" fmla="*/ 489858 h 1589315"/>
-                <a:gd name="connsiteX124" fmla="*/ 5116285 w 5119345"/>
-                <a:gd name="connsiteY124" fmla="*/ 533400 h 1589315"/>
-                <a:gd name="connsiteX125" fmla="*/ 5116285 w 5119345"/>
-                <a:gd name="connsiteY125" fmla="*/ 511629 h 1589315"/>
-              </a:gdLst>
-              <a:ahLst/>
-              <a:cxnLst>
-                <a:cxn ang="0">
-                  <a:pos x="connsiteX0" y="connsiteY0"/>
-                </a:cxn>
-                <a:cxn ang="0">
-                  <a:pos x="connsiteX1" y="connsiteY1"/>
-                </a:cxn>
-                <a:cxn ang="0">
-                  <a:pos x="connsiteX2" y="connsiteY2"/>
-                </a:cxn>
-                <a:cxn ang="0">
-                  <a:pos x="connsiteX3" y="connsiteY3"/>
-                </a:cxn>
-                <a:cxn ang="0">
-                  <a:pos x="connsiteX4" y="connsiteY4"/>
-                </a:cxn>
-                <a:cxn ang="0">
-                  <a:pos x="connsiteX5" y="connsiteY5"/>
-                </a:cxn>
-                <a:cxn ang="0">
-                  <a:pos x="connsiteX6" y="connsiteY6"/>
-                </a:cxn>
-                <a:cxn ang="0">
-                  <a:pos x="connsiteX7" y="connsiteY7"/>
-                </a:cxn>
-                <a:cxn ang="0">
-                  <a:pos x="connsiteX8" y="connsiteY8"/>
-                </a:cxn>
-                <a:cxn ang="0">
-                  <a:pos x="connsiteX9" y="connsiteY9"/>
-                </a:cxn>
-                <a:cxn ang="0">
-                  <a:pos x="connsiteX10" y="connsiteY10"/>
-                </a:cxn>
-                <a:cxn ang="0">
-                  <a:pos x="connsiteX11" y="connsiteY11"/>
-                </a:cxn>
-                <a:cxn ang="0">
-                  <a:pos x="connsiteX12" y="connsiteY12"/>
-                </a:cxn>
-                <a:cxn ang="0">
-                  <a:pos x="connsiteX13" y="connsiteY13"/>
-                </a:cxn>
-                <a:cxn ang="0">
-                  <a:pos x="connsiteX14" y="connsiteY14"/>
-                </a:cxn>
-                <a:cxn ang="0">
-                  <a:pos x="connsiteX15" y="connsiteY15"/>
-                </a:cxn>
-                <a:cxn ang="0">
-                  <a:pos x="connsiteX16" y="connsiteY16"/>
-                </a:cxn>
-                <a:cxn ang="0">
-                  <a:pos x="connsiteX17" y="connsiteY17"/>
-                </a:cxn>
-                <a:cxn ang="0">
-                  <a:pos x="connsiteX18" y="connsiteY18"/>
-                </a:cxn>
-                <a:cxn ang="0">
-                  <a:pos x="connsiteX19" y="connsiteY19"/>
-                </a:cxn>
-                <a:cxn ang="0">
-                  <a:pos x="connsiteX20" y="connsiteY20"/>
-                </a:cxn>
-                <a:cxn ang="0">
-                  <a:pos x="connsiteX21" y="connsiteY21"/>
-                </a:cxn>
-                <a:cxn ang="0">
-                  <a:pos x="connsiteX22" y="connsiteY22"/>
-                </a:cxn>
-                <a:cxn ang="0">
-                  <a:pos x="connsiteX23" y="connsiteY23"/>
-                </a:cxn>
-                <a:cxn ang="0">
-                  <a:pos x="connsiteX24" y="connsiteY24"/>
-                </a:cxn>
-                <a:cxn ang="0">
-                  <a:pos x="connsiteX25" y="connsiteY25"/>
-                </a:cxn>
-                <a:cxn ang="0">
-                  <a:pos x="connsiteX26" y="connsiteY26"/>
-                </a:cxn>
-                <a:cxn ang="0">
-                  <a:pos x="connsiteX27" y="connsiteY27"/>
-                </a:cxn>
-                <a:cxn ang="0">
-                  <a:pos x="connsiteX28" y="connsiteY28"/>
-                </a:cxn>
-                <a:cxn ang="0">
-                  <a:pos x="connsiteX29" y="connsiteY29"/>
-                </a:cxn>
-                <a:cxn ang="0">
-                  <a:pos x="connsiteX30" y="connsiteY30"/>
-                </a:cxn>
-                <a:cxn ang="0">
-                  <a:pos x="connsiteX31" y="connsiteY31"/>
-                </a:cxn>
-                <a:cxn ang="0">
-                  <a:pos x="connsiteX32" y="connsiteY32"/>
-                </a:cxn>
-                <a:cxn ang="0">
-                  <a:pos x="connsiteX33" y="connsiteY33"/>
-                </a:cxn>
-                <a:cxn ang="0">
-                  <a:pos x="connsiteX34" y="connsiteY34"/>
-                </a:cxn>
-                <a:cxn ang="0">
-                  <a:pos x="connsiteX35" y="connsiteY35"/>
-                </a:cxn>
-                <a:cxn ang="0">
-                  <a:pos x="connsiteX36" y="connsiteY36"/>
-                </a:cxn>
-                <a:cxn ang="0">
-                  <a:pos x="connsiteX37" y="connsiteY37"/>
-                </a:cxn>
-                <a:cxn ang="0">
-                  <a:pos x="connsiteX38" y="connsiteY38"/>
-                </a:cxn>
-                <a:cxn ang="0">
-                  <a:pos x="connsiteX39" y="connsiteY39"/>
-                </a:cxn>
-                <a:cxn ang="0">
-                  <a:pos x="connsiteX40" y="connsiteY40"/>
-                </a:cxn>
-                <a:cxn ang="0">
-                  <a:pos x="connsiteX41" y="connsiteY41"/>
-                </a:cxn>
-                <a:cxn ang="0">
-                  <a:pos x="connsiteX42" y="connsiteY42"/>
-                </a:cxn>
-                <a:cxn ang="0">
-                  <a:pos x="connsiteX43" y="connsiteY43"/>
-                </a:cxn>
-                <a:cxn ang="0">
-                  <a:pos x="connsiteX44" y="connsiteY44"/>
-                </a:cxn>
-                <a:cxn ang="0">
-                  <a:pos x="connsiteX45" y="connsiteY45"/>
-                </a:cxn>
-                <a:cxn ang="0">
-                  <a:pos x="connsiteX46" y="connsiteY46"/>
-                </a:cxn>
-                <a:cxn ang="0">
-                  <a:pos x="connsiteX47" y="connsiteY47"/>
-                </a:cxn>
-                <a:cxn ang="0">
-                  <a:pos x="connsiteX48" y="connsiteY48"/>
-                </a:cxn>
-                <a:cxn ang="0">
-                  <a:pos x="connsiteX49" y="connsiteY49"/>
-                </a:cxn>
-                <a:cxn ang="0">
-                  <a:pos x="connsiteX50" y="connsiteY50"/>
-                </a:cxn>
-                <a:cxn ang="0">
-                  <a:pos x="connsiteX51" y="connsiteY51"/>
-                </a:cxn>
-                <a:cxn ang="0">
-                  <a:pos x="connsiteX52" y="connsiteY52"/>
-                </a:cxn>
-                <a:cxn ang="0">
-                  <a:pos x="connsiteX53" y="connsiteY53"/>
-                </a:cxn>
-                <a:cxn ang="0">
-                  <a:pos x="connsiteX54" y="connsiteY54"/>
-                </a:cxn>
-                <a:cxn ang="0">
-                  <a:pos x="connsiteX55" y="connsiteY55"/>
-                </a:cxn>
-                <a:cxn ang="0">
-                  <a:pos x="connsiteX56" y="connsiteY56"/>
-                </a:cxn>
-                <a:cxn ang="0">
-                  <a:pos x="connsiteX57" y="connsiteY57"/>
-                </a:cxn>
-                <a:cxn ang="0">
-                  <a:pos x="connsiteX58" y="connsiteY58"/>
-                </a:cxn>
-                <a:cxn ang="0">
-                  <a:pos x="connsiteX59" y="connsiteY59"/>
-                </a:cxn>
-                <a:cxn ang="0">
-                  <a:pos x="connsiteX60" y="connsiteY60"/>
-                </a:cxn>
-                <a:cxn ang="0">
-                  <a:pos x="connsiteX61" y="connsiteY61"/>
-                </a:cxn>
-                <a:cxn ang="0">
-                  <a:pos x="connsiteX62" y="connsiteY62"/>
-                </a:cxn>
-                <a:cxn ang="0">
-                  <a:pos x="connsiteX63" y="connsiteY63"/>
-                </a:cxn>
-                <a:cxn ang="0">
-                  <a:pos x="connsiteX64" y="connsiteY64"/>
-                </a:cxn>
-                <a:cxn ang="0">
-                  <a:pos x="connsiteX65" y="connsiteY65"/>
-                </a:cxn>
-                <a:cxn ang="0">
-                  <a:pos x="connsiteX66" y="connsiteY66"/>
-                </a:cxn>
-                <a:cxn ang="0">
-                  <a:pos x="connsiteX67" y="connsiteY67"/>
-                </a:cxn>
-                <a:cxn ang="0">
-                  <a:pos x="connsiteX68" y="connsiteY68"/>
-                </a:cxn>
-                <a:cxn ang="0">
-                  <a:pos x="connsiteX69" y="connsiteY69"/>
-                </a:cxn>
-                <a:cxn ang="0">
-                  <a:pos x="connsiteX70" y="connsiteY70"/>
-                </a:cxn>
-                <a:cxn ang="0">
-                  <a:pos x="connsiteX71" y="connsiteY71"/>
-                </a:cxn>
-                <a:cxn ang="0">
-                  <a:pos x="connsiteX72" y="connsiteY72"/>
-                </a:cxn>
-                <a:cxn ang="0">
-                  <a:pos x="connsiteX73" y="connsiteY73"/>
-                </a:cxn>
-                <a:cxn ang="0">
-                  <a:pos x="connsiteX74" y="connsiteY74"/>
-                </a:cxn>
-                <a:cxn ang="0">
-                  <a:pos x="connsiteX75" y="connsiteY75"/>
-                </a:cxn>
-                <a:cxn ang="0">
-                  <a:pos x="connsiteX76" y="connsiteY76"/>
-                </a:cxn>
-                <a:cxn ang="0">
-                  <a:pos x="connsiteX77" y="connsiteY77"/>
-                </a:cxn>
-                <a:cxn ang="0">
-                  <a:pos x="connsiteX78" y="connsiteY78"/>
-                </a:cxn>
-                <a:cxn ang="0">
-                  <a:pos x="connsiteX79" y="connsiteY79"/>
-                </a:cxn>
-                <a:cxn ang="0">
-                  <a:pos x="connsiteX80" y="connsiteY80"/>
-                </a:cxn>
-                <a:cxn ang="0">
-                  <a:pos x="connsiteX81" y="connsiteY81"/>
-                </a:cxn>
-                <a:cxn ang="0">
-                  <a:pos x="connsiteX82" y="connsiteY82"/>
-                </a:cxn>
-                <a:cxn ang="0">
-                  <a:pos x="connsiteX83" y="connsiteY83"/>
-                </a:cxn>
-                <a:cxn ang="0">
-                  <a:pos x="connsiteX84" y="connsiteY84"/>
-                </a:cxn>
-                <a:cxn ang="0">
-                  <a:pos x="connsiteX85" y="connsiteY85"/>
-                </a:cxn>
-                <a:cxn ang="0">
-                  <a:pos x="connsiteX86" y="connsiteY86"/>
-                </a:cxn>
-                <a:cxn ang="0">
-                  <a:pos x="connsiteX87" y="connsiteY87"/>
-                </a:cxn>
-                <a:cxn ang="0">
-                  <a:pos x="connsiteX88" y="connsiteY88"/>
-                </a:cxn>
-                <a:cxn ang="0">
-                  <a:pos x="connsiteX89" y="connsiteY89"/>
-                </a:cxn>
-                <a:cxn ang="0">
-                  <a:pos x="connsiteX90" y="connsiteY90"/>
-                </a:cxn>
-                <a:cxn ang="0">
-                  <a:pos x="connsiteX91" y="connsiteY91"/>
-                </a:cxn>
-                <a:cxn ang="0">
-                  <a:pos x="connsiteX92" y="connsiteY92"/>
-                </a:cxn>
-                <a:cxn ang="0">
-                  <a:pos x="connsiteX93" y="connsiteY93"/>
-                </a:cxn>
-                <a:cxn ang="0">
-                  <a:pos x="connsiteX94" y="connsiteY94"/>
-                </a:cxn>
-                <a:cxn ang="0">
-                  <a:pos x="connsiteX95" y="connsiteY95"/>
-                </a:cxn>
-                <a:cxn ang="0">
-                  <a:pos x="connsiteX96" y="connsiteY96"/>
-                </a:cxn>
-                <a:cxn ang="0">
-                  <a:pos x="connsiteX97" y="connsiteY97"/>
-                </a:cxn>
-                <a:cxn ang="0">
-                  <a:pos x="connsiteX98" y="connsiteY98"/>
-                </a:cxn>
-                <a:cxn ang="0">
-                  <a:pos x="connsiteX99" y="connsiteY99"/>
-                </a:cxn>
-                <a:cxn ang="0">
-                  <a:pos x="connsiteX100" y="connsiteY100"/>
-                </a:cxn>
-                <a:cxn ang="0">
-                  <a:pos x="connsiteX101" y="connsiteY101"/>
-                </a:cxn>
-                <a:cxn ang="0">
-                  <a:pos x="connsiteX102" y="connsiteY102"/>
-                </a:cxn>
-                <a:cxn ang="0">
-                  <a:pos x="connsiteX103" y="connsiteY103"/>
-                </a:cxn>
-                <a:cxn ang="0">
-                  <a:pos x="connsiteX104" y="connsiteY104"/>
-                </a:cxn>
-                <a:cxn ang="0">
-                  <a:pos x="connsiteX105" y="connsiteY105"/>
-                </a:cxn>
-                <a:cxn ang="0">
-                  <a:pos x="connsiteX106" y="connsiteY106"/>
-                </a:cxn>
-                <a:cxn ang="0">
-                  <a:pos x="connsiteX107" y="connsiteY107"/>
-                </a:cxn>
-                <a:cxn ang="0">
-                  <a:pos x="connsiteX108" y="connsiteY108"/>
-                </a:cxn>
-                <a:cxn ang="0">
-                  <a:pos x="connsiteX109" y="connsiteY109"/>
-                </a:cxn>
-                <a:cxn ang="0">
-                  <a:pos x="connsiteX110" y="connsiteY110"/>
-                </a:cxn>
-                <a:cxn ang="0">
-                  <a:pos x="connsiteX111" y="connsiteY111"/>
-                </a:cxn>
-                <a:cxn ang="0">
-                  <a:pos x="connsiteX112" y="connsiteY112"/>
-                </a:cxn>
-                <a:cxn ang="0">
-                  <a:pos x="connsiteX113" y="connsiteY113"/>
-                </a:cxn>
-                <a:cxn ang="0">
-                  <a:pos x="connsiteX114" y="connsiteY114"/>
-                </a:cxn>
-                <a:cxn ang="0">
-                  <a:pos x="connsiteX115" y="connsiteY115"/>
-                </a:cxn>
-                <a:cxn ang="0">
-                  <a:pos x="connsiteX116" y="connsiteY116"/>
-                </a:cxn>
-                <a:cxn ang="0">
-                  <a:pos x="connsiteX117" y="connsiteY117"/>
-                </a:cxn>
-                <a:cxn ang="0">
-                  <a:pos x="connsiteX118" y="connsiteY118"/>
-                </a:cxn>
-                <a:cxn ang="0">
-                  <a:pos x="connsiteX119" y="connsiteY119"/>
-                </a:cxn>
-                <a:cxn ang="0">
-                  <a:pos x="connsiteX120" y="connsiteY120"/>
-                </a:cxn>
-                <a:cxn ang="0">
-                  <a:pos x="connsiteX121" y="connsiteY121"/>
-                </a:cxn>
-                <a:cxn ang="0">
-                  <a:pos x="connsiteX122" y="connsiteY122"/>
-                </a:cxn>
-                <a:cxn ang="0">
-                  <a:pos x="connsiteX123" y="connsiteY123"/>
-                </a:cxn>
-                <a:cxn ang="0">
-                  <a:pos x="connsiteX124" y="connsiteY124"/>
-                </a:cxn>
-                <a:cxn ang="0">
-                  <a:pos x="connsiteX125" y="connsiteY125"/>
-                </a:cxn>
-              </a:cxnLst>
-              <a:rect l="l" t="t" r="r" b="b"/>
-              <a:pathLst>
-                <a:path w="5119345" h="1589315">
-                  <a:moveTo>
-                    <a:pt x="0" y="772886"/>
-                  </a:moveTo>
-                  <a:cubicBezTo>
-                    <a:pt x="101600" y="711200"/>
-                    <a:pt x="206394" y="654491"/>
-                    <a:pt x="304800" y="587829"/>
-                  </a:cubicBezTo>
-                  <a:cubicBezTo>
-                    <a:pt x="349700" y="557413"/>
-                    <a:pt x="342475" y="500758"/>
-                    <a:pt x="359228" y="457200"/>
-                  </a:cubicBezTo>
-                  <a:cubicBezTo>
-                    <a:pt x="366823" y="437452"/>
-                    <a:pt x="381610" y="421267"/>
-                    <a:pt x="391885" y="402772"/>
-                  </a:cubicBezTo>
-                  <a:cubicBezTo>
-                    <a:pt x="412200" y="366205"/>
-                    <a:pt x="410547" y="357673"/>
-                    <a:pt x="435428" y="326572"/>
-                  </a:cubicBezTo>
-                  <a:cubicBezTo>
-                    <a:pt x="441839" y="318558"/>
-                    <a:pt x="450789" y="312814"/>
-                    <a:pt x="457200" y="304800"/>
-                  </a:cubicBezTo>
-                  <a:cubicBezTo>
-                    <a:pt x="465373" y="294584"/>
-                    <a:pt x="470798" y="282359"/>
-                    <a:pt x="478971" y="272143"/>
-                  </a:cubicBezTo>
-                  <a:cubicBezTo>
-                    <a:pt x="485382" y="264129"/>
-                    <a:pt x="494585" y="258583"/>
-                    <a:pt x="500743" y="250372"/>
-                  </a:cubicBezTo>
-                  <a:cubicBezTo>
-                    <a:pt x="516442" y="229439"/>
-                    <a:pt x="525783" y="203560"/>
-                    <a:pt x="544285" y="185058"/>
-                  </a:cubicBezTo>
-                  <a:cubicBezTo>
-                    <a:pt x="551542" y="177801"/>
-                    <a:pt x="559646" y="171300"/>
-                    <a:pt x="566057" y="163286"/>
-                  </a:cubicBezTo>
-                  <a:cubicBezTo>
-                    <a:pt x="574230" y="153070"/>
-                    <a:pt x="576734" y="137563"/>
-                    <a:pt x="587828" y="130629"/>
-                  </a:cubicBezTo>
-                  <a:cubicBezTo>
-                    <a:pt x="607289" y="118466"/>
-                    <a:pt x="653143" y="108858"/>
-                    <a:pt x="653143" y="108858"/>
-                  </a:cubicBezTo>
-                  <a:cubicBezTo>
-                    <a:pt x="689429" y="112486"/>
-                    <a:pt x="727405" y="108211"/>
-                    <a:pt x="762000" y="119743"/>
-                  </a:cubicBezTo>
-                  <a:cubicBezTo>
-                    <a:pt x="774412" y="123880"/>
-                    <a:pt x="775156" y="142554"/>
-                    <a:pt x="783771" y="152400"/>
-                  </a:cubicBezTo>
-                  <a:cubicBezTo>
-                    <a:pt x="872922" y="254288"/>
-                    <a:pt x="810980" y="165998"/>
-                    <a:pt x="859971" y="239486"/>
-                  </a:cubicBezTo>
-                  <a:cubicBezTo>
-                    <a:pt x="960484" y="172478"/>
-                    <a:pt x="836844" y="257988"/>
-                    <a:pt x="914400" y="195943"/>
-                  </a:cubicBezTo>
-                  <a:cubicBezTo>
-                    <a:pt x="924616" y="187770"/>
-                    <a:pt x="936171" y="181429"/>
-                    <a:pt x="947057" y="174172"/>
-                  </a:cubicBezTo>
-                  <a:cubicBezTo>
-                    <a:pt x="968828" y="177801"/>
-                    <a:pt x="992202" y="176094"/>
-                    <a:pt x="1012371" y="185058"/>
-                  </a:cubicBezTo>
-                  <a:cubicBezTo>
-                    <a:pt x="1026439" y="191310"/>
-                    <a:pt x="1036080" y="205188"/>
-                    <a:pt x="1045028" y="217715"/>
-                  </a:cubicBezTo>
-                  <a:cubicBezTo>
-                    <a:pt x="1054460" y="230920"/>
-                    <a:pt x="1060209" y="246429"/>
-                    <a:pt x="1066800" y="261258"/>
-                  </a:cubicBezTo>
-                  <a:cubicBezTo>
-                    <a:pt x="1082684" y="296997"/>
-                    <a:pt x="1089726" y="326242"/>
-                    <a:pt x="1110343" y="359229"/>
-                  </a:cubicBezTo>
-                  <a:cubicBezTo>
-                    <a:pt x="1138750" y="404681"/>
-                    <a:pt x="1168733" y="428505"/>
-                    <a:pt x="1208314" y="468086"/>
-                  </a:cubicBezTo>
-                  <a:cubicBezTo>
-                    <a:pt x="1215571" y="475343"/>
-                    <a:pt x="1221545" y="484165"/>
-                    <a:pt x="1230085" y="489858"/>
-                  </a:cubicBezTo>
-                  <a:cubicBezTo>
-                    <a:pt x="1240971" y="497115"/>
-                    <a:pt x="1252964" y="502937"/>
-                    <a:pt x="1262743" y="511629"/>
-                  </a:cubicBezTo>
-                  <a:cubicBezTo>
-                    <a:pt x="1262797" y="511677"/>
-                    <a:pt x="1330459" y="579346"/>
-                    <a:pt x="1349828" y="598715"/>
-                  </a:cubicBezTo>
-                  <a:lnTo>
-                    <a:pt x="1371600" y="620486"/>
-                  </a:lnTo>
-                  <a:cubicBezTo>
-                    <a:pt x="1378857" y="627743"/>
-                    <a:pt x="1384831" y="636565"/>
-                    <a:pt x="1393371" y="642258"/>
-                  </a:cubicBezTo>
-                  <a:cubicBezTo>
-                    <a:pt x="1404257" y="649515"/>
-                    <a:pt x="1415812" y="655856"/>
-                    <a:pt x="1426028" y="664029"/>
-                  </a:cubicBezTo>
-                  <a:cubicBezTo>
-                    <a:pt x="1468722" y="698183"/>
-                    <a:pt x="1423744" y="677781"/>
-                    <a:pt x="1480457" y="696686"/>
-                  </a:cubicBezTo>
-                  <a:cubicBezTo>
-                    <a:pt x="1487714" y="685800"/>
-                    <a:pt x="1497634" y="676279"/>
-                    <a:pt x="1502228" y="664029"/>
-                  </a:cubicBezTo>
-                  <a:cubicBezTo>
-                    <a:pt x="1508725" y="646705"/>
-                    <a:pt x="1509100" y="627662"/>
-                    <a:pt x="1513114" y="609600"/>
-                  </a:cubicBezTo>
-                  <a:cubicBezTo>
-                    <a:pt x="1516360" y="594996"/>
-                    <a:pt x="1519890" y="580443"/>
-                    <a:pt x="1524000" y="566058"/>
-                  </a:cubicBezTo>
-                  <a:cubicBezTo>
-                    <a:pt x="1534680" y="528677"/>
-                    <a:pt x="1537299" y="528572"/>
-                    <a:pt x="1556657" y="489858"/>
-                  </a:cubicBezTo>
-                  <a:cubicBezTo>
-                    <a:pt x="1560286" y="475344"/>
-                    <a:pt x="1561650" y="460066"/>
-                    <a:pt x="1567543" y="446315"/>
-                  </a:cubicBezTo>
-                  <a:cubicBezTo>
-                    <a:pt x="1572697" y="434290"/>
-                    <a:pt x="1585555" y="426189"/>
-                    <a:pt x="1589314" y="413658"/>
-                  </a:cubicBezTo>
-                  <a:cubicBezTo>
-                    <a:pt x="1596687" y="389082"/>
-                    <a:pt x="1595168" y="362618"/>
-                    <a:pt x="1600200" y="337458"/>
-                  </a:cubicBezTo>
-                  <a:cubicBezTo>
-                    <a:pt x="1602450" y="326206"/>
-                    <a:pt x="1607933" y="315833"/>
-                    <a:pt x="1611085" y="304800"/>
-                  </a:cubicBezTo>
-                  <a:cubicBezTo>
-                    <a:pt x="1615735" y="288525"/>
-                    <a:pt x="1624158" y="245999"/>
-                    <a:pt x="1632857" y="228600"/>
-                  </a:cubicBezTo>
-                  <a:cubicBezTo>
-                    <a:pt x="1638708" y="216898"/>
-                    <a:pt x="1646455" y="206159"/>
-                    <a:pt x="1654628" y="195943"/>
-                  </a:cubicBezTo>
-                  <a:cubicBezTo>
-                    <a:pt x="1661039" y="187929"/>
-                    <a:pt x="1667599" y="179452"/>
-                    <a:pt x="1676400" y="174172"/>
-                  </a:cubicBezTo>
-                  <a:cubicBezTo>
-                    <a:pt x="1686239" y="168268"/>
-                    <a:pt x="1698171" y="166915"/>
-                    <a:pt x="1709057" y="163286"/>
-                  </a:cubicBezTo>
-                  <a:cubicBezTo>
-                    <a:pt x="1719943" y="166915"/>
-                    <a:pt x="1732167" y="167807"/>
-                    <a:pt x="1741714" y="174172"/>
-                  </a:cubicBezTo>
-                  <a:cubicBezTo>
-                    <a:pt x="1774958" y="196335"/>
-                    <a:pt x="1773195" y="210801"/>
-                    <a:pt x="1796143" y="239486"/>
-                  </a:cubicBezTo>
-                  <a:cubicBezTo>
-                    <a:pt x="1802554" y="247500"/>
-                    <a:pt x="1812221" y="252718"/>
-                    <a:pt x="1817914" y="261258"/>
-                  </a:cubicBezTo>
-                  <a:cubicBezTo>
-                    <a:pt x="1826915" y="274760"/>
-                    <a:pt x="1828211" y="293326"/>
-                    <a:pt x="1839685" y="304800"/>
-                  </a:cubicBezTo>
-                  <a:cubicBezTo>
-                    <a:pt x="1851160" y="316275"/>
-                    <a:pt x="1870023" y="317140"/>
-                    <a:pt x="1883228" y="326572"/>
-                  </a:cubicBezTo>
-                  <a:cubicBezTo>
-                    <a:pt x="1895755" y="335520"/>
-                    <a:pt x="1902428" y="351753"/>
-                    <a:pt x="1915885" y="359229"/>
-                  </a:cubicBezTo>
-                  <a:cubicBezTo>
-                    <a:pt x="1935946" y="370374"/>
-                    <a:pt x="1981200" y="381000"/>
-                    <a:pt x="1981200" y="381000"/>
-                  </a:cubicBezTo>
-                  <a:cubicBezTo>
-                    <a:pt x="1988457" y="388257"/>
-                    <a:pt x="1993791" y="398182"/>
-                    <a:pt x="2002971" y="402772"/>
-                  </a:cubicBezTo>
-                  <a:cubicBezTo>
-                    <a:pt x="2023497" y="413035"/>
-                    <a:pt x="2068285" y="424543"/>
-                    <a:pt x="2068285" y="424543"/>
-                  </a:cubicBezTo>
-                  <a:cubicBezTo>
-                    <a:pt x="2104051" y="400700"/>
-                    <a:pt x="2148518" y="369107"/>
-                    <a:pt x="2188028" y="359229"/>
-                  </a:cubicBezTo>
-                  <a:cubicBezTo>
-                    <a:pt x="2242703" y="345560"/>
-                    <a:pt x="2217378" y="353074"/>
-                    <a:pt x="2264228" y="337458"/>
-                  </a:cubicBezTo>
-                  <a:cubicBezTo>
-                    <a:pt x="2304002" y="397117"/>
-                    <a:pt x="2280151" y="358417"/>
-                    <a:pt x="2329543" y="457200"/>
-                  </a:cubicBezTo>
-                  <a:cubicBezTo>
-                    <a:pt x="2341262" y="480637"/>
-                    <a:pt x="2355134" y="512885"/>
-                    <a:pt x="2373085" y="533400"/>
-                  </a:cubicBezTo>
-                  <a:cubicBezTo>
-                    <a:pt x="2406191" y="571236"/>
-                    <a:pt x="2428871" y="579658"/>
-                    <a:pt x="2449285" y="620486"/>
-                  </a:cubicBezTo>
-                  <a:cubicBezTo>
-                    <a:pt x="2454417" y="630749"/>
-                    <a:pt x="2454267" y="643304"/>
-                    <a:pt x="2460171" y="653143"/>
-                  </a:cubicBezTo>
-                  <a:cubicBezTo>
-                    <a:pt x="2465452" y="661944"/>
-                    <a:pt x="2475785" y="666704"/>
-                    <a:pt x="2481943" y="674915"/>
-                  </a:cubicBezTo>
-                  <a:cubicBezTo>
-                    <a:pt x="2497642" y="695848"/>
-                    <a:pt x="2515767" y="715935"/>
-                    <a:pt x="2525485" y="740229"/>
-                  </a:cubicBezTo>
-                  <a:cubicBezTo>
-                    <a:pt x="2542739" y="783364"/>
-                    <a:pt x="2550603" y="811401"/>
-                    <a:pt x="2579914" y="849086"/>
-                  </a:cubicBezTo>
-                  <a:cubicBezTo>
-                    <a:pt x="2606222" y="882910"/>
-                    <a:pt x="2633609" y="900243"/>
-                    <a:pt x="2667000" y="925286"/>
-                  </a:cubicBezTo>
-                  <a:cubicBezTo>
-                    <a:pt x="2674257" y="936172"/>
-                    <a:pt x="2676079" y="954770"/>
-                    <a:pt x="2688771" y="957943"/>
-                  </a:cubicBezTo>
-                  <a:cubicBezTo>
-                    <a:pt x="2706802" y="962451"/>
-                    <a:pt x="2720552" y="907457"/>
-                    <a:pt x="2721428" y="903515"/>
-                  </a:cubicBezTo>
-                  <a:cubicBezTo>
-                    <a:pt x="2723404" y="894623"/>
-                    <a:pt x="2730947" y="823923"/>
-                    <a:pt x="2743200" y="805543"/>
-                  </a:cubicBezTo>
-                  <a:cubicBezTo>
-                    <a:pt x="2751739" y="792734"/>
-                    <a:pt x="2764971" y="783772"/>
-                    <a:pt x="2775857" y="772886"/>
-                  </a:cubicBezTo>
-                  <a:cubicBezTo>
-                    <a:pt x="2786743" y="780143"/>
-                    <a:pt x="2800138" y="784607"/>
-                    <a:pt x="2808514" y="794658"/>
-                  </a:cubicBezTo>
-                  <a:cubicBezTo>
-                    <a:pt x="2850235" y="844723"/>
-                    <a:pt x="2811454" y="842610"/>
-                    <a:pt x="2852057" y="903515"/>
-                  </a:cubicBezTo>
-                  <a:lnTo>
-                    <a:pt x="2873828" y="936172"/>
-                  </a:lnTo>
-                  <a:lnTo>
-                    <a:pt x="2906485" y="1066800"/>
-                  </a:lnTo>
-                  <a:cubicBezTo>
-                    <a:pt x="2911104" y="1085277"/>
-                    <a:pt x="2919581" y="1123912"/>
-                    <a:pt x="2928257" y="1143000"/>
-                  </a:cubicBezTo>
-                  <a:cubicBezTo>
-                    <a:pt x="2941687" y="1172546"/>
-                    <a:pt x="2961537" y="1199296"/>
-                    <a:pt x="2971800" y="1230086"/>
-                  </a:cubicBezTo>
-                  <a:cubicBezTo>
-                    <a:pt x="2985930" y="1272480"/>
-                    <a:pt x="2974571" y="1254629"/>
-                    <a:pt x="3004457" y="1284515"/>
-                  </a:cubicBezTo>
-                  <a:cubicBezTo>
-                    <a:pt x="3011714" y="1302658"/>
-                    <a:pt x="3016533" y="1321977"/>
-                    <a:pt x="3026228" y="1338943"/>
-                  </a:cubicBezTo>
-                  <a:cubicBezTo>
-                    <a:pt x="3031320" y="1347854"/>
-                    <a:pt x="3041842" y="1352504"/>
-                    <a:pt x="3048000" y="1360715"/>
-                  </a:cubicBezTo>
-                  <a:cubicBezTo>
-                    <a:pt x="3070153" y="1390252"/>
-                    <a:pt x="3097653" y="1440370"/>
-                    <a:pt x="3124200" y="1469572"/>
-                  </a:cubicBezTo>
-                  <a:cubicBezTo>
-                    <a:pt x="3148363" y="1496151"/>
-                    <a:pt x="3175000" y="1520372"/>
-                    <a:pt x="3200400" y="1545772"/>
-                  </a:cubicBezTo>
-                  <a:cubicBezTo>
-                    <a:pt x="3243636" y="1589008"/>
-                    <a:pt x="3218122" y="1574695"/>
-                    <a:pt x="3276600" y="1589315"/>
-                  </a:cubicBezTo>
-                  <a:cubicBezTo>
-                    <a:pt x="3291114" y="1578429"/>
-                    <a:pt x="3306205" y="1568273"/>
-                    <a:pt x="3320143" y="1556658"/>
-                  </a:cubicBezTo>
-                  <a:cubicBezTo>
-                    <a:pt x="3328027" y="1550088"/>
-                    <a:pt x="3333704" y="1541044"/>
-                    <a:pt x="3341914" y="1534886"/>
-                  </a:cubicBezTo>
-                  <a:cubicBezTo>
-                    <a:pt x="3440394" y="1461025"/>
-                    <a:pt x="3379066" y="1519504"/>
-                    <a:pt x="3429000" y="1469572"/>
-                  </a:cubicBezTo>
-                  <a:cubicBezTo>
-                    <a:pt x="3432628" y="1458686"/>
-                    <a:pt x="3433982" y="1446754"/>
-                    <a:pt x="3439885" y="1436915"/>
-                  </a:cubicBezTo>
-                  <a:cubicBezTo>
-                    <a:pt x="3484715" y="1362197"/>
-                    <a:pt x="3441703" y="1475002"/>
-                    <a:pt x="3472543" y="1382486"/>
-                  </a:cubicBezTo>
-                  <a:cubicBezTo>
-                    <a:pt x="3476171" y="1338943"/>
-                    <a:pt x="3476245" y="1294957"/>
-                    <a:pt x="3483428" y="1251858"/>
-                  </a:cubicBezTo>
-                  <a:cubicBezTo>
-                    <a:pt x="3487201" y="1229221"/>
-                    <a:pt x="3497943" y="1208315"/>
-                    <a:pt x="3505200" y="1186543"/>
-                  </a:cubicBezTo>
-                  <a:lnTo>
-                    <a:pt x="3516085" y="1153886"/>
-                  </a:lnTo>
-                  <a:cubicBezTo>
-                    <a:pt x="3542193" y="1075561"/>
-                    <a:pt x="3510510" y="1173400"/>
-                    <a:pt x="3537857" y="1077686"/>
-                  </a:cubicBezTo>
-                  <a:cubicBezTo>
-                    <a:pt x="3546388" y="1047827"/>
-                    <a:pt x="3559015" y="1019349"/>
-                    <a:pt x="3570514" y="990600"/>
-                  </a:cubicBezTo>
-                  <a:cubicBezTo>
-                    <a:pt x="3571830" y="982703"/>
-                    <a:pt x="3580376" y="910492"/>
-                    <a:pt x="3592285" y="892629"/>
-                  </a:cubicBezTo>
-                  <a:cubicBezTo>
-                    <a:pt x="3600825" y="879820"/>
-                    <a:pt x="3613254" y="869991"/>
-                    <a:pt x="3624943" y="859972"/>
-                  </a:cubicBezTo>
-                  <a:cubicBezTo>
-                    <a:pt x="3638718" y="848165"/>
-                    <a:pt x="3652258" y="835429"/>
-                    <a:pt x="3668485" y="827315"/>
-                  </a:cubicBezTo>
-                  <a:cubicBezTo>
-                    <a:pt x="3689012" y="817052"/>
-                    <a:pt x="3733800" y="805543"/>
-                    <a:pt x="3733800" y="805543"/>
-                  </a:cubicBezTo>
-                  <a:cubicBezTo>
-                    <a:pt x="3744686" y="809172"/>
-                    <a:pt x="3756618" y="822333"/>
-                    <a:pt x="3766457" y="816429"/>
-                  </a:cubicBezTo>
-                  <a:cubicBezTo>
-                    <a:pt x="3792429" y="800845"/>
-                    <a:pt x="3797432" y="708457"/>
-                    <a:pt x="3799114" y="696686"/>
-                  </a:cubicBezTo>
-                  <a:cubicBezTo>
-                    <a:pt x="3802743" y="638629"/>
-                    <a:pt x="3804961" y="580467"/>
-                    <a:pt x="3810000" y="522515"/>
-                  </a:cubicBezTo>
-                  <a:cubicBezTo>
-                    <a:pt x="3816650" y="446037"/>
-                    <a:pt x="3819462" y="450584"/>
-                    <a:pt x="3842657" y="381000"/>
-                  </a:cubicBezTo>
-                  <a:cubicBezTo>
-                    <a:pt x="3846286" y="370114"/>
-                    <a:pt x="3847178" y="357890"/>
-                    <a:pt x="3853543" y="348343"/>
-                  </a:cubicBezTo>
-                  <a:cubicBezTo>
-                    <a:pt x="3860800" y="337457"/>
-                    <a:pt x="3870001" y="327641"/>
-                    <a:pt x="3875314" y="315686"/>
-                  </a:cubicBezTo>
-                  <a:cubicBezTo>
-                    <a:pt x="3884634" y="294715"/>
-                    <a:pt x="3889828" y="272143"/>
-                    <a:pt x="3897085" y="250372"/>
-                  </a:cubicBezTo>
-                  <a:lnTo>
-                    <a:pt x="3918857" y="185058"/>
-                  </a:lnTo>
-                  <a:cubicBezTo>
-                    <a:pt x="3930119" y="151273"/>
-                    <a:pt x="3931336" y="142488"/>
-                    <a:pt x="3951514" y="108858"/>
-                  </a:cubicBezTo>
-                  <a:cubicBezTo>
-                    <a:pt x="3981803" y="58376"/>
-                    <a:pt x="3990292" y="38491"/>
-                    <a:pt x="4038600" y="10886"/>
-                  </a:cubicBezTo>
-                  <a:cubicBezTo>
-                    <a:pt x="4048563" y="5193"/>
-                    <a:pt x="4060371" y="3629"/>
-                    <a:pt x="4071257" y="0"/>
-                  </a:cubicBezTo>
-                  <a:cubicBezTo>
-                    <a:pt x="4186179" y="57462"/>
-                    <a:pt x="4028596" y="-35106"/>
-                    <a:pt x="4136571" y="108858"/>
-                  </a:cubicBezTo>
-                  <a:cubicBezTo>
-                    <a:pt x="4147457" y="123372"/>
-                    <a:pt x="4159164" y="137304"/>
-                    <a:pt x="4169228" y="152400"/>
-                  </a:cubicBezTo>
-                  <a:cubicBezTo>
-                    <a:pt x="4180964" y="170005"/>
-                    <a:pt x="4189587" y="189612"/>
-                    <a:pt x="4201885" y="206829"/>
-                  </a:cubicBezTo>
-                  <a:cubicBezTo>
-                    <a:pt x="4207850" y="215180"/>
-                    <a:pt x="4217087" y="220716"/>
-                    <a:pt x="4223657" y="228600"/>
-                  </a:cubicBezTo>
-                  <a:cubicBezTo>
-                    <a:pt x="4235272" y="242538"/>
-                    <a:pt x="4245769" y="257379"/>
-                    <a:pt x="4256314" y="272143"/>
-                  </a:cubicBezTo>
-                  <a:cubicBezTo>
-                    <a:pt x="4290644" y="320206"/>
-                    <a:pt x="4263447" y="290162"/>
-                    <a:pt x="4299857" y="326572"/>
-                  </a:cubicBezTo>
-                  <a:cubicBezTo>
-                    <a:pt x="4310743" y="315686"/>
-                    <a:pt x="4322659" y="305742"/>
-                    <a:pt x="4332514" y="293915"/>
-                  </a:cubicBezTo>
-                  <a:cubicBezTo>
-                    <a:pt x="4340889" y="283864"/>
-                    <a:pt x="4344439" y="269873"/>
-                    <a:pt x="4354285" y="261258"/>
-                  </a:cubicBezTo>
-                  <a:cubicBezTo>
-                    <a:pt x="4373977" y="244027"/>
-                    <a:pt x="4419600" y="217715"/>
-                    <a:pt x="4419600" y="217715"/>
-                  </a:cubicBezTo>
-                  <a:cubicBezTo>
-                    <a:pt x="4441371" y="221343"/>
-                    <a:pt x="4464248" y="220850"/>
-                    <a:pt x="4484914" y="228600"/>
-                  </a:cubicBezTo>
-                  <a:cubicBezTo>
-                    <a:pt x="4508486" y="237439"/>
-                    <a:pt x="4510497" y="264166"/>
-                    <a:pt x="4517571" y="283029"/>
-                  </a:cubicBezTo>
-                  <a:cubicBezTo>
-                    <a:pt x="4524432" y="301325"/>
-                    <a:pt x="4532086" y="319315"/>
-                    <a:pt x="4539343" y="337458"/>
-                  </a:cubicBezTo>
-                  <a:cubicBezTo>
-                    <a:pt x="4542971" y="359229"/>
-                    <a:pt x="4545440" y="381226"/>
-                    <a:pt x="4550228" y="402772"/>
-                  </a:cubicBezTo>
-                  <a:cubicBezTo>
-                    <a:pt x="4552717" y="413973"/>
-                    <a:pt x="4558331" y="424297"/>
-                    <a:pt x="4561114" y="435429"/>
-                  </a:cubicBezTo>
-                  <a:cubicBezTo>
-                    <a:pt x="4569552" y="469179"/>
-                    <a:pt x="4569063" y="492107"/>
-                    <a:pt x="4582885" y="522515"/>
-                  </a:cubicBezTo>
-                  <a:cubicBezTo>
-                    <a:pt x="4596315" y="552061"/>
-                    <a:pt x="4611914" y="580572"/>
-                    <a:pt x="4626428" y="609600"/>
-                  </a:cubicBezTo>
-                  <a:cubicBezTo>
-                    <a:pt x="4641326" y="639395"/>
-                    <a:pt x="4649458" y="660158"/>
-                    <a:pt x="4669971" y="685800"/>
-                  </a:cubicBezTo>
-                  <a:cubicBezTo>
-                    <a:pt x="4676382" y="693814"/>
-                    <a:pt x="4684486" y="700315"/>
-                    <a:pt x="4691743" y="707572"/>
-                  </a:cubicBezTo>
-                  <a:cubicBezTo>
-                    <a:pt x="4722962" y="686758"/>
-                    <a:pt x="4731913" y="683875"/>
-                    <a:pt x="4757057" y="653143"/>
-                  </a:cubicBezTo>
-                  <a:cubicBezTo>
-                    <a:pt x="4780034" y="625060"/>
-                    <a:pt x="4802243" y="596249"/>
-                    <a:pt x="4822371" y="566058"/>
-                  </a:cubicBezTo>
-                  <a:cubicBezTo>
-                    <a:pt x="4829628" y="555172"/>
-                    <a:pt x="4835767" y="543451"/>
-                    <a:pt x="4844143" y="533400"/>
-                  </a:cubicBezTo>
-                  <a:cubicBezTo>
-                    <a:pt x="4870336" y="501969"/>
-                    <a:pt x="4877346" y="500379"/>
-                    <a:pt x="4909457" y="478972"/>
-                  </a:cubicBezTo>
-                  <a:cubicBezTo>
-                    <a:pt x="4960257" y="482601"/>
-                    <a:pt x="5012448" y="477506"/>
-                    <a:pt x="5061857" y="489858"/>
-                  </a:cubicBezTo>
-                  <a:cubicBezTo>
-                    <a:pt x="5091559" y="497283"/>
-                    <a:pt x="5069843" y="548881"/>
-                    <a:pt x="5116285" y="533400"/>
-                  </a:cubicBezTo>
-                  <a:cubicBezTo>
-                    <a:pt x="5123170" y="531105"/>
-                    <a:pt x="5116285" y="518886"/>
-                    <a:pt x="5116285" y="511629"/>
-                  </a:cubicBezTo>
-                </a:path>
-              </a:pathLst>
-            </a:custGeom>
-            <a:noFill/>
-            <a:ln w="57150">
-              <a:solidFill>
-                <a:schemeClr val="accent1">
-                  <a:lumMod val="50000"/>
-                </a:schemeClr>
-              </a:solidFill>
-            </a:ln>
-          </p:spPr>
-          <p:style>
-            <a:lnRef idx="2">
-              <a:schemeClr val="accent1">
-                <a:shade val="50000"/>
-              </a:schemeClr>
-            </a:lnRef>
-            <a:fillRef idx="1">
-              <a:schemeClr val="accent1"/>
-            </a:fillRef>
-            <a:effectRef idx="0">
-              <a:schemeClr val="accent1"/>
-            </a:effectRef>
-            <a:fontRef idx="minor">
-              <a:schemeClr val="lt1"/>
-            </a:fontRef>
-          </p:style>
-          <p:txBody>
-            <a:bodyPr rtlCol="0" anchor="ctr"/>
-            <a:lstStyle/>
-            <a:p>
-              <a:pPr algn="ctr"/>
-              <a:endParaRPr lang="en-US"/>
-            </a:p>
-          </p:txBody>
-        </p:sp>
-        <p:sp>
-          <p:nvSpPr>
-            <p:cNvPr id="9" name="TextBox 8">
-              <a:extLst>
-                <a:ext uri="{FF2B5EF4-FFF2-40B4-BE49-F238E27FC236}">
-                  <a16:creationId xmlns:a16="http://schemas.microsoft.com/office/drawing/2014/main" id="{50C6936C-FFA0-1A98-B2C1-B8D0172BF86E}"/>
-                </a:ext>
-              </a:extLst>
-            </p:cNvPr>
-            <p:cNvSpPr txBox="1"/>
-            <p:nvPr/>
-          </p:nvSpPr>
-          <p:spPr>
-            <a:xfrm>
-              <a:off x="2412230" y="3427057"/>
-              <a:ext cx="975083" cy="422132"/>
-            </a:xfrm>
-            <a:prstGeom prst="rect">
-              <a:avLst/>
-            </a:prstGeom>
-            <a:noFill/>
-          </p:spPr>
-          <p:txBody>
-            <a:bodyPr wrap="none" rtlCol="0">
-              <a:spAutoFit/>
-            </a:bodyPr>
-            <a:lstStyle/>
-            <a:p>
-              <a:r>
-                <a:rPr lang="en-US" dirty="0"/>
-                <a:t>time -&gt;</a:t>
-              </a:r>
-            </a:p>
-          </p:txBody>
-        </p:sp>
-        <p:sp>
-          <p:nvSpPr>
-            <p:cNvPr id="10" name="TextBox 9">
-              <a:extLst>
-                <a:ext uri="{FF2B5EF4-FFF2-40B4-BE49-F238E27FC236}">
-                  <a16:creationId xmlns:a16="http://schemas.microsoft.com/office/drawing/2014/main" id="{2F05AA5F-E5D7-AC4B-4840-CB01AF50827E}"/>
-                </a:ext>
-              </a:extLst>
-            </p:cNvPr>
-            <p:cNvSpPr txBox="1"/>
-            <p:nvPr/>
-          </p:nvSpPr>
-          <p:spPr>
-            <a:xfrm>
-              <a:off x="1932548" y="1622365"/>
-              <a:ext cx="2255523" cy="422132"/>
-            </a:xfrm>
-            <a:prstGeom prst="rect">
-              <a:avLst/>
-            </a:prstGeom>
-            <a:noFill/>
-          </p:spPr>
-          <p:txBody>
-            <a:bodyPr wrap="square" rtlCol="0">
-              <a:spAutoFit/>
-            </a:bodyPr>
-            <a:lstStyle/>
-            <a:p>
-              <a:r>
-                <a:rPr lang="en-US" dirty="0"/>
-                <a:t>Stimulus feature</a:t>
-              </a:r>
-            </a:p>
-          </p:txBody>
-        </p:sp>
-        <p:grpSp>
-          <p:nvGrpSpPr>
-            <p:cNvPr id="11" name="Group 10">
-              <a:extLst>
-                <a:ext uri="{FF2B5EF4-FFF2-40B4-BE49-F238E27FC236}">
-                  <a16:creationId xmlns:a16="http://schemas.microsoft.com/office/drawing/2014/main" id="{E60C54EE-B8D9-E1A0-A153-ABB16800DAF7}"/>
-                </a:ext>
-              </a:extLst>
-            </p:cNvPr>
-            <p:cNvGrpSpPr/>
-            <p:nvPr/>
-          </p:nvGrpSpPr>
-          <p:grpSpPr>
-            <a:xfrm>
-              <a:off x="5075509" y="1622364"/>
-              <a:ext cx="6038806" cy="2381169"/>
-              <a:chOff x="5075509" y="1622364"/>
-              <a:chExt cx="6038806" cy="2381169"/>
-            </a:xfrm>
-          </p:grpSpPr>
-          <p:grpSp>
-            <p:nvGrpSpPr>
-              <p:cNvPr id="12" name="Group 11">
-                <a:extLst>
-                  <a:ext uri="{FF2B5EF4-FFF2-40B4-BE49-F238E27FC236}">
-                    <a16:creationId xmlns:a16="http://schemas.microsoft.com/office/drawing/2014/main" id="{1A8D29FC-FF16-D600-45EF-26677214C7D0}"/>
-                  </a:ext>
-                </a:extLst>
-              </p:cNvPr>
-              <p:cNvGrpSpPr/>
-              <p:nvPr/>
-            </p:nvGrpSpPr>
-            <p:grpSpPr>
-              <a:xfrm>
-                <a:off x="6509657" y="2329544"/>
-                <a:ext cx="4604658" cy="729343"/>
-                <a:chOff x="5889171" y="3113314"/>
-                <a:chExt cx="4604658" cy="729343"/>
-              </a:xfrm>
-            </p:grpSpPr>
-            <p:cxnSp>
-              <p:nvCxnSpPr>
-                <p:cNvPr id="16" name="Straight Connector 15">
-                  <a:extLst>
-                    <a:ext uri="{FF2B5EF4-FFF2-40B4-BE49-F238E27FC236}">
-                      <a16:creationId xmlns:a16="http://schemas.microsoft.com/office/drawing/2014/main" id="{CAE00F7D-F36C-ED66-36B0-BF54E65615A1}"/>
-                    </a:ext>
-                  </a:extLst>
-                </p:cNvPr>
-                <p:cNvCxnSpPr/>
-                <p:nvPr/>
-              </p:nvCxnSpPr>
-              <p:spPr>
-                <a:xfrm>
-                  <a:off x="5889171" y="3842657"/>
-                  <a:ext cx="4604658" cy="0"/>
-                </a:xfrm>
-                <a:prstGeom prst="line">
-                  <a:avLst/>
-                </a:prstGeom>
-                <a:ln w="57150">
-                  <a:solidFill>
-                    <a:schemeClr val="tx1"/>
-                  </a:solidFill>
-                </a:ln>
-              </p:spPr>
-              <p:style>
-                <a:lnRef idx="1">
-                  <a:schemeClr val="accent1"/>
-                </a:lnRef>
-                <a:fillRef idx="0">
-                  <a:schemeClr val="accent1"/>
-                </a:fillRef>
-                <a:effectRef idx="0">
-                  <a:schemeClr val="accent1"/>
-                </a:effectRef>
-                <a:fontRef idx="minor">
-                  <a:schemeClr val="tx1"/>
-                </a:fontRef>
-              </p:style>
-            </p:cxnSp>
-            <p:cxnSp>
-              <p:nvCxnSpPr>
-                <p:cNvPr id="17" name="Straight Connector 16">
-                  <a:extLst>
-                    <a:ext uri="{FF2B5EF4-FFF2-40B4-BE49-F238E27FC236}">
-                      <a16:creationId xmlns:a16="http://schemas.microsoft.com/office/drawing/2014/main" id="{3FD91ECB-FA82-B0C8-1A87-88658FB60A18}"/>
-                    </a:ext>
-                  </a:extLst>
-                </p:cNvPr>
-                <p:cNvCxnSpPr/>
-                <p:nvPr/>
-              </p:nvCxnSpPr>
-              <p:spPr>
-                <a:xfrm flipV="1">
-                  <a:off x="6477000" y="3113314"/>
-                  <a:ext cx="0" cy="729343"/>
-                </a:xfrm>
-                <a:prstGeom prst="line">
-                  <a:avLst/>
-                </a:prstGeom>
-                <a:ln w="57150">
-                  <a:solidFill>
-                    <a:schemeClr val="tx1"/>
-                  </a:solidFill>
-                </a:ln>
-              </p:spPr>
-              <p:style>
-                <a:lnRef idx="1">
-                  <a:schemeClr val="accent1"/>
-                </a:lnRef>
-                <a:fillRef idx="0">
-                  <a:schemeClr val="accent1"/>
-                </a:fillRef>
-                <a:effectRef idx="0">
-                  <a:schemeClr val="accent1"/>
-                </a:effectRef>
-                <a:fontRef idx="minor">
-                  <a:schemeClr val="tx1"/>
-                </a:fontRef>
-              </p:style>
-            </p:cxnSp>
-            <p:cxnSp>
-              <p:nvCxnSpPr>
-                <p:cNvPr id="18" name="Straight Connector 17">
-                  <a:extLst>
-                    <a:ext uri="{FF2B5EF4-FFF2-40B4-BE49-F238E27FC236}">
-                      <a16:creationId xmlns:a16="http://schemas.microsoft.com/office/drawing/2014/main" id="{3179AC18-0C53-3139-E8AF-7EC68F81C148}"/>
-                    </a:ext>
-                  </a:extLst>
-                </p:cNvPr>
-                <p:cNvCxnSpPr/>
-                <p:nvPr/>
-              </p:nvCxnSpPr>
-              <p:spPr>
-                <a:xfrm flipV="1">
-                  <a:off x="6792686" y="3113314"/>
-                  <a:ext cx="0" cy="729343"/>
-                </a:xfrm>
-                <a:prstGeom prst="line">
-                  <a:avLst/>
-                </a:prstGeom>
-                <a:ln w="57150">
-                  <a:solidFill>
-                    <a:schemeClr val="tx1"/>
-                  </a:solidFill>
-                </a:ln>
-              </p:spPr>
-              <p:style>
-                <a:lnRef idx="1">
-                  <a:schemeClr val="accent1"/>
-                </a:lnRef>
-                <a:fillRef idx="0">
-                  <a:schemeClr val="accent1"/>
-                </a:fillRef>
-                <a:effectRef idx="0">
-                  <a:schemeClr val="accent1"/>
-                </a:effectRef>
-                <a:fontRef idx="minor">
-                  <a:schemeClr val="tx1"/>
-                </a:fontRef>
-              </p:style>
-            </p:cxnSp>
-            <p:cxnSp>
-              <p:nvCxnSpPr>
-                <p:cNvPr id="19" name="Straight Connector 18">
-                  <a:extLst>
-                    <a:ext uri="{FF2B5EF4-FFF2-40B4-BE49-F238E27FC236}">
-                      <a16:creationId xmlns:a16="http://schemas.microsoft.com/office/drawing/2014/main" id="{07A09980-178F-EA4F-183A-BBDE3022CF11}"/>
-                    </a:ext>
-                  </a:extLst>
-                </p:cNvPr>
-                <p:cNvCxnSpPr/>
-                <p:nvPr/>
-              </p:nvCxnSpPr>
-              <p:spPr>
-                <a:xfrm flipV="1">
-                  <a:off x="6879771" y="3113314"/>
-                  <a:ext cx="0" cy="729343"/>
-                </a:xfrm>
-                <a:prstGeom prst="line">
-                  <a:avLst/>
-                </a:prstGeom>
-                <a:ln w="57150">
-                  <a:solidFill>
-                    <a:schemeClr val="tx1"/>
-                  </a:solidFill>
-                </a:ln>
-              </p:spPr>
-              <p:style>
-                <a:lnRef idx="1">
-                  <a:schemeClr val="accent1"/>
-                </a:lnRef>
-                <a:fillRef idx="0">
-                  <a:schemeClr val="accent1"/>
-                </a:fillRef>
-                <a:effectRef idx="0">
-                  <a:schemeClr val="accent1"/>
-                </a:effectRef>
-                <a:fontRef idx="minor">
-                  <a:schemeClr val="tx1"/>
-                </a:fontRef>
-              </p:style>
-            </p:cxnSp>
-            <p:cxnSp>
-              <p:nvCxnSpPr>
-                <p:cNvPr id="20" name="Straight Connector 19">
-                  <a:extLst>
-                    <a:ext uri="{FF2B5EF4-FFF2-40B4-BE49-F238E27FC236}">
-                      <a16:creationId xmlns:a16="http://schemas.microsoft.com/office/drawing/2014/main" id="{89FA1E30-845F-EF50-6680-3F9E848B95D5}"/>
-                    </a:ext>
-                  </a:extLst>
-                </p:cNvPr>
-                <p:cNvCxnSpPr/>
-                <p:nvPr/>
-              </p:nvCxnSpPr>
-              <p:spPr>
-                <a:xfrm flipV="1">
-                  <a:off x="8338457" y="3113314"/>
-                  <a:ext cx="0" cy="729343"/>
-                </a:xfrm>
-                <a:prstGeom prst="line">
-                  <a:avLst/>
-                </a:prstGeom>
-                <a:ln w="57150">
-                  <a:solidFill>
-                    <a:schemeClr val="tx1"/>
-                  </a:solidFill>
-                </a:ln>
-              </p:spPr>
-              <p:style>
-                <a:lnRef idx="1">
-                  <a:schemeClr val="accent1"/>
-                </a:lnRef>
-                <a:fillRef idx="0">
-                  <a:schemeClr val="accent1"/>
-                </a:fillRef>
-                <a:effectRef idx="0">
-                  <a:schemeClr val="accent1"/>
-                </a:effectRef>
-                <a:fontRef idx="minor">
-                  <a:schemeClr val="tx1"/>
-                </a:fontRef>
-              </p:style>
-            </p:cxnSp>
-            <p:cxnSp>
-              <p:nvCxnSpPr>
-                <p:cNvPr id="21" name="Straight Connector 20">
-                  <a:extLst>
-                    <a:ext uri="{FF2B5EF4-FFF2-40B4-BE49-F238E27FC236}">
-                      <a16:creationId xmlns:a16="http://schemas.microsoft.com/office/drawing/2014/main" id="{D5F6A6DE-F5BE-94DA-0E12-4B721BA30F95}"/>
-                    </a:ext>
-                  </a:extLst>
-                </p:cNvPr>
-                <p:cNvCxnSpPr/>
-                <p:nvPr/>
-              </p:nvCxnSpPr>
-              <p:spPr>
-                <a:xfrm flipV="1">
-                  <a:off x="8501743" y="3113314"/>
-                  <a:ext cx="0" cy="729343"/>
-                </a:xfrm>
-                <a:prstGeom prst="line">
-                  <a:avLst/>
-                </a:prstGeom>
-                <a:ln w="57150">
-                  <a:solidFill>
-                    <a:schemeClr val="tx1"/>
-                  </a:solidFill>
-                </a:ln>
-              </p:spPr>
-              <p:style>
-                <a:lnRef idx="1">
-                  <a:schemeClr val="accent1"/>
-                </a:lnRef>
-                <a:fillRef idx="0">
-                  <a:schemeClr val="accent1"/>
-                </a:fillRef>
-                <a:effectRef idx="0">
-                  <a:schemeClr val="accent1"/>
-                </a:effectRef>
-                <a:fontRef idx="minor">
-                  <a:schemeClr val="tx1"/>
-                </a:fontRef>
-              </p:style>
-            </p:cxnSp>
-            <p:cxnSp>
-              <p:nvCxnSpPr>
-                <p:cNvPr id="22" name="Straight Connector 21">
-                  <a:extLst>
-                    <a:ext uri="{FF2B5EF4-FFF2-40B4-BE49-F238E27FC236}">
-                      <a16:creationId xmlns:a16="http://schemas.microsoft.com/office/drawing/2014/main" id="{CDD55442-6BFD-59E9-02BA-AFF05E041485}"/>
-                    </a:ext>
-                  </a:extLst>
-                </p:cNvPr>
-                <p:cNvCxnSpPr/>
-                <p:nvPr/>
-              </p:nvCxnSpPr>
-              <p:spPr>
-                <a:xfrm flipV="1">
-                  <a:off x="9361714" y="3113314"/>
-                  <a:ext cx="0" cy="729343"/>
-                </a:xfrm>
-                <a:prstGeom prst="line">
-                  <a:avLst/>
-                </a:prstGeom>
-                <a:ln w="57150">
-                  <a:solidFill>
-                    <a:schemeClr val="tx1"/>
-                  </a:solidFill>
-                </a:ln>
-              </p:spPr>
-              <p:style>
-                <a:lnRef idx="1">
-                  <a:schemeClr val="accent1"/>
-                </a:lnRef>
-                <a:fillRef idx="0">
-                  <a:schemeClr val="accent1"/>
-                </a:fillRef>
-                <a:effectRef idx="0">
-                  <a:schemeClr val="accent1"/>
-                </a:effectRef>
-                <a:fontRef idx="minor">
-                  <a:schemeClr val="tx1"/>
-                </a:fontRef>
-              </p:style>
-            </p:cxnSp>
-            <p:cxnSp>
-              <p:nvCxnSpPr>
-                <p:cNvPr id="23" name="Straight Connector 22">
-                  <a:extLst>
-                    <a:ext uri="{FF2B5EF4-FFF2-40B4-BE49-F238E27FC236}">
-                      <a16:creationId xmlns:a16="http://schemas.microsoft.com/office/drawing/2014/main" id="{6BC2AD5A-6EAC-E295-0D7A-25D7029B30AB}"/>
-                    </a:ext>
-                  </a:extLst>
-                </p:cNvPr>
-                <p:cNvCxnSpPr/>
-                <p:nvPr/>
-              </p:nvCxnSpPr>
-              <p:spPr>
-                <a:xfrm flipV="1">
-                  <a:off x="9916885" y="3113314"/>
-                  <a:ext cx="0" cy="729343"/>
-                </a:xfrm>
-                <a:prstGeom prst="line">
-                  <a:avLst/>
-                </a:prstGeom>
-                <a:ln w="57150">
-                  <a:solidFill>
-                    <a:schemeClr val="tx1"/>
-                  </a:solidFill>
-                </a:ln>
-              </p:spPr>
-              <p:style>
-                <a:lnRef idx="1">
-                  <a:schemeClr val="accent1"/>
-                </a:lnRef>
-                <a:fillRef idx="0">
-                  <a:schemeClr val="accent1"/>
-                </a:fillRef>
-                <a:effectRef idx="0">
-                  <a:schemeClr val="accent1"/>
-                </a:effectRef>
-                <a:fontRef idx="minor">
-                  <a:schemeClr val="tx1"/>
-                </a:fontRef>
-              </p:style>
-            </p:cxnSp>
-          </p:grpSp>
-          <p:sp>
-            <p:nvSpPr>
-              <p:cNvPr id="13" name="TextBox 12">
-                <a:extLst>
-                  <a:ext uri="{FF2B5EF4-FFF2-40B4-BE49-F238E27FC236}">
-                    <a16:creationId xmlns:a16="http://schemas.microsoft.com/office/drawing/2014/main" id="{DB4B6DDA-C2E4-CF48-4895-D3F467CCDA85}"/>
-                  </a:ext>
-                </a:extLst>
-              </p:cNvPr>
-              <p:cNvSpPr txBox="1"/>
-              <p:nvPr/>
-            </p:nvSpPr>
-            <p:spPr>
-              <a:xfrm>
-                <a:off x="8532383" y="3581401"/>
-                <a:ext cx="975083" cy="422132"/>
-              </a:xfrm>
-              <a:prstGeom prst="rect">
-                <a:avLst/>
-              </a:prstGeom>
-              <a:noFill/>
-            </p:spPr>
-            <p:txBody>
-              <a:bodyPr wrap="none" rtlCol="0">
-                <a:spAutoFit/>
-              </a:bodyPr>
-              <a:lstStyle/>
-              <a:p>
-                <a:r>
-                  <a:rPr lang="en-US" dirty="0"/>
-                  <a:t>time -&gt;</a:t>
-                </a:r>
-              </a:p>
-            </p:txBody>
-          </p:sp>
-          <p:sp>
-            <p:nvSpPr>
-              <p:cNvPr id="14" name="Right Arrow 18">
-                <a:extLst>
-                  <a:ext uri="{FF2B5EF4-FFF2-40B4-BE49-F238E27FC236}">
-                    <a16:creationId xmlns:a16="http://schemas.microsoft.com/office/drawing/2014/main" id="{7DAD48E6-49F3-AD20-5D0D-3CED88CCE336}"/>
-                  </a:ext>
-                </a:extLst>
-              </p:cNvPr>
-              <p:cNvSpPr/>
-              <p:nvPr/>
-            </p:nvSpPr>
-            <p:spPr>
-              <a:xfrm>
-                <a:off x="5075509" y="2485844"/>
-                <a:ext cx="897927" cy="424475"/>
-              </a:xfrm>
-              <a:prstGeom prst="rightArrow">
-                <a:avLst/>
-              </a:prstGeom>
-            </p:spPr>
-            <p:style>
-              <a:lnRef idx="2">
-                <a:schemeClr val="accent4">
-                  <a:shade val="50000"/>
-                </a:schemeClr>
-              </a:lnRef>
-              <a:fillRef idx="1">
-                <a:schemeClr val="accent4"/>
-              </a:fillRef>
-              <a:effectRef idx="0">
-                <a:schemeClr val="accent4"/>
-              </a:effectRef>
-              <a:fontRef idx="minor">
-                <a:schemeClr val="lt1"/>
-              </a:fontRef>
-            </p:style>
-            <p:txBody>
-              <a:bodyPr rtlCol="0" anchor="ctr"/>
-              <a:lstStyle/>
-              <a:p>
-                <a:pPr algn="ctr"/>
-                <a:endParaRPr lang="en-US"/>
-              </a:p>
-            </p:txBody>
-          </p:sp>
-          <p:sp>
-            <p:nvSpPr>
-              <p:cNvPr id="15" name="TextBox 14">
-                <a:extLst>
-                  <a:ext uri="{FF2B5EF4-FFF2-40B4-BE49-F238E27FC236}">
-                    <a16:creationId xmlns:a16="http://schemas.microsoft.com/office/drawing/2014/main" id="{76531E12-429D-DCF7-AE7E-7BC5C34C188A}"/>
-                  </a:ext>
-                </a:extLst>
-              </p:cNvPr>
-              <p:cNvSpPr txBox="1"/>
-              <p:nvPr/>
-            </p:nvSpPr>
-            <p:spPr>
-              <a:xfrm>
-                <a:off x="7905744" y="1622364"/>
-                <a:ext cx="2394215" cy="422132"/>
-              </a:xfrm>
-              <a:prstGeom prst="rect">
-                <a:avLst/>
-              </a:prstGeom>
-              <a:noFill/>
-            </p:spPr>
-            <p:txBody>
-              <a:bodyPr wrap="square" rtlCol="0">
-                <a:spAutoFit/>
-              </a:bodyPr>
-              <a:lstStyle/>
-              <a:p>
-                <a:r>
-                  <a:rPr lang="en-US" dirty="0"/>
-                  <a:t>Recorded spikes</a:t>
-                </a:r>
-              </a:p>
-            </p:txBody>
-          </p:sp>
-        </p:grpSp>
-      </p:grpSp>
-    </p:spTree>
-    <p:extLst>
-      <p:ext uri="{BB962C8B-B14F-4D97-AF65-F5344CB8AC3E}">
-        <p14:creationId xmlns:p14="http://schemas.microsoft.com/office/powerpoint/2010/main" val="3684739366"/>
-      </p:ext>
-    </p:extLst>
-  </p:cSld>
-  <p:clrMapOvr>
-    <a:masterClrMapping/>
-  </p:clrMapOvr>
-</p:sld>
-</file>
-
-<file path=ppt/slides/slide20.xml><?xml version="1.0" encoding="utf-8"?>
+<file path=ppt/slides/slide21.xml><?xml version="1.0" encoding="utf-8"?>
 <p:sld xmlns:a="http://schemas.openxmlformats.org/drawingml/2006/main" xmlns:r="http://schemas.openxmlformats.org/officeDocument/2006/relationships" xmlns:p="http://schemas.openxmlformats.org/presentationml/2006/main">
   <p:cSld>
     <p:spTree>
@@ -17777,7 +18431,7 @@
 </p:sld>
 </file>
 
-<file path=ppt/slides/slide21.xml><?xml version="1.0" encoding="utf-8"?>
+<file path=ppt/slides/slide22.xml><?xml version="1.0" encoding="utf-8"?>
 <p:sld xmlns:a="http://schemas.openxmlformats.org/drawingml/2006/main" xmlns:r="http://schemas.openxmlformats.org/officeDocument/2006/relationships" xmlns:p="http://schemas.openxmlformats.org/presentationml/2006/main">
   <p:cSld>
     <p:spTree>
@@ -18789,7 +19443,7 @@
 </p:sld>
 </file>
 
-<file path=ppt/slides/slide22.xml><?xml version="1.0" encoding="utf-8"?>
+<file path=ppt/slides/slide23.xml><?xml version="1.0" encoding="utf-8"?>
 <p:sld xmlns:a="http://schemas.openxmlformats.org/drawingml/2006/main" xmlns:r="http://schemas.openxmlformats.org/officeDocument/2006/relationships" xmlns:p="http://schemas.openxmlformats.org/presentationml/2006/main">
   <p:cSld>
     <p:spTree>
@@ -19796,7 +20450,7 @@
 </p:sld>
 </file>
 
-<file path=ppt/slides/slide23.xml><?xml version="1.0" encoding="utf-8"?>
+<file path=ppt/slides/slide24.xml><?xml version="1.0" encoding="utf-8"?>
 <p:sld xmlns:a="http://schemas.openxmlformats.org/drawingml/2006/main" xmlns:r="http://schemas.openxmlformats.org/officeDocument/2006/relationships" xmlns:p="http://schemas.openxmlformats.org/presentationml/2006/main">
   <p:cSld>
     <p:spTree>
@@ -22057,7 +22711,7 @@
 </p:sld>
 </file>
 
-<file path=ppt/slides/slide24.xml><?xml version="1.0" encoding="utf-8"?>
+<file path=ppt/slides/slide25.xml><?xml version="1.0" encoding="utf-8"?>
 <p:sld xmlns:a="http://schemas.openxmlformats.org/drawingml/2006/main" xmlns:r="http://schemas.openxmlformats.org/officeDocument/2006/relationships" xmlns:p="http://schemas.openxmlformats.org/presentationml/2006/main">
   <p:cSld>
     <p:spTree>
@@ -22847,7 +23501,7 @@
 </p:sld>
 </file>
 
-<file path=ppt/slides/slide25.xml><?xml version="1.0" encoding="utf-8"?>
+<file path=ppt/slides/slide26.xml><?xml version="1.0" encoding="utf-8"?>
 <p:sld xmlns:a="http://schemas.openxmlformats.org/drawingml/2006/main" xmlns:r="http://schemas.openxmlformats.org/officeDocument/2006/relationships" xmlns:p="http://schemas.openxmlformats.org/presentationml/2006/main">
   <p:cSld>
     <p:spTree>
@@ -23647,7 +24301,7 @@
 </p:sld>
 </file>
 
-<file path=ppt/slides/slide26.xml><?xml version="1.0" encoding="utf-8"?>
+<file path=ppt/slides/slide27.xml><?xml version="1.0" encoding="utf-8"?>
 <p:sld xmlns:a="http://schemas.openxmlformats.org/drawingml/2006/main" xmlns:r="http://schemas.openxmlformats.org/officeDocument/2006/relationships" xmlns:p="http://schemas.openxmlformats.org/presentationml/2006/main">
   <p:cSld>
     <p:spTree>
@@ -26187,6 +26841,1960 @@
           <a:chExt cx="0" cy="0"/>
         </a:xfrm>
       </p:grpSpPr>
+      <p:sp>
+        <p:nvSpPr>
+          <p:cNvPr id="4" name="TextBox 3">
+            <a:extLst>
+              <a:ext uri="{FF2B5EF4-FFF2-40B4-BE49-F238E27FC236}">
+                <a16:creationId xmlns:a16="http://schemas.microsoft.com/office/drawing/2014/main" id="{9EF2C184-D7EC-92CD-43ED-61CDC73A9A12}"/>
+              </a:ext>
+            </a:extLst>
+          </p:cNvPr>
+          <p:cNvSpPr txBox="1"/>
+          <p:nvPr/>
+        </p:nvSpPr>
+        <p:spPr>
+          <a:xfrm>
+            <a:off x="211973" y="332508"/>
+            <a:ext cx="11768051" cy="461665"/>
+          </a:xfrm>
+          <a:prstGeom prst="rect">
+            <a:avLst/>
+          </a:prstGeom>
+          <a:noFill/>
+        </p:spPr>
+        <p:txBody>
+          <a:bodyPr wrap="square" rtlCol="0">
+            <a:spAutoFit/>
+          </a:bodyPr>
+          <a:lstStyle/>
+          <a:p>
+            <a:r>
+              <a:rPr lang="en-US" sz="2400" dirty="0"/>
+              <a:t>Neuroscience data is time series data</a:t>
+            </a:r>
+          </a:p>
+        </p:txBody>
+      </p:sp>
+      <p:grpSp>
+        <p:nvGrpSpPr>
+          <p:cNvPr id="24" name="Group 23">
+            <a:extLst>
+              <a:ext uri="{FF2B5EF4-FFF2-40B4-BE49-F238E27FC236}">
+                <a16:creationId xmlns:a16="http://schemas.microsoft.com/office/drawing/2014/main" id="{C6DCF4B1-8A6F-921E-454F-ADAA294BB8D4}"/>
+              </a:ext>
+            </a:extLst>
+          </p:cNvPr>
+          <p:cNvGrpSpPr/>
+          <p:nvPr/>
+        </p:nvGrpSpPr>
+        <p:grpSpPr>
+          <a:xfrm>
+            <a:off x="1762524" y="2121957"/>
+            <a:ext cx="8666952" cy="2083332"/>
+            <a:chOff x="1208314" y="1622364"/>
+            <a:chExt cx="9906001" cy="2381169"/>
+          </a:xfrm>
+        </p:grpSpPr>
+        <p:sp>
+          <p:nvSpPr>
+            <p:cNvPr id="8" name="Freeform 2">
+              <a:extLst>
+                <a:ext uri="{FF2B5EF4-FFF2-40B4-BE49-F238E27FC236}">
+                  <a16:creationId xmlns:a16="http://schemas.microsoft.com/office/drawing/2014/main" id="{1200BEA1-F278-16CF-5453-22169EE01C3A}"/>
+                </a:ext>
+              </a:extLst>
+            </p:cNvPr>
+            <p:cNvSpPr/>
+            <p:nvPr/>
+          </p:nvSpPr>
+          <p:spPr>
+            <a:xfrm>
+              <a:off x="1208314" y="2188030"/>
+              <a:ext cx="3260953" cy="1012372"/>
+            </a:xfrm>
+            <a:custGeom>
+              <a:avLst/>
+              <a:gdLst>
+                <a:gd name="connsiteX0" fmla="*/ 0 w 5119345"/>
+                <a:gd name="connsiteY0" fmla="*/ 772886 h 1589315"/>
+                <a:gd name="connsiteX1" fmla="*/ 304800 w 5119345"/>
+                <a:gd name="connsiteY1" fmla="*/ 587829 h 1589315"/>
+                <a:gd name="connsiteX2" fmla="*/ 359228 w 5119345"/>
+                <a:gd name="connsiteY2" fmla="*/ 457200 h 1589315"/>
+                <a:gd name="connsiteX3" fmla="*/ 391885 w 5119345"/>
+                <a:gd name="connsiteY3" fmla="*/ 402772 h 1589315"/>
+                <a:gd name="connsiteX4" fmla="*/ 435428 w 5119345"/>
+                <a:gd name="connsiteY4" fmla="*/ 326572 h 1589315"/>
+                <a:gd name="connsiteX5" fmla="*/ 457200 w 5119345"/>
+                <a:gd name="connsiteY5" fmla="*/ 304800 h 1589315"/>
+                <a:gd name="connsiteX6" fmla="*/ 478971 w 5119345"/>
+                <a:gd name="connsiteY6" fmla="*/ 272143 h 1589315"/>
+                <a:gd name="connsiteX7" fmla="*/ 500743 w 5119345"/>
+                <a:gd name="connsiteY7" fmla="*/ 250372 h 1589315"/>
+                <a:gd name="connsiteX8" fmla="*/ 544285 w 5119345"/>
+                <a:gd name="connsiteY8" fmla="*/ 185058 h 1589315"/>
+                <a:gd name="connsiteX9" fmla="*/ 566057 w 5119345"/>
+                <a:gd name="connsiteY9" fmla="*/ 163286 h 1589315"/>
+                <a:gd name="connsiteX10" fmla="*/ 587828 w 5119345"/>
+                <a:gd name="connsiteY10" fmla="*/ 130629 h 1589315"/>
+                <a:gd name="connsiteX11" fmla="*/ 653143 w 5119345"/>
+                <a:gd name="connsiteY11" fmla="*/ 108858 h 1589315"/>
+                <a:gd name="connsiteX12" fmla="*/ 762000 w 5119345"/>
+                <a:gd name="connsiteY12" fmla="*/ 119743 h 1589315"/>
+                <a:gd name="connsiteX13" fmla="*/ 783771 w 5119345"/>
+                <a:gd name="connsiteY13" fmla="*/ 152400 h 1589315"/>
+                <a:gd name="connsiteX14" fmla="*/ 859971 w 5119345"/>
+                <a:gd name="connsiteY14" fmla="*/ 239486 h 1589315"/>
+                <a:gd name="connsiteX15" fmla="*/ 914400 w 5119345"/>
+                <a:gd name="connsiteY15" fmla="*/ 195943 h 1589315"/>
+                <a:gd name="connsiteX16" fmla="*/ 947057 w 5119345"/>
+                <a:gd name="connsiteY16" fmla="*/ 174172 h 1589315"/>
+                <a:gd name="connsiteX17" fmla="*/ 1012371 w 5119345"/>
+                <a:gd name="connsiteY17" fmla="*/ 185058 h 1589315"/>
+                <a:gd name="connsiteX18" fmla="*/ 1045028 w 5119345"/>
+                <a:gd name="connsiteY18" fmla="*/ 217715 h 1589315"/>
+                <a:gd name="connsiteX19" fmla="*/ 1066800 w 5119345"/>
+                <a:gd name="connsiteY19" fmla="*/ 261258 h 1589315"/>
+                <a:gd name="connsiteX20" fmla="*/ 1110343 w 5119345"/>
+                <a:gd name="connsiteY20" fmla="*/ 359229 h 1589315"/>
+                <a:gd name="connsiteX21" fmla="*/ 1208314 w 5119345"/>
+                <a:gd name="connsiteY21" fmla="*/ 468086 h 1589315"/>
+                <a:gd name="connsiteX22" fmla="*/ 1230085 w 5119345"/>
+                <a:gd name="connsiteY22" fmla="*/ 489858 h 1589315"/>
+                <a:gd name="connsiteX23" fmla="*/ 1262743 w 5119345"/>
+                <a:gd name="connsiteY23" fmla="*/ 511629 h 1589315"/>
+                <a:gd name="connsiteX24" fmla="*/ 1349828 w 5119345"/>
+                <a:gd name="connsiteY24" fmla="*/ 598715 h 1589315"/>
+                <a:gd name="connsiteX25" fmla="*/ 1371600 w 5119345"/>
+                <a:gd name="connsiteY25" fmla="*/ 620486 h 1589315"/>
+                <a:gd name="connsiteX26" fmla="*/ 1393371 w 5119345"/>
+                <a:gd name="connsiteY26" fmla="*/ 642258 h 1589315"/>
+                <a:gd name="connsiteX27" fmla="*/ 1426028 w 5119345"/>
+                <a:gd name="connsiteY27" fmla="*/ 664029 h 1589315"/>
+                <a:gd name="connsiteX28" fmla="*/ 1480457 w 5119345"/>
+                <a:gd name="connsiteY28" fmla="*/ 696686 h 1589315"/>
+                <a:gd name="connsiteX29" fmla="*/ 1502228 w 5119345"/>
+                <a:gd name="connsiteY29" fmla="*/ 664029 h 1589315"/>
+                <a:gd name="connsiteX30" fmla="*/ 1513114 w 5119345"/>
+                <a:gd name="connsiteY30" fmla="*/ 609600 h 1589315"/>
+                <a:gd name="connsiteX31" fmla="*/ 1524000 w 5119345"/>
+                <a:gd name="connsiteY31" fmla="*/ 566058 h 1589315"/>
+                <a:gd name="connsiteX32" fmla="*/ 1556657 w 5119345"/>
+                <a:gd name="connsiteY32" fmla="*/ 489858 h 1589315"/>
+                <a:gd name="connsiteX33" fmla="*/ 1567543 w 5119345"/>
+                <a:gd name="connsiteY33" fmla="*/ 446315 h 1589315"/>
+                <a:gd name="connsiteX34" fmla="*/ 1589314 w 5119345"/>
+                <a:gd name="connsiteY34" fmla="*/ 413658 h 1589315"/>
+                <a:gd name="connsiteX35" fmla="*/ 1600200 w 5119345"/>
+                <a:gd name="connsiteY35" fmla="*/ 337458 h 1589315"/>
+                <a:gd name="connsiteX36" fmla="*/ 1611085 w 5119345"/>
+                <a:gd name="connsiteY36" fmla="*/ 304800 h 1589315"/>
+                <a:gd name="connsiteX37" fmla="*/ 1632857 w 5119345"/>
+                <a:gd name="connsiteY37" fmla="*/ 228600 h 1589315"/>
+                <a:gd name="connsiteX38" fmla="*/ 1654628 w 5119345"/>
+                <a:gd name="connsiteY38" fmla="*/ 195943 h 1589315"/>
+                <a:gd name="connsiteX39" fmla="*/ 1676400 w 5119345"/>
+                <a:gd name="connsiteY39" fmla="*/ 174172 h 1589315"/>
+                <a:gd name="connsiteX40" fmla="*/ 1709057 w 5119345"/>
+                <a:gd name="connsiteY40" fmla="*/ 163286 h 1589315"/>
+                <a:gd name="connsiteX41" fmla="*/ 1741714 w 5119345"/>
+                <a:gd name="connsiteY41" fmla="*/ 174172 h 1589315"/>
+                <a:gd name="connsiteX42" fmla="*/ 1796143 w 5119345"/>
+                <a:gd name="connsiteY42" fmla="*/ 239486 h 1589315"/>
+                <a:gd name="connsiteX43" fmla="*/ 1817914 w 5119345"/>
+                <a:gd name="connsiteY43" fmla="*/ 261258 h 1589315"/>
+                <a:gd name="connsiteX44" fmla="*/ 1839685 w 5119345"/>
+                <a:gd name="connsiteY44" fmla="*/ 304800 h 1589315"/>
+                <a:gd name="connsiteX45" fmla="*/ 1883228 w 5119345"/>
+                <a:gd name="connsiteY45" fmla="*/ 326572 h 1589315"/>
+                <a:gd name="connsiteX46" fmla="*/ 1915885 w 5119345"/>
+                <a:gd name="connsiteY46" fmla="*/ 359229 h 1589315"/>
+                <a:gd name="connsiteX47" fmla="*/ 1981200 w 5119345"/>
+                <a:gd name="connsiteY47" fmla="*/ 381000 h 1589315"/>
+                <a:gd name="connsiteX48" fmla="*/ 2002971 w 5119345"/>
+                <a:gd name="connsiteY48" fmla="*/ 402772 h 1589315"/>
+                <a:gd name="connsiteX49" fmla="*/ 2068285 w 5119345"/>
+                <a:gd name="connsiteY49" fmla="*/ 424543 h 1589315"/>
+                <a:gd name="connsiteX50" fmla="*/ 2188028 w 5119345"/>
+                <a:gd name="connsiteY50" fmla="*/ 359229 h 1589315"/>
+                <a:gd name="connsiteX51" fmla="*/ 2264228 w 5119345"/>
+                <a:gd name="connsiteY51" fmla="*/ 337458 h 1589315"/>
+                <a:gd name="connsiteX52" fmla="*/ 2329543 w 5119345"/>
+                <a:gd name="connsiteY52" fmla="*/ 457200 h 1589315"/>
+                <a:gd name="connsiteX53" fmla="*/ 2373085 w 5119345"/>
+                <a:gd name="connsiteY53" fmla="*/ 533400 h 1589315"/>
+                <a:gd name="connsiteX54" fmla="*/ 2449285 w 5119345"/>
+                <a:gd name="connsiteY54" fmla="*/ 620486 h 1589315"/>
+                <a:gd name="connsiteX55" fmla="*/ 2460171 w 5119345"/>
+                <a:gd name="connsiteY55" fmla="*/ 653143 h 1589315"/>
+                <a:gd name="connsiteX56" fmla="*/ 2481943 w 5119345"/>
+                <a:gd name="connsiteY56" fmla="*/ 674915 h 1589315"/>
+                <a:gd name="connsiteX57" fmla="*/ 2525485 w 5119345"/>
+                <a:gd name="connsiteY57" fmla="*/ 740229 h 1589315"/>
+                <a:gd name="connsiteX58" fmla="*/ 2579914 w 5119345"/>
+                <a:gd name="connsiteY58" fmla="*/ 849086 h 1589315"/>
+                <a:gd name="connsiteX59" fmla="*/ 2667000 w 5119345"/>
+                <a:gd name="connsiteY59" fmla="*/ 925286 h 1589315"/>
+                <a:gd name="connsiteX60" fmla="*/ 2688771 w 5119345"/>
+                <a:gd name="connsiteY60" fmla="*/ 957943 h 1589315"/>
+                <a:gd name="connsiteX61" fmla="*/ 2721428 w 5119345"/>
+                <a:gd name="connsiteY61" fmla="*/ 903515 h 1589315"/>
+                <a:gd name="connsiteX62" fmla="*/ 2743200 w 5119345"/>
+                <a:gd name="connsiteY62" fmla="*/ 805543 h 1589315"/>
+                <a:gd name="connsiteX63" fmla="*/ 2775857 w 5119345"/>
+                <a:gd name="connsiteY63" fmla="*/ 772886 h 1589315"/>
+                <a:gd name="connsiteX64" fmla="*/ 2808514 w 5119345"/>
+                <a:gd name="connsiteY64" fmla="*/ 794658 h 1589315"/>
+                <a:gd name="connsiteX65" fmla="*/ 2852057 w 5119345"/>
+                <a:gd name="connsiteY65" fmla="*/ 903515 h 1589315"/>
+                <a:gd name="connsiteX66" fmla="*/ 2873828 w 5119345"/>
+                <a:gd name="connsiteY66" fmla="*/ 936172 h 1589315"/>
+                <a:gd name="connsiteX67" fmla="*/ 2906485 w 5119345"/>
+                <a:gd name="connsiteY67" fmla="*/ 1066800 h 1589315"/>
+                <a:gd name="connsiteX68" fmla="*/ 2928257 w 5119345"/>
+                <a:gd name="connsiteY68" fmla="*/ 1143000 h 1589315"/>
+                <a:gd name="connsiteX69" fmla="*/ 2971800 w 5119345"/>
+                <a:gd name="connsiteY69" fmla="*/ 1230086 h 1589315"/>
+                <a:gd name="connsiteX70" fmla="*/ 3004457 w 5119345"/>
+                <a:gd name="connsiteY70" fmla="*/ 1284515 h 1589315"/>
+                <a:gd name="connsiteX71" fmla="*/ 3026228 w 5119345"/>
+                <a:gd name="connsiteY71" fmla="*/ 1338943 h 1589315"/>
+                <a:gd name="connsiteX72" fmla="*/ 3048000 w 5119345"/>
+                <a:gd name="connsiteY72" fmla="*/ 1360715 h 1589315"/>
+                <a:gd name="connsiteX73" fmla="*/ 3124200 w 5119345"/>
+                <a:gd name="connsiteY73" fmla="*/ 1469572 h 1589315"/>
+                <a:gd name="connsiteX74" fmla="*/ 3200400 w 5119345"/>
+                <a:gd name="connsiteY74" fmla="*/ 1545772 h 1589315"/>
+                <a:gd name="connsiteX75" fmla="*/ 3276600 w 5119345"/>
+                <a:gd name="connsiteY75" fmla="*/ 1589315 h 1589315"/>
+                <a:gd name="connsiteX76" fmla="*/ 3320143 w 5119345"/>
+                <a:gd name="connsiteY76" fmla="*/ 1556658 h 1589315"/>
+                <a:gd name="connsiteX77" fmla="*/ 3341914 w 5119345"/>
+                <a:gd name="connsiteY77" fmla="*/ 1534886 h 1589315"/>
+                <a:gd name="connsiteX78" fmla="*/ 3429000 w 5119345"/>
+                <a:gd name="connsiteY78" fmla="*/ 1469572 h 1589315"/>
+                <a:gd name="connsiteX79" fmla="*/ 3439885 w 5119345"/>
+                <a:gd name="connsiteY79" fmla="*/ 1436915 h 1589315"/>
+                <a:gd name="connsiteX80" fmla="*/ 3472543 w 5119345"/>
+                <a:gd name="connsiteY80" fmla="*/ 1382486 h 1589315"/>
+                <a:gd name="connsiteX81" fmla="*/ 3483428 w 5119345"/>
+                <a:gd name="connsiteY81" fmla="*/ 1251858 h 1589315"/>
+                <a:gd name="connsiteX82" fmla="*/ 3505200 w 5119345"/>
+                <a:gd name="connsiteY82" fmla="*/ 1186543 h 1589315"/>
+                <a:gd name="connsiteX83" fmla="*/ 3516085 w 5119345"/>
+                <a:gd name="connsiteY83" fmla="*/ 1153886 h 1589315"/>
+                <a:gd name="connsiteX84" fmla="*/ 3537857 w 5119345"/>
+                <a:gd name="connsiteY84" fmla="*/ 1077686 h 1589315"/>
+                <a:gd name="connsiteX85" fmla="*/ 3570514 w 5119345"/>
+                <a:gd name="connsiteY85" fmla="*/ 990600 h 1589315"/>
+                <a:gd name="connsiteX86" fmla="*/ 3592285 w 5119345"/>
+                <a:gd name="connsiteY86" fmla="*/ 892629 h 1589315"/>
+                <a:gd name="connsiteX87" fmla="*/ 3624943 w 5119345"/>
+                <a:gd name="connsiteY87" fmla="*/ 859972 h 1589315"/>
+                <a:gd name="connsiteX88" fmla="*/ 3668485 w 5119345"/>
+                <a:gd name="connsiteY88" fmla="*/ 827315 h 1589315"/>
+                <a:gd name="connsiteX89" fmla="*/ 3733800 w 5119345"/>
+                <a:gd name="connsiteY89" fmla="*/ 805543 h 1589315"/>
+                <a:gd name="connsiteX90" fmla="*/ 3766457 w 5119345"/>
+                <a:gd name="connsiteY90" fmla="*/ 816429 h 1589315"/>
+                <a:gd name="connsiteX91" fmla="*/ 3799114 w 5119345"/>
+                <a:gd name="connsiteY91" fmla="*/ 696686 h 1589315"/>
+                <a:gd name="connsiteX92" fmla="*/ 3810000 w 5119345"/>
+                <a:gd name="connsiteY92" fmla="*/ 522515 h 1589315"/>
+                <a:gd name="connsiteX93" fmla="*/ 3842657 w 5119345"/>
+                <a:gd name="connsiteY93" fmla="*/ 381000 h 1589315"/>
+                <a:gd name="connsiteX94" fmla="*/ 3853543 w 5119345"/>
+                <a:gd name="connsiteY94" fmla="*/ 348343 h 1589315"/>
+                <a:gd name="connsiteX95" fmla="*/ 3875314 w 5119345"/>
+                <a:gd name="connsiteY95" fmla="*/ 315686 h 1589315"/>
+                <a:gd name="connsiteX96" fmla="*/ 3897085 w 5119345"/>
+                <a:gd name="connsiteY96" fmla="*/ 250372 h 1589315"/>
+                <a:gd name="connsiteX97" fmla="*/ 3918857 w 5119345"/>
+                <a:gd name="connsiteY97" fmla="*/ 185058 h 1589315"/>
+                <a:gd name="connsiteX98" fmla="*/ 3951514 w 5119345"/>
+                <a:gd name="connsiteY98" fmla="*/ 108858 h 1589315"/>
+                <a:gd name="connsiteX99" fmla="*/ 4038600 w 5119345"/>
+                <a:gd name="connsiteY99" fmla="*/ 10886 h 1589315"/>
+                <a:gd name="connsiteX100" fmla="*/ 4071257 w 5119345"/>
+                <a:gd name="connsiteY100" fmla="*/ 0 h 1589315"/>
+                <a:gd name="connsiteX101" fmla="*/ 4136571 w 5119345"/>
+                <a:gd name="connsiteY101" fmla="*/ 108858 h 1589315"/>
+                <a:gd name="connsiteX102" fmla="*/ 4169228 w 5119345"/>
+                <a:gd name="connsiteY102" fmla="*/ 152400 h 1589315"/>
+                <a:gd name="connsiteX103" fmla="*/ 4201885 w 5119345"/>
+                <a:gd name="connsiteY103" fmla="*/ 206829 h 1589315"/>
+                <a:gd name="connsiteX104" fmla="*/ 4223657 w 5119345"/>
+                <a:gd name="connsiteY104" fmla="*/ 228600 h 1589315"/>
+                <a:gd name="connsiteX105" fmla="*/ 4256314 w 5119345"/>
+                <a:gd name="connsiteY105" fmla="*/ 272143 h 1589315"/>
+                <a:gd name="connsiteX106" fmla="*/ 4299857 w 5119345"/>
+                <a:gd name="connsiteY106" fmla="*/ 326572 h 1589315"/>
+                <a:gd name="connsiteX107" fmla="*/ 4332514 w 5119345"/>
+                <a:gd name="connsiteY107" fmla="*/ 293915 h 1589315"/>
+                <a:gd name="connsiteX108" fmla="*/ 4354285 w 5119345"/>
+                <a:gd name="connsiteY108" fmla="*/ 261258 h 1589315"/>
+                <a:gd name="connsiteX109" fmla="*/ 4419600 w 5119345"/>
+                <a:gd name="connsiteY109" fmla="*/ 217715 h 1589315"/>
+                <a:gd name="connsiteX110" fmla="*/ 4484914 w 5119345"/>
+                <a:gd name="connsiteY110" fmla="*/ 228600 h 1589315"/>
+                <a:gd name="connsiteX111" fmla="*/ 4517571 w 5119345"/>
+                <a:gd name="connsiteY111" fmla="*/ 283029 h 1589315"/>
+                <a:gd name="connsiteX112" fmla="*/ 4539343 w 5119345"/>
+                <a:gd name="connsiteY112" fmla="*/ 337458 h 1589315"/>
+                <a:gd name="connsiteX113" fmla="*/ 4550228 w 5119345"/>
+                <a:gd name="connsiteY113" fmla="*/ 402772 h 1589315"/>
+                <a:gd name="connsiteX114" fmla="*/ 4561114 w 5119345"/>
+                <a:gd name="connsiteY114" fmla="*/ 435429 h 1589315"/>
+                <a:gd name="connsiteX115" fmla="*/ 4582885 w 5119345"/>
+                <a:gd name="connsiteY115" fmla="*/ 522515 h 1589315"/>
+                <a:gd name="connsiteX116" fmla="*/ 4626428 w 5119345"/>
+                <a:gd name="connsiteY116" fmla="*/ 609600 h 1589315"/>
+                <a:gd name="connsiteX117" fmla="*/ 4669971 w 5119345"/>
+                <a:gd name="connsiteY117" fmla="*/ 685800 h 1589315"/>
+                <a:gd name="connsiteX118" fmla="*/ 4691743 w 5119345"/>
+                <a:gd name="connsiteY118" fmla="*/ 707572 h 1589315"/>
+                <a:gd name="connsiteX119" fmla="*/ 4757057 w 5119345"/>
+                <a:gd name="connsiteY119" fmla="*/ 653143 h 1589315"/>
+                <a:gd name="connsiteX120" fmla="*/ 4822371 w 5119345"/>
+                <a:gd name="connsiteY120" fmla="*/ 566058 h 1589315"/>
+                <a:gd name="connsiteX121" fmla="*/ 4844143 w 5119345"/>
+                <a:gd name="connsiteY121" fmla="*/ 533400 h 1589315"/>
+                <a:gd name="connsiteX122" fmla="*/ 4909457 w 5119345"/>
+                <a:gd name="connsiteY122" fmla="*/ 478972 h 1589315"/>
+                <a:gd name="connsiteX123" fmla="*/ 5061857 w 5119345"/>
+                <a:gd name="connsiteY123" fmla="*/ 489858 h 1589315"/>
+                <a:gd name="connsiteX124" fmla="*/ 5116285 w 5119345"/>
+                <a:gd name="connsiteY124" fmla="*/ 533400 h 1589315"/>
+                <a:gd name="connsiteX125" fmla="*/ 5116285 w 5119345"/>
+                <a:gd name="connsiteY125" fmla="*/ 511629 h 1589315"/>
+              </a:gdLst>
+              <a:ahLst/>
+              <a:cxnLst>
+                <a:cxn ang="0">
+                  <a:pos x="connsiteX0" y="connsiteY0"/>
+                </a:cxn>
+                <a:cxn ang="0">
+                  <a:pos x="connsiteX1" y="connsiteY1"/>
+                </a:cxn>
+                <a:cxn ang="0">
+                  <a:pos x="connsiteX2" y="connsiteY2"/>
+                </a:cxn>
+                <a:cxn ang="0">
+                  <a:pos x="connsiteX3" y="connsiteY3"/>
+                </a:cxn>
+                <a:cxn ang="0">
+                  <a:pos x="connsiteX4" y="connsiteY4"/>
+                </a:cxn>
+                <a:cxn ang="0">
+                  <a:pos x="connsiteX5" y="connsiteY5"/>
+                </a:cxn>
+                <a:cxn ang="0">
+                  <a:pos x="connsiteX6" y="connsiteY6"/>
+                </a:cxn>
+                <a:cxn ang="0">
+                  <a:pos x="connsiteX7" y="connsiteY7"/>
+                </a:cxn>
+                <a:cxn ang="0">
+                  <a:pos x="connsiteX8" y="connsiteY8"/>
+                </a:cxn>
+                <a:cxn ang="0">
+                  <a:pos x="connsiteX9" y="connsiteY9"/>
+                </a:cxn>
+                <a:cxn ang="0">
+                  <a:pos x="connsiteX10" y="connsiteY10"/>
+                </a:cxn>
+                <a:cxn ang="0">
+                  <a:pos x="connsiteX11" y="connsiteY11"/>
+                </a:cxn>
+                <a:cxn ang="0">
+                  <a:pos x="connsiteX12" y="connsiteY12"/>
+                </a:cxn>
+                <a:cxn ang="0">
+                  <a:pos x="connsiteX13" y="connsiteY13"/>
+                </a:cxn>
+                <a:cxn ang="0">
+                  <a:pos x="connsiteX14" y="connsiteY14"/>
+                </a:cxn>
+                <a:cxn ang="0">
+                  <a:pos x="connsiteX15" y="connsiteY15"/>
+                </a:cxn>
+                <a:cxn ang="0">
+                  <a:pos x="connsiteX16" y="connsiteY16"/>
+                </a:cxn>
+                <a:cxn ang="0">
+                  <a:pos x="connsiteX17" y="connsiteY17"/>
+                </a:cxn>
+                <a:cxn ang="0">
+                  <a:pos x="connsiteX18" y="connsiteY18"/>
+                </a:cxn>
+                <a:cxn ang="0">
+                  <a:pos x="connsiteX19" y="connsiteY19"/>
+                </a:cxn>
+                <a:cxn ang="0">
+                  <a:pos x="connsiteX20" y="connsiteY20"/>
+                </a:cxn>
+                <a:cxn ang="0">
+                  <a:pos x="connsiteX21" y="connsiteY21"/>
+                </a:cxn>
+                <a:cxn ang="0">
+                  <a:pos x="connsiteX22" y="connsiteY22"/>
+                </a:cxn>
+                <a:cxn ang="0">
+                  <a:pos x="connsiteX23" y="connsiteY23"/>
+                </a:cxn>
+                <a:cxn ang="0">
+                  <a:pos x="connsiteX24" y="connsiteY24"/>
+                </a:cxn>
+                <a:cxn ang="0">
+                  <a:pos x="connsiteX25" y="connsiteY25"/>
+                </a:cxn>
+                <a:cxn ang="0">
+                  <a:pos x="connsiteX26" y="connsiteY26"/>
+                </a:cxn>
+                <a:cxn ang="0">
+                  <a:pos x="connsiteX27" y="connsiteY27"/>
+                </a:cxn>
+                <a:cxn ang="0">
+                  <a:pos x="connsiteX28" y="connsiteY28"/>
+                </a:cxn>
+                <a:cxn ang="0">
+                  <a:pos x="connsiteX29" y="connsiteY29"/>
+                </a:cxn>
+                <a:cxn ang="0">
+                  <a:pos x="connsiteX30" y="connsiteY30"/>
+                </a:cxn>
+                <a:cxn ang="0">
+                  <a:pos x="connsiteX31" y="connsiteY31"/>
+                </a:cxn>
+                <a:cxn ang="0">
+                  <a:pos x="connsiteX32" y="connsiteY32"/>
+                </a:cxn>
+                <a:cxn ang="0">
+                  <a:pos x="connsiteX33" y="connsiteY33"/>
+                </a:cxn>
+                <a:cxn ang="0">
+                  <a:pos x="connsiteX34" y="connsiteY34"/>
+                </a:cxn>
+                <a:cxn ang="0">
+                  <a:pos x="connsiteX35" y="connsiteY35"/>
+                </a:cxn>
+                <a:cxn ang="0">
+                  <a:pos x="connsiteX36" y="connsiteY36"/>
+                </a:cxn>
+                <a:cxn ang="0">
+                  <a:pos x="connsiteX37" y="connsiteY37"/>
+                </a:cxn>
+                <a:cxn ang="0">
+                  <a:pos x="connsiteX38" y="connsiteY38"/>
+                </a:cxn>
+                <a:cxn ang="0">
+                  <a:pos x="connsiteX39" y="connsiteY39"/>
+                </a:cxn>
+                <a:cxn ang="0">
+                  <a:pos x="connsiteX40" y="connsiteY40"/>
+                </a:cxn>
+                <a:cxn ang="0">
+                  <a:pos x="connsiteX41" y="connsiteY41"/>
+                </a:cxn>
+                <a:cxn ang="0">
+                  <a:pos x="connsiteX42" y="connsiteY42"/>
+                </a:cxn>
+                <a:cxn ang="0">
+                  <a:pos x="connsiteX43" y="connsiteY43"/>
+                </a:cxn>
+                <a:cxn ang="0">
+                  <a:pos x="connsiteX44" y="connsiteY44"/>
+                </a:cxn>
+                <a:cxn ang="0">
+                  <a:pos x="connsiteX45" y="connsiteY45"/>
+                </a:cxn>
+                <a:cxn ang="0">
+                  <a:pos x="connsiteX46" y="connsiteY46"/>
+                </a:cxn>
+                <a:cxn ang="0">
+                  <a:pos x="connsiteX47" y="connsiteY47"/>
+                </a:cxn>
+                <a:cxn ang="0">
+                  <a:pos x="connsiteX48" y="connsiteY48"/>
+                </a:cxn>
+                <a:cxn ang="0">
+                  <a:pos x="connsiteX49" y="connsiteY49"/>
+                </a:cxn>
+                <a:cxn ang="0">
+                  <a:pos x="connsiteX50" y="connsiteY50"/>
+                </a:cxn>
+                <a:cxn ang="0">
+                  <a:pos x="connsiteX51" y="connsiteY51"/>
+                </a:cxn>
+                <a:cxn ang="0">
+                  <a:pos x="connsiteX52" y="connsiteY52"/>
+                </a:cxn>
+                <a:cxn ang="0">
+                  <a:pos x="connsiteX53" y="connsiteY53"/>
+                </a:cxn>
+                <a:cxn ang="0">
+                  <a:pos x="connsiteX54" y="connsiteY54"/>
+                </a:cxn>
+                <a:cxn ang="0">
+                  <a:pos x="connsiteX55" y="connsiteY55"/>
+                </a:cxn>
+                <a:cxn ang="0">
+                  <a:pos x="connsiteX56" y="connsiteY56"/>
+                </a:cxn>
+                <a:cxn ang="0">
+                  <a:pos x="connsiteX57" y="connsiteY57"/>
+                </a:cxn>
+                <a:cxn ang="0">
+                  <a:pos x="connsiteX58" y="connsiteY58"/>
+                </a:cxn>
+                <a:cxn ang="0">
+                  <a:pos x="connsiteX59" y="connsiteY59"/>
+                </a:cxn>
+                <a:cxn ang="0">
+                  <a:pos x="connsiteX60" y="connsiteY60"/>
+                </a:cxn>
+                <a:cxn ang="0">
+                  <a:pos x="connsiteX61" y="connsiteY61"/>
+                </a:cxn>
+                <a:cxn ang="0">
+                  <a:pos x="connsiteX62" y="connsiteY62"/>
+                </a:cxn>
+                <a:cxn ang="0">
+                  <a:pos x="connsiteX63" y="connsiteY63"/>
+                </a:cxn>
+                <a:cxn ang="0">
+                  <a:pos x="connsiteX64" y="connsiteY64"/>
+                </a:cxn>
+                <a:cxn ang="0">
+                  <a:pos x="connsiteX65" y="connsiteY65"/>
+                </a:cxn>
+                <a:cxn ang="0">
+                  <a:pos x="connsiteX66" y="connsiteY66"/>
+                </a:cxn>
+                <a:cxn ang="0">
+                  <a:pos x="connsiteX67" y="connsiteY67"/>
+                </a:cxn>
+                <a:cxn ang="0">
+                  <a:pos x="connsiteX68" y="connsiteY68"/>
+                </a:cxn>
+                <a:cxn ang="0">
+                  <a:pos x="connsiteX69" y="connsiteY69"/>
+                </a:cxn>
+                <a:cxn ang="0">
+                  <a:pos x="connsiteX70" y="connsiteY70"/>
+                </a:cxn>
+                <a:cxn ang="0">
+                  <a:pos x="connsiteX71" y="connsiteY71"/>
+                </a:cxn>
+                <a:cxn ang="0">
+                  <a:pos x="connsiteX72" y="connsiteY72"/>
+                </a:cxn>
+                <a:cxn ang="0">
+                  <a:pos x="connsiteX73" y="connsiteY73"/>
+                </a:cxn>
+                <a:cxn ang="0">
+                  <a:pos x="connsiteX74" y="connsiteY74"/>
+                </a:cxn>
+                <a:cxn ang="0">
+                  <a:pos x="connsiteX75" y="connsiteY75"/>
+                </a:cxn>
+                <a:cxn ang="0">
+                  <a:pos x="connsiteX76" y="connsiteY76"/>
+                </a:cxn>
+                <a:cxn ang="0">
+                  <a:pos x="connsiteX77" y="connsiteY77"/>
+                </a:cxn>
+                <a:cxn ang="0">
+                  <a:pos x="connsiteX78" y="connsiteY78"/>
+                </a:cxn>
+                <a:cxn ang="0">
+                  <a:pos x="connsiteX79" y="connsiteY79"/>
+                </a:cxn>
+                <a:cxn ang="0">
+                  <a:pos x="connsiteX80" y="connsiteY80"/>
+                </a:cxn>
+                <a:cxn ang="0">
+                  <a:pos x="connsiteX81" y="connsiteY81"/>
+                </a:cxn>
+                <a:cxn ang="0">
+                  <a:pos x="connsiteX82" y="connsiteY82"/>
+                </a:cxn>
+                <a:cxn ang="0">
+                  <a:pos x="connsiteX83" y="connsiteY83"/>
+                </a:cxn>
+                <a:cxn ang="0">
+                  <a:pos x="connsiteX84" y="connsiteY84"/>
+                </a:cxn>
+                <a:cxn ang="0">
+                  <a:pos x="connsiteX85" y="connsiteY85"/>
+                </a:cxn>
+                <a:cxn ang="0">
+                  <a:pos x="connsiteX86" y="connsiteY86"/>
+                </a:cxn>
+                <a:cxn ang="0">
+                  <a:pos x="connsiteX87" y="connsiteY87"/>
+                </a:cxn>
+                <a:cxn ang="0">
+                  <a:pos x="connsiteX88" y="connsiteY88"/>
+                </a:cxn>
+                <a:cxn ang="0">
+                  <a:pos x="connsiteX89" y="connsiteY89"/>
+                </a:cxn>
+                <a:cxn ang="0">
+                  <a:pos x="connsiteX90" y="connsiteY90"/>
+                </a:cxn>
+                <a:cxn ang="0">
+                  <a:pos x="connsiteX91" y="connsiteY91"/>
+                </a:cxn>
+                <a:cxn ang="0">
+                  <a:pos x="connsiteX92" y="connsiteY92"/>
+                </a:cxn>
+                <a:cxn ang="0">
+                  <a:pos x="connsiteX93" y="connsiteY93"/>
+                </a:cxn>
+                <a:cxn ang="0">
+                  <a:pos x="connsiteX94" y="connsiteY94"/>
+                </a:cxn>
+                <a:cxn ang="0">
+                  <a:pos x="connsiteX95" y="connsiteY95"/>
+                </a:cxn>
+                <a:cxn ang="0">
+                  <a:pos x="connsiteX96" y="connsiteY96"/>
+                </a:cxn>
+                <a:cxn ang="0">
+                  <a:pos x="connsiteX97" y="connsiteY97"/>
+                </a:cxn>
+                <a:cxn ang="0">
+                  <a:pos x="connsiteX98" y="connsiteY98"/>
+                </a:cxn>
+                <a:cxn ang="0">
+                  <a:pos x="connsiteX99" y="connsiteY99"/>
+                </a:cxn>
+                <a:cxn ang="0">
+                  <a:pos x="connsiteX100" y="connsiteY100"/>
+                </a:cxn>
+                <a:cxn ang="0">
+                  <a:pos x="connsiteX101" y="connsiteY101"/>
+                </a:cxn>
+                <a:cxn ang="0">
+                  <a:pos x="connsiteX102" y="connsiteY102"/>
+                </a:cxn>
+                <a:cxn ang="0">
+                  <a:pos x="connsiteX103" y="connsiteY103"/>
+                </a:cxn>
+                <a:cxn ang="0">
+                  <a:pos x="connsiteX104" y="connsiteY104"/>
+                </a:cxn>
+                <a:cxn ang="0">
+                  <a:pos x="connsiteX105" y="connsiteY105"/>
+                </a:cxn>
+                <a:cxn ang="0">
+                  <a:pos x="connsiteX106" y="connsiteY106"/>
+                </a:cxn>
+                <a:cxn ang="0">
+                  <a:pos x="connsiteX107" y="connsiteY107"/>
+                </a:cxn>
+                <a:cxn ang="0">
+                  <a:pos x="connsiteX108" y="connsiteY108"/>
+                </a:cxn>
+                <a:cxn ang="0">
+                  <a:pos x="connsiteX109" y="connsiteY109"/>
+                </a:cxn>
+                <a:cxn ang="0">
+                  <a:pos x="connsiteX110" y="connsiteY110"/>
+                </a:cxn>
+                <a:cxn ang="0">
+                  <a:pos x="connsiteX111" y="connsiteY111"/>
+                </a:cxn>
+                <a:cxn ang="0">
+                  <a:pos x="connsiteX112" y="connsiteY112"/>
+                </a:cxn>
+                <a:cxn ang="0">
+                  <a:pos x="connsiteX113" y="connsiteY113"/>
+                </a:cxn>
+                <a:cxn ang="0">
+                  <a:pos x="connsiteX114" y="connsiteY114"/>
+                </a:cxn>
+                <a:cxn ang="0">
+                  <a:pos x="connsiteX115" y="connsiteY115"/>
+                </a:cxn>
+                <a:cxn ang="0">
+                  <a:pos x="connsiteX116" y="connsiteY116"/>
+                </a:cxn>
+                <a:cxn ang="0">
+                  <a:pos x="connsiteX117" y="connsiteY117"/>
+                </a:cxn>
+                <a:cxn ang="0">
+                  <a:pos x="connsiteX118" y="connsiteY118"/>
+                </a:cxn>
+                <a:cxn ang="0">
+                  <a:pos x="connsiteX119" y="connsiteY119"/>
+                </a:cxn>
+                <a:cxn ang="0">
+                  <a:pos x="connsiteX120" y="connsiteY120"/>
+                </a:cxn>
+                <a:cxn ang="0">
+                  <a:pos x="connsiteX121" y="connsiteY121"/>
+                </a:cxn>
+                <a:cxn ang="0">
+                  <a:pos x="connsiteX122" y="connsiteY122"/>
+                </a:cxn>
+                <a:cxn ang="0">
+                  <a:pos x="connsiteX123" y="connsiteY123"/>
+                </a:cxn>
+                <a:cxn ang="0">
+                  <a:pos x="connsiteX124" y="connsiteY124"/>
+                </a:cxn>
+                <a:cxn ang="0">
+                  <a:pos x="connsiteX125" y="connsiteY125"/>
+                </a:cxn>
+              </a:cxnLst>
+              <a:rect l="l" t="t" r="r" b="b"/>
+              <a:pathLst>
+                <a:path w="5119345" h="1589315">
+                  <a:moveTo>
+                    <a:pt x="0" y="772886"/>
+                  </a:moveTo>
+                  <a:cubicBezTo>
+                    <a:pt x="101600" y="711200"/>
+                    <a:pt x="206394" y="654491"/>
+                    <a:pt x="304800" y="587829"/>
+                  </a:cubicBezTo>
+                  <a:cubicBezTo>
+                    <a:pt x="349700" y="557413"/>
+                    <a:pt x="342475" y="500758"/>
+                    <a:pt x="359228" y="457200"/>
+                  </a:cubicBezTo>
+                  <a:cubicBezTo>
+                    <a:pt x="366823" y="437452"/>
+                    <a:pt x="381610" y="421267"/>
+                    <a:pt x="391885" y="402772"/>
+                  </a:cubicBezTo>
+                  <a:cubicBezTo>
+                    <a:pt x="412200" y="366205"/>
+                    <a:pt x="410547" y="357673"/>
+                    <a:pt x="435428" y="326572"/>
+                  </a:cubicBezTo>
+                  <a:cubicBezTo>
+                    <a:pt x="441839" y="318558"/>
+                    <a:pt x="450789" y="312814"/>
+                    <a:pt x="457200" y="304800"/>
+                  </a:cubicBezTo>
+                  <a:cubicBezTo>
+                    <a:pt x="465373" y="294584"/>
+                    <a:pt x="470798" y="282359"/>
+                    <a:pt x="478971" y="272143"/>
+                  </a:cubicBezTo>
+                  <a:cubicBezTo>
+                    <a:pt x="485382" y="264129"/>
+                    <a:pt x="494585" y="258583"/>
+                    <a:pt x="500743" y="250372"/>
+                  </a:cubicBezTo>
+                  <a:cubicBezTo>
+                    <a:pt x="516442" y="229439"/>
+                    <a:pt x="525783" y="203560"/>
+                    <a:pt x="544285" y="185058"/>
+                  </a:cubicBezTo>
+                  <a:cubicBezTo>
+                    <a:pt x="551542" y="177801"/>
+                    <a:pt x="559646" y="171300"/>
+                    <a:pt x="566057" y="163286"/>
+                  </a:cubicBezTo>
+                  <a:cubicBezTo>
+                    <a:pt x="574230" y="153070"/>
+                    <a:pt x="576734" y="137563"/>
+                    <a:pt x="587828" y="130629"/>
+                  </a:cubicBezTo>
+                  <a:cubicBezTo>
+                    <a:pt x="607289" y="118466"/>
+                    <a:pt x="653143" y="108858"/>
+                    <a:pt x="653143" y="108858"/>
+                  </a:cubicBezTo>
+                  <a:cubicBezTo>
+                    <a:pt x="689429" y="112486"/>
+                    <a:pt x="727405" y="108211"/>
+                    <a:pt x="762000" y="119743"/>
+                  </a:cubicBezTo>
+                  <a:cubicBezTo>
+                    <a:pt x="774412" y="123880"/>
+                    <a:pt x="775156" y="142554"/>
+                    <a:pt x="783771" y="152400"/>
+                  </a:cubicBezTo>
+                  <a:cubicBezTo>
+                    <a:pt x="872922" y="254288"/>
+                    <a:pt x="810980" y="165998"/>
+                    <a:pt x="859971" y="239486"/>
+                  </a:cubicBezTo>
+                  <a:cubicBezTo>
+                    <a:pt x="960484" y="172478"/>
+                    <a:pt x="836844" y="257988"/>
+                    <a:pt x="914400" y="195943"/>
+                  </a:cubicBezTo>
+                  <a:cubicBezTo>
+                    <a:pt x="924616" y="187770"/>
+                    <a:pt x="936171" y="181429"/>
+                    <a:pt x="947057" y="174172"/>
+                  </a:cubicBezTo>
+                  <a:cubicBezTo>
+                    <a:pt x="968828" y="177801"/>
+                    <a:pt x="992202" y="176094"/>
+                    <a:pt x="1012371" y="185058"/>
+                  </a:cubicBezTo>
+                  <a:cubicBezTo>
+                    <a:pt x="1026439" y="191310"/>
+                    <a:pt x="1036080" y="205188"/>
+                    <a:pt x="1045028" y="217715"/>
+                  </a:cubicBezTo>
+                  <a:cubicBezTo>
+                    <a:pt x="1054460" y="230920"/>
+                    <a:pt x="1060209" y="246429"/>
+                    <a:pt x="1066800" y="261258"/>
+                  </a:cubicBezTo>
+                  <a:cubicBezTo>
+                    <a:pt x="1082684" y="296997"/>
+                    <a:pt x="1089726" y="326242"/>
+                    <a:pt x="1110343" y="359229"/>
+                  </a:cubicBezTo>
+                  <a:cubicBezTo>
+                    <a:pt x="1138750" y="404681"/>
+                    <a:pt x="1168733" y="428505"/>
+                    <a:pt x="1208314" y="468086"/>
+                  </a:cubicBezTo>
+                  <a:cubicBezTo>
+                    <a:pt x="1215571" y="475343"/>
+                    <a:pt x="1221545" y="484165"/>
+                    <a:pt x="1230085" y="489858"/>
+                  </a:cubicBezTo>
+                  <a:cubicBezTo>
+                    <a:pt x="1240971" y="497115"/>
+                    <a:pt x="1252964" y="502937"/>
+                    <a:pt x="1262743" y="511629"/>
+                  </a:cubicBezTo>
+                  <a:cubicBezTo>
+                    <a:pt x="1262797" y="511677"/>
+                    <a:pt x="1330459" y="579346"/>
+                    <a:pt x="1349828" y="598715"/>
+                  </a:cubicBezTo>
+                  <a:lnTo>
+                    <a:pt x="1371600" y="620486"/>
+                  </a:lnTo>
+                  <a:cubicBezTo>
+                    <a:pt x="1378857" y="627743"/>
+                    <a:pt x="1384831" y="636565"/>
+                    <a:pt x="1393371" y="642258"/>
+                  </a:cubicBezTo>
+                  <a:cubicBezTo>
+                    <a:pt x="1404257" y="649515"/>
+                    <a:pt x="1415812" y="655856"/>
+                    <a:pt x="1426028" y="664029"/>
+                  </a:cubicBezTo>
+                  <a:cubicBezTo>
+                    <a:pt x="1468722" y="698183"/>
+                    <a:pt x="1423744" y="677781"/>
+                    <a:pt x="1480457" y="696686"/>
+                  </a:cubicBezTo>
+                  <a:cubicBezTo>
+                    <a:pt x="1487714" y="685800"/>
+                    <a:pt x="1497634" y="676279"/>
+                    <a:pt x="1502228" y="664029"/>
+                  </a:cubicBezTo>
+                  <a:cubicBezTo>
+                    <a:pt x="1508725" y="646705"/>
+                    <a:pt x="1509100" y="627662"/>
+                    <a:pt x="1513114" y="609600"/>
+                  </a:cubicBezTo>
+                  <a:cubicBezTo>
+                    <a:pt x="1516360" y="594996"/>
+                    <a:pt x="1519890" y="580443"/>
+                    <a:pt x="1524000" y="566058"/>
+                  </a:cubicBezTo>
+                  <a:cubicBezTo>
+                    <a:pt x="1534680" y="528677"/>
+                    <a:pt x="1537299" y="528572"/>
+                    <a:pt x="1556657" y="489858"/>
+                  </a:cubicBezTo>
+                  <a:cubicBezTo>
+                    <a:pt x="1560286" y="475344"/>
+                    <a:pt x="1561650" y="460066"/>
+                    <a:pt x="1567543" y="446315"/>
+                  </a:cubicBezTo>
+                  <a:cubicBezTo>
+                    <a:pt x="1572697" y="434290"/>
+                    <a:pt x="1585555" y="426189"/>
+                    <a:pt x="1589314" y="413658"/>
+                  </a:cubicBezTo>
+                  <a:cubicBezTo>
+                    <a:pt x="1596687" y="389082"/>
+                    <a:pt x="1595168" y="362618"/>
+                    <a:pt x="1600200" y="337458"/>
+                  </a:cubicBezTo>
+                  <a:cubicBezTo>
+                    <a:pt x="1602450" y="326206"/>
+                    <a:pt x="1607933" y="315833"/>
+                    <a:pt x="1611085" y="304800"/>
+                  </a:cubicBezTo>
+                  <a:cubicBezTo>
+                    <a:pt x="1615735" y="288525"/>
+                    <a:pt x="1624158" y="245999"/>
+                    <a:pt x="1632857" y="228600"/>
+                  </a:cubicBezTo>
+                  <a:cubicBezTo>
+                    <a:pt x="1638708" y="216898"/>
+                    <a:pt x="1646455" y="206159"/>
+                    <a:pt x="1654628" y="195943"/>
+                  </a:cubicBezTo>
+                  <a:cubicBezTo>
+                    <a:pt x="1661039" y="187929"/>
+                    <a:pt x="1667599" y="179452"/>
+                    <a:pt x="1676400" y="174172"/>
+                  </a:cubicBezTo>
+                  <a:cubicBezTo>
+                    <a:pt x="1686239" y="168268"/>
+                    <a:pt x="1698171" y="166915"/>
+                    <a:pt x="1709057" y="163286"/>
+                  </a:cubicBezTo>
+                  <a:cubicBezTo>
+                    <a:pt x="1719943" y="166915"/>
+                    <a:pt x="1732167" y="167807"/>
+                    <a:pt x="1741714" y="174172"/>
+                  </a:cubicBezTo>
+                  <a:cubicBezTo>
+                    <a:pt x="1774958" y="196335"/>
+                    <a:pt x="1773195" y="210801"/>
+                    <a:pt x="1796143" y="239486"/>
+                  </a:cubicBezTo>
+                  <a:cubicBezTo>
+                    <a:pt x="1802554" y="247500"/>
+                    <a:pt x="1812221" y="252718"/>
+                    <a:pt x="1817914" y="261258"/>
+                  </a:cubicBezTo>
+                  <a:cubicBezTo>
+                    <a:pt x="1826915" y="274760"/>
+                    <a:pt x="1828211" y="293326"/>
+                    <a:pt x="1839685" y="304800"/>
+                  </a:cubicBezTo>
+                  <a:cubicBezTo>
+                    <a:pt x="1851160" y="316275"/>
+                    <a:pt x="1870023" y="317140"/>
+                    <a:pt x="1883228" y="326572"/>
+                  </a:cubicBezTo>
+                  <a:cubicBezTo>
+                    <a:pt x="1895755" y="335520"/>
+                    <a:pt x="1902428" y="351753"/>
+                    <a:pt x="1915885" y="359229"/>
+                  </a:cubicBezTo>
+                  <a:cubicBezTo>
+                    <a:pt x="1935946" y="370374"/>
+                    <a:pt x="1981200" y="381000"/>
+                    <a:pt x="1981200" y="381000"/>
+                  </a:cubicBezTo>
+                  <a:cubicBezTo>
+                    <a:pt x="1988457" y="388257"/>
+                    <a:pt x="1993791" y="398182"/>
+                    <a:pt x="2002971" y="402772"/>
+                  </a:cubicBezTo>
+                  <a:cubicBezTo>
+                    <a:pt x="2023497" y="413035"/>
+                    <a:pt x="2068285" y="424543"/>
+                    <a:pt x="2068285" y="424543"/>
+                  </a:cubicBezTo>
+                  <a:cubicBezTo>
+                    <a:pt x="2104051" y="400700"/>
+                    <a:pt x="2148518" y="369107"/>
+                    <a:pt x="2188028" y="359229"/>
+                  </a:cubicBezTo>
+                  <a:cubicBezTo>
+                    <a:pt x="2242703" y="345560"/>
+                    <a:pt x="2217378" y="353074"/>
+                    <a:pt x="2264228" y="337458"/>
+                  </a:cubicBezTo>
+                  <a:cubicBezTo>
+                    <a:pt x="2304002" y="397117"/>
+                    <a:pt x="2280151" y="358417"/>
+                    <a:pt x="2329543" y="457200"/>
+                  </a:cubicBezTo>
+                  <a:cubicBezTo>
+                    <a:pt x="2341262" y="480637"/>
+                    <a:pt x="2355134" y="512885"/>
+                    <a:pt x="2373085" y="533400"/>
+                  </a:cubicBezTo>
+                  <a:cubicBezTo>
+                    <a:pt x="2406191" y="571236"/>
+                    <a:pt x="2428871" y="579658"/>
+                    <a:pt x="2449285" y="620486"/>
+                  </a:cubicBezTo>
+                  <a:cubicBezTo>
+                    <a:pt x="2454417" y="630749"/>
+                    <a:pt x="2454267" y="643304"/>
+                    <a:pt x="2460171" y="653143"/>
+                  </a:cubicBezTo>
+                  <a:cubicBezTo>
+                    <a:pt x="2465452" y="661944"/>
+                    <a:pt x="2475785" y="666704"/>
+                    <a:pt x="2481943" y="674915"/>
+                  </a:cubicBezTo>
+                  <a:cubicBezTo>
+                    <a:pt x="2497642" y="695848"/>
+                    <a:pt x="2515767" y="715935"/>
+                    <a:pt x="2525485" y="740229"/>
+                  </a:cubicBezTo>
+                  <a:cubicBezTo>
+                    <a:pt x="2542739" y="783364"/>
+                    <a:pt x="2550603" y="811401"/>
+                    <a:pt x="2579914" y="849086"/>
+                  </a:cubicBezTo>
+                  <a:cubicBezTo>
+                    <a:pt x="2606222" y="882910"/>
+                    <a:pt x="2633609" y="900243"/>
+                    <a:pt x="2667000" y="925286"/>
+                  </a:cubicBezTo>
+                  <a:cubicBezTo>
+                    <a:pt x="2674257" y="936172"/>
+                    <a:pt x="2676079" y="954770"/>
+                    <a:pt x="2688771" y="957943"/>
+                  </a:cubicBezTo>
+                  <a:cubicBezTo>
+                    <a:pt x="2706802" y="962451"/>
+                    <a:pt x="2720552" y="907457"/>
+                    <a:pt x="2721428" y="903515"/>
+                  </a:cubicBezTo>
+                  <a:cubicBezTo>
+                    <a:pt x="2723404" y="894623"/>
+                    <a:pt x="2730947" y="823923"/>
+                    <a:pt x="2743200" y="805543"/>
+                  </a:cubicBezTo>
+                  <a:cubicBezTo>
+                    <a:pt x="2751739" y="792734"/>
+                    <a:pt x="2764971" y="783772"/>
+                    <a:pt x="2775857" y="772886"/>
+                  </a:cubicBezTo>
+                  <a:cubicBezTo>
+                    <a:pt x="2786743" y="780143"/>
+                    <a:pt x="2800138" y="784607"/>
+                    <a:pt x="2808514" y="794658"/>
+                  </a:cubicBezTo>
+                  <a:cubicBezTo>
+                    <a:pt x="2850235" y="844723"/>
+                    <a:pt x="2811454" y="842610"/>
+                    <a:pt x="2852057" y="903515"/>
+                  </a:cubicBezTo>
+                  <a:lnTo>
+                    <a:pt x="2873828" y="936172"/>
+                  </a:lnTo>
+                  <a:lnTo>
+                    <a:pt x="2906485" y="1066800"/>
+                  </a:lnTo>
+                  <a:cubicBezTo>
+                    <a:pt x="2911104" y="1085277"/>
+                    <a:pt x="2919581" y="1123912"/>
+                    <a:pt x="2928257" y="1143000"/>
+                  </a:cubicBezTo>
+                  <a:cubicBezTo>
+                    <a:pt x="2941687" y="1172546"/>
+                    <a:pt x="2961537" y="1199296"/>
+                    <a:pt x="2971800" y="1230086"/>
+                  </a:cubicBezTo>
+                  <a:cubicBezTo>
+                    <a:pt x="2985930" y="1272480"/>
+                    <a:pt x="2974571" y="1254629"/>
+                    <a:pt x="3004457" y="1284515"/>
+                  </a:cubicBezTo>
+                  <a:cubicBezTo>
+                    <a:pt x="3011714" y="1302658"/>
+                    <a:pt x="3016533" y="1321977"/>
+                    <a:pt x="3026228" y="1338943"/>
+                  </a:cubicBezTo>
+                  <a:cubicBezTo>
+                    <a:pt x="3031320" y="1347854"/>
+                    <a:pt x="3041842" y="1352504"/>
+                    <a:pt x="3048000" y="1360715"/>
+                  </a:cubicBezTo>
+                  <a:cubicBezTo>
+                    <a:pt x="3070153" y="1390252"/>
+                    <a:pt x="3097653" y="1440370"/>
+                    <a:pt x="3124200" y="1469572"/>
+                  </a:cubicBezTo>
+                  <a:cubicBezTo>
+                    <a:pt x="3148363" y="1496151"/>
+                    <a:pt x="3175000" y="1520372"/>
+                    <a:pt x="3200400" y="1545772"/>
+                  </a:cubicBezTo>
+                  <a:cubicBezTo>
+                    <a:pt x="3243636" y="1589008"/>
+                    <a:pt x="3218122" y="1574695"/>
+                    <a:pt x="3276600" y="1589315"/>
+                  </a:cubicBezTo>
+                  <a:cubicBezTo>
+                    <a:pt x="3291114" y="1578429"/>
+                    <a:pt x="3306205" y="1568273"/>
+                    <a:pt x="3320143" y="1556658"/>
+                  </a:cubicBezTo>
+                  <a:cubicBezTo>
+                    <a:pt x="3328027" y="1550088"/>
+                    <a:pt x="3333704" y="1541044"/>
+                    <a:pt x="3341914" y="1534886"/>
+                  </a:cubicBezTo>
+                  <a:cubicBezTo>
+                    <a:pt x="3440394" y="1461025"/>
+                    <a:pt x="3379066" y="1519504"/>
+                    <a:pt x="3429000" y="1469572"/>
+                  </a:cubicBezTo>
+                  <a:cubicBezTo>
+                    <a:pt x="3432628" y="1458686"/>
+                    <a:pt x="3433982" y="1446754"/>
+                    <a:pt x="3439885" y="1436915"/>
+                  </a:cubicBezTo>
+                  <a:cubicBezTo>
+                    <a:pt x="3484715" y="1362197"/>
+                    <a:pt x="3441703" y="1475002"/>
+                    <a:pt x="3472543" y="1382486"/>
+                  </a:cubicBezTo>
+                  <a:cubicBezTo>
+                    <a:pt x="3476171" y="1338943"/>
+                    <a:pt x="3476245" y="1294957"/>
+                    <a:pt x="3483428" y="1251858"/>
+                  </a:cubicBezTo>
+                  <a:cubicBezTo>
+                    <a:pt x="3487201" y="1229221"/>
+                    <a:pt x="3497943" y="1208315"/>
+                    <a:pt x="3505200" y="1186543"/>
+                  </a:cubicBezTo>
+                  <a:lnTo>
+                    <a:pt x="3516085" y="1153886"/>
+                  </a:lnTo>
+                  <a:cubicBezTo>
+                    <a:pt x="3542193" y="1075561"/>
+                    <a:pt x="3510510" y="1173400"/>
+                    <a:pt x="3537857" y="1077686"/>
+                  </a:cubicBezTo>
+                  <a:cubicBezTo>
+                    <a:pt x="3546388" y="1047827"/>
+                    <a:pt x="3559015" y="1019349"/>
+                    <a:pt x="3570514" y="990600"/>
+                  </a:cubicBezTo>
+                  <a:cubicBezTo>
+                    <a:pt x="3571830" y="982703"/>
+                    <a:pt x="3580376" y="910492"/>
+                    <a:pt x="3592285" y="892629"/>
+                  </a:cubicBezTo>
+                  <a:cubicBezTo>
+                    <a:pt x="3600825" y="879820"/>
+                    <a:pt x="3613254" y="869991"/>
+                    <a:pt x="3624943" y="859972"/>
+                  </a:cubicBezTo>
+                  <a:cubicBezTo>
+                    <a:pt x="3638718" y="848165"/>
+                    <a:pt x="3652258" y="835429"/>
+                    <a:pt x="3668485" y="827315"/>
+                  </a:cubicBezTo>
+                  <a:cubicBezTo>
+                    <a:pt x="3689012" y="817052"/>
+                    <a:pt x="3733800" y="805543"/>
+                    <a:pt x="3733800" y="805543"/>
+                  </a:cubicBezTo>
+                  <a:cubicBezTo>
+                    <a:pt x="3744686" y="809172"/>
+                    <a:pt x="3756618" y="822333"/>
+                    <a:pt x="3766457" y="816429"/>
+                  </a:cubicBezTo>
+                  <a:cubicBezTo>
+                    <a:pt x="3792429" y="800845"/>
+                    <a:pt x="3797432" y="708457"/>
+                    <a:pt x="3799114" y="696686"/>
+                  </a:cubicBezTo>
+                  <a:cubicBezTo>
+                    <a:pt x="3802743" y="638629"/>
+                    <a:pt x="3804961" y="580467"/>
+                    <a:pt x="3810000" y="522515"/>
+                  </a:cubicBezTo>
+                  <a:cubicBezTo>
+                    <a:pt x="3816650" y="446037"/>
+                    <a:pt x="3819462" y="450584"/>
+                    <a:pt x="3842657" y="381000"/>
+                  </a:cubicBezTo>
+                  <a:cubicBezTo>
+                    <a:pt x="3846286" y="370114"/>
+                    <a:pt x="3847178" y="357890"/>
+                    <a:pt x="3853543" y="348343"/>
+                  </a:cubicBezTo>
+                  <a:cubicBezTo>
+                    <a:pt x="3860800" y="337457"/>
+                    <a:pt x="3870001" y="327641"/>
+                    <a:pt x="3875314" y="315686"/>
+                  </a:cubicBezTo>
+                  <a:cubicBezTo>
+                    <a:pt x="3884634" y="294715"/>
+                    <a:pt x="3889828" y="272143"/>
+                    <a:pt x="3897085" y="250372"/>
+                  </a:cubicBezTo>
+                  <a:lnTo>
+                    <a:pt x="3918857" y="185058"/>
+                  </a:lnTo>
+                  <a:cubicBezTo>
+                    <a:pt x="3930119" y="151273"/>
+                    <a:pt x="3931336" y="142488"/>
+                    <a:pt x="3951514" y="108858"/>
+                  </a:cubicBezTo>
+                  <a:cubicBezTo>
+                    <a:pt x="3981803" y="58376"/>
+                    <a:pt x="3990292" y="38491"/>
+                    <a:pt x="4038600" y="10886"/>
+                  </a:cubicBezTo>
+                  <a:cubicBezTo>
+                    <a:pt x="4048563" y="5193"/>
+                    <a:pt x="4060371" y="3629"/>
+                    <a:pt x="4071257" y="0"/>
+                  </a:cubicBezTo>
+                  <a:cubicBezTo>
+                    <a:pt x="4186179" y="57462"/>
+                    <a:pt x="4028596" y="-35106"/>
+                    <a:pt x="4136571" y="108858"/>
+                  </a:cubicBezTo>
+                  <a:cubicBezTo>
+                    <a:pt x="4147457" y="123372"/>
+                    <a:pt x="4159164" y="137304"/>
+                    <a:pt x="4169228" y="152400"/>
+                  </a:cubicBezTo>
+                  <a:cubicBezTo>
+                    <a:pt x="4180964" y="170005"/>
+                    <a:pt x="4189587" y="189612"/>
+                    <a:pt x="4201885" y="206829"/>
+                  </a:cubicBezTo>
+                  <a:cubicBezTo>
+                    <a:pt x="4207850" y="215180"/>
+                    <a:pt x="4217087" y="220716"/>
+                    <a:pt x="4223657" y="228600"/>
+                  </a:cubicBezTo>
+                  <a:cubicBezTo>
+                    <a:pt x="4235272" y="242538"/>
+                    <a:pt x="4245769" y="257379"/>
+                    <a:pt x="4256314" y="272143"/>
+                  </a:cubicBezTo>
+                  <a:cubicBezTo>
+                    <a:pt x="4290644" y="320206"/>
+                    <a:pt x="4263447" y="290162"/>
+                    <a:pt x="4299857" y="326572"/>
+                  </a:cubicBezTo>
+                  <a:cubicBezTo>
+                    <a:pt x="4310743" y="315686"/>
+                    <a:pt x="4322659" y="305742"/>
+                    <a:pt x="4332514" y="293915"/>
+                  </a:cubicBezTo>
+                  <a:cubicBezTo>
+                    <a:pt x="4340889" y="283864"/>
+                    <a:pt x="4344439" y="269873"/>
+                    <a:pt x="4354285" y="261258"/>
+                  </a:cubicBezTo>
+                  <a:cubicBezTo>
+                    <a:pt x="4373977" y="244027"/>
+                    <a:pt x="4419600" y="217715"/>
+                    <a:pt x="4419600" y="217715"/>
+                  </a:cubicBezTo>
+                  <a:cubicBezTo>
+                    <a:pt x="4441371" y="221343"/>
+                    <a:pt x="4464248" y="220850"/>
+                    <a:pt x="4484914" y="228600"/>
+                  </a:cubicBezTo>
+                  <a:cubicBezTo>
+                    <a:pt x="4508486" y="237439"/>
+                    <a:pt x="4510497" y="264166"/>
+                    <a:pt x="4517571" y="283029"/>
+                  </a:cubicBezTo>
+                  <a:cubicBezTo>
+                    <a:pt x="4524432" y="301325"/>
+                    <a:pt x="4532086" y="319315"/>
+                    <a:pt x="4539343" y="337458"/>
+                  </a:cubicBezTo>
+                  <a:cubicBezTo>
+                    <a:pt x="4542971" y="359229"/>
+                    <a:pt x="4545440" y="381226"/>
+                    <a:pt x="4550228" y="402772"/>
+                  </a:cubicBezTo>
+                  <a:cubicBezTo>
+                    <a:pt x="4552717" y="413973"/>
+                    <a:pt x="4558331" y="424297"/>
+                    <a:pt x="4561114" y="435429"/>
+                  </a:cubicBezTo>
+                  <a:cubicBezTo>
+                    <a:pt x="4569552" y="469179"/>
+                    <a:pt x="4569063" y="492107"/>
+                    <a:pt x="4582885" y="522515"/>
+                  </a:cubicBezTo>
+                  <a:cubicBezTo>
+                    <a:pt x="4596315" y="552061"/>
+                    <a:pt x="4611914" y="580572"/>
+                    <a:pt x="4626428" y="609600"/>
+                  </a:cubicBezTo>
+                  <a:cubicBezTo>
+                    <a:pt x="4641326" y="639395"/>
+                    <a:pt x="4649458" y="660158"/>
+                    <a:pt x="4669971" y="685800"/>
+                  </a:cubicBezTo>
+                  <a:cubicBezTo>
+                    <a:pt x="4676382" y="693814"/>
+                    <a:pt x="4684486" y="700315"/>
+                    <a:pt x="4691743" y="707572"/>
+                  </a:cubicBezTo>
+                  <a:cubicBezTo>
+                    <a:pt x="4722962" y="686758"/>
+                    <a:pt x="4731913" y="683875"/>
+                    <a:pt x="4757057" y="653143"/>
+                  </a:cubicBezTo>
+                  <a:cubicBezTo>
+                    <a:pt x="4780034" y="625060"/>
+                    <a:pt x="4802243" y="596249"/>
+                    <a:pt x="4822371" y="566058"/>
+                  </a:cubicBezTo>
+                  <a:cubicBezTo>
+                    <a:pt x="4829628" y="555172"/>
+                    <a:pt x="4835767" y="543451"/>
+                    <a:pt x="4844143" y="533400"/>
+                  </a:cubicBezTo>
+                  <a:cubicBezTo>
+                    <a:pt x="4870336" y="501969"/>
+                    <a:pt x="4877346" y="500379"/>
+                    <a:pt x="4909457" y="478972"/>
+                  </a:cubicBezTo>
+                  <a:cubicBezTo>
+                    <a:pt x="4960257" y="482601"/>
+                    <a:pt x="5012448" y="477506"/>
+                    <a:pt x="5061857" y="489858"/>
+                  </a:cubicBezTo>
+                  <a:cubicBezTo>
+                    <a:pt x="5091559" y="497283"/>
+                    <a:pt x="5069843" y="548881"/>
+                    <a:pt x="5116285" y="533400"/>
+                  </a:cubicBezTo>
+                  <a:cubicBezTo>
+                    <a:pt x="5123170" y="531105"/>
+                    <a:pt x="5116285" y="518886"/>
+                    <a:pt x="5116285" y="511629"/>
+                  </a:cubicBezTo>
+                </a:path>
+              </a:pathLst>
+            </a:custGeom>
+            <a:noFill/>
+            <a:ln w="57150">
+              <a:solidFill>
+                <a:schemeClr val="accent1">
+                  <a:lumMod val="50000"/>
+                </a:schemeClr>
+              </a:solidFill>
+            </a:ln>
+          </p:spPr>
+          <p:style>
+            <a:lnRef idx="2">
+              <a:schemeClr val="accent1">
+                <a:shade val="50000"/>
+              </a:schemeClr>
+            </a:lnRef>
+            <a:fillRef idx="1">
+              <a:schemeClr val="accent1"/>
+            </a:fillRef>
+            <a:effectRef idx="0">
+              <a:schemeClr val="accent1"/>
+            </a:effectRef>
+            <a:fontRef idx="minor">
+              <a:schemeClr val="lt1"/>
+            </a:fontRef>
+          </p:style>
+          <p:txBody>
+            <a:bodyPr rtlCol="0" anchor="ctr"/>
+            <a:lstStyle/>
+            <a:p>
+              <a:pPr algn="ctr"/>
+              <a:endParaRPr lang="en-US"/>
+            </a:p>
+          </p:txBody>
+        </p:sp>
+        <p:sp>
+          <p:nvSpPr>
+            <p:cNvPr id="9" name="TextBox 8">
+              <a:extLst>
+                <a:ext uri="{FF2B5EF4-FFF2-40B4-BE49-F238E27FC236}">
+                  <a16:creationId xmlns:a16="http://schemas.microsoft.com/office/drawing/2014/main" id="{50C6936C-FFA0-1A98-B2C1-B8D0172BF86E}"/>
+                </a:ext>
+              </a:extLst>
+            </p:cNvPr>
+            <p:cNvSpPr txBox="1"/>
+            <p:nvPr/>
+          </p:nvSpPr>
+          <p:spPr>
+            <a:xfrm>
+              <a:off x="2412230" y="3427057"/>
+              <a:ext cx="975083" cy="422132"/>
+            </a:xfrm>
+            <a:prstGeom prst="rect">
+              <a:avLst/>
+            </a:prstGeom>
+            <a:noFill/>
+          </p:spPr>
+          <p:txBody>
+            <a:bodyPr wrap="none" rtlCol="0">
+              <a:spAutoFit/>
+            </a:bodyPr>
+            <a:lstStyle/>
+            <a:p>
+              <a:r>
+                <a:rPr lang="en-US" dirty="0"/>
+                <a:t>time -&gt;</a:t>
+              </a:r>
+            </a:p>
+          </p:txBody>
+        </p:sp>
+        <p:sp>
+          <p:nvSpPr>
+            <p:cNvPr id="10" name="TextBox 9">
+              <a:extLst>
+                <a:ext uri="{FF2B5EF4-FFF2-40B4-BE49-F238E27FC236}">
+                  <a16:creationId xmlns:a16="http://schemas.microsoft.com/office/drawing/2014/main" id="{2F05AA5F-E5D7-AC4B-4840-CB01AF50827E}"/>
+                </a:ext>
+              </a:extLst>
+            </p:cNvPr>
+            <p:cNvSpPr txBox="1"/>
+            <p:nvPr/>
+          </p:nvSpPr>
+          <p:spPr>
+            <a:xfrm>
+              <a:off x="1932548" y="1622365"/>
+              <a:ext cx="2255523" cy="422132"/>
+            </a:xfrm>
+            <a:prstGeom prst="rect">
+              <a:avLst/>
+            </a:prstGeom>
+            <a:noFill/>
+          </p:spPr>
+          <p:txBody>
+            <a:bodyPr wrap="square" rtlCol="0">
+              <a:spAutoFit/>
+            </a:bodyPr>
+            <a:lstStyle/>
+            <a:p>
+              <a:r>
+                <a:rPr lang="en-US" dirty="0"/>
+                <a:t>Stimulus feature</a:t>
+              </a:r>
+            </a:p>
+          </p:txBody>
+        </p:sp>
+        <p:grpSp>
+          <p:nvGrpSpPr>
+            <p:cNvPr id="11" name="Group 10">
+              <a:extLst>
+                <a:ext uri="{FF2B5EF4-FFF2-40B4-BE49-F238E27FC236}">
+                  <a16:creationId xmlns:a16="http://schemas.microsoft.com/office/drawing/2014/main" id="{E60C54EE-B8D9-E1A0-A153-ABB16800DAF7}"/>
+                </a:ext>
+              </a:extLst>
+            </p:cNvPr>
+            <p:cNvGrpSpPr/>
+            <p:nvPr/>
+          </p:nvGrpSpPr>
+          <p:grpSpPr>
+            <a:xfrm>
+              <a:off x="5075509" y="1622364"/>
+              <a:ext cx="6038806" cy="2381169"/>
+              <a:chOff x="5075509" y="1622364"/>
+              <a:chExt cx="6038806" cy="2381169"/>
+            </a:xfrm>
+          </p:grpSpPr>
+          <p:grpSp>
+            <p:nvGrpSpPr>
+              <p:cNvPr id="12" name="Group 11">
+                <a:extLst>
+                  <a:ext uri="{FF2B5EF4-FFF2-40B4-BE49-F238E27FC236}">
+                    <a16:creationId xmlns:a16="http://schemas.microsoft.com/office/drawing/2014/main" id="{1A8D29FC-FF16-D600-45EF-26677214C7D0}"/>
+                  </a:ext>
+                </a:extLst>
+              </p:cNvPr>
+              <p:cNvGrpSpPr/>
+              <p:nvPr/>
+            </p:nvGrpSpPr>
+            <p:grpSpPr>
+              <a:xfrm>
+                <a:off x="6509657" y="2329544"/>
+                <a:ext cx="4604658" cy="729343"/>
+                <a:chOff x="5889171" y="3113314"/>
+                <a:chExt cx="4604658" cy="729343"/>
+              </a:xfrm>
+            </p:grpSpPr>
+            <p:cxnSp>
+              <p:nvCxnSpPr>
+                <p:cNvPr id="16" name="Straight Connector 15">
+                  <a:extLst>
+                    <a:ext uri="{FF2B5EF4-FFF2-40B4-BE49-F238E27FC236}">
+                      <a16:creationId xmlns:a16="http://schemas.microsoft.com/office/drawing/2014/main" id="{CAE00F7D-F36C-ED66-36B0-BF54E65615A1}"/>
+                    </a:ext>
+                  </a:extLst>
+                </p:cNvPr>
+                <p:cNvCxnSpPr/>
+                <p:nvPr/>
+              </p:nvCxnSpPr>
+              <p:spPr>
+                <a:xfrm>
+                  <a:off x="5889171" y="3842657"/>
+                  <a:ext cx="4604658" cy="0"/>
+                </a:xfrm>
+                <a:prstGeom prst="line">
+                  <a:avLst/>
+                </a:prstGeom>
+                <a:ln w="57150">
+                  <a:solidFill>
+                    <a:schemeClr val="tx1"/>
+                  </a:solidFill>
+                </a:ln>
+              </p:spPr>
+              <p:style>
+                <a:lnRef idx="1">
+                  <a:schemeClr val="accent1"/>
+                </a:lnRef>
+                <a:fillRef idx="0">
+                  <a:schemeClr val="accent1"/>
+                </a:fillRef>
+                <a:effectRef idx="0">
+                  <a:schemeClr val="accent1"/>
+                </a:effectRef>
+                <a:fontRef idx="minor">
+                  <a:schemeClr val="tx1"/>
+                </a:fontRef>
+              </p:style>
+            </p:cxnSp>
+            <p:cxnSp>
+              <p:nvCxnSpPr>
+                <p:cNvPr id="17" name="Straight Connector 16">
+                  <a:extLst>
+                    <a:ext uri="{FF2B5EF4-FFF2-40B4-BE49-F238E27FC236}">
+                      <a16:creationId xmlns:a16="http://schemas.microsoft.com/office/drawing/2014/main" id="{3FD91ECB-FA82-B0C8-1A87-88658FB60A18}"/>
+                    </a:ext>
+                  </a:extLst>
+                </p:cNvPr>
+                <p:cNvCxnSpPr/>
+                <p:nvPr/>
+              </p:nvCxnSpPr>
+              <p:spPr>
+                <a:xfrm flipV="1">
+                  <a:off x="6477000" y="3113314"/>
+                  <a:ext cx="0" cy="729343"/>
+                </a:xfrm>
+                <a:prstGeom prst="line">
+                  <a:avLst/>
+                </a:prstGeom>
+                <a:ln w="57150">
+                  <a:solidFill>
+                    <a:schemeClr val="tx1"/>
+                  </a:solidFill>
+                </a:ln>
+              </p:spPr>
+              <p:style>
+                <a:lnRef idx="1">
+                  <a:schemeClr val="accent1"/>
+                </a:lnRef>
+                <a:fillRef idx="0">
+                  <a:schemeClr val="accent1"/>
+                </a:fillRef>
+                <a:effectRef idx="0">
+                  <a:schemeClr val="accent1"/>
+                </a:effectRef>
+                <a:fontRef idx="minor">
+                  <a:schemeClr val="tx1"/>
+                </a:fontRef>
+              </p:style>
+            </p:cxnSp>
+            <p:cxnSp>
+              <p:nvCxnSpPr>
+                <p:cNvPr id="18" name="Straight Connector 17">
+                  <a:extLst>
+                    <a:ext uri="{FF2B5EF4-FFF2-40B4-BE49-F238E27FC236}">
+                      <a16:creationId xmlns:a16="http://schemas.microsoft.com/office/drawing/2014/main" id="{3179AC18-0C53-3139-E8AF-7EC68F81C148}"/>
+                    </a:ext>
+                  </a:extLst>
+                </p:cNvPr>
+                <p:cNvCxnSpPr/>
+                <p:nvPr/>
+              </p:nvCxnSpPr>
+              <p:spPr>
+                <a:xfrm flipV="1">
+                  <a:off x="6792686" y="3113314"/>
+                  <a:ext cx="0" cy="729343"/>
+                </a:xfrm>
+                <a:prstGeom prst="line">
+                  <a:avLst/>
+                </a:prstGeom>
+                <a:ln w="57150">
+                  <a:solidFill>
+                    <a:schemeClr val="tx1"/>
+                  </a:solidFill>
+                </a:ln>
+              </p:spPr>
+              <p:style>
+                <a:lnRef idx="1">
+                  <a:schemeClr val="accent1"/>
+                </a:lnRef>
+                <a:fillRef idx="0">
+                  <a:schemeClr val="accent1"/>
+                </a:fillRef>
+                <a:effectRef idx="0">
+                  <a:schemeClr val="accent1"/>
+                </a:effectRef>
+                <a:fontRef idx="minor">
+                  <a:schemeClr val="tx1"/>
+                </a:fontRef>
+              </p:style>
+            </p:cxnSp>
+            <p:cxnSp>
+              <p:nvCxnSpPr>
+                <p:cNvPr id="19" name="Straight Connector 18">
+                  <a:extLst>
+                    <a:ext uri="{FF2B5EF4-FFF2-40B4-BE49-F238E27FC236}">
+                      <a16:creationId xmlns:a16="http://schemas.microsoft.com/office/drawing/2014/main" id="{07A09980-178F-EA4F-183A-BBDE3022CF11}"/>
+                    </a:ext>
+                  </a:extLst>
+                </p:cNvPr>
+                <p:cNvCxnSpPr/>
+                <p:nvPr/>
+              </p:nvCxnSpPr>
+              <p:spPr>
+                <a:xfrm flipV="1">
+                  <a:off x="6879771" y="3113314"/>
+                  <a:ext cx="0" cy="729343"/>
+                </a:xfrm>
+                <a:prstGeom prst="line">
+                  <a:avLst/>
+                </a:prstGeom>
+                <a:ln w="57150">
+                  <a:solidFill>
+                    <a:schemeClr val="tx1"/>
+                  </a:solidFill>
+                </a:ln>
+              </p:spPr>
+              <p:style>
+                <a:lnRef idx="1">
+                  <a:schemeClr val="accent1"/>
+                </a:lnRef>
+                <a:fillRef idx="0">
+                  <a:schemeClr val="accent1"/>
+                </a:fillRef>
+                <a:effectRef idx="0">
+                  <a:schemeClr val="accent1"/>
+                </a:effectRef>
+                <a:fontRef idx="minor">
+                  <a:schemeClr val="tx1"/>
+                </a:fontRef>
+              </p:style>
+            </p:cxnSp>
+            <p:cxnSp>
+              <p:nvCxnSpPr>
+                <p:cNvPr id="20" name="Straight Connector 19">
+                  <a:extLst>
+                    <a:ext uri="{FF2B5EF4-FFF2-40B4-BE49-F238E27FC236}">
+                      <a16:creationId xmlns:a16="http://schemas.microsoft.com/office/drawing/2014/main" id="{89FA1E30-845F-EF50-6680-3F9E848B95D5}"/>
+                    </a:ext>
+                  </a:extLst>
+                </p:cNvPr>
+                <p:cNvCxnSpPr/>
+                <p:nvPr/>
+              </p:nvCxnSpPr>
+              <p:spPr>
+                <a:xfrm flipV="1">
+                  <a:off x="8338457" y="3113314"/>
+                  <a:ext cx="0" cy="729343"/>
+                </a:xfrm>
+                <a:prstGeom prst="line">
+                  <a:avLst/>
+                </a:prstGeom>
+                <a:ln w="57150">
+                  <a:solidFill>
+                    <a:schemeClr val="tx1"/>
+                  </a:solidFill>
+                </a:ln>
+              </p:spPr>
+              <p:style>
+                <a:lnRef idx="1">
+                  <a:schemeClr val="accent1"/>
+                </a:lnRef>
+                <a:fillRef idx="0">
+                  <a:schemeClr val="accent1"/>
+                </a:fillRef>
+                <a:effectRef idx="0">
+                  <a:schemeClr val="accent1"/>
+                </a:effectRef>
+                <a:fontRef idx="minor">
+                  <a:schemeClr val="tx1"/>
+                </a:fontRef>
+              </p:style>
+            </p:cxnSp>
+            <p:cxnSp>
+              <p:nvCxnSpPr>
+                <p:cNvPr id="21" name="Straight Connector 20">
+                  <a:extLst>
+                    <a:ext uri="{FF2B5EF4-FFF2-40B4-BE49-F238E27FC236}">
+                      <a16:creationId xmlns:a16="http://schemas.microsoft.com/office/drawing/2014/main" id="{D5F6A6DE-F5BE-94DA-0E12-4B721BA30F95}"/>
+                    </a:ext>
+                  </a:extLst>
+                </p:cNvPr>
+                <p:cNvCxnSpPr/>
+                <p:nvPr/>
+              </p:nvCxnSpPr>
+              <p:spPr>
+                <a:xfrm flipV="1">
+                  <a:off x="8501743" y="3113314"/>
+                  <a:ext cx="0" cy="729343"/>
+                </a:xfrm>
+                <a:prstGeom prst="line">
+                  <a:avLst/>
+                </a:prstGeom>
+                <a:ln w="57150">
+                  <a:solidFill>
+                    <a:schemeClr val="tx1"/>
+                  </a:solidFill>
+                </a:ln>
+              </p:spPr>
+              <p:style>
+                <a:lnRef idx="1">
+                  <a:schemeClr val="accent1"/>
+                </a:lnRef>
+                <a:fillRef idx="0">
+                  <a:schemeClr val="accent1"/>
+                </a:fillRef>
+                <a:effectRef idx="0">
+                  <a:schemeClr val="accent1"/>
+                </a:effectRef>
+                <a:fontRef idx="minor">
+                  <a:schemeClr val="tx1"/>
+                </a:fontRef>
+              </p:style>
+            </p:cxnSp>
+            <p:cxnSp>
+              <p:nvCxnSpPr>
+                <p:cNvPr id="22" name="Straight Connector 21">
+                  <a:extLst>
+                    <a:ext uri="{FF2B5EF4-FFF2-40B4-BE49-F238E27FC236}">
+                      <a16:creationId xmlns:a16="http://schemas.microsoft.com/office/drawing/2014/main" id="{CDD55442-6BFD-59E9-02BA-AFF05E041485}"/>
+                    </a:ext>
+                  </a:extLst>
+                </p:cNvPr>
+                <p:cNvCxnSpPr/>
+                <p:nvPr/>
+              </p:nvCxnSpPr>
+              <p:spPr>
+                <a:xfrm flipV="1">
+                  <a:off x="9361714" y="3113314"/>
+                  <a:ext cx="0" cy="729343"/>
+                </a:xfrm>
+                <a:prstGeom prst="line">
+                  <a:avLst/>
+                </a:prstGeom>
+                <a:ln w="57150">
+                  <a:solidFill>
+                    <a:schemeClr val="tx1"/>
+                  </a:solidFill>
+                </a:ln>
+              </p:spPr>
+              <p:style>
+                <a:lnRef idx="1">
+                  <a:schemeClr val="accent1"/>
+                </a:lnRef>
+                <a:fillRef idx="0">
+                  <a:schemeClr val="accent1"/>
+                </a:fillRef>
+                <a:effectRef idx="0">
+                  <a:schemeClr val="accent1"/>
+                </a:effectRef>
+                <a:fontRef idx="minor">
+                  <a:schemeClr val="tx1"/>
+                </a:fontRef>
+              </p:style>
+            </p:cxnSp>
+            <p:cxnSp>
+              <p:nvCxnSpPr>
+                <p:cNvPr id="23" name="Straight Connector 22">
+                  <a:extLst>
+                    <a:ext uri="{FF2B5EF4-FFF2-40B4-BE49-F238E27FC236}">
+                      <a16:creationId xmlns:a16="http://schemas.microsoft.com/office/drawing/2014/main" id="{6BC2AD5A-6EAC-E295-0D7A-25D7029B30AB}"/>
+                    </a:ext>
+                  </a:extLst>
+                </p:cNvPr>
+                <p:cNvCxnSpPr/>
+                <p:nvPr/>
+              </p:nvCxnSpPr>
+              <p:spPr>
+                <a:xfrm flipV="1">
+                  <a:off x="9916885" y="3113314"/>
+                  <a:ext cx="0" cy="729343"/>
+                </a:xfrm>
+                <a:prstGeom prst="line">
+                  <a:avLst/>
+                </a:prstGeom>
+                <a:ln w="57150">
+                  <a:solidFill>
+                    <a:schemeClr val="tx1"/>
+                  </a:solidFill>
+                </a:ln>
+              </p:spPr>
+              <p:style>
+                <a:lnRef idx="1">
+                  <a:schemeClr val="accent1"/>
+                </a:lnRef>
+                <a:fillRef idx="0">
+                  <a:schemeClr val="accent1"/>
+                </a:fillRef>
+                <a:effectRef idx="0">
+                  <a:schemeClr val="accent1"/>
+                </a:effectRef>
+                <a:fontRef idx="minor">
+                  <a:schemeClr val="tx1"/>
+                </a:fontRef>
+              </p:style>
+            </p:cxnSp>
+          </p:grpSp>
+          <p:sp>
+            <p:nvSpPr>
+              <p:cNvPr id="13" name="TextBox 12">
+                <a:extLst>
+                  <a:ext uri="{FF2B5EF4-FFF2-40B4-BE49-F238E27FC236}">
+                    <a16:creationId xmlns:a16="http://schemas.microsoft.com/office/drawing/2014/main" id="{DB4B6DDA-C2E4-CF48-4895-D3F467CCDA85}"/>
+                  </a:ext>
+                </a:extLst>
+              </p:cNvPr>
+              <p:cNvSpPr txBox="1"/>
+              <p:nvPr/>
+            </p:nvSpPr>
+            <p:spPr>
+              <a:xfrm>
+                <a:off x="8532383" y="3581401"/>
+                <a:ext cx="975083" cy="422132"/>
+              </a:xfrm>
+              <a:prstGeom prst="rect">
+                <a:avLst/>
+              </a:prstGeom>
+              <a:noFill/>
+            </p:spPr>
+            <p:txBody>
+              <a:bodyPr wrap="none" rtlCol="0">
+                <a:spAutoFit/>
+              </a:bodyPr>
+              <a:lstStyle/>
+              <a:p>
+                <a:r>
+                  <a:rPr lang="en-US" dirty="0"/>
+                  <a:t>time -&gt;</a:t>
+                </a:r>
+              </a:p>
+            </p:txBody>
+          </p:sp>
+          <p:sp>
+            <p:nvSpPr>
+              <p:cNvPr id="14" name="Right Arrow 18">
+                <a:extLst>
+                  <a:ext uri="{FF2B5EF4-FFF2-40B4-BE49-F238E27FC236}">
+                    <a16:creationId xmlns:a16="http://schemas.microsoft.com/office/drawing/2014/main" id="{7DAD48E6-49F3-AD20-5D0D-3CED88CCE336}"/>
+                  </a:ext>
+                </a:extLst>
+              </p:cNvPr>
+              <p:cNvSpPr/>
+              <p:nvPr/>
+            </p:nvSpPr>
+            <p:spPr>
+              <a:xfrm>
+                <a:off x="5075509" y="2485844"/>
+                <a:ext cx="897927" cy="424475"/>
+              </a:xfrm>
+              <a:prstGeom prst="rightArrow">
+                <a:avLst/>
+              </a:prstGeom>
+            </p:spPr>
+            <p:style>
+              <a:lnRef idx="2">
+                <a:schemeClr val="accent4">
+                  <a:shade val="50000"/>
+                </a:schemeClr>
+              </a:lnRef>
+              <a:fillRef idx="1">
+                <a:schemeClr val="accent4"/>
+              </a:fillRef>
+              <a:effectRef idx="0">
+                <a:schemeClr val="accent4"/>
+              </a:effectRef>
+              <a:fontRef idx="minor">
+                <a:schemeClr val="lt1"/>
+              </a:fontRef>
+            </p:style>
+            <p:txBody>
+              <a:bodyPr rtlCol="0" anchor="ctr"/>
+              <a:lstStyle/>
+              <a:p>
+                <a:pPr algn="ctr"/>
+                <a:endParaRPr lang="en-US"/>
+              </a:p>
+            </p:txBody>
+          </p:sp>
+          <p:sp>
+            <p:nvSpPr>
+              <p:cNvPr id="15" name="TextBox 14">
+                <a:extLst>
+                  <a:ext uri="{FF2B5EF4-FFF2-40B4-BE49-F238E27FC236}">
+                    <a16:creationId xmlns:a16="http://schemas.microsoft.com/office/drawing/2014/main" id="{76531E12-429D-DCF7-AE7E-7BC5C34C188A}"/>
+                  </a:ext>
+                </a:extLst>
+              </p:cNvPr>
+              <p:cNvSpPr txBox="1"/>
+              <p:nvPr/>
+            </p:nvSpPr>
+            <p:spPr>
+              <a:xfrm>
+                <a:off x="7905744" y="1622364"/>
+                <a:ext cx="2394215" cy="422132"/>
+              </a:xfrm>
+              <a:prstGeom prst="rect">
+                <a:avLst/>
+              </a:prstGeom>
+              <a:noFill/>
+            </p:spPr>
+            <p:txBody>
+              <a:bodyPr wrap="square" rtlCol="0">
+                <a:spAutoFit/>
+              </a:bodyPr>
+              <a:lstStyle/>
+              <a:p>
+                <a:r>
+                  <a:rPr lang="en-US" dirty="0"/>
+                  <a:t>Recorded spikes</a:t>
+                </a:r>
+              </a:p>
+            </p:txBody>
+          </p:sp>
+        </p:grpSp>
+      </p:grpSp>
+    </p:spTree>
+    <p:extLst>
+      <p:ext uri="{BB962C8B-B14F-4D97-AF65-F5344CB8AC3E}">
+        <p14:creationId xmlns:p14="http://schemas.microsoft.com/office/powerpoint/2010/main" val="3684739366"/>
+      </p:ext>
+    </p:extLst>
+  </p:cSld>
+  <p:clrMapOvr>
+    <a:masterClrMapping/>
+  </p:clrMapOvr>
+</p:sld>
+</file>
+
+<file path=ppt/slides/slide4.xml><?xml version="1.0" encoding="utf-8"?>
+<p:sld xmlns:a="http://schemas.openxmlformats.org/drawingml/2006/main" xmlns:r="http://schemas.openxmlformats.org/officeDocument/2006/relationships" xmlns:p="http://schemas.openxmlformats.org/presentationml/2006/main">
+  <p:cSld>
+    <p:spTree>
+      <p:nvGrpSpPr>
+        <p:cNvPr id="1" name=""/>
+        <p:cNvGrpSpPr/>
+        <p:nvPr/>
+      </p:nvGrpSpPr>
+      <p:grpSpPr>
+        <a:xfrm>
+          <a:off x="0" y="0"/>
+          <a:ext cx="0" cy="0"/>
+          <a:chOff x="0" y="0"/>
+          <a:chExt cx="0" cy="0"/>
+        </a:xfrm>
+      </p:grpSpPr>
       <p:pic>
         <p:nvPicPr>
           <p:cNvPr id="3" name="Picture 2" descr="Diagram&#10;&#10;Description automatically generated">
@@ -26617,7 +29225,7 @@
 </p:sld>
 </file>
 
-<file path=ppt/slides/slide4.xml><?xml version="1.0" encoding="utf-8"?>
+<file path=ppt/slides/slide5.xml><?xml version="1.0" encoding="utf-8"?>
 <p:sld xmlns:a="http://schemas.openxmlformats.org/drawingml/2006/main" xmlns:r="http://schemas.openxmlformats.org/officeDocument/2006/relationships" xmlns:p="http://schemas.openxmlformats.org/presentationml/2006/main">
   <p:cSld>
     <p:spTree>
@@ -27257,7 +29865,7 @@
 </p:sld>
 </file>
 
-<file path=ppt/slides/slide5.xml><?xml version="1.0" encoding="utf-8"?>
+<file path=ppt/slides/slide6.xml><?xml version="1.0" encoding="utf-8"?>
 <p:sld xmlns:a="http://schemas.openxmlformats.org/drawingml/2006/main" xmlns:r="http://schemas.openxmlformats.org/officeDocument/2006/relationships" xmlns:p="http://schemas.openxmlformats.org/presentationml/2006/main">
   <p:cSld>
     <p:spTree>
@@ -27821,7 +30429,7 @@
 </p:sld>
 </file>
 
-<file path=ppt/slides/slide6.xml><?xml version="1.0" encoding="utf-8"?>
+<file path=ppt/slides/slide7.xml><?xml version="1.0" encoding="utf-8"?>
 <p:sld xmlns:a="http://schemas.openxmlformats.org/drawingml/2006/main" xmlns:r="http://schemas.openxmlformats.org/officeDocument/2006/relationships" xmlns:p="http://schemas.openxmlformats.org/presentationml/2006/main">
   <p:cSld>
     <p:spTree>
@@ -30797,7 +33405,7 @@
 </p:sld>
 </file>
 
-<file path=ppt/slides/slide7.xml><?xml version="1.0" encoding="utf-8"?>
+<file path=ppt/slides/slide8.xml><?xml version="1.0" encoding="utf-8"?>
 <p:sld xmlns:a="http://schemas.openxmlformats.org/drawingml/2006/main" xmlns:r="http://schemas.openxmlformats.org/officeDocument/2006/relationships" xmlns:p="http://schemas.openxmlformats.org/presentationml/2006/main">
   <p:cSld>
     <p:spTree>
@@ -33103,7 +35711,7 @@
 </p:sld>
 </file>
 
-<file path=ppt/slides/slide8.xml><?xml version="1.0" encoding="utf-8"?>
+<file path=ppt/slides/slide9.xml><?xml version="1.0" encoding="utf-8"?>
 <p:sld xmlns:a="http://schemas.openxmlformats.org/drawingml/2006/main" xmlns:r="http://schemas.openxmlformats.org/officeDocument/2006/relationships" xmlns:p="http://schemas.openxmlformats.org/presentationml/2006/main">
   <p:cSld>
     <p:spTree>
@@ -36230,2426 +38838,6 @@
 </p:sld>
 </file>
 
-<file path=ppt/slides/slide9.xml><?xml version="1.0" encoding="utf-8"?>
-<p:sld xmlns:a="http://schemas.openxmlformats.org/drawingml/2006/main" xmlns:r="http://schemas.openxmlformats.org/officeDocument/2006/relationships" xmlns:p="http://schemas.openxmlformats.org/presentationml/2006/main">
-  <p:cSld>
-    <p:spTree>
-      <p:nvGrpSpPr>
-        <p:cNvPr id="1" name=""/>
-        <p:cNvGrpSpPr/>
-        <p:nvPr/>
-      </p:nvGrpSpPr>
-      <p:grpSpPr>
-        <a:xfrm>
-          <a:off x="0" y="0"/>
-          <a:ext cx="0" cy="0"/>
-          <a:chOff x="0" y="0"/>
-          <a:chExt cx="0" cy="0"/>
-        </a:xfrm>
-      </p:grpSpPr>
-      <p:sp>
-        <p:nvSpPr>
-          <p:cNvPr id="18" name="TextBox 17">
-            <a:extLst>
-              <a:ext uri="{FF2B5EF4-FFF2-40B4-BE49-F238E27FC236}">
-                <a16:creationId xmlns:a16="http://schemas.microsoft.com/office/drawing/2014/main" id="{8B4BA8A8-6D61-48A1-4C2C-3B54F98C7F5A}"/>
-              </a:ext>
-            </a:extLst>
-          </p:cNvPr>
-          <p:cNvSpPr txBox="1"/>
-          <p:nvPr/>
-        </p:nvSpPr>
-        <p:spPr>
-          <a:xfrm>
-            <a:off x="211973" y="332508"/>
-            <a:ext cx="11768051" cy="461665"/>
-          </a:xfrm>
-          <a:prstGeom prst="rect">
-            <a:avLst/>
-          </a:prstGeom>
-          <a:noFill/>
-        </p:spPr>
-        <p:txBody>
-          <a:bodyPr wrap="square" rtlCol="0">
-            <a:spAutoFit/>
-          </a:bodyPr>
-          <a:lstStyle/>
-          <a:p>
-            <a:r>
-              <a:rPr lang="en-US" sz="2400" dirty="0"/>
-              <a:t>Neurons store energy in the form of charge + concentration gradients across their membrane</a:t>
-            </a:r>
-          </a:p>
-        </p:txBody>
-      </p:sp>
-      <p:grpSp>
-        <p:nvGrpSpPr>
-          <p:cNvPr id="73" name="Group 72">
-            <a:extLst>
-              <a:ext uri="{FF2B5EF4-FFF2-40B4-BE49-F238E27FC236}">
-                <a16:creationId xmlns:a16="http://schemas.microsoft.com/office/drawing/2014/main" id="{0C0FC421-B075-5285-BF39-5E5072FFEC3D}"/>
-              </a:ext>
-            </a:extLst>
-          </p:cNvPr>
-          <p:cNvGrpSpPr/>
-          <p:nvPr/>
-        </p:nvGrpSpPr>
-        <p:grpSpPr>
-          <a:xfrm>
-            <a:off x="7627683" y="1351679"/>
-            <a:ext cx="4055102" cy="3799562"/>
-            <a:chOff x="7627683" y="1351679"/>
-            <a:chExt cx="4055102" cy="3799562"/>
-          </a:xfrm>
-        </p:grpSpPr>
-        <p:grpSp>
-          <p:nvGrpSpPr>
-            <p:cNvPr id="74" name="Group 73">
-              <a:extLst>
-                <a:ext uri="{FF2B5EF4-FFF2-40B4-BE49-F238E27FC236}">
-                  <a16:creationId xmlns:a16="http://schemas.microsoft.com/office/drawing/2014/main" id="{70198ECA-9031-934A-E53C-286CB2F2A2BE}"/>
-                </a:ext>
-              </a:extLst>
-            </p:cNvPr>
-            <p:cNvGrpSpPr/>
-            <p:nvPr/>
-          </p:nvGrpSpPr>
-          <p:grpSpPr>
-            <a:xfrm>
-              <a:off x="7627683" y="2408935"/>
-              <a:ext cx="1601639" cy="1721365"/>
-              <a:chOff x="7136295" y="2356735"/>
-              <a:chExt cx="1601639" cy="1721365"/>
-            </a:xfrm>
-          </p:grpSpPr>
-          <p:cxnSp>
-            <p:nvCxnSpPr>
-              <p:cNvPr id="134" name="Straight Connector 133">
-                <a:extLst>
-                  <a:ext uri="{FF2B5EF4-FFF2-40B4-BE49-F238E27FC236}">
-                    <a16:creationId xmlns:a16="http://schemas.microsoft.com/office/drawing/2014/main" id="{5E2445FB-6C2E-0D56-C1B0-8A3E34B4DB4E}"/>
-                  </a:ext>
-                </a:extLst>
-              </p:cNvPr>
-              <p:cNvCxnSpPr>
-                <a:cxnSpLocks/>
-              </p:cNvCxnSpPr>
-              <p:nvPr/>
-            </p:nvCxnSpPr>
-            <p:spPr>
-              <a:xfrm>
-                <a:off x="7136295" y="3104472"/>
-                <a:ext cx="735496" cy="0"/>
-              </a:xfrm>
-              <a:prstGeom prst="line">
-                <a:avLst/>
-              </a:prstGeom>
-              <a:ln w="38100">
-                <a:solidFill>
-                  <a:srgbClr val="FDB879"/>
-                </a:solidFill>
-              </a:ln>
-            </p:spPr>
-            <p:style>
-              <a:lnRef idx="1">
-                <a:schemeClr val="dk1"/>
-              </a:lnRef>
-              <a:fillRef idx="0">
-                <a:schemeClr val="dk1"/>
-              </a:fillRef>
-              <a:effectRef idx="0">
-                <a:schemeClr val="dk1"/>
-              </a:effectRef>
-              <a:fontRef idx="minor">
-                <a:schemeClr val="tx1"/>
-              </a:fontRef>
-            </p:style>
-          </p:cxnSp>
-          <p:cxnSp>
-            <p:nvCxnSpPr>
-              <p:cNvPr id="135" name="Straight Connector 134">
-                <a:extLst>
-                  <a:ext uri="{FF2B5EF4-FFF2-40B4-BE49-F238E27FC236}">
-                    <a16:creationId xmlns:a16="http://schemas.microsoft.com/office/drawing/2014/main" id="{8EBE7AB4-5EC0-CDE2-4F15-777A8D3B36D2}"/>
-                  </a:ext>
-                </a:extLst>
-              </p:cNvPr>
-              <p:cNvCxnSpPr>
-                <a:cxnSpLocks/>
-              </p:cNvCxnSpPr>
-              <p:nvPr/>
-            </p:nvCxnSpPr>
-            <p:spPr>
-              <a:xfrm>
-                <a:off x="7136295" y="3339548"/>
-                <a:ext cx="735496" cy="0"/>
-              </a:xfrm>
-              <a:prstGeom prst="line">
-                <a:avLst/>
-              </a:prstGeom>
-              <a:ln w="38100">
-                <a:solidFill>
-                  <a:srgbClr val="FDB879"/>
-                </a:solidFill>
-              </a:ln>
-            </p:spPr>
-            <p:style>
-              <a:lnRef idx="1">
-                <a:schemeClr val="dk1"/>
-              </a:lnRef>
-              <a:fillRef idx="0">
-                <a:schemeClr val="dk1"/>
-              </a:fillRef>
-              <a:effectRef idx="0">
-                <a:schemeClr val="dk1"/>
-              </a:effectRef>
-              <a:fontRef idx="minor">
-                <a:schemeClr val="tx1"/>
-              </a:fontRef>
-            </p:style>
-          </p:cxnSp>
-          <p:cxnSp>
-            <p:nvCxnSpPr>
-              <p:cNvPr id="136" name="Straight Connector 135">
-                <a:extLst>
-                  <a:ext uri="{FF2B5EF4-FFF2-40B4-BE49-F238E27FC236}">
-                    <a16:creationId xmlns:a16="http://schemas.microsoft.com/office/drawing/2014/main" id="{63B49F20-F27A-3B24-ACCE-713EC12794C2}"/>
-                  </a:ext>
-                </a:extLst>
-              </p:cNvPr>
-              <p:cNvCxnSpPr>
-                <a:cxnSpLocks/>
-              </p:cNvCxnSpPr>
-              <p:nvPr/>
-            </p:nvCxnSpPr>
-            <p:spPr>
-              <a:xfrm rot="5400000">
-                <a:off x="7129669" y="2724483"/>
-                <a:ext cx="735496" cy="0"/>
-              </a:xfrm>
-              <a:prstGeom prst="line">
-                <a:avLst/>
-              </a:prstGeom>
-              <a:ln w="38100">
-                <a:solidFill>
-                  <a:srgbClr val="FDB879"/>
-                </a:solidFill>
-              </a:ln>
-            </p:spPr>
-            <p:style>
-              <a:lnRef idx="1">
-                <a:schemeClr val="dk1"/>
-              </a:lnRef>
-              <a:fillRef idx="0">
-                <a:schemeClr val="dk1"/>
-              </a:fillRef>
-              <a:effectRef idx="0">
-                <a:schemeClr val="dk1"/>
-              </a:effectRef>
-              <a:fontRef idx="minor">
-                <a:schemeClr val="tx1"/>
-              </a:fontRef>
-            </p:style>
-          </p:cxnSp>
-          <p:cxnSp>
-            <p:nvCxnSpPr>
-              <p:cNvPr id="137" name="Straight Connector 136">
-                <a:extLst>
-                  <a:ext uri="{FF2B5EF4-FFF2-40B4-BE49-F238E27FC236}">
-                    <a16:creationId xmlns:a16="http://schemas.microsoft.com/office/drawing/2014/main" id="{5D5ADC5C-F33D-2FF1-EF06-15BE73DFD9EF}"/>
-                  </a:ext>
-                </a:extLst>
-              </p:cNvPr>
-              <p:cNvCxnSpPr>
-                <a:cxnSpLocks/>
-              </p:cNvCxnSpPr>
-              <p:nvPr/>
-            </p:nvCxnSpPr>
-            <p:spPr>
-              <a:xfrm rot="5400000">
-                <a:off x="7129669" y="3710352"/>
-                <a:ext cx="735496" cy="0"/>
-              </a:xfrm>
-              <a:prstGeom prst="line">
-                <a:avLst/>
-              </a:prstGeom>
-              <a:ln w="38100">
-                <a:solidFill>
-                  <a:srgbClr val="FDB879"/>
-                </a:solidFill>
-              </a:ln>
-            </p:spPr>
-            <p:style>
-              <a:lnRef idx="1">
-                <a:schemeClr val="dk1"/>
-              </a:lnRef>
-              <a:fillRef idx="0">
-                <a:schemeClr val="dk1"/>
-              </a:fillRef>
-              <a:effectRef idx="0">
-                <a:schemeClr val="dk1"/>
-              </a:effectRef>
-              <a:fontRef idx="minor">
-                <a:schemeClr val="tx1"/>
-              </a:fontRef>
-            </p:style>
-          </p:cxnSp>
-          <p:sp>
-            <p:nvSpPr>
-              <p:cNvPr id="138" name="TextBox 137">
-                <a:extLst>
-                  <a:ext uri="{FF2B5EF4-FFF2-40B4-BE49-F238E27FC236}">
-                    <a16:creationId xmlns:a16="http://schemas.microsoft.com/office/drawing/2014/main" id="{E43F19FC-DFCD-60BF-4DD8-0C3337DB6C04}"/>
-                  </a:ext>
-                </a:extLst>
-              </p:cNvPr>
-              <p:cNvSpPr txBox="1"/>
-              <p:nvPr/>
-            </p:nvSpPr>
-            <p:spPr>
-              <a:xfrm>
-                <a:off x="7616469" y="3376800"/>
-                <a:ext cx="1121465" cy="369332"/>
-              </a:xfrm>
-              <a:prstGeom prst="rect">
-                <a:avLst/>
-              </a:prstGeom>
-              <a:noFill/>
-            </p:spPr>
-            <p:txBody>
-              <a:bodyPr wrap="square" rtlCol="0">
-                <a:spAutoFit/>
-              </a:bodyPr>
-              <a:lstStyle/>
-              <a:p>
-                <a:r>
-                  <a:rPr lang="en-US" dirty="0"/>
-                  <a:t>capacitor</a:t>
-                </a:r>
-              </a:p>
-            </p:txBody>
-          </p:sp>
-        </p:grpSp>
-        <p:grpSp>
-          <p:nvGrpSpPr>
-            <p:cNvPr id="75" name="Group 74">
-              <a:extLst>
-                <a:ext uri="{FF2B5EF4-FFF2-40B4-BE49-F238E27FC236}">
-                  <a16:creationId xmlns:a16="http://schemas.microsoft.com/office/drawing/2014/main" id="{2E640F52-D2F5-07FF-EDEB-D53927BDC902}"/>
-                </a:ext>
-              </a:extLst>
-            </p:cNvPr>
-            <p:cNvGrpSpPr/>
-            <p:nvPr/>
-          </p:nvGrpSpPr>
-          <p:grpSpPr>
-            <a:xfrm>
-              <a:off x="7995431" y="1351679"/>
-              <a:ext cx="1910769" cy="3799562"/>
-              <a:chOff x="7206199" y="1351679"/>
-              <a:chExt cx="1910769" cy="3799562"/>
-            </a:xfrm>
-          </p:grpSpPr>
-          <p:cxnSp>
-            <p:nvCxnSpPr>
-              <p:cNvPr id="128" name="Straight Connector 127">
-                <a:extLst>
-                  <a:ext uri="{FF2B5EF4-FFF2-40B4-BE49-F238E27FC236}">
-                    <a16:creationId xmlns:a16="http://schemas.microsoft.com/office/drawing/2014/main" id="{C44CC8C6-4350-9075-0BD3-751346D8FF88}"/>
-                  </a:ext>
-                </a:extLst>
-              </p:cNvPr>
-              <p:cNvCxnSpPr>
-                <a:cxnSpLocks/>
-              </p:cNvCxnSpPr>
-              <p:nvPr/>
-            </p:nvCxnSpPr>
-            <p:spPr>
-              <a:xfrm>
-                <a:off x="8179103" y="4130300"/>
-                <a:ext cx="0" cy="651609"/>
-              </a:xfrm>
-              <a:prstGeom prst="line">
-                <a:avLst/>
-              </a:prstGeom>
-              <a:ln w="38100">
-                <a:solidFill>
-                  <a:schemeClr val="tx1"/>
-                </a:solidFill>
-              </a:ln>
-            </p:spPr>
-            <p:style>
-              <a:lnRef idx="1">
-                <a:schemeClr val="dk1"/>
-              </a:lnRef>
-              <a:fillRef idx="0">
-                <a:schemeClr val="dk1"/>
-              </a:fillRef>
-              <a:effectRef idx="0">
-                <a:schemeClr val="dk1"/>
-              </a:effectRef>
-              <a:fontRef idx="minor">
-                <a:schemeClr val="tx1"/>
-              </a:fontRef>
-            </p:style>
-          </p:cxnSp>
-          <p:cxnSp>
-            <p:nvCxnSpPr>
-              <p:cNvPr id="129" name="Straight Connector 128">
-                <a:extLst>
-                  <a:ext uri="{FF2B5EF4-FFF2-40B4-BE49-F238E27FC236}">
-                    <a16:creationId xmlns:a16="http://schemas.microsoft.com/office/drawing/2014/main" id="{B33EA658-A65A-509E-5133-4FAF21DB9071}"/>
-                  </a:ext>
-                </a:extLst>
-              </p:cNvPr>
-              <p:cNvCxnSpPr>
-                <a:cxnSpLocks/>
-              </p:cNvCxnSpPr>
-              <p:nvPr/>
-            </p:nvCxnSpPr>
-            <p:spPr>
-              <a:xfrm>
-                <a:off x="8159969" y="1757326"/>
-                <a:ext cx="0" cy="651609"/>
-              </a:xfrm>
-              <a:prstGeom prst="line">
-                <a:avLst/>
-              </a:prstGeom>
-              <a:ln w="38100">
-                <a:solidFill>
-                  <a:schemeClr val="tx1"/>
-                </a:solidFill>
-              </a:ln>
-            </p:spPr>
-            <p:style>
-              <a:lnRef idx="1">
-                <a:schemeClr val="dk1"/>
-              </a:lnRef>
-              <a:fillRef idx="0">
-                <a:schemeClr val="dk1"/>
-              </a:fillRef>
-              <a:effectRef idx="0">
-                <a:schemeClr val="dk1"/>
-              </a:effectRef>
-              <a:fontRef idx="minor">
-                <a:schemeClr val="tx1"/>
-              </a:fontRef>
-            </p:style>
-          </p:cxnSp>
-          <p:cxnSp>
-            <p:nvCxnSpPr>
-              <p:cNvPr id="130" name="Straight Connector 129">
-                <a:extLst>
-                  <a:ext uri="{FF2B5EF4-FFF2-40B4-BE49-F238E27FC236}">
-                    <a16:creationId xmlns:a16="http://schemas.microsoft.com/office/drawing/2014/main" id="{07737502-F753-BB8A-9B6D-631BA0A6C2C7}"/>
-                  </a:ext>
-                </a:extLst>
-              </p:cNvPr>
-              <p:cNvCxnSpPr>
-                <a:cxnSpLocks/>
-              </p:cNvCxnSpPr>
-              <p:nvPr/>
-            </p:nvCxnSpPr>
-            <p:spPr>
-              <a:xfrm>
-                <a:off x="7206199" y="2408935"/>
-                <a:ext cx="1910769" cy="0"/>
-              </a:xfrm>
-              <a:prstGeom prst="line">
-                <a:avLst/>
-              </a:prstGeom>
-              <a:ln w="38100">
-                <a:solidFill>
-                  <a:schemeClr val="tx1"/>
-                </a:solidFill>
-              </a:ln>
-            </p:spPr>
-            <p:style>
-              <a:lnRef idx="1">
-                <a:schemeClr val="dk1"/>
-              </a:lnRef>
-              <a:fillRef idx="0">
-                <a:schemeClr val="dk1"/>
-              </a:fillRef>
-              <a:effectRef idx="0">
-                <a:schemeClr val="dk1"/>
-              </a:effectRef>
-              <a:fontRef idx="minor">
-                <a:schemeClr val="tx1"/>
-              </a:fontRef>
-            </p:style>
-          </p:cxnSp>
-          <p:cxnSp>
-            <p:nvCxnSpPr>
-              <p:cNvPr id="131" name="Straight Connector 130">
-                <a:extLst>
-                  <a:ext uri="{FF2B5EF4-FFF2-40B4-BE49-F238E27FC236}">
-                    <a16:creationId xmlns:a16="http://schemas.microsoft.com/office/drawing/2014/main" id="{720C993D-8CA7-EF92-BEA5-EF725DE74CC1}"/>
-                  </a:ext>
-                </a:extLst>
-              </p:cNvPr>
-              <p:cNvCxnSpPr>
-                <a:cxnSpLocks/>
-              </p:cNvCxnSpPr>
-              <p:nvPr/>
-            </p:nvCxnSpPr>
-            <p:spPr>
-              <a:xfrm>
-                <a:off x="7206199" y="4130300"/>
-                <a:ext cx="1910769" cy="0"/>
-              </a:xfrm>
-              <a:prstGeom prst="line">
-                <a:avLst/>
-              </a:prstGeom>
-              <a:ln w="38100">
-                <a:solidFill>
-                  <a:schemeClr val="tx1"/>
-                </a:solidFill>
-              </a:ln>
-            </p:spPr>
-            <p:style>
-              <a:lnRef idx="1">
-                <a:schemeClr val="dk1"/>
-              </a:lnRef>
-              <a:fillRef idx="0">
-                <a:schemeClr val="dk1"/>
-              </a:fillRef>
-              <a:effectRef idx="0">
-                <a:schemeClr val="dk1"/>
-              </a:effectRef>
-              <a:fontRef idx="minor">
-                <a:schemeClr val="tx1"/>
-              </a:fontRef>
-            </p:style>
-          </p:cxnSp>
-          <p:sp>
-            <p:nvSpPr>
-              <p:cNvPr id="132" name="TextBox 131">
-                <a:extLst>
-                  <a:ext uri="{FF2B5EF4-FFF2-40B4-BE49-F238E27FC236}">
-                    <a16:creationId xmlns:a16="http://schemas.microsoft.com/office/drawing/2014/main" id="{3F8A2B9C-4231-D980-6760-A16775F6150F}"/>
-                  </a:ext>
-                </a:extLst>
-              </p:cNvPr>
-              <p:cNvSpPr txBox="1"/>
-              <p:nvPr/>
-            </p:nvSpPr>
-            <p:spPr>
-              <a:xfrm>
-                <a:off x="7721903" y="1351679"/>
-                <a:ext cx="914400" cy="369332"/>
-              </a:xfrm>
-              <a:prstGeom prst="rect">
-                <a:avLst/>
-              </a:prstGeom>
-              <a:noFill/>
-            </p:spPr>
-            <p:txBody>
-              <a:bodyPr wrap="square" rtlCol="0">
-                <a:spAutoFit/>
-              </a:bodyPr>
-              <a:lstStyle/>
-              <a:p>
-                <a:pPr algn="ctr"/>
-                <a:r>
-                  <a:rPr lang="en-US" dirty="0"/>
-                  <a:t>outside</a:t>
-                </a:r>
-              </a:p>
-            </p:txBody>
-          </p:sp>
-          <p:sp>
-            <p:nvSpPr>
-              <p:cNvPr id="133" name="TextBox 132">
-                <a:extLst>
-                  <a:ext uri="{FF2B5EF4-FFF2-40B4-BE49-F238E27FC236}">
-                    <a16:creationId xmlns:a16="http://schemas.microsoft.com/office/drawing/2014/main" id="{3BABA535-E369-DBC2-3DDD-3205D0FF428D}"/>
-                  </a:ext>
-                </a:extLst>
-              </p:cNvPr>
-              <p:cNvSpPr txBox="1"/>
-              <p:nvPr/>
-            </p:nvSpPr>
-            <p:spPr>
-              <a:xfrm>
-                <a:off x="7721903" y="4781909"/>
-                <a:ext cx="914400" cy="369332"/>
-              </a:xfrm>
-              <a:prstGeom prst="rect">
-                <a:avLst/>
-              </a:prstGeom>
-              <a:noFill/>
-            </p:spPr>
-            <p:txBody>
-              <a:bodyPr wrap="square" rtlCol="0">
-                <a:spAutoFit/>
-              </a:bodyPr>
-              <a:lstStyle/>
-              <a:p>
-                <a:pPr algn="ctr"/>
-                <a:r>
-                  <a:rPr lang="en-US" dirty="0"/>
-                  <a:t>inside</a:t>
-                </a:r>
-              </a:p>
-            </p:txBody>
-          </p:sp>
-        </p:grpSp>
-        <p:grpSp>
-          <p:nvGrpSpPr>
-            <p:cNvPr id="77" name="Group 76">
-              <a:extLst>
-                <a:ext uri="{FF2B5EF4-FFF2-40B4-BE49-F238E27FC236}">
-                  <a16:creationId xmlns:a16="http://schemas.microsoft.com/office/drawing/2014/main" id="{792BEC2B-D515-1A75-7709-5098BA13BAF9}"/>
-                </a:ext>
-              </a:extLst>
-            </p:cNvPr>
-            <p:cNvGrpSpPr/>
-            <p:nvPr/>
-          </p:nvGrpSpPr>
-          <p:grpSpPr>
-            <a:xfrm>
-              <a:off x="9720551" y="2405372"/>
-              <a:ext cx="1535797" cy="1179653"/>
-              <a:chOff x="8931319" y="2408935"/>
-              <a:chExt cx="1535797" cy="1704112"/>
-            </a:xfrm>
-          </p:grpSpPr>
-          <p:grpSp>
-            <p:nvGrpSpPr>
-              <p:cNvPr id="88" name="Group 87">
-                <a:extLst>
-                  <a:ext uri="{FF2B5EF4-FFF2-40B4-BE49-F238E27FC236}">
-                    <a16:creationId xmlns:a16="http://schemas.microsoft.com/office/drawing/2014/main" id="{245DB0CE-F2B3-D542-1C90-9B4FC1B225F8}"/>
-                  </a:ext>
-                </a:extLst>
-              </p:cNvPr>
-              <p:cNvGrpSpPr/>
-              <p:nvPr/>
-            </p:nvGrpSpPr>
-            <p:grpSpPr>
-              <a:xfrm>
-                <a:off x="8931319" y="2408935"/>
-                <a:ext cx="363716" cy="1704112"/>
-                <a:chOff x="8931319" y="2402885"/>
-                <a:chExt cx="363716" cy="1693023"/>
-              </a:xfrm>
-            </p:grpSpPr>
-            <p:cxnSp>
-              <p:nvCxnSpPr>
-                <p:cNvPr id="113" name="Straight Connector 112">
-                  <a:extLst>
-                    <a:ext uri="{FF2B5EF4-FFF2-40B4-BE49-F238E27FC236}">
-                      <a16:creationId xmlns:a16="http://schemas.microsoft.com/office/drawing/2014/main" id="{4CE60F37-A8FE-16ED-E13F-501F835C5B4F}"/>
-                    </a:ext>
-                  </a:extLst>
-                </p:cNvPr>
-                <p:cNvCxnSpPr>
-                  <a:cxnSpLocks/>
-                </p:cNvCxnSpPr>
-                <p:nvPr/>
-              </p:nvCxnSpPr>
-              <p:spPr>
-                <a:xfrm flipH="1">
-                  <a:off x="8931319" y="2882461"/>
-                  <a:ext cx="356134" cy="154890"/>
-                </a:xfrm>
-                <a:prstGeom prst="line">
-                  <a:avLst/>
-                </a:prstGeom>
-                <a:ln w="38100">
-                  <a:solidFill>
-                    <a:srgbClr val="89BBE2"/>
-                  </a:solidFill>
-                </a:ln>
-              </p:spPr>
-              <p:style>
-                <a:lnRef idx="1">
-                  <a:schemeClr val="dk1"/>
-                </a:lnRef>
-                <a:fillRef idx="0">
-                  <a:schemeClr val="dk1"/>
-                </a:fillRef>
-                <a:effectRef idx="0">
-                  <a:schemeClr val="dk1"/>
-                </a:effectRef>
-                <a:fontRef idx="minor">
-                  <a:schemeClr val="tx1"/>
-                </a:fontRef>
-              </p:style>
-            </p:cxnSp>
-            <p:cxnSp>
-              <p:nvCxnSpPr>
-                <p:cNvPr id="120" name="Straight Connector 119">
-                  <a:extLst>
-                    <a:ext uri="{FF2B5EF4-FFF2-40B4-BE49-F238E27FC236}">
-                      <a16:creationId xmlns:a16="http://schemas.microsoft.com/office/drawing/2014/main" id="{68D6E149-DD21-C496-5374-8144D3B0C12C}"/>
-                    </a:ext>
-                  </a:extLst>
-                </p:cNvPr>
-                <p:cNvCxnSpPr>
-                  <a:cxnSpLocks/>
-                </p:cNvCxnSpPr>
-                <p:nvPr/>
-              </p:nvCxnSpPr>
-              <p:spPr>
-                <a:xfrm>
-                  <a:off x="8931319" y="3037351"/>
-                  <a:ext cx="356134" cy="154890"/>
-                </a:xfrm>
-                <a:prstGeom prst="line">
-                  <a:avLst/>
-                </a:prstGeom>
-                <a:ln w="38100">
-                  <a:solidFill>
-                    <a:srgbClr val="89BBE2"/>
-                  </a:solidFill>
-                </a:ln>
-              </p:spPr>
-              <p:style>
-                <a:lnRef idx="1">
-                  <a:schemeClr val="dk1"/>
-                </a:lnRef>
-                <a:fillRef idx="0">
-                  <a:schemeClr val="dk1"/>
-                </a:fillRef>
-                <a:effectRef idx="0">
-                  <a:schemeClr val="dk1"/>
-                </a:effectRef>
-                <a:fontRef idx="minor">
-                  <a:schemeClr val="tx1"/>
-                </a:fontRef>
-              </p:style>
-            </p:cxnSp>
-            <p:cxnSp>
-              <p:nvCxnSpPr>
-                <p:cNvPr id="121" name="Straight Connector 120">
-                  <a:extLst>
-                    <a:ext uri="{FF2B5EF4-FFF2-40B4-BE49-F238E27FC236}">
-                      <a16:creationId xmlns:a16="http://schemas.microsoft.com/office/drawing/2014/main" id="{8CA15498-5973-7A28-36DF-57BB7FCA1067}"/>
-                    </a:ext>
-                  </a:extLst>
-                </p:cNvPr>
-                <p:cNvCxnSpPr>
-                  <a:cxnSpLocks/>
-                </p:cNvCxnSpPr>
-                <p:nvPr/>
-              </p:nvCxnSpPr>
-              <p:spPr>
-                <a:xfrm flipH="1">
-                  <a:off x="8931319" y="3189400"/>
-                  <a:ext cx="356134" cy="154890"/>
-                </a:xfrm>
-                <a:prstGeom prst="line">
-                  <a:avLst/>
-                </a:prstGeom>
-                <a:ln w="38100">
-                  <a:solidFill>
-                    <a:srgbClr val="89BBE2"/>
-                  </a:solidFill>
-                </a:ln>
-              </p:spPr>
-              <p:style>
-                <a:lnRef idx="1">
-                  <a:schemeClr val="dk1"/>
-                </a:lnRef>
-                <a:fillRef idx="0">
-                  <a:schemeClr val="dk1"/>
-                </a:fillRef>
-                <a:effectRef idx="0">
-                  <a:schemeClr val="dk1"/>
-                </a:effectRef>
-                <a:fontRef idx="minor">
-                  <a:schemeClr val="tx1"/>
-                </a:fontRef>
-              </p:style>
-            </p:cxnSp>
-            <p:cxnSp>
-              <p:nvCxnSpPr>
-                <p:cNvPr id="122" name="Straight Connector 121">
-                  <a:extLst>
-                    <a:ext uri="{FF2B5EF4-FFF2-40B4-BE49-F238E27FC236}">
-                      <a16:creationId xmlns:a16="http://schemas.microsoft.com/office/drawing/2014/main" id="{69C6EA65-D170-90D4-29DB-1F9206FD2172}"/>
-                    </a:ext>
-                  </a:extLst>
-                </p:cNvPr>
-                <p:cNvCxnSpPr>
-                  <a:cxnSpLocks/>
-                </p:cNvCxnSpPr>
-                <p:nvPr/>
-              </p:nvCxnSpPr>
-              <p:spPr>
-                <a:xfrm>
-                  <a:off x="8938901" y="3350373"/>
-                  <a:ext cx="356134" cy="154890"/>
-                </a:xfrm>
-                <a:prstGeom prst="line">
-                  <a:avLst/>
-                </a:prstGeom>
-                <a:ln w="38100">
-                  <a:solidFill>
-                    <a:srgbClr val="89BBE2"/>
-                  </a:solidFill>
-                </a:ln>
-              </p:spPr>
-              <p:style>
-                <a:lnRef idx="1">
-                  <a:schemeClr val="dk1"/>
-                </a:lnRef>
-                <a:fillRef idx="0">
-                  <a:schemeClr val="dk1"/>
-                </a:fillRef>
-                <a:effectRef idx="0">
-                  <a:schemeClr val="dk1"/>
-                </a:effectRef>
-                <a:fontRef idx="minor">
-                  <a:schemeClr val="tx1"/>
-                </a:fontRef>
-              </p:style>
-            </p:cxnSp>
-            <p:cxnSp>
-              <p:nvCxnSpPr>
-                <p:cNvPr id="123" name="Straight Connector 122">
-                  <a:extLst>
-                    <a:ext uri="{FF2B5EF4-FFF2-40B4-BE49-F238E27FC236}">
-                      <a16:creationId xmlns:a16="http://schemas.microsoft.com/office/drawing/2014/main" id="{69A51489-E597-2FD7-A650-5CA88653DC13}"/>
-                    </a:ext>
-                  </a:extLst>
-                </p:cNvPr>
-                <p:cNvCxnSpPr>
-                  <a:cxnSpLocks/>
-                </p:cNvCxnSpPr>
-                <p:nvPr/>
-              </p:nvCxnSpPr>
-              <p:spPr>
-                <a:xfrm flipH="1">
-                  <a:off x="8938901" y="3502422"/>
-                  <a:ext cx="356134" cy="154890"/>
-                </a:xfrm>
-                <a:prstGeom prst="line">
-                  <a:avLst/>
-                </a:prstGeom>
-                <a:ln w="38100">
-                  <a:solidFill>
-                    <a:srgbClr val="89BBE2"/>
-                  </a:solidFill>
-                </a:ln>
-              </p:spPr>
-              <p:style>
-                <a:lnRef idx="1">
-                  <a:schemeClr val="dk1"/>
-                </a:lnRef>
-                <a:fillRef idx="0">
-                  <a:schemeClr val="dk1"/>
-                </a:fillRef>
-                <a:effectRef idx="0">
-                  <a:schemeClr val="dk1"/>
-                </a:effectRef>
-                <a:fontRef idx="minor">
-                  <a:schemeClr val="tx1"/>
-                </a:fontRef>
-              </p:style>
-            </p:cxnSp>
-            <p:cxnSp>
-              <p:nvCxnSpPr>
-                <p:cNvPr id="124" name="Straight Connector 123">
-                  <a:extLst>
-                    <a:ext uri="{FF2B5EF4-FFF2-40B4-BE49-F238E27FC236}">
-                      <a16:creationId xmlns:a16="http://schemas.microsoft.com/office/drawing/2014/main" id="{B3FF364E-E78D-AE7A-6ACC-D460C6B41792}"/>
-                    </a:ext>
-                  </a:extLst>
-                </p:cNvPr>
-                <p:cNvCxnSpPr>
-                  <a:cxnSpLocks/>
-                </p:cNvCxnSpPr>
-                <p:nvPr/>
-              </p:nvCxnSpPr>
-              <p:spPr>
-                <a:xfrm>
-                  <a:off x="9112637" y="2402885"/>
-                  <a:ext cx="0" cy="379003"/>
-                </a:xfrm>
-                <a:prstGeom prst="line">
-                  <a:avLst/>
-                </a:prstGeom>
-                <a:ln w="38100">
-                  <a:solidFill>
-                    <a:srgbClr val="89BBE2"/>
-                  </a:solidFill>
-                </a:ln>
-              </p:spPr>
-              <p:style>
-                <a:lnRef idx="1">
-                  <a:schemeClr val="dk1"/>
-                </a:lnRef>
-                <a:fillRef idx="0">
-                  <a:schemeClr val="dk1"/>
-                </a:fillRef>
-                <a:effectRef idx="0">
-                  <a:schemeClr val="dk1"/>
-                </a:effectRef>
-                <a:fontRef idx="minor">
-                  <a:schemeClr val="tx1"/>
-                </a:fontRef>
-              </p:style>
-            </p:cxnSp>
-            <p:cxnSp>
-              <p:nvCxnSpPr>
-                <p:cNvPr id="125" name="Straight Connector 124">
-                  <a:extLst>
-                    <a:ext uri="{FF2B5EF4-FFF2-40B4-BE49-F238E27FC236}">
-                      <a16:creationId xmlns:a16="http://schemas.microsoft.com/office/drawing/2014/main" id="{4B85E689-CAC6-D045-80FD-CC9ABBDBE927}"/>
-                    </a:ext>
-                  </a:extLst>
-                </p:cNvPr>
-                <p:cNvCxnSpPr>
-                  <a:cxnSpLocks/>
-                </p:cNvCxnSpPr>
-                <p:nvPr/>
-              </p:nvCxnSpPr>
-              <p:spPr>
-                <a:xfrm>
-                  <a:off x="9112637" y="2767410"/>
-                  <a:ext cx="182398" cy="115048"/>
-                </a:xfrm>
-                <a:prstGeom prst="line">
-                  <a:avLst/>
-                </a:prstGeom>
-                <a:ln w="38100">
-                  <a:solidFill>
-                    <a:srgbClr val="89BBE2"/>
-                  </a:solidFill>
-                </a:ln>
-              </p:spPr>
-              <p:style>
-                <a:lnRef idx="1">
-                  <a:schemeClr val="dk1"/>
-                </a:lnRef>
-                <a:fillRef idx="0">
-                  <a:schemeClr val="dk1"/>
-                </a:fillRef>
-                <a:effectRef idx="0">
-                  <a:schemeClr val="dk1"/>
-                </a:effectRef>
-                <a:fontRef idx="minor">
-                  <a:schemeClr val="tx1"/>
-                </a:fontRef>
-              </p:style>
-            </p:cxnSp>
-            <p:cxnSp>
-              <p:nvCxnSpPr>
-                <p:cNvPr id="126" name="Straight Connector 125">
-                  <a:extLst>
-                    <a:ext uri="{FF2B5EF4-FFF2-40B4-BE49-F238E27FC236}">
-                      <a16:creationId xmlns:a16="http://schemas.microsoft.com/office/drawing/2014/main" id="{520CC6C6-F120-B4EC-3786-46888156A777}"/>
-                    </a:ext>
-                  </a:extLst>
-                </p:cNvPr>
-                <p:cNvCxnSpPr>
-                  <a:cxnSpLocks/>
-                </p:cNvCxnSpPr>
-                <p:nvPr/>
-              </p:nvCxnSpPr>
-              <p:spPr>
-                <a:xfrm rot="10800000">
-                  <a:off x="9098228" y="3722111"/>
-                  <a:ext cx="0" cy="373797"/>
-                </a:xfrm>
-                <a:prstGeom prst="line">
-                  <a:avLst/>
-                </a:prstGeom>
-                <a:ln w="38100">
-                  <a:solidFill>
-                    <a:srgbClr val="89BBE2"/>
-                  </a:solidFill>
-                </a:ln>
-              </p:spPr>
-              <p:style>
-                <a:lnRef idx="1">
-                  <a:schemeClr val="dk1"/>
-                </a:lnRef>
-                <a:fillRef idx="0">
-                  <a:schemeClr val="dk1"/>
-                </a:fillRef>
-                <a:effectRef idx="0">
-                  <a:schemeClr val="dk1"/>
-                </a:effectRef>
-                <a:fontRef idx="minor">
-                  <a:schemeClr val="tx1"/>
-                </a:fontRef>
-              </p:style>
-            </p:cxnSp>
-            <p:cxnSp>
-              <p:nvCxnSpPr>
-                <p:cNvPr id="127" name="Straight Connector 126">
-                  <a:extLst>
-                    <a:ext uri="{FF2B5EF4-FFF2-40B4-BE49-F238E27FC236}">
-                      <a16:creationId xmlns:a16="http://schemas.microsoft.com/office/drawing/2014/main" id="{BB8E04DB-789D-0EEA-E938-81CC84D23E98}"/>
-                    </a:ext>
-                  </a:extLst>
-                </p:cNvPr>
-                <p:cNvCxnSpPr>
-                  <a:cxnSpLocks/>
-                </p:cNvCxnSpPr>
-                <p:nvPr/>
-              </p:nvCxnSpPr>
-              <p:spPr>
-                <a:xfrm flipH="1" flipV="1">
-                  <a:off x="8956244" y="3657314"/>
-                  <a:ext cx="141983" cy="73970"/>
-                </a:xfrm>
-                <a:prstGeom prst="line">
-                  <a:avLst/>
-                </a:prstGeom>
-                <a:ln w="38100">
-                  <a:solidFill>
-                    <a:srgbClr val="89BBE2"/>
-                  </a:solidFill>
-                </a:ln>
-              </p:spPr>
-              <p:style>
-                <a:lnRef idx="1">
-                  <a:schemeClr val="dk1"/>
-                </a:lnRef>
-                <a:fillRef idx="0">
-                  <a:schemeClr val="dk1"/>
-                </a:fillRef>
-                <a:effectRef idx="0">
-                  <a:schemeClr val="dk1"/>
-                </a:effectRef>
-                <a:fontRef idx="minor">
-                  <a:schemeClr val="tx1"/>
-                </a:fontRef>
-              </p:style>
-            </p:cxnSp>
-          </p:grpSp>
-          <p:sp>
-            <p:nvSpPr>
-              <p:cNvPr id="91" name="TextBox 90">
-                <a:extLst>
-                  <a:ext uri="{FF2B5EF4-FFF2-40B4-BE49-F238E27FC236}">
-                    <a16:creationId xmlns:a16="http://schemas.microsoft.com/office/drawing/2014/main" id="{63D0F367-77A6-EF2D-4C3D-9872D4F223A0}"/>
-                  </a:ext>
-                </a:extLst>
-              </p:cNvPr>
-              <p:cNvSpPr txBox="1"/>
-              <p:nvPr/>
-            </p:nvSpPr>
-            <p:spPr>
-              <a:xfrm>
-                <a:off x="9345651" y="2611551"/>
-                <a:ext cx="1121465" cy="369332"/>
-              </a:xfrm>
-              <a:prstGeom prst="rect">
-                <a:avLst/>
-              </a:prstGeom>
-              <a:noFill/>
-            </p:spPr>
-            <p:txBody>
-              <a:bodyPr wrap="square" rtlCol="0">
-                <a:spAutoFit/>
-              </a:bodyPr>
-              <a:lstStyle/>
-              <a:p>
-                <a:r>
-                  <a:rPr lang="en-US" dirty="0"/>
-                  <a:t>resistor</a:t>
-                </a:r>
-              </a:p>
-            </p:txBody>
-          </p:sp>
-        </p:grpSp>
-        <p:grpSp>
-          <p:nvGrpSpPr>
-            <p:cNvPr id="78" name="Group 77">
-              <a:extLst>
-                <a:ext uri="{FF2B5EF4-FFF2-40B4-BE49-F238E27FC236}">
-                  <a16:creationId xmlns:a16="http://schemas.microsoft.com/office/drawing/2014/main" id="{E2F67A04-BA84-50C9-76AD-B4824CDD8920}"/>
-                </a:ext>
-              </a:extLst>
-            </p:cNvPr>
-            <p:cNvGrpSpPr/>
-            <p:nvPr/>
-          </p:nvGrpSpPr>
-          <p:grpSpPr>
-            <a:xfrm>
-              <a:off x="9536722" y="3588086"/>
-              <a:ext cx="2146063" cy="558964"/>
-              <a:chOff x="8735899" y="3588588"/>
-              <a:chExt cx="2146063" cy="558964"/>
-            </a:xfrm>
-          </p:grpSpPr>
-          <p:cxnSp>
-            <p:nvCxnSpPr>
-              <p:cNvPr id="81" name="Straight Connector 80">
-                <a:extLst>
-                  <a:ext uri="{FF2B5EF4-FFF2-40B4-BE49-F238E27FC236}">
-                    <a16:creationId xmlns:a16="http://schemas.microsoft.com/office/drawing/2014/main" id="{0F8943DB-0E19-18AB-1DF6-B0D5CFAF8B1A}"/>
-                  </a:ext>
-                </a:extLst>
-              </p:cNvPr>
-              <p:cNvCxnSpPr>
-                <a:cxnSpLocks/>
-              </p:cNvCxnSpPr>
-              <p:nvPr/>
-            </p:nvCxnSpPr>
-            <p:spPr>
-              <a:xfrm flipH="1">
-                <a:off x="8735899" y="3588588"/>
-                <a:ext cx="724656" cy="0"/>
-              </a:xfrm>
-              <a:prstGeom prst="line">
-                <a:avLst/>
-              </a:prstGeom>
-              <a:ln w="38100">
-                <a:solidFill>
-                  <a:srgbClr val="84C777"/>
-                </a:solidFill>
-              </a:ln>
-            </p:spPr>
-            <p:style>
-              <a:lnRef idx="1">
-                <a:schemeClr val="dk1"/>
-              </a:lnRef>
-              <a:fillRef idx="0">
-                <a:schemeClr val="dk1"/>
-              </a:fillRef>
-              <a:effectRef idx="0">
-                <a:schemeClr val="dk1"/>
-              </a:effectRef>
-              <a:fontRef idx="minor">
-                <a:schemeClr val="tx1"/>
-              </a:fontRef>
-            </p:style>
-          </p:cxnSp>
-          <p:cxnSp>
-            <p:nvCxnSpPr>
-              <p:cNvPr id="83" name="Straight Connector 82">
-                <a:extLst>
-                  <a:ext uri="{FF2B5EF4-FFF2-40B4-BE49-F238E27FC236}">
-                    <a16:creationId xmlns:a16="http://schemas.microsoft.com/office/drawing/2014/main" id="{E14EB021-56BD-296C-4667-4D89A0B2E5A2}"/>
-                  </a:ext>
-                </a:extLst>
-              </p:cNvPr>
-              <p:cNvCxnSpPr>
-                <a:cxnSpLocks/>
-              </p:cNvCxnSpPr>
-              <p:nvPr/>
-            </p:nvCxnSpPr>
-            <p:spPr>
-              <a:xfrm flipH="1" flipV="1">
-                <a:off x="8925125" y="3754287"/>
-                <a:ext cx="362328" cy="10588"/>
-              </a:xfrm>
-              <a:prstGeom prst="line">
-                <a:avLst/>
-              </a:prstGeom>
-              <a:ln w="38100">
-                <a:solidFill>
-                  <a:srgbClr val="84C777"/>
-                </a:solidFill>
-              </a:ln>
-            </p:spPr>
-            <p:style>
-              <a:lnRef idx="1">
-                <a:schemeClr val="dk1"/>
-              </a:lnRef>
-              <a:fillRef idx="0">
-                <a:schemeClr val="dk1"/>
-              </a:fillRef>
-              <a:effectRef idx="0">
-                <a:schemeClr val="dk1"/>
-              </a:effectRef>
-              <a:fontRef idx="minor">
-                <a:schemeClr val="tx1"/>
-              </a:fontRef>
-            </p:style>
-          </p:cxnSp>
-          <p:cxnSp>
-            <p:nvCxnSpPr>
-              <p:cNvPr id="84" name="Straight Connector 83">
-                <a:extLst>
-                  <a:ext uri="{FF2B5EF4-FFF2-40B4-BE49-F238E27FC236}">
-                    <a16:creationId xmlns:a16="http://schemas.microsoft.com/office/drawing/2014/main" id="{3D4F5B18-E1B3-2FD8-4330-7D79A16352C1}"/>
-                  </a:ext>
-                </a:extLst>
-              </p:cNvPr>
-              <p:cNvCxnSpPr>
-                <a:cxnSpLocks/>
-              </p:cNvCxnSpPr>
-              <p:nvPr/>
-            </p:nvCxnSpPr>
-            <p:spPr>
-              <a:xfrm flipV="1">
-                <a:off x="9119504" y="3748536"/>
-                <a:ext cx="0" cy="399016"/>
-              </a:xfrm>
-              <a:prstGeom prst="line">
-                <a:avLst/>
-              </a:prstGeom>
-              <a:ln w="38100">
-                <a:solidFill>
-                  <a:srgbClr val="84C777"/>
-                </a:solidFill>
-              </a:ln>
-            </p:spPr>
-            <p:style>
-              <a:lnRef idx="1">
-                <a:schemeClr val="dk1"/>
-              </a:lnRef>
-              <a:fillRef idx="0">
-                <a:schemeClr val="dk1"/>
-              </a:fillRef>
-              <a:effectRef idx="0">
-                <a:schemeClr val="dk1"/>
-              </a:effectRef>
-              <a:fontRef idx="minor">
-                <a:schemeClr val="tx1"/>
-              </a:fontRef>
-            </p:style>
-          </p:cxnSp>
-          <p:sp>
-            <p:nvSpPr>
-              <p:cNvPr id="87" name="TextBox 86">
-                <a:extLst>
-                  <a:ext uri="{FF2B5EF4-FFF2-40B4-BE49-F238E27FC236}">
-                    <a16:creationId xmlns:a16="http://schemas.microsoft.com/office/drawing/2014/main" id="{52CAF5B3-F001-0A66-26A7-B320FC82DC99}"/>
-                  </a:ext>
-                </a:extLst>
-              </p:cNvPr>
-              <p:cNvSpPr txBox="1"/>
-              <p:nvPr/>
-            </p:nvSpPr>
-            <p:spPr>
-              <a:xfrm>
-                <a:off x="9345651" y="3712329"/>
-                <a:ext cx="1536311" cy="369332"/>
-              </a:xfrm>
-              <a:prstGeom prst="rect">
-                <a:avLst/>
-              </a:prstGeom>
-              <a:noFill/>
-            </p:spPr>
-            <p:txBody>
-              <a:bodyPr wrap="square" rtlCol="0">
-                <a:spAutoFit/>
-              </a:bodyPr>
-              <a:lstStyle/>
-              <a:p>
-                <a:r>
-                  <a:rPr lang="en-US" dirty="0"/>
-                  <a:t>power source</a:t>
-                </a:r>
-              </a:p>
-            </p:txBody>
-          </p:sp>
-        </p:grpSp>
-      </p:grpSp>
-      <p:sp>
-        <p:nvSpPr>
-          <p:cNvPr id="139" name="TextBox 138">
-            <a:extLst>
-              <a:ext uri="{FF2B5EF4-FFF2-40B4-BE49-F238E27FC236}">
-                <a16:creationId xmlns:a16="http://schemas.microsoft.com/office/drawing/2014/main" id="{554CB1DD-B319-826C-EED3-4D005B60A84E}"/>
-              </a:ext>
-            </a:extLst>
-          </p:cNvPr>
-          <p:cNvSpPr txBox="1"/>
-          <p:nvPr/>
-        </p:nvSpPr>
-        <p:spPr>
-          <a:xfrm>
-            <a:off x="6599500" y="2875872"/>
-            <a:ext cx="914400" cy="646331"/>
-          </a:xfrm>
-          <a:prstGeom prst="rect">
-            <a:avLst/>
-          </a:prstGeom>
-          <a:noFill/>
-        </p:spPr>
-        <p:txBody>
-          <a:bodyPr wrap="square" rtlCol="0">
-            <a:spAutoFit/>
-          </a:bodyPr>
-          <a:lstStyle/>
-          <a:p>
-            <a:r>
-              <a:rPr lang="en-US" sz="3600" dirty="0"/>
-              <a:t>=</a:t>
-            </a:r>
-          </a:p>
-        </p:txBody>
-      </p:sp>
-      <p:sp>
-        <p:nvSpPr>
-          <p:cNvPr id="44" name="TextBox 43">
-            <a:extLst>
-              <a:ext uri="{FF2B5EF4-FFF2-40B4-BE49-F238E27FC236}">
-                <a16:creationId xmlns:a16="http://schemas.microsoft.com/office/drawing/2014/main" id="{8882804A-0758-7F6B-22B6-9BB1251E76F6}"/>
-              </a:ext>
-            </a:extLst>
-          </p:cNvPr>
-          <p:cNvSpPr txBox="1"/>
-          <p:nvPr/>
-        </p:nvSpPr>
-        <p:spPr>
-          <a:xfrm>
-            <a:off x="928435" y="1141992"/>
-            <a:ext cx="5671065" cy="584775"/>
-          </a:xfrm>
-          <a:custGeom>
-            <a:avLst/>
-            <a:gdLst>
-              <a:gd name="connsiteX0" fmla="*/ 0 w 5671065"/>
-              <a:gd name="connsiteY0" fmla="*/ 0 h 584775"/>
-              <a:gd name="connsiteX1" fmla="*/ 573408 w 5671065"/>
-              <a:gd name="connsiteY1" fmla="*/ 0 h 584775"/>
-              <a:gd name="connsiteX2" fmla="*/ 1090105 w 5671065"/>
-              <a:gd name="connsiteY2" fmla="*/ 0 h 584775"/>
-              <a:gd name="connsiteX3" fmla="*/ 1550091 w 5671065"/>
-              <a:gd name="connsiteY3" fmla="*/ 0 h 584775"/>
-              <a:gd name="connsiteX4" fmla="*/ 2180209 w 5671065"/>
-              <a:gd name="connsiteY4" fmla="*/ 0 h 584775"/>
-              <a:gd name="connsiteX5" fmla="*/ 2923749 w 5671065"/>
-              <a:gd name="connsiteY5" fmla="*/ 0 h 584775"/>
-              <a:gd name="connsiteX6" fmla="*/ 3553867 w 5671065"/>
-              <a:gd name="connsiteY6" fmla="*/ 0 h 584775"/>
-              <a:gd name="connsiteX7" fmla="*/ 4127275 w 5671065"/>
-              <a:gd name="connsiteY7" fmla="*/ 0 h 584775"/>
-              <a:gd name="connsiteX8" fmla="*/ 4870815 w 5671065"/>
-              <a:gd name="connsiteY8" fmla="*/ 0 h 584775"/>
-              <a:gd name="connsiteX9" fmla="*/ 5671065 w 5671065"/>
-              <a:gd name="connsiteY9" fmla="*/ 0 h 584775"/>
-              <a:gd name="connsiteX10" fmla="*/ 5671065 w 5671065"/>
-              <a:gd name="connsiteY10" fmla="*/ 584775 h 584775"/>
-              <a:gd name="connsiteX11" fmla="*/ 5211079 w 5671065"/>
-              <a:gd name="connsiteY11" fmla="*/ 584775 h 584775"/>
-              <a:gd name="connsiteX12" fmla="*/ 4637671 w 5671065"/>
-              <a:gd name="connsiteY12" fmla="*/ 584775 h 584775"/>
-              <a:gd name="connsiteX13" fmla="*/ 3894131 w 5671065"/>
-              <a:gd name="connsiteY13" fmla="*/ 584775 h 584775"/>
-              <a:gd name="connsiteX14" fmla="*/ 3264013 w 5671065"/>
-              <a:gd name="connsiteY14" fmla="*/ 584775 h 584775"/>
-              <a:gd name="connsiteX15" fmla="*/ 2747316 w 5671065"/>
-              <a:gd name="connsiteY15" fmla="*/ 584775 h 584775"/>
-              <a:gd name="connsiteX16" fmla="*/ 2060487 w 5671065"/>
-              <a:gd name="connsiteY16" fmla="*/ 584775 h 584775"/>
-              <a:gd name="connsiteX17" fmla="*/ 1543790 w 5671065"/>
-              <a:gd name="connsiteY17" fmla="*/ 584775 h 584775"/>
-              <a:gd name="connsiteX18" fmla="*/ 856961 w 5671065"/>
-              <a:gd name="connsiteY18" fmla="*/ 584775 h 584775"/>
-              <a:gd name="connsiteX19" fmla="*/ 0 w 5671065"/>
-              <a:gd name="connsiteY19" fmla="*/ 584775 h 584775"/>
-              <a:gd name="connsiteX20" fmla="*/ 0 w 5671065"/>
-              <a:gd name="connsiteY20" fmla="*/ 0 h 584775"/>
-            </a:gdLst>
-            <a:ahLst/>
-            <a:cxnLst>
-              <a:cxn ang="0">
-                <a:pos x="connsiteX0" y="connsiteY0"/>
-              </a:cxn>
-              <a:cxn ang="0">
-                <a:pos x="connsiteX1" y="connsiteY1"/>
-              </a:cxn>
-              <a:cxn ang="0">
-                <a:pos x="connsiteX2" y="connsiteY2"/>
-              </a:cxn>
-              <a:cxn ang="0">
-                <a:pos x="connsiteX3" y="connsiteY3"/>
-              </a:cxn>
-              <a:cxn ang="0">
-                <a:pos x="connsiteX4" y="connsiteY4"/>
-              </a:cxn>
-              <a:cxn ang="0">
-                <a:pos x="connsiteX5" y="connsiteY5"/>
-              </a:cxn>
-              <a:cxn ang="0">
-                <a:pos x="connsiteX6" y="connsiteY6"/>
-              </a:cxn>
-              <a:cxn ang="0">
-                <a:pos x="connsiteX7" y="connsiteY7"/>
-              </a:cxn>
-              <a:cxn ang="0">
-                <a:pos x="connsiteX8" y="connsiteY8"/>
-              </a:cxn>
-              <a:cxn ang="0">
-                <a:pos x="connsiteX9" y="connsiteY9"/>
-              </a:cxn>
-              <a:cxn ang="0">
-                <a:pos x="connsiteX10" y="connsiteY10"/>
-              </a:cxn>
-              <a:cxn ang="0">
-                <a:pos x="connsiteX11" y="connsiteY11"/>
-              </a:cxn>
-              <a:cxn ang="0">
-                <a:pos x="connsiteX12" y="connsiteY12"/>
-              </a:cxn>
-              <a:cxn ang="0">
-                <a:pos x="connsiteX13" y="connsiteY13"/>
-              </a:cxn>
-              <a:cxn ang="0">
-                <a:pos x="connsiteX14" y="connsiteY14"/>
-              </a:cxn>
-              <a:cxn ang="0">
-                <a:pos x="connsiteX15" y="connsiteY15"/>
-              </a:cxn>
-              <a:cxn ang="0">
-                <a:pos x="connsiteX16" y="connsiteY16"/>
-              </a:cxn>
-              <a:cxn ang="0">
-                <a:pos x="connsiteX17" y="connsiteY17"/>
-              </a:cxn>
-              <a:cxn ang="0">
-                <a:pos x="connsiteX18" y="connsiteY18"/>
-              </a:cxn>
-              <a:cxn ang="0">
-                <a:pos x="connsiteX19" y="connsiteY19"/>
-              </a:cxn>
-              <a:cxn ang="0">
-                <a:pos x="connsiteX20" y="connsiteY20"/>
-              </a:cxn>
-            </a:cxnLst>
-            <a:rect l="l" t="t" r="r" b="b"/>
-            <a:pathLst>
-              <a:path w="5671065" h="584775" extrusionOk="0">
-                <a:moveTo>
-                  <a:pt x="0" y="0"/>
-                </a:moveTo>
-                <a:cubicBezTo>
-                  <a:pt x="172188" y="18840"/>
-                  <a:pt x="446932" y="-17548"/>
-                  <a:pt x="573408" y="0"/>
-                </a:cubicBezTo>
-                <a:cubicBezTo>
-                  <a:pt x="699884" y="17548"/>
-                  <a:pt x="927333" y="14355"/>
-                  <a:pt x="1090105" y="0"/>
-                </a:cubicBezTo>
-                <a:cubicBezTo>
-                  <a:pt x="1252877" y="-14355"/>
-                  <a:pt x="1429293" y="13700"/>
-                  <a:pt x="1550091" y="0"/>
-                </a:cubicBezTo>
-                <a:cubicBezTo>
-                  <a:pt x="1670889" y="-13700"/>
-                  <a:pt x="1961431" y="23378"/>
-                  <a:pt x="2180209" y="0"/>
-                </a:cubicBezTo>
-                <a:cubicBezTo>
-                  <a:pt x="2398987" y="-23378"/>
-                  <a:pt x="2759703" y="-9896"/>
-                  <a:pt x="2923749" y="0"/>
-                </a:cubicBezTo>
-                <a:cubicBezTo>
-                  <a:pt x="3087795" y="9896"/>
-                  <a:pt x="3302537" y="-8488"/>
-                  <a:pt x="3553867" y="0"/>
-                </a:cubicBezTo>
-                <a:cubicBezTo>
-                  <a:pt x="3805197" y="8488"/>
-                  <a:pt x="3901079" y="-27579"/>
-                  <a:pt x="4127275" y="0"/>
-                </a:cubicBezTo>
-                <a:cubicBezTo>
-                  <a:pt x="4353471" y="27579"/>
-                  <a:pt x="4499386" y="-34171"/>
-                  <a:pt x="4870815" y="0"/>
-                </a:cubicBezTo>
-                <a:cubicBezTo>
-                  <a:pt x="5242244" y="34171"/>
-                  <a:pt x="5362002" y="-28493"/>
-                  <a:pt x="5671065" y="0"/>
-                </a:cubicBezTo>
-                <a:cubicBezTo>
-                  <a:pt x="5673970" y="242329"/>
-                  <a:pt x="5666756" y="396724"/>
-                  <a:pt x="5671065" y="584775"/>
-                </a:cubicBezTo>
-                <a:cubicBezTo>
-                  <a:pt x="5569933" y="569095"/>
-                  <a:pt x="5354033" y="604519"/>
-                  <a:pt x="5211079" y="584775"/>
-                </a:cubicBezTo>
-                <a:cubicBezTo>
-                  <a:pt x="5068125" y="565031"/>
-                  <a:pt x="4863397" y="558310"/>
-                  <a:pt x="4637671" y="584775"/>
-                </a:cubicBezTo>
-                <a:cubicBezTo>
-                  <a:pt x="4411945" y="611240"/>
-                  <a:pt x="4049973" y="576015"/>
-                  <a:pt x="3894131" y="584775"/>
-                </a:cubicBezTo>
-                <a:cubicBezTo>
-                  <a:pt x="3738289" y="593535"/>
-                  <a:pt x="3480653" y="578061"/>
-                  <a:pt x="3264013" y="584775"/>
-                </a:cubicBezTo>
-                <a:cubicBezTo>
-                  <a:pt x="3047373" y="591489"/>
-                  <a:pt x="2878818" y="559767"/>
-                  <a:pt x="2747316" y="584775"/>
-                </a:cubicBezTo>
-                <a:cubicBezTo>
-                  <a:pt x="2615814" y="609783"/>
-                  <a:pt x="2348530" y="569098"/>
-                  <a:pt x="2060487" y="584775"/>
-                </a:cubicBezTo>
-                <a:cubicBezTo>
-                  <a:pt x="1772444" y="600452"/>
-                  <a:pt x="1671847" y="595230"/>
-                  <a:pt x="1543790" y="584775"/>
-                </a:cubicBezTo>
-                <a:cubicBezTo>
-                  <a:pt x="1415733" y="574320"/>
-                  <a:pt x="1168933" y="557195"/>
-                  <a:pt x="856961" y="584775"/>
-                </a:cubicBezTo>
-                <a:cubicBezTo>
-                  <a:pt x="544989" y="612355"/>
-                  <a:pt x="247224" y="622591"/>
-                  <a:pt x="0" y="584775"/>
-                </a:cubicBezTo>
-                <a:cubicBezTo>
-                  <a:pt x="20094" y="465216"/>
-                  <a:pt x="11161" y="265012"/>
-                  <a:pt x="0" y="0"/>
-                </a:cubicBezTo>
-                <a:close/>
-              </a:path>
-            </a:pathLst>
-          </a:custGeom>
-          <a:noFill/>
-          <a:ln>
-            <a:noFill/>
-            <a:extLst>
-              <a:ext uri="{C807C97D-BFC1-408E-A445-0C87EB9F89A2}">
-                <ask:lineSketchStyleProps xmlns:ask="http://schemas.microsoft.com/office/drawing/2018/sketchyshapes" sd="2835737594">
-                  <a:prstGeom prst="rect">
-                    <a:avLst/>
-                  </a:prstGeom>
-                  <ask:type>
-                    <ask:lineSketchFreehand/>
-                  </ask:type>
-                </ask:lineSketchStyleProps>
-              </a:ext>
-            </a:extLst>
-          </a:ln>
-        </p:spPr>
-        <p:txBody>
-          <a:bodyPr wrap="square" rtlCol="0">
-            <a:spAutoFit/>
-          </a:bodyPr>
-          <a:lstStyle/>
-          <a:p>
-            <a:pPr algn="ctr"/>
-            <a:r>
-              <a:rPr lang="en-US" sz="3200" b="1" dirty="0">
-                <a:solidFill>
-                  <a:srgbClr val="FDB879"/>
-                </a:solidFill>
-              </a:rPr>
-              <a:t>C</a:t>
-            </a:r>
-            <a:r>
-              <a:rPr lang="en-US" sz="3200" b="1" dirty="0"/>
-              <a:t> </a:t>
-            </a:r>
-            <a:r>
-              <a:rPr lang="en-US" sz="3200" b="1" dirty="0" err="1"/>
-              <a:t>dV</a:t>
-            </a:r>
-            <a:r>
-              <a:rPr lang="en-US" sz="3200" b="1" dirty="0"/>
-              <a:t>/dt  =  </a:t>
-            </a:r>
-            <a:r>
-              <a:rPr lang="en-US" sz="3200" b="1" dirty="0">
-                <a:solidFill>
-                  <a:srgbClr val="89BBE2"/>
-                </a:solidFill>
-              </a:rPr>
-              <a:t>R </a:t>
-            </a:r>
-            <a:r>
-              <a:rPr lang="en-US" sz="3200" b="1" dirty="0">
-                <a:solidFill>
-                  <a:srgbClr val="84C777"/>
-                </a:solidFill>
-              </a:rPr>
-              <a:t>(</a:t>
-            </a:r>
-            <a:r>
-              <a:rPr lang="en-US" sz="3200" b="1" dirty="0" err="1">
-                <a:solidFill>
-                  <a:srgbClr val="84C777"/>
-                </a:solidFill>
-              </a:rPr>
-              <a:t>E</a:t>
-            </a:r>
-            <a:r>
-              <a:rPr lang="en-US" sz="3200" b="1" baseline="-25000" dirty="0" err="1">
-                <a:solidFill>
-                  <a:srgbClr val="84C777"/>
-                </a:solidFill>
-              </a:rPr>
-              <a:t>ion</a:t>
-            </a:r>
-            <a:r>
-              <a:rPr lang="en-US" sz="3200" b="1" dirty="0">
-                <a:solidFill>
-                  <a:srgbClr val="84C777"/>
-                </a:solidFill>
-              </a:rPr>
-              <a:t> – V) </a:t>
-            </a:r>
-            <a:r>
-              <a:rPr lang="en-US" sz="3200" b="1" dirty="0"/>
-              <a:t>+ </a:t>
-            </a:r>
-            <a:r>
-              <a:rPr lang="en-US" sz="3200" b="1" dirty="0" err="1"/>
-              <a:t>I</a:t>
-            </a:r>
-            <a:r>
-              <a:rPr lang="en-US" sz="3200" b="1" baseline="-25000" dirty="0" err="1"/>
-              <a:t>external</a:t>
-            </a:r>
-            <a:endParaRPr lang="en-US" sz="3200" b="1" dirty="0"/>
-          </a:p>
-        </p:txBody>
-      </p:sp>
-      <p:sp>
-        <p:nvSpPr>
-          <p:cNvPr id="2" name="TextBox 1">
-            <a:extLst>
-              <a:ext uri="{FF2B5EF4-FFF2-40B4-BE49-F238E27FC236}">
-                <a16:creationId xmlns:a16="http://schemas.microsoft.com/office/drawing/2014/main" id="{3CFD1667-067A-F82A-AB32-A0D17BB62DC6}"/>
-              </a:ext>
-            </a:extLst>
-          </p:cNvPr>
-          <p:cNvSpPr txBox="1"/>
-          <p:nvPr/>
-        </p:nvSpPr>
-        <p:spPr>
-          <a:xfrm>
-            <a:off x="2513091" y="4551302"/>
-            <a:ext cx="1145965" cy="461665"/>
-          </a:xfrm>
-          <a:prstGeom prst="rect">
-            <a:avLst/>
-          </a:prstGeom>
-          <a:noFill/>
-        </p:spPr>
-        <p:txBody>
-          <a:bodyPr wrap="square" rtlCol="0">
-            <a:spAutoFit/>
-          </a:bodyPr>
-          <a:lstStyle/>
-          <a:p>
-            <a:r>
-              <a:rPr lang="el-GR" sz="2400" dirty="0"/>
-              <a:t>τ</a:t>
-            </a:r>
-            <a:r>
-              <a:rPr lang="en-US" sz="2400" dirty="0"/>
-              <a:t> = </a:t>
-            </a:r>
-            <a:r>
-              <a:rPr lang="en-US" sz="2400" b="1" dirty="0">
-                <a:solidFill>
-                  <a:srgbClr val="89BBE2"/>
-                </a:solidFill>
-              </a:rPr>
-              <a:t>R</a:t>
-            </a:r>
-            <a:r>
-              <a:rPr lang="en-US" sz="2400" b="1" dirty="0"/>
-              <a:t> ·</a:t>
-            </a:r>
-            <a:r>
-              <a:rPr lang="en-US" sz="2400" b="1" dirty="0">
-                <a:solidFill>
-                  <a:srgbClr val="89BBE2"/>
-                </a:solidFill>
-              </a:rPr>
-              <a:t> </a:t>
-            </a:r>
-            <a:r>
-              <a:rPr lang="en-US" sz="2400" b="1" dirty="0">
-                <a:solidFill>
-                  <a:srgbClr val="FDB879"/>
-                </a:solidFill>
-              </a:rPr>
-              <a:t>C</a:t>
-            </a:r>
-            <a:r>
-              <a:rPr lang="en-US" sz="2400" b="1" dirty="0"/>
-              <a:t> </a:t>
-            </a:r>
-            <a:endParaRPr lang="en-US" sz="2400" dirty="0"/>
-          </a:p>
-        </p:txBody>
-      </p:sp>
-      <p:grpSp>
-        <p:nvGrpSpPr>
-          <p:cNvPr id="14" name="Group 13">
-            <a:extLst>
-              <a:ext uri="{FF2B5EF4-FFF2-40B4-BE49-F238E27FC236}">
-                <a16:creationId xmlns:a16="http://schemas.microsoft.com/office/drawing/2014/main" id="{11809D1E-57D5-55F9-B8AB-E6D394CD60A6}"/>
-              </a:ext>
-            </a:extLst>
-          </p:cNvPr>
-          <p:cNvGrpSpPr/>
-          <p:nvPr/>
-        </p:nvGrpSpPr>
-        <p:grpSpPr>
-          <a:xfrm>
-            <a:off x="2091640" y="3826680"/>
-            <a:ext cx="5372569" cy="686908"/>
-            <a:chOff x="2091640" y="3826680"/>
-            <a:chExt cx="5372569" cy="686908"/>
-          </a:xfrm>
-        </p:grpSpPr>
-        <p:cxnSp>
-          <p:nvCxnSpPr>
-            <p:cNvPr id="4" name="Straight Connector 3">
-              <a:extLst>
-                <a:ext uri="{FF2B5EF4-FFF2-40B4-BE49-F238E27FC236}">
-                  <a16:creationId xmlns:a16="http://schemas.microsoft.com/office/drawing/2014/main" id="{FD1F5B5D-B52F-666C-FA7D-CD46CA3CB01F}"/>
-                </a:ext>
-              </a:extLst>
-            </p:cNvPr>
-            <p:cNvCxnSpPr>
-              <a:cxnSpLocks/>
-            </p:cNvCxnSpPr>
-            <p:nvPr/>
-          </p:nvCxnSpPr>
-          <p:spPr>
-            <a:xfrm flipH="1">
-              <a:off x="2091640" y="4192439"/>
-              <a:ext cx="3748443" cy="0"/>
-            </a:xfrm>
-            <a:prstGeom prst="line">
-              <a:avLst/>
-            </a:prstGeom>
-            <a:ln w="19050">
-              <a:prstDash val="dash"/>
-            </a:ln>
-          </p:spPr>
-          <p:style>
-            <a:lnRef idx="1">
-              <a:schemeClr val="dk1"/>
-            </a:lnRef>
-            <a:fillRef idx="0">
-              <a:schemeClr val="dk1"/>
-            </a:fillRef>
-            <a:effectRef idx="0">
-              <a:schemeClr val="dk1"/>
-            </a:effectRef>
-            <a:fontRef idx="minor">
-              <a:schemeClr val="tx1"/>
-            </a:fontRef>
-          </p:style>
-        </p:cxnSp>
-        <p:grpSp>
-          <p:nvGrpSpPr>
-            <p:cNvPr id="12" name="Group 11">
-              <a:extLst>
-                <a:ext uri="{FF2B5EF4-FFF2-40B4-BE49-F238E27FC236}">
-                  <a16:creationId xmlns:a16="http://schemas.microsoft.com/office/drawing/2014/main" id="{B52F42B4-B880-8A78-BD85-30F944CF4EA5}"/>
-                </a:ext>
-              </a:extLst>
-            </p:cNvPr>
-            <p:cNvGrpSpPr/>
-            <p:nvPr/>
-          </p:nvGrpSpPr>
-          <p:grpSpPr>
-            <a:xfrm>
-              <a:off x="5911513" y="3826680"/>
-              <a:ext cx="1552696" cy="686908"/>
-              <a:chOff x="5517736" y="3771799"/>
-              <a:chExt cx="1552696" cy="686908"/>
-            </a:xfrm>
-          </p:grpSpPr>
-          <p:sp>
-            <p:nvSpPr>
-              <p:cNvPr id="46" name="TextBox 45">
-                <a:extLst>
-                  <a:ext uri="{FF2B5EF4-FFF2-40B4-BE49-F238E27FC236}">
-                    <a16:creationId xmlns:a16="http://schemas.microsoft.com/office/drawing/2014/main" id="{8F33AF13-40CD-ACD5-DDF0-A1DD5569F21A}"/>
-                  </a:ext>
-                </a:extLst>
-              </p:cNvPr>
-              <p:cNvSpPr txBox="1"/>
-              <p:nvPr/>
-            </p:nvSpPr>
-            <p:spPr>
-              <a:xfrm>
-                <a:off x="5517736" y="3936000"/>
-                <a:ext cx="869862" cy="369332"/>
-              </a:xfrm>
-              <a:prstGeom prst="rect">
-                <a:avLst/>
-              </a:prstGeom>
-              <a:noFill/>
-            </p:spPr>
-            <p:txBody>
-              <a:bodyPr wrap="square" rtlCol="0">
-                <a:spAutoFit/>
-              </a:bodyPr>
-              <a:lstStyle/>
-              <a:p>
-                <a:r>
-                  <a:rPr lang="en-US" dirty="0" err="1"/>
-                  <a:t>E</a:t>
-                </a:r>
-                <a:r>
-                  <a:rPr lang="en-US" baseline="-25000" dirty="0" err="1"/>
-                  <a:t>ion</a:t>
-                </a:r>
-                <a:r>
-                  <a:rPr lang="en-US" dirty="0"/>
-                  <a:t> +</a:t>
-                </a:r>
-                <a:endParaRPr lang="en-US" dirty="0">
-                  <a:latin typeface="Candara" panose="020E0502030303020204" pitchFamily="34" charset="0"/>
-                </a:endParaRPr>
-              </a:p>
-            </p:txBody>
-          </p:sp>
-          <p:grpSp>
-            <p:nvGrpSpPr>
-              <p:cNvPr id="11" name="Group 10">
-                <a:extLst>
-                  <a:ext uri="{FF2B5EF4-FFF2-40B4-BE49-F238E27FC236}">
-                    <a16:creationId xmlns:a16="http://schemas.microsoft.com/office/drawing/2014/main" id="{F657B357-63CB-92E0-2A5E-05F3C3C972C4}"/>
-                  </a:ext>
-                </a:extLst>
-              </p:cNvPr>
-              <p:cNvGrpSpPr/>
-              <p:nvPr/>
-            </p:nvGrpSpPr>
-            <p:grpSpPr>
-              <a:xfrm>
-                <a:off x="6150424" y="3771799"/>
-                <a:ext cx="920008" cy="686908"/>
-                <a:chOff x="6011633" y="3520773"/>
-                <a:chExt cx="920008" cy="686908"/>
-              </a:xfrm>
-            </p:grpSpPr>
-            <p:sp>
-              <p:nvSpPr>
-                <p:cNvPr id="7" name="TextBox 6">
-                  <a:extLst>
-                    <a:ext uri="{FF2B5EF4-FFF2-40B4-BE49-F238E27FC236}">
-                      <a16:creationId xmlns:a16="http://schemas.microsoft.com/office/drawing/2014/main" id="{875EA830-20AC-F2AC-85D4-DD80F3E06B9F}"/>
-                    </a:ext>
-                  </a:extLst>
-                </p:cNvPr>
-                <p:cNvSpPr txBox="1"/>
-                <p:nvPr/>
-              </p:nvSpPr>
-              <p:spPr>
-                <a:xfrm>
-                  <a:off x="6017241" y="3520773"/>
-                  <a:ext cx="914400" cy="369332"/>
-                </a:xfrm>
-                <a:prstGeom prst="rect">
-                  <a:avLst/>
-                </a:prstGeom>
-                <a:noFill/>
-              </p:spPr>
-              <p:txBody>
-                <a:bodyPr wrap="square" rtlCol="0">
-                  <a:spAutoFit/>
-                </a:bodyPr>
-                <a:lstStyle/>
-                <a:p>
-                  <a:r>
-                    <a:rPr lang="en-US" dirty="0" err="1"/>
-                    <a:t>I</a:t>
-                  </a:r>
-                  <a:r>
-                    <a:rPr lang="en-US" baseline="-25000" dirty="0" err="1"/>
-                    <a:t>ext</a:t>
-                  </a:r>
-                  <a:endParaRPr lang="en-US" dirty="0"/>
-                </a:p>
-              </p:txBody>
-            </p:sp>
-            <p:sp>
-              <p:nvSpPr>
-                <p:cNvPr id="52" name="TextBox 51">
-                  <a:extLst>
-                    <a:ext uri="{FF2B5EF4-FFF2-40B4-BE49-F238E27FC236}">
-                      <a16:creationId xmlns:a16="http://schemas.microsoft.com/office/drawing/2014/main" id="{CC33D50B-9B8E-4CC6-F443-1A208525AD86}"/>
-                    </a:ext>
-                  </a:extLst>
-                </p:cNvPr>
-                <p:cNvSpPr txBox="1"/>
-                <p:nvPr/>
-              </p:nvSpPr>
-              <p:spPr>
-                <a:xfrm>
-                  <a:off x="6048139" y="3838349"/>
-                  <a:ext cx="689931" cy="369332"/>
-                </a:xfrm>
-                <a:prstGeom prst="rect">
-                  <a:avLst/>
-                </a:prstGeom>
-                <a:noFill/>
-              </p:spPr>
-              <p:txBody>
-                <a:bodyPr wrap="square" rtlCol="0">
-                  <a:spAutoFit/>
-                </a:bodyPr>
-                <a:lstStyle/>
-                <a:p>
-                  <a:r>
-                    <a:rPr lang="en-US" dirty="0"/>
-                    <a:t>R</a:t>
-                  </a:r>
-                </a:p>
-              </p:txBody>
-            </p:sp>
-            <p:cxnSp>
-              <p:nvCxnSpPr>
-                <p:cNvPr id="9" name="Straight Connector 8">
-                  <a:extLst>
-                    <a:ext uri="{FF2B5EF4-FFF2-40B4-BE49-F238E27FC236}">
-                      <a16:creationId xmlns:a16="http://schemas.microsoft.com/office/drawing/2014/main" id="{EA7825A5-BC50-710C-9DC3-3DCC51C8C79C}"/>
-                    </a:ext>
-                  </a:extLst>
-                </p:cNvPr>
-                <p:cNvCxnSpPr>
-                  <a:cxnSpLocks/>
-                </p:cNvCxnSpPr>
-                <p:nvPr/>
-              </p:nvCxnSpPr>
-              <p:spPr>
-                <a:xfrm>
-                  <a:off x="6011633" y="3896493"/>
-                  <a:ext cx="462808" cy="0"/>
-                </a:xfrm>
-                <a:prstGeom prst="line">
-                  <a:avLst/>
-                </a:prstGeom>
-                <a:ln w="19050"/>
-              </p:spPr>
-              <p:style>
-                <a:lnRef idx="1">
-                  <a:schemeClr val="dk1"/>
-                </a:lnRef>
-                <a:fillRef idx="0">
-                  <a:schemeClr val="dk1"/>
-                </a:fillRef>
-                <a:effectRef idx="0">
-                  <a:schemeClr val="dk1"/>
-                </a:effectRef>
-                <a:fontRef idx="minor">
-                  <a:schemeClr val="tx1"/>
-                </a:fontRef>
-              </p:style>
-            </p:cxnSp>
-          </p:grpSp>
-        </p:grpSp>
-      </p:grpSp>
-      <p:grpSp>
-        <p:nvGrpSpPr>
-          <p:cNvPr id="16" name="Group 15">
-            <a:extLst>
-              <a:ext uri="{FF2B5EF4-FFF2-40B4-BE49-F238E27FC236}">
-                <a16:creationId xmlns:a16="http://schemas.microsoft.com/office/drawing/2014/main" id="{D79FA310-EC61-06E8-3F56-68C039E8FF58}"/>
-              </a:ext>
-            </a:extLst>
-          </p:cNvPr>
-          <p:cNvGrpSpPr/>
-          <p:nvPr/>
-        </p:nvGrpSpPr>
-        <p:grpSpPr>
-          <a:xfrm>
-            <a:off x="444203" y="2195734"/>
-            <a:ext cx="5567430" cy="3401517"/>
-            <a:chOff x="444203" y="2195734"/>
-            <a:chExt cx="5567430" cy="3401517"/>
-          </a:xfrm>
-        </p:grpSpPr>
-        <p:sp>
-          <p:nvSpPr>
-            <p:cNvPr id="26" name="TextBox 25">
-              <a:extLst>
-                <a:ext uri="{FF2B5EF4-FFF2-40B4-BE49-F238E27FC236}">
-                  <a16:creationId xmlns:a16="http://schemas.microsoft.com/office/drawing/2014/main" id="{9A16567D-CB1C-CF3F-A4BD-DD89C5E69BAE}"/>
-                </a:ext>
-              </a:extLst>
-            </p:cNvPr>
-            <p:cNvSpPr txBox="1"/>
-            <p:nvPr/>
-          </p:nvSpPr>
-          <p:spPr>
-            <a:xfrm>
-              <a:off x="444203" y="2572146"/>
-              <a:ext cx="1283710" cy="646331"/>
-            </a:xfrm>
-            <a:prstGeom prst="rect">
-              <a:avLst/>
-            </a:prstGeom>
-            <a:noFill/>
-          </p:spPr>
-          <p:txBody>
-            <a:bodyPr wrap="square" rtlCol="0">
-              <a:spAutoFit/>
-            </a:bodyPr>
-            <a:lstStyle/>
-            <a:p>
-              <a:pPr algn="r"/>
-              <a:r>
-                <a:rPr lang="en-US" dirty="0"/>
-                <a:t>external current</a:t>
-              </a:r>
-            </a:p>
-          </p:txBody>
-        </p:sp>
-        <p:sp>
-          <p:nvSpPr>
-            <p:cNvPr id="69" name="TextBox 68">
-              <a:extLst>
-                <a:ext uri="{FF2B5EF4-FFF2-40B4-BE49-F238E27FC236}">
-                  <a16:creationId xmlns:a16="http://schemas.microsoft.com/office/drawing/2014/main" id="{5C30B684-FEC1-5AC4-F351-1D519F59CF50}"/>
-                </a:ext>
-              </a:extLst>
-            </p:cNvPr>
-            <p:cNvSpPr txBox="1"/>
-            <p:nvPr/>
-          </p:nvSpPr>
-          <p:spPr>
-            <a:xfrm>
-              <a:off x="481558" y="4107674"/>
-              <a:ext cx="1283710" cy="646331"/>
-            </a:xfrm>
-            <a:prstGeom prst="rect">
-              <a:avLst/>
-            </a:prstGeom>
-            <a:noFill/>
-          </p:spPr>
-          <p:txBody>
-            <a:bodyPr wrap="square" rtlCol="0">
-              <a:spAutoFit/>
-            </a:bodyPr>
-            <a:lstStyle/>
-            <a:p>
-              <a:pPr algn="r"/>
-              <a:r>
-                <a:rPr lang="en-US" dirty="0"/>
-                <a:t>membrane</a:t>
-              </a:r>
-            </a:p>
-            <a:p>
-              <a:pPr algn="r"/>
-              <a:r>
-                <a:rPr lang="en-US" dirty="0"/>
-                <a:t>potential</a:t>
-              </a:r>
-            </a:p>
-          </p:txBody>
-        </p:sp>
-        <p:pic>
-          <p:nvPicPr>
-            <p:cNvPr id="33" name="Graphic 32">
-              <a:extLst>
-                <a:ext uri="{FF2B5EF4-FFF2-40B4-BE49-F238E27FC236}">
-                  <a16:creationId xmlns:a16="http://schemas.microsoft.com/office/drawing/2014/main" id="{6C59428F-E571-F36F-5029-C3ECB0BB5E2F}"/>
-                </a:ext>
-              </a:extLst>
-            </p:cNvPr>
-            <p:cNvPicPr>
-              <a:picLocks noChangeAspect="1"/>
-            </p:cNvPicPr>
-            <p:nvPr/>
-          </p:nvPicPr>
-          <p:blipFill>
-            <a:blip r:embed="rId2">
-              <a:extLst>
-                <a:ext uri="{96DAC541-7B7A-43D3-8B79-37D633B846F1}">
-                  <asvg:svgBlip xmlns:asvg="http://schemas.microsoft.com/office/drawing/2016/SVG/main" r:embed="rId3"/>
-                </a:ext>
-              </a:extLst>
-            </a:blip>
-            <a:stretch>
-              <a:fillRect/>
-            </a:stretch>
-          </p:blipFill>
-          <p:spPr>
-            <a:xfrm>
-              <a:off x="2054504" y="2195734"/>
-              <a:ext cx="3957129" cy="2955733"/>
-            </a:xfrm>
-            <a:prstGeom prst="rect">
-              <a:avLst/>
-            </a:prstGeom>
-          </p:spPr>
-        </p:pic>
-        <p:sp>
-          <p:nvSpPr>
-            <p:cNvPr id="34" name="TextBox 33">
-              <a:extLst>
-                <a:ext uri="{FF2B5EF4-FFF2-40B4-BE49-F238E27FC236}">
-                  <a16:creationId xmlns:a16="http://schemas.microsoft.com/office/drawing/2014/main" id="{7A383209-25C8-32A3-5C50-7914D6B75A96}"/>
-                </a:ext>
-              </a:extLst>
-            </p:cNvPr>
-            <p:cNvSpPr txBox="1"/>
-            <p:nvPr/>
-          </p:nvSpPr>
-          <p:spPr>
-            <a:xfrm>
-              <a:off x="3479774" y="5227919"/>
-              <a:ext cx="914400" cy="369332"/>
-            </a:xfrm>
-            <a:prstGeom prst="rect">
-              <a:avLst/>
-            </a:prstGeom>
-            <a:noFill/>
-          </p:spPr>
-          <p:txBody>
-            <a:bodyPr wrap="square" rtlCol="0">
-              <a:spAutoFit/>
-            </a:bodyPr>
-            <a:lstStyle/>
-            <a:p>
-              <a:pPr algn="ctr"/>
-              <a:r>
-                <a:rPr lang="en-US" dirty="0"/>
-                <a:t>time</a:t>
-              </a:r>
-            </a:p>
-          </p:txBody>
-        </p:sp>
-        <p:sp>
-          <p:nvSpPr>
-            <p:cNvPr id="141" name="TextBox 140">
-              <a:extLst>
-                <a:ext uri="{FF2B5EF4-FFF2-40B4-BE49-F238E27FC236}">
-                  <a16:creationId xmlns:a16="http://schemas.microsoft.com/office/drawing/2014/main" id="{94B6D062-BB42-B138-D0EE-4C108CEA1537}"/>
-                </a:ext>
-              </a:extLst>
-            </p:cNvPr>
-            <p:cNvSpPr txBox="1"/>
-            <p:nvPr/>
-          </p:nvSpPr>
-          <p:spPr>
-            <a:xfrm>
-              <a:off x="1765268" y="2284155"/>
-              <a:ext cx="326372" cy="374467"/>
-            </a:xfrm>
-            <a:prstGeom prst="rect">
-              <a:avLst/>
-            </a:prstGeom>
-            <a:noFill/>
-          </p:spPr>
-          <p:txBody>
-            <a:bodyPr wrap="square" rtlCol="0">
-              <a:spAutoFit/>
-            </a:bodyPr>
-            <a:lstStyle/>
-            <a:p>
-              <a:pPr algn="r"/>
-              <a:r>
-                <a:rPr lang="en-US" dirty="0"/>
-                <a:t>0</a:t>
-              </a:r>
-            </a:p>
-          </p:txBody>
-        </p:sp>
-        <p:sp>
-          <p:nvSpPr>
-            <p:cNvPr id="142" name="TextBox 141">
-              <a:extLst>
-                <a:ext uri="{FF2B5EF4-FFF2-40B4-BE49-F238E27FC236}">
-                  <a16:creationId xmlns:a16="http://schemas.microsoft.com/office/drawing/2014/main" id="{D73C272D-17FB-F84F-5856-ACB4DB8E6F11}"/>
-                </a:ext>
-              </a:extLst>
-            </p:cNvPr>
-            <p:cNvSpPr txBox="1"/>
-            <p:nvPr/>
-          </p:nvSpPr>
-          <p:spPr>
-            <a:xfrm>
-              <a:off x="1433047" y="4782135"/>
-              <a:ext cx="664441" cy="369332"/>
-            </a:xfrm>
-            <a:prstGeom prst="rect">
-              <a:avLst/>
-            </a:prstGeom>
-            <a:noFill/>
-          </p:spPr>
-          <p:txBody>
-            <a:bodyPr wrap="square" rtlCol="0">
-              <a:spAutoFit/>
-            </a:bodyPr>
-            <a:lstStyle/>
-            <a:p>
-              <a:pPr algn="r"/>
-              <a:r>
-                <a:rPr lang="en-US" dirty="0" err="1"/>
-                <a:t>E</a:t>
-              </a:r>
-              <a:r>
-                <a:rPr lang="en-US" baseline="-25000" dirty="0" err="1"/>
-                <a:t>ion</a:t>
-              </a:r>
-              <a:endParaRPr lang="en-US" dirty="0"/>
-            </a:p>
-          </p:txBody>
-        </p:sp>
-        <p:sp>
-          <p:nvSpPr>
-            <p:cNvPr id="60" name="TextBox 59">
-              <a:extLst>
-                <a:ext uri="{FF2B5EF4-FFF2-40B4-BE49-F238E27FC236}">
-                  <a16:creationId xmlns:a16="http://schemas.microsoft.com/office/drawing/2014/main" id="{9CCE745F-5BC7-896B-7A0C-38BD193A1D52}"/>
-                </a:ext>
-              </a:extLst>
-            </p:cNvPr>
-            <p:cNvSpPr txBox="1"/>
-            <p:nvPr/>
-          </p:nvSpPr>
-          <p:spPr>
-            <a:xfrm>
-              <a:off x="1267658" y="3109493"/>
-              <a:ext cx="810993" cy="369332"/>
-            </a:xfrm>
-            <a:prstGeom prst="rect">
-              <a:avLst/>
-            </a:prstGeom>
-            <a:noFill/>
-          </p:spPr>
-          <p:txBody>
-            <a:bodyPr wrap="square" rtlCol="0">
-              <a:spAutoFit/>
-            </a:bodyPr>
-            <a:lstStyle/>
-            <a:p>
-              <a:pPr algn="r"/>
-              <a:r>
-                <a:rPr lang="en-US" dirty="0" err="1"/>
-                <a:t>I</a:t>
-              </a:r>
-              <a:r>
-                <a:rPr lang="en-US" baseline="-25000" dirty="0" err="1"/>
-                <a:t>ext</a:t>
-              </a:r>
-              <a:endParaRPr lang="en-US" dirty="0"/>
-            </a:p>
-          </p:txBody>
-        </p:sp>
-      </p:grpSp>
-    </p:spTree>
-    <p:extLst>
-      <p:ext uri="{BB962C8B-B14F-4D97-AF65-F5344CB8AC3E}">
-        <p14:creationId xmlns:p14="http://schemas.microsoft.com/office/powerpoint/2010/main" val="4264780355"/>
-      </p:ext>
-    </p:extLst>
-  </p:cSld>
-  <p:clrMapOvr>
-    <a:masterClrMapping/>
-  </p:clrMapOvr>
-  <p:timing>
-    <p:tnLst>
-      <p:par>
-        <p:cTn id="1" dur="indefinite" restart="never" nodeType="tmRoot">
-          <p:childTnLst>
-            <p:seq concurrent="1" nextAc="seek">
-              <p:cTn id="2" dur="indefinite" nodeType="mainSeq">
-                <p:childTnLst>
-                  <p:par>
-                    <p:cTn id="3" fill="hold">
-                      <p:stCondLst>
-                        <p:cond delay="indefinite"/>
-                      </p:stCondLst>
-                      <p:childTnLst>
-                        <p:par>
-                          <p:cTn id="4" fill="hold">
-                            <p:stCondLst>
-                              <p:cond delay="0"/>
-                            </p:stCondLst>
-                            <p:childTnLst>
-                              <p:par>
-                                <p:cTn id="5" presetID="10" presetClass="entr" presetSubtype="0" fill="hold" nodeType="clickEffect">
-                                  <p:stCondLst>
-                                    <p:cond delay="0"/>
-                                  </p:stCondLst>
-                                  <p:childTnLst>
-                                    <p:set>
-                                      <p:cBhvr>
-                                        <p:cTn id="6" dur="1" fill="hold">
-                                          <p:stCondLst>
-                                            <p:cond delay="0"/>
-                                          </p:stCondLst>
-                                        </p:cTn>
-                                        <p:tgtEl>
-                                          <p:spTgt spid="16"/>
-                                        </p:tgtEl>
-                                        <p:attrNameLst>
-                                          <p:attrName>style.visibility</p:attrName>
-                                        </p:attrNameLst>
-                                      </p:cBhvr>
-                                      <p:to>
-                                        <p:strVal val="visible"/>
-                                      </p:to>
-                                    </p:set>
-                                    <p:animEffect transition="in" filter="fade">
-                                      <p:cBhvr>
-                                        <p:cTn id="7" dur="100"/>
-                                        <p:tgtEl>
-                                          <p:spTgt spid="16"/>
-                                        </p:tgtEl>
-                                      </p:cBhvr>
-                                    </p:animEffect>
-                                  </p:childTnLst>
-                                </p:cTn>
-                              </p:par>
-                            </p:childTnLst>
-                          </p:cTn>
-                        </p:par>
-                      </p:childTnLst>
-                    </p:cTn>
-                  </p:par>
-                  <p:par>
-                    <p:cTn id="8" fill="hold">
-                      <p:stCondLst>
-                        <p:cond delay="indefinite"/>
-                      </p:stCondLst>
-                      <p:childTnLst>
-                        <p:par>
-                          <p:cTn id="9" fill="hold">
-                            <p:stCondLst>
-                              <p:cond delay="0"/>
-                            </p:stCondLst>
-                            <p:childTnLst>
-                              <p:par>
-                                <p:cTn id="10" presetID="10" presetClass="entr" presetSubtype="0" fill="hold" grpId="0" nodeType="clickEffect">
-                                  <p:stCondLst>
-                                    <p:cond delay="0"/>
-                                  </p:stCondLst>
-                                  <p:childTnLst>
-                                    <p:set>
-                                      <p:cBhvr>
-                                        <p:cTn id="11" dur="1" fill="hold">
-                                          <p:stCondLst>
-                                            <p:cond delay="0"/>
-                                          </p:stCondLst>
-                                        </p:cTn>
-                                        <p:tgtEl>
-                                          <p:spTgt spid="2"/>
-                                        </p:tgtEl>
-                                        <p:attrNameLst>
-                                          <p:attrName>style.visibility</p:attrName>
-                                        </p:attrNameLst>
-                                      </p:cBhvr>
-                                      <p:to>
-                                        <p:strVal val="visible"/>
-                                      </p:to>
-                                    </p:set>
-                                    <p:animEffect transition="in" filter="fade">
-                                      <p:cBhvr>
-                                        <p:cTn id="12" dur="100"/>
-                                        <p:tgtEl>
-                                          <p:spTgt spid="2"/>
-                                        </p:tgtEl>
-                                      </p:cBhvr>
-                                    </p:animEffect>
-                                  </p:childTnLst>
-                                </p:cTn>
-                              </p:par>
-                            </p:childTnLst>
-                          </p:cTn>
-                        </p:par>
-                      </p:childTnLst>
-                    </p:cTn>
-                  </p:par>
-                  <p:par>
-                    <p:cTn id="13" fill="hold">
-                      <p:stCondLst>
-                        <p:cond delay="indefinite"/>
-                      </p:stCondLst>
-                      <p:childTnLst>
-                        <p:par>
-                          <p:cTn id="14" fill="hold">
-                            <p:stCondLst>
-                              <p:cond delay="0"/>
-                            </p:stCondLst>
-                            <p:childTnLst>
-                              <p:par>
-                                <p:cTn id="15" presetID="10" presetClass="entr" presetSubtype="0" fill="hold" nodeType="clickEffect">
-                                  <p:stCondLst>
-                                    <p:cond delay="0"/>
-                                  </p:stCondLst>
-                                  <p:childTnLst>
-                                    <p:set>
-                                      <p:cBhvr>
-                                        <p:cTn id="16" dur="1" fill="hold">
-                                          <p:stCondLst>
-                                            <p:cond delay="0"/>
-                                          </p:stCondLst>
-                                        </p:cTn>
-                                        <p:tgtEl>
-                                          <p:spTgt spid="14"/>
-                                        </p:tgtEl>
-                                        <p:attrNameLst>
-                                          <p:attrName>style.visibility</p:attrName>
-                                        </p:attrNameLst>
-                                      </p:cBhvr>
-                                      <p:to>
-                                        <p:strVal val="visible"/>
-                                      </p:to>
-                                    </p:set>
-                                    <p:animEffect transition="in" filter="fade">
-                                      <p:cBhvr>
-                                        <p:cTn id="17" dur="500"/>
-                                        <p:tgtEl>
-                                          <p:spTgt spid="14"/>
-                                        </p:tgtEl>
-                                      </p:cBhvr>
-                                    </p:animEffect>
-                                  </p:childTnLst>
-                                </p:cTn>
-                              </p:par>
-                            </p:childTnLst>
-                          </p:cTn>
-                        </p:par>
-                      </p:childTnLst>
-                    </p:cTn>
-                  </p:par>
-                </p:childTnLst>
-              </p:cTn>
-              <p:prevCondLst>
-                <p:cond evt="onPrev" delay="0">
-                  <p:tgtEl>
-                    <p:sldTgt/>
-                  </p:tgtEl>
-                </p:cond>
-              </p:prevCondLst>
-              <p:nextCondLst>
-                <p:cond evt="onNext" delay="0">
-                  <p:tgtEl>
-                    <p:sldTgt/>
-                  </p:tgtEl>
-                </p:cond>
-              </p:nextCondLst>
-            </p:seq>
-          </p:childTnLst>
-        </p:cTn>
-      </p:par>
-    </p:tnLst>
-    <p:bldLst>
-      <p:bldP spid="2" grpId="0"/>
-    </p:bldLst>
-  </p:timing>
-</p:sld>
-</file>
-
 <file path=ppt/theme/theme1.xml><?xml version="1.0" encoding="utf-8"?>
 <a:theme xmlns:a="http://schemas.openxmlformats.org/drawingml/2006/main" name="Office Theme">
   <a:themeElements>
